--- a/Presentation/Zoltar Stock App.pptx
+++ b/Presentation/Zoltar Stock App.pptx
@@ -9,6 +9,7 @@
     <p:sldId id="261" r:id="rId6"/>
     <p:sldId id="263" r:id="rId7"/>
     <p:sldId id="264" r:id="rId8"/>
+    <p:sldId id="265" r:id="rId9"/>
   </p:sldIdLst>
   <p:sldSz cx="12192000" cy="6858000"/>
   <p:notesSz cx="6858000" cy="9144000"/>
@@ -1003,6 +1004,1504 @@
     <dgm:fillClrLst meth="repeat">
       <a:schemeClr val="accent2">
         <a:tint val="40000"/>
+      </a:schemeClr>
+    </dgm:fillClrLst>
+    <dgm:linClrLst meth="repeat">
+      <a:schemeClr val="lt1"/>
+    </dgm:linClrLst>
+    <dgm:effectClrLst/>
+    <dgm:txLinClrLst/>
+    <dgm:txFillClrLst meth="repeat">
+      <a:schemeClr val="dk1"/>
+    </dgm:txFillClrLst>
+    <dgm:txEffectClrLst/>
+  </dgm:styleLbl>
+  <dgm:styleLbl name="revTx">
+    <dgm:fillClrLst meth="repeat">
+      <a:schemeClr val="lt1">
+        <a:alpha val="0"/>
+      </a:schemeClr>
+    </dgm:fillClrLst>
+    <dgm:linClrLst meth="repeat">
+      <a:schemeClr val="dk1">
+        <a:alpha val="0"/>
+      </a:schemeClr>
+    </dgm:linClrLst>
+    <dgm:effectClrLst/>
+    <dgm:txLinClrLst/>
+    <dgm:txFillClrLst meth="repeat">
+      <a:schemeClr val="tx1"/>
+    </dgm:txFillClrLst>
+    <dgm:txEffectClrLst/>
+  </dgm:styleLbl>
+</dgm:colorsDef>
+</file>
+
+<file path=ppt/diagrams/colors2.xml><?xml version="1.0" encoding="utf-8"?>
+<dgm:colorsDef xmlns:dgm="http://schemas.openxmlformats.org/drawingml/2006/diagram" xmlns:a="http://schemas.openxmlformats.org/drawingml/2006/main" uniqueId="urn:microsoft.com/office/officeart/2005/8/colors/accent0_3">
+  <dgm:title val=""/>
+  <dgm:desc val=""/>
+  <dgm:catLst>
+    <dgm:cat type="mainScheme" pri="10300"/>
+  </dgm:catLst>
+  <dgm:styleLbl name="node0">
+    <dgm:fillClrLst meth="repeat">
+      <a:schemeClr val="dk2"/>
+    </dgm:fillClrLst>
+    <dgm:linClrLst meth="repeat">
+      <a:schemeClr val="lt2"/>
+    </dgm:linClrLst>
+    <dgm:effectClrLst/>
+    <dgm:txLinClrLst/>
+    <dgm:txFillClrLst/>
+    <dgm:txEffectClrLst/>
+  </dgm:styleLbl>
+  <dgm:styleLbl name="alignNode1">
+    <dgm:fillClrLst meth="repeat">
+      <a:schemeClr val="dk2"/>
+    </dgm:fillClrLst>
+    <dgm:linClrLst meth="repeat">
+      <a:schemeClr val="dk2"/>
+    </dgm:linClrLst>
+    <dgm:effectClrLst/>
+    <dgm:txLinClrLst/>
+    <dgm:txFillClrLst/>
+    <dgm:txEffectClrLst/>
+  </dgm:styleLbl>
+  <dgm:styleLbl name="node1">
+    <dgm:fillClrLst meth="repeat">
+      <a:schemeClr val="dk2"/>
+    </dgm:fillClrLst>
+    <dgm:linClrLst meth="repeat">
+      <a:schemeClr val="lt2"/>
+    </dgm:linClrLst>
+    <dgm:effectClrLst/>
+    <dgm:txLinClrLst/>
+    <dgm:txFillClrLst/>
+    <dgm:txEffectClrLst/>
+  </dgm:styleLbl>
+  <dgm:styleLbl name="lnNode1">
+    <dgm:fillClrLst meth="repeat">
+      <a:schemeClr val="dk2"/>
+    </dgm:fillClrLst>
+    <dgm:linClrLst meth="repeat">
+      <a:schemeClr val="lt2"/>
+    </dgm:linClrLst>
+    <dgm:effectClrLst/>
+    <dgm:txLinClrLst/>
+    <dgm:txFillClrLst/>
+    <dgm:txEffectClrLst/>
+  </dgm:styleLbl>
+  <dgm:styleLbl name="vennNode1">
+    <dgm:fillClrLst meth="repeat">
+      <a:schemeClr val="dk2">
+        <a:alpha val="50000"/>
+      </a:schemeClr>
+    </dgm:fillClrLst>
+    <dgm:linClrLst meth="repeat">
+      <a:schemeClr val="lt2"/>
+    </dgm:linClrLst>
+    <dgm:effectClrLst/>
+    <dgm:txLinClrLst/>
+    <dgm:txFillClrLst/>
+    <dgm:txEffectClrLst/>
+  </dgm:styleLbl>
+  <dgm:styleLbl name="node2">
+    <dgm:fillClrLst meth="repeat">
+      <a:schemeClr val="dk2"/>
+    </dgm:fillClrLst>
+    <dgm:linClrLst meth="repeat">
+      <a:schemeClr val="lt2"/>
+    </dgm:linClrLst>
+    <dgm:effectClrLst/>
+    <dgm:txLinClrLst/>
+    <dgm:txFillClrLst/>
+    <dgm:txEffectClrLst/>
+  </dgm:styleLbl>
+  <dgm:styleLbl name="node3">
+    <dgm:fillClrLst meth="repeat">
+      <a:schemeClr val="dk2"/>
+    </dgm:fillClrLst>
+    <dgm:linClrLst meth="repeat">
+      <a:schemeClr val="lt2"/>
+    </dgm:linClrLst>
+    <dgm:effectClrLst/>
+    <dgm:txLinClrLst/>
+    <dgm:txFillClrLst/>
+    <dgm:txEffectClrLst/>
+  </dgm:styleLbl>
+  <dgm:styleLbl name="node4">
+    <dgm:fillClrLst meth="repeat">
+      <a:schemeClr val="dk2"/>
+    </dgm:fillClrLst>
+    <dgm:linClrLst meth="repeat">
+      <a:schemeClr val="lt2"/>
+    </dgm:linClrLst>
+    <dgm:effectClrLst/>
+    <dgm:txLinClrLst/>
+    <dgm:txFillClrLst/>
+    <dgm:txEffectClrLst/>
+  </dgm:styleLbl>
+  <dgm:styleLbl name="fgImgPlace1">
+    <dgm:fillClrLst meth="repeat">
+      <a:schemeClr val="dk2">
+        <a:tint val="50000"/>
+      </a:schemeClr>
+    </dgm:fillClrLst>
+    <dgm:linClrLst meth="repeat">
+      <a:schemeClr val="lt2"/>
+    </dgm:linClrLst>
+    <dgm:effectClrLst/>
+    <dgm:txLinClrLst/>
+    <dgm:txFillClrLst meth="repeat">
+      <a:schemeClr val="lt2"/>
+    </dgm:txFillClrLst>
+    <dgm:txEffectClrLst/>
+  </dgm:styleLbl>
+  <dgm:styleLbl name="alignImgPlace1">
+    <dgm:fillClrLst meth="repeat">
+      <a:schemeClr val="dk2">
+        <a:tint val="50000"/>
+      </a:schemeClr>
+    </dgm:fillClrLst>
+    <dgm:linClrLst meth="repeat">
+      <a:schemeClr val="dk2">
+        <a:shade val="80000"/>
+      </a:schemeClr>
+    </dgm:linClrLst>
+    <dgm:effectClrLst/>
+    <dgm:txLinClrLst/>
+    <dgm:txFillClrLst meth="repeat">
+      <a:schemeClr val="lt2"/>
+    </dgm:txFillClrLst>
+    <dgm:txEffectClrLst/>
+  </dgm:styleLbl>
+  <dgm:styleLbl name="bgImgPlace1">
+    <dgm:fillClrLst meth="repeat">
+      <a:schemeClr val="dk2">
+        <a:tint val="50000"/>
+      </a:schemeClr>
+    </dgm:fillClrLst>
+    <dgm:linClrLst meth="repeat">
+      <a:schemeClr val="dk2">
+        <a:shade val="80000"/>
+      </a:schemeClr>
+    </dgm:linClrLst>
+    <dgm:effectClrLst/>
+    <dgm:txLinClrLst/>
+    <dgm:txFillClrLst meth="repeat">
+      <a:schemeClr val="lt2"/>
+    </dgm:txFillClrLst>
+    <dgm:txEffectClrLst/>
+  </dgm:styleLbl>
+  <dgm:styleLbl name="sibTrans2D1">
+    <dgm:fillClrLst meth="repeat">
+      <a:schemeClr val="dk2">
+        <a:tint val="60000"/>
+      </a:schemeClr>
+    </dgm:fillClrLst>
+    <dgm:linClrLst meth="repeat">
+      <a:schemeClr val="dk2">
+        <a:tint val="60000"/>
+      </a:schemeClr>
+    </dgm:linClrLst>
+    <dgm:effectClrLst/>
+    <dgm:txLinClrLst/>
+    <dgm:txFillClrLst/>
+    <dgm:txEffectClrLst/>
+  </dgm:styleLbl>
+  <dgm:styleLbl name="fgSibTrans2D1">
+    <dgm:fillClrLst meth="repeat">
+      <a:schemeClr val="dk2">
+        <a:tint val="60000"/>
+      </a:schemeClr>
+    </dgm:fillClrLst>
+    <dgm:linClrLst meth="repeat">
+      <a:schemeClr val="dk2">
+        <a:tint val="60000"/>
+      </a:schemeClr>
+    </dgm:linClrLst>
+    <dgm:effectClrLst/>
+    <dgm:txLinClrLst/>
+    <dgm:txFillClrLst/>
+    <dgm:txEffectClrLst/>
+  </dgm:styleLbl>
+  <dgm:styleLbl name="bgSibTrans2D1">
+    <dgm:fillClrLst meth="repeat">
+      <a:schemeClr val="dk2">
+        <a:tint val="60000"/>
+      </a:schemeClr>
+    </dgm:fillClrLst>
+    <dgm:linClrLst meth="repeat">
+      <a:schemeClr val="dk2">
+        <a:tint val="60000"/>
+      </a:schemeClr>
+    </dgm:linClrLst>
+    <dgm:effectClrLst/>
+    <dgm:txLinClrLst/>
+    <dgm:txFillClrLst/>
+    <dgm:txEffectClrLst/>
+  </dgm:styleLbl>
+  <dgm:styleLbl name="sibTrans1D1">
+    <dgm:fillClrLst meth="repeat">
+      <a:schemeClr val="dk2"/>
+    </dgm:fillClrLst>
+    <dgm:linClrLst meth="repeat">
+      <a:schemeClr val="dk2"/>
+    </dgm:linClrLst>
+    <dgm:effectClrLst/>
+    <dgm:txLinClrLst/>
+    <dgm:txFillClrLst meth="repeat">
+      <a:schemeClr val="lt2"/>
+    </dgm:txFillClrLst>
+    <dgm:txEffectClrLst/>
+  </dgm:styleLbl>
+  <dgm:styleLbl name="callout">
+    <dgm:fillClrLst meth="repeat">
+      <a:schemeClr val="dk2"/>
+    </dgm:fillClrLst>
+    <dgm:linClrLst meth="repeat">
+      <a:schemeClr val="dk2">
+        <a:tint val="50000"/>
+      </a:schemeClr>
+    </dgm:linClrLst>
+    <dgm:effectClrLst/>
+    <dgm:txLinClrLst/>
+    <dgm:txFillClrLst meth="repeat">
+      <a:schemeClr val="lt2"/>
+    </dgm:txFillClrLst>
+    <dgm:txEffectClrLst/>
+  </dgm:styleLbl>
+  <dgm:styleLbl name="asst0">
+    <dgm:fillClrLst meth="repeat">
+      <a:schemeClr val="dk2"/>
+    </dgm:fillClrLst>
+    <dgm:linClrLst meth="repeat">
+      <a:schemeClr val="lt2"/>
+    </dgm:linClrLst>
+    <dgm:effectClrLst/>
+    <dgm:txLinClrLst/>
+    <dgm:txFillClrLst/>
+    <dgm:txEffectClrLst/>
+  </dgm:styleLbl>
+  <dgm:styleLbl name="asst1">
+    <dgm:fillClrLst meth="repeat">
+      <a:schemeClr val="dk2"/>
+    </dgm:fillClrLst>
+    <dgm:linClrLst meth="repeat">
+      <a:schemeClr val="lt2"/>
+    </dgm:linClrLst>
+    <dgm:effectClrLst/>
+    <dgm:txLinClrLst/>
+    <dgm:txFillClrLst/>
+    <dgm:txEffectClrLst/>
+  </dgm:styleLbl>
+  <dgm:styleLbl name="asst2">
+    <dgm:fillClrLst meth="repeat">
+      <a:schemeClr val="dk2"/>
+    </dgm:fillClrLst>
+    <dgm:linClrLst meth="repeat">
+      <a:schemeClr val="lt2"/>
+    </dgm:linClrLst>
+    <dgm:effectClrLst/>
+    <dgm:txLinClrLst/>
+    <dgm:txFillClrLst/>
+    <dgm:txEffectClrLst/>
+  </dgm:styleLbl>
+  <dgm:styleLbl name="asst3">
+    <dgm:fillClrLst meth="repeat">
+      <a:schemeClr val="dk2"/>
+    </dgm:fillClrLst>
+    <dgm:linClrLst meth="repeat">
+      <a:schemeClr val="lt2"/>
+    </dgm:linClrLst>
+    <dgm:effectClrLst/>
+    <dgm:txLinClrLst/>
+    <dgm:txFillClrLst/>
+    <dgm:txEffectClrLst/>
+  </dgm:styleLbl>
+  <dgm:styleLbl name="asst4">
+    <dgm:fillClrLst meth="repeat">
+      <a:schemeClr val="dk2"/>
+    </dgm:fillClrLst>
+    <dgm:linClrLst meth="repeat">
+      <a:schemeClr val="lt2"/>
+    </dgm:linClrLst>
+    <dgm:effectClrLst/>
+    <dgm:txLinClrLst/>
+    <dgm:txFillClrLst/>
+    <dgm:txEffectClrLst/>
+  </dgm:styleLbl>
+  <dgm:styleLbl name="parChTrans2D1">
+    <dgm:fillClrLst meth="repeat">
+      <a:schemeClr val="dk2">
+        <a:tint val="60000"/>
+      </a:schemeClr>
+    </dgm:fillClrLst>
+    <dgm:linClrLst meth="repeat">
+      <a:schemeClr val="dk2">
+        <a:tint val="60000"/>
+      </a:schemeClr>
+    </dgm:linClrLst>
+    <dgm:effectClrLst/>
+    <dgm:txLinClrLst/>
+    <dgm:txFillClrLst meth="repeat">
+      <a:schemeClr val="lt2"/>
+    </dgm:txFillClrLst>
+    <dgm:txEffectClrLst/>
+  </dgm:styleLbl>
+  <dgm:styleLbl name="parChTrans2D2">
+    <dgm:fillClrLst meth="repeat">
+      <a:schemeClr val="dk2"/>
+    </dgm:fillClrLst>
+    <dgm:linClrLst meth="repeat">
+      <a:schemeClr val="dk2"/>
+    </dgm:linClrLst>
+    <dgm:effectClrLst/>
+    <dgm:txLinClrLst/>
+    <dgm:txFillClrLst meth="repeat">
+      <a:schemeClr val="lt2"/>
+    </dgm:txFillClrLst>
+    <dgm:txEffectClrLst/>
+  </dgm:styleLbl>
+  <dgm:styleLbl name="parChTrans2D3">
+    <dgm:fillClrLst meth="repeat">
+      <a:schemeClr val="dk2"/>
+    </dgm:fillClrLst>
+    <dgm:linClrLst meth="repeat">
+      <a:schemeClr val="dk2"/>
+    </dgm:linClrLst>
+    <dgm:effectClrLst/>
+    <dgm:txLinClrLst/>
+    <dgm:txFillClrLst meth="repeat">
+      <a:schemeClr val="lt2"/>
+    </dgm:txFillClrLst>
+    <dgm:txEffectClrLst/>
+  </dgm:styleLbl>
+  <dgm:styleLbl name="parChTrans2D4">
+    <dgm:fillClrLst meth="repeat">
+      <a:schemeClr val="dk2"/>
+    </dgm:fillClrLst>
+    <dgm:linClrLst meth="repeat">
+      <a:schemeClr val="dk2"/>
+    </dgm:linClrLst>
+    <dgm:effectClrLst/>
+    <dgm:txLinClrLst/>
+    <dgm:txFillClrLst meth="repeat">
+      <a:schemeClr val="lt2"/>
+    </dgm:txFillClrLst>
+    <dgm:txEffectClrLst/>
+  </dgm:styleLbl>
+  <dgm:styleLbl name="parChTrans1D1">
+    <dgm:fillClrLst meth="repeat">
+      <a:schemeClr val="dk2"/>
+    </dgm:fillClrLst>
+    <dgm:linClrLst meth="repeat">
+      <a:schemeClr val="dk2">
+        <a:shade val="60000"/>
+      </a:schemeClr>
+    </dgm:linClrLst>
+    <dgm:effectClrLst/>
+    <dgm:txLinClrLst/>
+    <dgm:txFillClrLst meth="repeat">
+      <a:schemeClr val="tx1"/>
+    </dgm:txFillClrLst>
+    <dgm:txEffectClrLst/>
+  </dgm:styleLbl>
+  <dgm:styleLbl name="parChTrans1D2">
+    <dgm:fillClrLst meth="repeat">
+      <a:schemeClr val="dk2"/>
+    </dgm:fillClrLst>
+    <dgm:linClrLst meth="repeat">
+      <a:schemeClr val="dk2">
+        <a:shade val="60000"/>
+      </a:schemeClr>
+    </dgm:linClrLst>
+    <dgm:effectClrLst/>
+    <dgm:txLinClrLst/>
+    <dgm:txFillClrLst meth="repeat">
+      <a:schemeClr val="tx1"/>
+    </dgm:txFillClrLst>
+    <dgm:txEffectClrLst/>
+  </dgm:styleLbl>
+  <dgm:styleLbl name="parChTrans1D3">
+    <dgm:fillClrLst meth="repeat">
+      <a:schemeClr val="dk2"/>
+    </dgm:fillClrLst>
+    <dgm:linClrLst meth="repeat">
+      <a:schemeClr val="dk2">
+        <a:shade val="80000"/>
+      </a:schemeClr>
+    </dgm:linClrLst>
+    <dgm:effectClrLst/>
+    <dgm:txLinClrLst/>
+    <dgm:txFillClrLst meth="repeat">
+      <a:schemeClr val="tx1"/>
+    </dgm:txFillClrLst>
+    <dgm:txEffectClrLst/>
+  </dgm:styleLbl>
+  <dgm:styleLbl name="parChTrans1D4">
+    <dgm:fillClrLst meth="repeat">
+      <a:schemeClr val="dk2"/>
+    </dgm:fillClrLst>
+    <dgm:linClrLst meth="repeat">
+      <a:schemeClr val="dk2">
+        <a:shade val="80000"/>
+      </a:schemeClr>
+    </dgm:linClrLst>
+    <dgm:effectClrLst/>
+    <dgm:txLinClrLst/>
+    <dgm:txFillClrLst meth="repeat">
+      <a:schemeClr val="tx1"/>
+    </dgm:txFillClrLst>
+    <dgm:txEffectClrLst/>
+  </dgm:styleLbl>
+  <dgm:styleLbl name="fgAcc1">
+    <dgm:fillClrLst meth="repeat">
+      <a:schemeClr val="lt2">
+        <a:alpha val="90000"/>
+      </a:schemeClr>
+    </dgm:fillClrLst>
+    <dgm:linClrLst meth="repeat">
+      <a:schemeClr val="dk2"/>
+    </dgm:linClrLst>
+    <dgm:effectClrLst/>
+    <dgm:txLinClrLst/>
+    <dgm:txFillClrLst meth="repeat">
+      <a:schemeClr val="dk1"/>
+    </dgm:txFillClrLst>
+    <dgm:txEffectClrLst/>
+  </dgm:styleLbl>
+  <dgm:styleLbl name="conFgAcc1">
+    <dgm:fillClrLst meth="repeat">
+      <a:schemeClr val="lt2">
+        <a:alpha val="90000"/>
+      </a:schemeClr>
+    </dgm:fillClrLst>
+    <dgm:linClrLst meth="repeat">
+      <a:schemeClr val="dk2"/>
+    </dgm:linClrLst>
+    <dgm:effectClrLst/>
+    <dgm:txLinClrLst/>
+    <dgm:txFillClrLst meth="repeat">
+      <a:schemeClr val="dk1"/>
+    </dgm:txFillClrLst>
+    <dgm:txEffectClrLst/>
+  </dgm:styleLbl>
+  <dgm:styleLbl name="alignAcc1">
+    <dgm:fillClrLst meth="repeat">
+      <a:schemeClr val="lt2">
+        <a:alpha val="90000"/>
+      </a:schemeClr>
+    </dgm:fillClrLst>
+    <dgm:linClrLst meth="repeat">
+      <a:schemeClr val="dk2"/>
+    </dgm:linClrLst>
+    <dgm:effectClrLst/>
+    <dgm:txLinClrLst/>
+    <dgm:txFillClrLst meth="repeat">
+      <a:schemeClr val="dk1"/>
+    </dgm:txFillClrLst>
+    <dgm:txEffectClrLst/>
+  </dgm:styleLbl>
+  <dgm:styleLbl name="trAlignAcc1">
+    <dgm:fillClrLst meth="repeat">
+      <a:schemeClr val="lt2">
+        <a:alpha val="40000"/>
+      </a:schemeClr>
+    </dgm:fillClrLst>
+    <dgm:linClrLst meth="repeat">
+      <a:schemeClr val="dk2"/>
+    </dgm:linClrLst>
+    <dgm:effectClrLst/>
+    <dgm:txLinClrLst/>
+    <dgm:txFillClrLst meth="repeat">
+      <a:schemeClr val="dk1"/>
+    </dgm:txFillClrLst>
+    <dgm:txEffectClrLst/>
+  </dgm:styleLbl>
+  <dgm:styleLbl name="bgAcc1">
+    <dgm:fillClrLst meth="repeat">
+      <a:schemeClr val="lt2">
+        <a:alpha val="90000"/>
+      </a:schemeClr>
+    </dgm:fillClrLst>
+    <dgm:linClrLst meth="repeat">
+      <a:schemeClr val="dk2"/>
+    </dgm:linClrLst>
+    <dgm:effectClrLst/>
+    <dgm:txLinClrLst/>
+    <dgm:txFillClrLst meth="repeat">
+      <a:schemeClr val="dk1"/>
+    </dgm:txFillClrLst>
+    <dgm:txEffectClrLst/>
+  </dgm:styleLbl>
+  <dgm:styleLbl name="solidFgAcc1">
+    <dgm:fillClrLst meth="repeat">
+      <a:schemeClr val="lt2"/>
+    </dgm:fillClrLst>
+    <dgm:linClrLst meth="repeat">
+      <a:schemeClr val="dk2"/>
+    </dgm:linClrLst>
+    <dgm:effectClrLst/>
+    <dgm:txLinClrLst/>
+    <dgm:txFillClrLst meth="repeat">
+      <a:schemeClr val="dk1"/>
+    </dgm:txFillClrLst>
+    <dgm:txEffectClrLst/>
+  </dgm:styleLbl>
+  <dgm:styleLbl name="solidAlignAcc1">
+    <dgm:fillClrLst meth="repeat">
+      <a:schemeClr val="lt2"/>
+    </dgm:fillClrLst>
+    <dgm:linClrLst meth="repeat">
+      <a:schemeClr val="dk2"/>
+    </dgm:linClrLst>
+    <dgm:effectClrLst/>
+    <dgm:txLinClrLst/>
+    <dgm:txFillClrLst meth="repeat">
+      <a:schemeClr val="dk1"/>
+    </dgm:txFillClrLst>
+    <dgm:txEffectClrLst/>
+  </dgm:styleLbl>
+  <dgm:styleLbl name="solidBgAcc1">
+    <dgm:fillClrLst meth="repeat">
+      <a:schemeClr val="lt2"/>
+    </dgm:fillClrLst>
+    <dgm:linClrLst meth="repeat">
+      <a:schemeClr val="dk2"/>
+    </dgm:linClrLst>
+    <dgm:effectClrLst/>
+    <dgm:txLinClrLst/>
+    <dgm:txFillClrLst meth="repeat">
+      <a:schemeClr val="dk1"/>
+    </dgm:txFillClrLst>
+    <dgm:txEffectClrLst/>
+  </dgm:styleLbl>
+  <dgm:styleLbl name="fgAccFollowNode1">
+    <dgm:fillClrLst meth="repeat">
+      <a:schemeClr val="dk2">
+        <a:alpha val="90000"/>
+        <a:tint val="40000"/>
+      </a:schemeClr>
+    </dgm:fillClrLst>
+    <dgm:linClrLst meth="repeat">
+      <a:schemeClr val="dk2">
+        <a:alpha val="90000"/>
+        <a:tint val="40000"/>
+      </a:schemeClr>
+    </dgm:linClrLst>
+    <dgm:effectClrLst/>
+    <dgm:txLinClrLst/>
+    <dgm:txFillClrLst meth="repeat">
+      <a:schemeClr val="dk1"/>
+    </dgm:txFillClrLst>
+    <dgm:txEffectClrLst/>
+  </dgm:styleLbl>
+  <dgm:styleLbl name="alignAccFollowNode1">
+    <dgm:fillClrLst meth="repeat">
+      <a:schemeClr val="dk2">
+        <a:alpha val="90000"/>
+        <a:tint val="40000"/>
+      </a:schemeClr>
+    </dgm:fillClrLst>
+    <dgm:linClrLst meth="repeat">
+      <a:schemeClr val="dk2">
+        <a:alpha val="90000"/>
+        <a:tint val="40000"/>
+      </a:schemeClr>
+    </dgm:linClrLst>
+    <dgm:effectClrLst/>
+    <dgm:txLinClrLst/>
+    <dgm:txFillClrLst meth="repeat">
+      <a:schemeClr val="dk1"/>
+    </dgm:txFillClrLst>
+    <dgm:txEffectClrLst/>
+  </dgm:styleLbl>
+  <dgm:styleLbl name="bgAccFollowNode1">
+    <dgm:fillClrLst meth="repeat">
+      <a:schemeClr val="dk2">
+        <a:alpha val="90000"/>
+        <a:tint val="40000"/>
+      </a:schemeClr>
+    </dgm:fillClrLst>
+    <dgm:linClrLst meth="repeat">
+      <a:schemeClr val="dk2">
+        <a:alpha val="90000"/>
+        <a:tint val="40000"/>
+      </a:schemeClr>
+    </dgm:linClrLst>
+    <dgm:effectClrLst/>
+    <dgm:txLinClrLst/>
+    <dgm:txFillClrLst meth="repeat">
+      <a:schemeClr val="dk1"/>
+    </dgm:txFillClrLst>
+    <dgm:txEffectClrLst/>
+  </dgm:styleLbl>
+  <dgm:styleLbl name="fgAcc0">
+    <dgm:fillClrLst meth="repeat">
+      <a:schemeClr val="lt2">
+        <a:alpha val="90000"/>
+      </a:schemeClr>
+    </dgm:fillClrLst>
+    <dgm:linClrLst meth="repeat">
+      <a:schemeClr val="dk2"/>
+    </dgm:linClrLst>
+    <dgm:effectClrLst/>
+    <dgm:txLinClrLst/>
+    <dgm:txFillClrLst meth="repeat">
+      <a:schemeClr val="dk1"/>
+    </dgm:txFillClrLst>
+    <dgm:txEffectClrLst/>
+  </dgm:styleLbl>
+  <dgm:styleLbl name="fgAcc2">
+    <dgm:fillClrLst meth="repeat">
+      <a:schemeClr val="lt2">
+        <a:alpha val="90000"/>
+      </a:schemeClr>
+    </dgm:fillClrLst>
+    <dgm:linClrLst meth="repeat">
+      <a:schemeClr val="dk2"/>
+    </dgm:linClrLst>
+    <dgm:effectClrLst/>
+    <dgm:txLinClrLst/>
+    <dgm:txFillClrLst meth="repeat">
+      <a:schemeClr val="dk1"/>
+    </dgm:txFillClrLst>
+    <dgm:txEffectClrLst/>
+  </dgm:styleLbl>
+  <dgm:styleLbl name="fgAcc3">
+    <dgm:fillClrLst meth="repeat">
+      <a:schemeClr val="lt2">
+        <a:alpha val="90000"/>
+      </a:schemeClr>
+    </dgm:fillClrLst>
+    <dgm:linClrLst meth="repeat">
+      <a:schemeClr val="dk2"/>
+    </dgm:linClrLst>
+    <dgm:effectClrLst/>
+    <dgm:txLinClrLst/>
+    <dgm:txFillClrLst meth="repeat">
+      <a:schemeClr val="dk1"/>
+    </dgm:txFillClrLst>
+    <dgm:txEffectClrLst/>
+  </dgm:styleLbl>
+  <dgm:styleLbl name="fgAcc4">
+    <dgm:fillClrLst meth="repeat">
+      <a:schemeClr val="lt2">
+        <a:alpha val="90000"/>
+      </a:schemeClr>
+    </dgm:fillClrLst>
+    <dgm:linClrLst meth="repeat">
+      <a:schemeClr val="dk2"/>
+    </dgm:linClrLst>
+    <dgm:effectClrLst/>
+    <dgm:txLinClrLst/>
+    <dgm:txFillClrLst meth="repeat">
+      <a:schemeClr val="dk1"/>
+    </dgm:txFillClrLst>
+    <dgm:txEffectClrLst/>
+  </dgm:styleLbl>
+  <dgm:styleLbl name="bgShp">
+    <dgm:fillClrLst meth="repeat">
+      <a:schemeClr val="dk2">
+        <a:tint val="40000"/>
+      </a:schemeClr>
+    </dgm:fillClrLst>
+    <dgm:linClrLst meth="repeat">
+      <a:schemeClr val="dk2"/>
+    </dgm:linClrLst>
+    <dgm:effectClrLst/>
+    <dgm:txLinClrLst/>
+    <dgm:txFillClrLst meth="repeat">
+      <a:schemeClr val="dk1"/>
+    </dgm:txFillClrLst>
+    <dgm:txEffectClrLst/>
+  </dgm:styleLbl>
+  <dgm:styleLbl name="dkBgShp">
+    <dgm:fillClrLst meth="repeat">
+      <a:schemeClr val="dk2">
+        <a:shade val="80000"/>
+      </a:schemeClr>
+    </dgm:fillClrLst>
+    <dgm:linClrLst meth="repeat">
+      <a:schemeClr val="dk2"/>
+    </dgm:linClrLst>
+    <dgm:effectClrLst/>
+    <dgm:txLinClrLst/>
+    <dgm:txFillClrLst meth="repeat">
+      <a:schemeClr val="lt1"/>
+    </dgm:txFillClrLst>
+    <dgm:txEffectClrLst/>
+  </dgm:styleLbl>
+  <dgm:styleLbl name="trBgShp">
+    <dgm:fillClrLst meth="repeat">
+      <a:schemeClr val="dk2">
+        <a:tint val="50000"/>
+        <a:alpha val="40000"/>
+      </a:schemeClr>
+    </dgm:fillClrLst>
+    <dgm:linClrLst meth="repeat">
+      <a:schemeClr val="dk2"/>
+    </dgm:linClrLst>
+    <dgm:effectClrLst/>
+    <dgm:txLinClrLst/>
+    <dgm:txFillClrLst meth="repeat">
+      <a:schemeClr val="lt1"/>
+    </dgm:txFillClrLst>
+    <dgm:txEffectClrLst/>
+  </dgm:styleLbl>
+  <dgm:styleLbl name="fgShp">
+    <dgm:fillClrLst meth="repeat">
+      <a:schemeClr val="dk2">
+        <a:tint val="60000"/>
+      </a:schemeClr>
+    </dgm:fillClrLst>
+    <dgm:linClrLst meth="repeat">
+      <a:schemeClr val="lt2"/>
+    </dgm:linClrLst>
+    <dgm:effectClrLst/>
+    <dgm:txLinClrLst/>
+    <dgm:txFillClrLst meth="repeat">
+      <a:schemeClr val="dk1"/>
+    </dgm:txFillClrLst>
+    <dgm:txEffectClrLst/>
+  </dgm:styleLbl>
+  <dgm:styleLbl name="revTx">
+    <dgm:fillClrLst meth="repeat">
+      <a:schemeClr val="lt2">
+        <a:alpha val="0"/>
+      </a:schemeClr>
+    </dgm:fillClrLst>
+    <dgm:linClrLst meth="repeat">
+      <a:schemeClr val="dk1">
+        <a:alpha val="0"/>
+      </a:schemeClr>
+    </dgm:linClrLst>
+    <dgm:effectClrLst/>
+    <dgm:txLinClrLst/>
+    <dgm:txFillClrLst meth="repeat">
+      <a:schemeClr val="tx1"/>
+    </dgm:txFillClrLst>
+    <dgm:txEffectClrLst/>
+  </dgm:styleLbl>
+</dgm:colorsDef>
+</file>
+
+<file path=ppt/diagrams/colors3.xml><?xml version="1.0" encoding="utf-8"?>
+<dgm:colorsDef xmlns:dgm="http://schemas.openxmlformats.org/drawingml/2006/diagram" xmlns:a="http://schemas.openxmlformats.org/drawingml/2006/main" uniqueId="urn:microsoft.com/office/officeart/2005/8/colors/accent1_2">
+  <dgm:title val=""/>
+  <dgm:desc val=""/>
+  <dgm:catLst>
+    <dgm:cat type="accent1" pri="11200"/>
+  </dgm:catLst>
+  <dgm:styleLbl name="node0">
+    <dgm:fillClrLst meth="repeat">
+      <a:schemeClr val="accent1"/>
+    </dgm:fillClrLst>
+    <dgm:linClrLst meth="repeat">
+      <a:schemeClr val="lt1"/>
+    </dgm:linClrLst>
+    <dgm:effectClrLst/>
+    <dgm:txLinClrLst/>
+    <dgm:txFillClrLst/>
+    <dgm:txEffectClrLst/>
+  </dgm:styleLbl>
+  <dgm:styleLbl name="alignNode1">
+    <dgm:fillClrLst meth="repeat">
+      <a:schemeClr val="accent1"/>
+    </dgm:fillClrLst>
+    <dgm:linClrLst meth="repeat">
+      <a:schemeClr val="accent1"/>
+    </dgm:linClrLst>
+    <dgm:effectClrLst/>
+    <dgm:txLinClrLst/>
+    <dgm:txFillClrLst/>
+    <dgm:txEffectClrLst/>
+  </dgm:styleLbl>
+  <dgm:styleLbl name="node1">
+    <dgm:fillClrLst meth="repeat">
+      <a:schemeClr val="accent1"/>
+    </dgm:fillClrLst>
+    <dgm:linClrLst meth="repeat">
+      <a:schemeClr val="lt1"/>
+    </dgm:linClrLst>
+    <dgm:effectClrLst/>
+    <dgm:txLinClrLst/>
+    <dgm:txFillClrLst/>
+    <dgm:txEffectClrLst/>
+  </dgm:styleLbl>
+  <dgm:styleLbl name="lnNode1">
+    <dgm:fillClrLst meth="repeat">
+      <a:schemeClr val="accent1"/>
+    </dgm:fillClrLst>
+    <dgm:linClrLst meth="repeat">
+      <a:schemeClr val="lt1"/>
+    </dgm:linClrLst>
+    <dgm:effectClrLst/>
+    <dgm:txLinClrLst/>
+    <dgm:txFillClrLst/>
+    <dgm:txEffectClrLst/>
+  </dgm:styleLbl>
+  <dgm:styleLbl name="vennNode1">
+    <dgm:fillClrLst meth="repeat">
+      <a:schemeClr val="accent1">
+        <a:alpha val="50000"/>
+      </a:schemeClr>
+    </dgm:fillClrLst>
+    <dgm:linClrLst meth="repeat">
+      <a:schemeClr val="lt1"/>
+    </dgm:linClrLst>
+    <dgm:effectClrLst/>
+    <dgm:txLinClrLst/>
+    <dgm:txFillClrLst/>
+    <dgm:txEffectClrLst/>
+  </dgm:styleLbl>
+  <dgm:styleLbl name="node2">
+    <dgm:fillClrLst meth="repeat">
+      <a:schemeClr val="accent1"/>
+    </dgm:fillClrLst>
+    <dgm:linClrLst meth="repeat">
+      <a:schemeClr val="lt1"/>
+    </dgm:linClrLst>
+    <dgm:effectClrLst/>
+    <dgm:txLinClrLst/>
+    <dgm:txFillClrLst/>
+    <dgm:txEffectClrLst/>
+  </dgm:styleLbl>
+  <dgm:styleLbl name="node3">
+    <dgm:fillClrLst meth="repeat">
+      <a:schemeClr val="accent1"/>
+    </dgm:fillClrLst>
+    <dgm:linClrLst meth="repeat">
+      <a:schemeClr val="lt1"/>
+    </dgm:linClrLst>
+    <dgm:effectClrLst/>
+    <dgm:txLinClrLst/>
+    <dgm:txFillClrLst/>
+    <dgm:txEffectClrLst/>
+  </dgm:styleLbl>
+  <dgm:styleLbl name="node4">
+    <dgm:fillClrLst meth="repeat">
+      <a:schemeClr val="accent1"/>
+    </dgm:fillClrLst>
+    <dgm:linClrLst meth="repeat">
+      <a:schemeClr val="lt1"/>
+    </dgm:linClrLst>
+    <dgm:effectClrLst/>
+    <dgm:txLinClrLst/>
+    <dgm:txFillClrLst/>
+    <dgm:txEffectClrLst/>
+  </dgm:styleLbl>
+  <dgm:styleLbl name="fgImgPlace1">
+    <dgm:fillClrLst meth="repeat">
+      <a:schemeClr val="accent1">
+        <a:tint val="50000"/>
+      </a:schemeClr>
+    </dgm:fillClrLst>
+    <dgm:linClrLst meth="repeat">
+      <a:schemeClr val="lt1"/>
+    </dgm:linClrLst>
+    <dgm:effectClrLst/>
+    <dgm:txLinClrLst/>
+    <dgm:txFillClrLst meth="repeat">
+      <a:schemeClr val="lt1"/>
+    </dgm:txFillClrLst>
+    <dgm:txEffectClrLst/>
+  </dgm:styleLbl>
+  <dgm:styleLbl name="alignImgPlace1">
+    <dgm:fillClrLst meth="repeat">
+      <a:schemeClr val="accent1">
+        <a:tint val="50000"/>
+      </a:schemeClr>
+    </dgm:fillClrLst>
+    <dgm:linClrLst meth="repeat">
+      <a:schemeClr val="lt1"/>
+    </dgm:linClrLst>
+    <dgm:effectClrLst/>
+    <dgm:txLinClrLst/>
+    <dgm:txFillClrLst meth="repeat">
+      <a:schemeClr val="lt1"/>
+    </dgm:txFillClrLst>
+    <dgm:txEffectClrLst/>
+  </dgm:styleLbl>
+  <dgm:styleLbl name="bgImgPlace1">
+    <dgm:fillClrLst meth="repeat">
+      <a:schemeClr val="accent1">
+        <a:tint val="50000"/>
+      </a:schemeClr>
+    </dgm:fillClrLst>
+    <dgm:linClrLst meth="repeat">
+      <a:schemeClr val="lt1"/>
+    </dgm:linClrLst>
+    <dgm:effectClrLst/>
+    <dgm:txLinClrLst/>
+    <dgm:txFillClrLst meth="repeat">
+      <a:schemeClr val="lt1"/>
+    </dgm:txFillClrLst>
+    <dgm:txEffectClrLst/>
+  </dgm:styleLbl>
+  <dgm:styleLbl name="sibTrans2D1">
+    <dgm:fillClrLst meth="repeat">
+      <a:schemeClr val="accent1">
+        <a:tint val="60000"/>
+      </a:schemeClr>
+    </dgm:fillClrLst>
+    <dgm:linClrLst meth="repeat">
+      <a:schemeClr val="accent1">
+        <a:tint val="60000"/>
+      </a:schemeClr>
+    </dgm:linClrLst>
+    <dgm:effectClrLst/>
+    <dgm:txLinClrLst/>
+    <dgm:txFillClrLst/>
+    <dgm:txEffectClrLst/>
+  </dgm:styleLbl>
+  <dgm:styleLbl name="fgSibTrans2D1">
+    <dgm:fillClrLst meth="repeat">
+      <a:schemeClr val="accent1">
+        <a:tint val="60000"/>
+      </a:schemeClr>
+    </dgm:fillClrLst>
+    <dgm:linClrLst meth="repeat">
+      <a:schemeClr val="accent1">
+        <a:tint val="60000"/>
+      </a:schemeClr>
+    </dgm:linClrLst>
+    <dgm:effectClrLst/>
+    <dgm:txLinClrLst/>
+    <dgm:txFillClrLst/>
+    <dgm:txEffectClrLst/>
+  </dgm:styleLbl>
+  <dgm:styleLbl name="bgSibTrans2D1">
+    <dgm:fillClrLst meth="repeat">
+      <a:schemeClr val="accent1">
+        <a:tint val="60000"/>
+      </a:schemeClr>
+    </dgm:fillClrLst>
+    <dgm:linClrLst meth="repeat">
+      <a:schemeClr val="accent1">
+        <a:tint val="60000"/>
+      </a:schemeClr>
+    </dgm:linClrLst>
+    <dgm:effectClrLst/>
+    <dgm:txLinClrLst/>
+    <dgm:txFillClrLst/>
+    <dgm:txEffectClrLst/>
+  </dgm:styleLbl>
+  <dgm:styleLbl name="sibTrans1D1">
+    <dgm:fillClrLst meth="repeat">
+      <a:schemeClr val="accent1"/>
+    </dgm:fillClrLst>
+    <dgm:linClrLst meth="repeat">
+      <a:schemeClr val="accent1"/>
+    </dgm:linClrLst>
+    <dgm:effectClrLst/>
+    <dgm:txLinClrLst/>
+    <dgm:txFillClrLst meth="repeat">
+      <a:schemeClr val="tx1"/>
+    </dgm:txFillClrLst>
+    <dgm:txEffectClrLst/>
+  </dgm:styleLbl>
+  <dgm:styleLbl name="callout">
+    <dgm:fillClrLst meth="repeat">
+      <a:schemeClr val="accent1"/>
+    </dgm:fillClrLst>
+    <dgm:linClrLst meth="repeat">
+      <a:schemeClr val="accent1">
+        <a:tint val="50000"/>
+      </a:schemeClr>
+    </dgm:linClrLst>
+    <dgm:effectClrLst/>
+    <dgm:txLinClrLst/>
+    <dgm:txFillClrLst meth="repeat">
+      <a:schemeClr val="tx1"/>
+    </dgm:txFillClrLst>
+    <dgm:txEffectClrLst/>
+  </dgm:styleLbl>
+  <dgm:styleLbl name="asst0">
+    <dgm:fillClrLst meth="repeat">
+      <a:schemeClr val="accent1"/>
+    </dgm:fillClrLst>
+    <dgm:linClrLst meth="repeat">
+      <a:schemeClr val="lt1"/>
+    </dgm:linClrLst>
+    <dgm:effectClrLst/>
+    <dgm:txLinClrLst/>
+    <dgm:txFillClrLst/>
+    <dgm:txEffectClrLst/>
+  </dgm:styleLbl>
+  <dgm:styleLbl name="asst1">
+    <dgm:fillClrLst meth="repeat">
+      <a:schemeClr val="accent1"/>
+    </dgm:fillClrLst>
+    <dgm:linClrLst meth="repeat">
+      <a:schemeClr val="lt1"/>
+    </dgm:linClrLst>
+    <dgm:effectClrLst/>
+    <dgm:txLinClrLst/>
+    <dgm:txFillClrLst/>
+    <dgm:txEffectClrLst/>
+  </dgm:styleLbl>
+  <dgm:styleLbl name="asst2">
+    <dgm:fillClrLst meth="repeat">
+      <a:schemeClr val="accent1"/>
+    </dgm:fillClrLst>
+    <dgm:linClrLst meth="repeat">
+      <a:schemeClr val="lt1"/>
+    </dgm:linClrLst>
+    <dgm:effectClrLst/>
+    <dgm:txLinClrLst/>
+    <dgm:txFillClrLst/>
+    <dgm:txEffectClrLst/>
+  </dgm:styleLbl>
+  <dgm:styleLbl name="asst3">
+    <dgm:fillClrLst meth="repeat">
+      <a:schemeClr val="accent1"/>
+    </dgm:fillClrLst>
+    <dgm:linClrLst meth="repeat">
+      <a:schemeClr val="lt1"/>
+    </dgm:linClrLst>
+    <dgm:effectClrLst/>
+    <dgm:txLinClrLst/>
+    <dgm:txFillClrLst/>
+    <dgm:txEffectClrLst/>
+  </dgm:styleLbl>
+  <dgm:styleLbl name="asst4">
+    <dgm:fillClrLst meth="repeat">
+      <a:schemeClr val="accent1"/>
+    </dgm:fillClrLst>
+    <dgm:linClrLst meth="repeat">
+      <a:schemeClr val="lt1"/>
+    </dgm:linClrLst>
+    <dgm:effectClrLst/>
+    <dgm:txLinClrLst/>
+    <dgm:txFillClrLst/>
+    <dgm:txEffectClrLst/>
+  </dgm:styleLbl>
+  <dgm:styleLbl name="parChTrans2D1">
+    <dgm:fillClrLst meth="repeat">
+      <a:schemeClr val="accent1">
+        <a:tint val="60000"/>
+      </a:schemeClr>
+    </dgm:fillClrLst>
+    <dgm:linClrLst meth="repeat">
+      <a:schemeClr val="accent1">
+        <a:tint val="60000"/>
+      </a:schemeClr>
+    </dgm:linClrLst>
+    <dgm:effectClrLst/>
+    <dgm:txLinClrLst/>
+    <dgm:txFillClrLst meth="repeat">
+      <a:schemeClr val="lt1"/>
+    </dgm:txFillClrLst>
+    <dgm:txEffectClrLst/>
+  </dgm:styleLbl>
+  <dgm:styleLbl name="parChTrans2D2">
+    <dgm:fillClrLst meth="repeat">
+      <a:schemeClr val="accent1"/>
+    </dgm:fillClrLst>
+    <dgm:linClrLst meth="repeat">
+      <a:schemeClr val="accent1"/>
+    </dgm:linClrLst>
+    <dgm:effectClrLst/>
+    <dgm:txLinClrLst/>
+    <dgm:txFillClrLst meth="repeat">
+      <a:schemeClr val="lt1"/>
+    </dgm:txFillClrLst>
+    <dgm:txEffectClrLst/>
+  </dgm:styleLbl>
+  <dgm:styleLbl name="parChTrans2D3">
+    <dgm:fillClrLst meth="repeat">
+      <a:schemeClr val="accent1"/>
+    </dgm:fillClrLst>
+    <dgm:linClrLst meth="repeat">
+      <a:schemeClr val="accent1"/>
+    </dgm:linClrLst>
+    <dgm:effectClrLst/>
+    <dgm:txLinClrLst/>
+    <dgm:txFillClrLst meth="repeat">
+      <a:schemeClr val="lt1"/>
+    </dgm:txFillClrLst>
+    <dgm:txEffectClrLst/>
+  </dgm:styleLbl>
+  <dgm:styleLbl name="parChTrans2D4">
+    <dgm:fillClrLst meth="repeat">
+      <a:schemeClr val="accent1"/>
+    </dgm:fillClrLst>
+    <dgm:linClrLst meth="repeat">
+      <a:schemeClr val="accent1"/>
+    </dgm:linClrLst>
+    <dgm:effectClrLst/>
+    <dgm:txLinClrLst/>
+    <dgm:txFillClrLst meth="repeat">
+      <a:schemeClr val="lt1"/>
+    </dgm:txFillClrLst>
+    <dgm:txEffectClrLst/>
+  </dgm:styleLbl>
+  <dgm:styleLbl name="parChTrans1D1">
+    <dgm:fillClrLst meth="repeat">
+      <a:schemeClr val="accent1"/>
+    </dgm:fillClrLst>
+    <dgm:linClrLst meth="repeat">
+      <a:schemeClr val="accent1">
+        <a:shade val="60000"/>
+      </a:schemeClr>
+    </dgm:linClrLst>
+    <dgm:effectClrLst/>
+    <dgm:txLinClrLst/>
+    <dgm:txFillClrLst meth="repeat">
+      <a:schemeClr val="tx1"/>
+    </dgm:txFillClrLst>
+    <dgm:txEffectClrLst/>
+  </dgm:styleLbl>
+  <dgm:styleLbl name="parChTrans1D2">
+    <dgm:fillClrLst meth="repeat">
+      <a:schemeClr val="accent1"/>
+    </dgm:fillClrLst>
+    <dgm:linClrLst meth="repeat">
+      <a:schemeClr val="accent1">
+        <a:shade val="60000"/>
+      </a:schemeClr>
+    </dgm:linClrLst>
+    <dgm:effectClrLst/>
+    <dgm:txLinClrLst/>
+    <dgm:txFillClrLst meth="repeat">
+      <a:schemeClr val="tx1"/>
+    </dgm:txFillClrLst>
+    <dgm:txEffectClrLst/>
+  </dgm:styleLbl>
+  <dgm:styleLbl name="parChTrans1D3">
+    <dgm:fillClrLst meth="repeat">
+      <a:schemeClr val="accent1"/>
+    </dgm:fillClrLst>
+    <dgm:linClrLst meth="repeat">
+      <a:schemeClr val="accent1">
+        <a:shade val="80000"/>
+      </a:schemeClr>
+    </dgm:linClrLst>
+    <dgm:effectClrLst/>
+    <dgm:txLinClrLst/>
+    <dgm:txFillClrLst meth="repeat">
+      <a:schemeClr val="tx1"/>
+    </dgm:txFillClrLst>
+    <dgm:txEffectClrLst/>
+  </dgm:styleLbl>
+  <dgm:styleLbl name="parChTrans1D4">
+    <dgm:fillClrLst meth="repeat">
+      <a:schemeClr val="accent1"/>
+    </dgm:fillClrLst>
+    <dgm:linClrLst meth="repeat">
+      <a:schemeClr val="accent1">
+        <a:shade val="80000"/>
+      </a:schemeClr>
+    </dgm:linClrLst>
+    <dgm:effectClrLst/>
+    <dgm:txLinClrLst/>
+    <dgm:txFillClrLst meth="repeat">
+      <a:schemeClr val="tx1"/>
+    </dgm:txFillClrLst>
+    <dgm:txEffectClrLst/>
+  </dgm:styleLbl>
+  <dgm:styleLbl name="fgAcc1">
+    <dgm:fillClrLst meth="repeat">
+      <a:schemeClr val="lt1">
+        <a:alpha val="90000"/>
+      </a:schemeClr>
+    </dgm:fillClrLst>
+    <dgm:linClrLst meth="repeat">
+      <a:schemeClr val="accent1"/>
+    </dgm:linClrLst>
+    <dgm:effectClrLst/>
+    <dgm:txLinClrLst/>
+    <dgm:txFillClrLst meth="repeat">
+      <a:schemeClr val="dk1"/>
+    </dgm:txFillClrLst>
+    <dgm:txEffectClrLst/>
+  </dgm:styleLbl>
+  <dgm:styleLbl name="conFgAcc1">
+    <dgm:fillClrLst meth="repeat">
+      <a:schemeClr val="lt1">
+        <a:alpha val="90000"/>
+      </a:schemeClr>
+    </dgm:fillClrLst>
+    <dgm:linClrLst meth="repeat">
+      <a:schemeClr val="accent1"/>
+    </dgm:linClrLst>
+    <dgm:effectClrLst/>
+    <dgm:txLinClrLst/>
+    <dgm:txFillClrLst meth="repeat">
+      <a:schemeClr val="dk1"/>
+    </dgm:txFillClrLst>
+    <dgm:txEffectClrLst/>
+  </dgm:styleLbl>
+  <dgm:styleLbl name="alignAcc1">
+    <dgm:fillClrLst meth="repeat">
+      <a:schemeClr val="lt1">
+        <a:alpha val="90000"/>
+      </a:schemeClr>
+    </dgm:fillClrLst>
+    <dgm:linClrLst meth="repeat">
+      <a:schemeClr val="accent1"/>
+    </dgm:linClrLst>
+    <dgm:effectClrLst/>
+    <dgm:txLinClrLst/>
+    <dgm:txFillClrLst meth="repeat">
+      <a:schemeClr val="dk1"/>
+    </dgm:txFillClrLst>
+    <dgm:txEffectClrLst/>
+  </dgm:styleLbl>
+  <dgm:styleLbl name="trAlignAcc1">
+    <dgm:fillClrLst meth="repeat">
+      <a:schemeClr val="lt1">
+        <a:alpha val="40000"/>
+      </a:schemeClr>
+    </dgm:fillClrLst>
+    <dgm:linClrLst meth="repeat">
+      <a:schemeClr val="accent1"/>
+    </dgm:linClrLst>
+    <dgm:effectClrLst/>
+    <dgm:txLinClrLst/>
+    <dgm:txFillClrLst meth="repeat">
+      <a:schemeClr val="dk1"/>
+    </dgm:txFillClrLst>
+    <dgm:txEffectClrLst/>
+  </dgm:styleLbl>
+  <dgm:styleLbl name="bgAcc1">
+    <dgm:fillClrLst meth="repeat">
+      <a:schemeClr val="lt1">
+        <a:alpha val="90000"/>
+      </a:schemeClr>
+    </dgm:fillClrLst>
+    <dgm:linClrLst meth="repeat">
+      <a:schemeClr val="accent1"/>
+    </dgm:linClrLst>
+    <dgm:effectClrLst/>
+    <dgm:txLinClrLst/>
+    <dgm:txFillClrLst meth="repeat">
+      <a:schemeClr val="dk1"/>
+    </dgm:txFillClrLst>
+    <dgm:txEffectClrLst/>
+  </dgm:styleLbl>
+  <dgm:styleLbl name="solidFgAcc1">
+    <dgm:fillClrLst meth="repeat">
+      <a:schemeClr val="lt1"/>
+    </dgm:fillClrLst>
+    <dgm:linClrLst meth="repeat">
+      <a:schemeClr val="accent1"/>
+    </dgm:linClrLst>
+    <dgm:effectClrLst/>
+    <dgm:txLinClrLst/>
+    <dgm:txFillClrLst meth="repeat">
+      <a:schemeClr val="dk1"/>
+    </dgm:txFillClrLst>
+    <dgm:txEffectClrLst/>
+  </dgm:styleLbl>
+  <dgm:styleLbl name="solidAlignAcc1">
+    <dgm:fillClrLst meth="repeat">
+      <a:schemeClr val="lt1"/>
+    </dgm:fillClrLst>
+    <dgm:linClrLst meth="repeat">
+      <a:schemeClr val="accent1"/>
+    </dgm:linClrLst>
+    <dgm:effectClrLst/>
+    <dgm:txLinClrLst/>
+    <dgm:txFillClrLst meth="repeat">
+      <a:schemeClr val="dk1"/>
+    </dgm:txFillClrLst>
+    <dgm:txEffectClrLst/>
+  </dgm:styleLbl>
+  <dgm:styleLbl name="solidBgAcc1">
+    <dgm:fillClrLst meth="repeat">
+      <a:schemeClr val="lt1"/>
+    </dgm:fillClrLst>
+    <dgm:linClrLst meth="repeat">
+      <a:schemeClr val="accent1"/>
+    </dgm:linClrLst>
+    <dgm:effectClrLst/>
+    <dgm:txLinClrLst/>
+    <dgm:txFillClrLst meth="repeat">
+      <a:schemeClr val="dk1"/>
+    </dgm:txFillClrLst>
+    <dgm:txEffectClrLst/>
+  </dgm:styleLbl>
+  <dgm:styleLbl name="fgAccFollowNode1">
+    <dgm:fillClrLst meth="repeat">
+      <a:schemeClr val="accent1">
+        <a:alpha val="90000"/>
+        <a:tint val="40000"/>
+      </a:schemeClr>
+    </dgm:fillClrLst>
+    <dgm:linClrLst meth="repeat">
+      <a:schemeClr val="accent1">
+        <a:alpha val="90000"/>
+        <a:tint val="40000"/>
+      </a:schemeClr>
+    </dgm:linClrLst>
+    <dgm:effectClrLst/>
+    <dgm:txLinClrLst/>
+    <dgm:txFillClrLst meth="repeat">
+      <a:schemeClr val="dk1"/>
+    </dgm:txFillClrLst>
+    <dgm:txEffectClrLst/>
+  </dgm:styleLbl>
+  <dgm:styleLbl name="alignAccFollowNode1">
+    <dgm:fillClrLst meth="repeat">
+      <a:schemeClr val="accent1">
+        <a:alpha val="90000"/>
+        <a:tint val="40000"/>
+      </a:schemeClr>
+    </dgm:fillClrLst>
+    <dgm:linClrLst meth="repeat">
+      <a:schemeClr val="accent1">
+        <a:alpha val="90000"/>
+        <a:tint val="40000"/>
+      </a:schemeClr>
+    </dgm:linClrLst>
+    <dgm:effectClrLst/>
+    <dgm:txLinClrLst/>
+    <dgm:txFillClrLst meth="repeat">
+      <a:schemeClr val="dk1"/>
+    </dgm:txFillClrLst>
+    <dgm:txEffectClrLst/>
+  </dgm:styleLbl>
+  <dgm:styleLbl name="bgAccFollowNode1">
+    <dgm:fillClrLst meth="repeat">
+      <a:schemeClr val="accent1">
+        <a:alpha val="90000"/>
+        <a:tint val="40000"/>
+      </a:schemeClr>
+    </dgm:fillClrLst>
+    <dgm:linClrLst meth="repeat">
+      <a:schemeClr val="accent1">
+        <a:alpha val="90000"/>
+        <a:tint val="40000"/>
+      </a:schemeClr>
+    </dgm:linClrLst>
+    <dgm:effectClrLst/>
+    <dgm:txLinClrLst/>
+    <dgm:txFillClrLst meth="repeat">
+      <a:schemeClr val="dk1"/>
+    </dgm:txFillClrLst>
+    <dgm:txEffectClrLst/>
+  </dgm:styleLbl>
+  <dgm:styleLbl name="fgAcc0">
+    <dgm:fillClrLst meth="repeat">
+      <a:schemeClr val="lt1">
+        <a:alpha val="90000"/>
+      </a:schemeClr>
+    </dgm:fillClrLst>
+    <dgm:linClrLst meth="repeat">
+      <a:schemeClr val="accent1"/>
+    </dgm:linClrLst>
+    <dgm:effectClrLst/>
+    <dgm:txLinClrLst/>
+    <dgm:txFillClrLst meth="repeat">
+      <a:schemeClr val="dk1"/>
+    </dgm:txFillClrLst>
+    <dgm:txEffectClrLst/>
+  </dgm:styleLbl>
+  <dgm:styleLbl name="fgAcc2">
+    <dgm:fillClrLst meth="repeat">
+      <a:schemeClr val="lt1">
+        <a:alpha val="90000"/>
+      </a:schemeClr>
+    </dgm:fillClrLst>
+    <dgm:linClrLst meth="repeat">
+      <a:schemeClr val="accent1"/>
+    </dgm:linClrLst>
+    <dgm:effectClrLst/>
+    <dgm:txLinClrLst/>
+    <dgm:txFillClrLst meth="repeat">
+      <a:schemeClr val="dk1"/>
+    </dgm:txFillClrLst>
+    <dgm:txEffectClrLst/>
+  </dgm:styleLbl>
+  <dgm:styleLbl name="fgAcc3">
+    <dgm:fillClrLst meth="repeat">
+      <a:schemeClr val="lt1">
+        <a:alpha val="90000"/>
+      </a:schemeClr>
+    </dgm:fillClrLst>
+    <dgm:linClrLst meth="repeat">
+      <a:schemeClr val="accent1"/>
+    </dgm:linClrLst>
+    <dgm:effectClrLst/>
+    <dgm:txLinClrLst/>
+    <dgm:txFillClrLst meth="repeat">
+      <a:schemeClr val="dk1"/>
+    </dgm:txFillClrLst>
+    <dgm:txEffectClrLst/>
+  </dgm:styleLbl>
+  <dgm:styleLbl name="fgAcc4">
+    <dgm:fillClrLst meth="repeat">
+      <a:schemeClr val="lt1">
+        <a:alpha val="90000"/>
+      </a:schemeClr>
+    </dgm:fillClrLst>
+    <dgm:linClrLst meth="repeat">
+      <a:schemeClr val="accent1"/>
+    </dgm:linClrLst>
+    <dgm:effectClrLst/>
+    <dgm:txLinClrLst/>
+    <dgm:txFillClrLst meth="repeat">
+      <a:schemeClr val="dk1"/>
+    </dgm:txFillClrLst>
+    <dgm:txEffectClrLst/>
+  </dgm:styleLbl>
+  <dgm:styleLbl name="bgShp">
+    <dgm:fillClrLst meth="repeat">
+      <a:schemeClr val="accent1">
+        <a:tint val="40000"/>
+      </a:schemeClr>
+    </dgm:fillClrLst>
+    <dgm:linClrLst meth="repeat">
+      <a:schemeClr val="accent1"/>
+    </dgm:linClrLst>
+    <dgm:effectClrLst/>
+    <dgm:txLinClrLst/>
+    <dgm:txFillClrLst meth="repeat">
+      <a:schemeClr val="dk1"/>
+    </dgm:txFillClrLst>
+    <dgm:txEffectClrLst/>
+  </dgm:styleLbl>
+  <dgm:styleLbl name="dkBgShp">
+    <dgm:fillClrLst meth="repeat">
+      <a:schemeClr val="accent1">
+        <a:shade val="80000"/>
+      </a:schemeClr>
+    </dgm:fillClrLst>
+    <dgm:linClrLst meth="repeat">
+      <a:schemeClr val="accent1"/>
+    </dgm:linClrLst>
+    <dgm:effectClrLst/>
+    <dgm:txLinClrLst/>
+    <dgm:txFillClrLst meth="repeat">
+      <a:schemeClr val="lt1"/>
+    </dgm:txFillClrLst>
+    <dgm:txEffectClrLst/>
+  </dgm:styleLbl>
+  <dgm:styleLbl name="trBgShp">
+    <dgm:fillClrLst meth="repeat">
+      <a:schemeClr val="accent1">
+        <a:tint val="50000"/>
+        <a:alpha val="40000"/>
+      </a:schemeClr>
+    </dgm:fillClrLst>
+    <dgm:linClrLst meth="repeat">
+      <a:schemeClr val="accent1"/>
+    </dgm:linClrLst>
+    <dgm:effectClrLst/>
+    <dgm:txLinClrLst/>
+    <dgm:txFillClrLst meth="repeat">
+      <a:schemeClr val="lt1"/>
+    </dgm:txFillClrLst>
+    <dgm:txEffectClrLst/>
+  </dgm:styleLbl>
+  <dgm:styleLbl name="fgShp">
+    <dgm:fillClrLst meth="repeat">
+      <a:schemeClr val="accent1">
+        <a:tint val="60000"/>
       </a:schemeClr>
     </dgm:fillClrLst>
     <dgm:linClrLst meth="repeat">
@@ -1369,6 +2868,1336 @@
     <dgm:cxn modelId="{83B7CA40-11B7-4507-8422-A40F02D469B2}" type="presParOf" srcId="{ECFA770B-DE2C-4683-A038-58D0FE44BC27}" destId="{39509775-983E-4110-B989-EE2CD6514BE0}" srcOrd="1" destOrd="0" presId="urn:microsoft.com/office/officeart/2018/5/layout/IconCircleLabelList"/>
     <dgm:cxn modelId="{A44BB251-01EB-4DEF-A28C-6D495183E4DC}" type="presParOf" srcId="{ECFA770B-DE2C-4683-A038-58D0FE44BC27}" destId="{493B43B2-705C-4AE5-8A77-D8DEEDA1B5CF}" srcOrd="2" destOrd="0" presId="urn:microsoft.com/office/officeart/2018/5/layout/IconCircleLabelList"/>
     <dgm:cxn modelId="{1EFA52DF-3C80-4DAA-BED6-AFE2F81796B2}" type="presParOf" srcId="{ECFA770B-DE2C-4683-A038-58D0FE44BC27}" destId="{1AEDC777-00B3-41D7-9AE1-23D741E941C3}" srcOrd="3" destOrd="0" presId="urn:microsoft.com/office/officeart/2018/5/layout/IconCircleLabelList"/>
+  </dgm:cxnLst>
+  <dgm:bg/>
+  <dgm:whole/>
+  <dgm:extLst>
+    <a:ext uri="http://schemas.microsoft.com/office/drawing/2008/diagram">
+      <dsp:dataModelExt xmlns:dsp="http://schemas.microsoft.com/office/drawing/2008/diagram" relId="rId6" minVer="http://schemas.openxmlformats.org/drawingml/2006/diagram"/>
+    </a:ext>
+  </dgm:extLst>
+</dgm:dataModel>
+</file>
+
+<file path=ppt/diagrams/data2.xml><?xml version="1.0" encoding="utf-8"?>
+<dgm:dataModel xmlns:dgm="http://schemas.openxmlformats.org/drawingml/2006/diagram" xmlns:a="http://schemas.openxmlformats.org/drawingml/2006/main">
+  <dgm:ptLst>
+    <dgm:pt modelId="{9238A432-D316-4259-9404-97811FB8B772}" type="doc">
+      <dgm:prSet loTypeId="urn:microsoft.com/office/officeart/2008/layout/TitledPictureBlocks" loCatId="picture" qsTypeId="urn:microsoft.com/office/officeart/2005/8/quickstyle/simple1" qsCatId="simple" csTypeId="urn:microsoft.com/office/officeart/2005/8/colors/accent0_3" csCatId="mainScheme" phldr="1"/>
+      <dgm:spPr/>
+      <dgm:t>
+        <a:bodyPr/>
+        <a:lstStyle/>
+        <a:p>
+          <a:endParaRPr lang="en-US"/>
+        </a:p>
+      </dgm:t>
+    </dgm:pt>
+    <dgm:pt modelId="{26488D48-E400-46B4-A52A-F6DCBA9AD163}">
+      <dgm:prSet phldrT="[Text]"/>
+      <dgm:spPr/>
+      <dgm:t>
+        <a:bodyPr/>
+        <a:lstStyle/>
+        <a:p>
+          <a:r>
+            <a:rPr lang="en-US" dirty="0"/>
+            <a:t>Stock Histories</a:t>
+          </a:r>
+        </a:p>
+      </dgm:t>
+    </dgm:pt>
+    <dgm:pt modelId="{394C7C14-C86A-44FC-A8FD-24EA319D92BF}" type="parTrans" cxnId="{2138B43A-E59B-4FE6-A620-467B7C3C519D}">
+      <dgm:prSet/>
+      <dgm:spPr/>
+      <dgm:t>
+        <a:bodyPr/>
+        <a:lstStyle/>
+        <a:p>
+          <a:endParaRPr lang="en-US"/>
+        </a:p>
+      </dgm:t>
+    </dgm:pt>
+    <dgm:pt modelId="{593FA406-DA18-485A-9473-A659E51ED34E}" type="sibTrans" cxnId="{2138B43A-E59B-4FE6-A620-467B7C3C519D}">
+      <dgm:prSet/>
+      <dgm:spPr/>
+      <dgm:t>
+        <a:bodyPr/>
+        <a:lstStyle/>
+        <a:p>
+          <a:endParaRPr lang="en-US"/>
+        </a:p>
+      </dgm:t>
+    </dgm:pt>
+    <dgm:pt modelId="{5C55C708-718C-446C-8581-7641E6071CEE}">
+      <dgm:prSet phldrT="[Text]"/>
+      <dgm:spPr/>
+      <dgm:t>
+        <a:bodyPr/>
+        <a:lstStyle/>
+        <a:p>
+          <a:r>
+            <a:rPr lang="en-US" dirty="0"/>
+            <a:t>See the trends alongside the predictions</a:t>
+          </a:r>
+        </a:p>
+      </dgm:t>
+    </dgm:pt>
+    <dgm:pt modelId="{C8EA6CBE-6F69-44BB-83C4-286E0E123AF3}" type="parTrans" cxnId="{041BE8F9-F6F7-49A8-BB8C-EBCCDF164240}">
+      <dgm:prSet/>
+      <dgm:spPr/>
+      <dgm:t>
+        <a:bodyPr/>
+        <a:lstStyle/>
+        <a:p>
+          <a:endParaRPr lang="en-US"/>
+        </a:p>
+      </dgm:t>
+    </dgm:pt>
+    <dgm:pt modelId="{BC0F8553-5E90-4B7B-9778-DAB87A6918F6}" type="sibTrans" cxnId="{041BE8F9-F6F7-49A8-BB8C-EBCCDF164240}">
+      <dgm:prSet/>
+      <dgm:spPr/>
+      <dgm:t>
+        <a:bodyPr/>
+        <a:lstStyle/>
+        <a:p>
+          <a:endParaRPr lang="en-US"/>
+        </a:p>
+      </dgm:t>
+    </dgm:pt>
+    <dgm:pt modelId="{EEAA79A1-C557-4019-A52B-C568039ADA40}">
+      <dgm:prSet phldrT="[Text]"/>
+      <dgm:spPr/>
+      <dgm:t>
+        <a:bodyPr/>
+        <a:lstStyle/>
+        <a:p>
+          <a:r>
+            <a:rPr lang="en-US" dirty="0"/>
+            <a:t>Prediction Sets</a:t>
+          </a:r>
+        </a:p>
+      </dgm:t>
+    </dgm:pt>
+    <dgm:pt modelId="{9648A008-7538-4787-B045-089E57CAE537}" type="parTrans" cxnId="{71897FC7-1767-460C-B59A-9BD8ADE96026}">
+      <dgm:prSet/>
+      <dgm:spPr/>
+      <dgm:t>
+        <a:bodyPr/>
+        <a:lstStyle/>
+        <a:p>
+          <a:endParaRPr lang="en-US"/>
+        </a:p>
+      </dgm:t>
+    </dgm:pt>
+    <dgm:pt modelId="{3649BD38-7EE5-4C7F-B42C-D1F7A707EFD0}" type="sibTrans" cxnId="{71897FC7-1767-460C-B59A-9BD8ADE96026}">
+      <dgm:prSet/>
+      <dgm:spPr/>
+      <dgm:t>
+        <a:bodyPr/>
+        <a:lstStyle/>
+        <a:p>
+          <a:endParaRPr lang="en-US"/>
+        </a:p>
+      </dgm:t>
+    </dgm:pt>
+    <dgm:pt modelId="{87481000-8D0E-4924-8E78-6E3050E853DC}">
+      <dgm:prSet phldrT="[Text]"/>
+      <dgm:spPr/>
+      <dgm:t>
+        <a:bodyPr/>
+        <a:lstStyle/>
+        <a:p>
+          <a:r>
+            <a:rPr lang="en-US" dirty="0"/>
+            <a:t>Choose a set of stocks and a model to predict them </a:t>
+          </a:r>
+        </a:p>
+      </dgm:t>
+    </dgm:pt>
+    <dgm:pt modelId="{C5F7B83C-A66E-441B-823B-EAFCCD634B7C}" type="parTrans" cxnId="{F8AEE5BA-9038-42E1-AF73-F0137524ABBF}">
+      <dgm:prSet/>
+      <dgm:spPr/>
+      <dgm:t>
+        <a:bodyPr/>
+        <a:lstStyle/>
+        <a:p>
+          <a:endParaRPr lang="en-US"/>
+        </a:p>
+      </dgm:t>
+    </dgm:pt>
+    <dgm:pt modelId="{718CD242-A29B-4B4B-9E0D-81F41A5F4C86}" type="sibTrans" cxnId="{F8AEE5BA-9038-42E1-AF73-F0137524ABBF}">
+      <dgm:prSet/>
+      <dgm:spPr/>
+      <dgm:t>
+        <a:bodyPr/>
+        <a:lstStyle/>
+        <a:p>
+          <a:endParaRPr lang="en-US"/>
+        </a:p>
+      </dgm:t>
+    </dgm:pt>
+    <dgm:pt modelId="{56E3C8EE-F467-4838-B6F6-B6DE06B40A7B}">
+      <dgm:prSet phldrT="[Text]"/>
+      <dgm:spPr/>
+      <dgm:t>
+        <a:bodyPr/>
+        <a:lstStyle/>
+        <a:p>
+          <a:r>
+            <a:rPr lang="en-US" dirty="0"/>
+            <a:t>Multiple DNN Models</a:t>
+          </a:r>
+        </a:p>
+      </dgm:t>
+    </dgm:pt>
+    <dgm:pt modelId="{8FABA83A-5FA9-455B-BD96-7519DC04913B}" type="parTrans" cxnId="{41E50546-D63C-4DD3-B360-6F6054557043}">
+      <dgm:prSet/>
+      <dgm:spPr/>
+      <dgm:t>
+        <a:bodyPr/>
+        <a:lstStyle/>
+        <a:p>
+          <a:endParaRPr lang="en-US"/>
+        </a:p>
+      </dgm:t>
+    </dgm:pt>
+    <dgm:pt modelId="{34F8485F-0148-4F87-AD1E-C4DE20D7C036}" type="sibTrans" cxnId="{41E50546-D63C-4DD3-B360-6F6054557043}">
+      <dgm:prSet/>
+      <dgm:spPr/>
+      <dgm:t>
+        <a:bodyPr/>
+        <a:lstStyle/>
+        <a:p>
+          <a:endParaRPr lang="en-US"/>
+        </a:p>
+      </dgm:t>
+    </dgm:pt>
+    <dgm:pt modelId="{BA748DE6-C6AB-454E-BA4E-9B469D917E12}">
+      <dgm:prSet phldrT="[Text]"/>
+      <dgm:spPr/>
+      <dgm:t>
+        <a:bodyPr/>
+        <a:lstStyle/>
+        <a:p>
+          <a:r>
+            <a:rPr lang="en-US" dirty="0"/>
+            <a:t>Create DNNs to fine-tune the predictions made</a:t>
+          </a:r>
+        </a:p>
+      </dgm:t>
+    </dgm:pt>
+    <dgm:pt modelId="{16015F4F-D51E-47E7-9493-8A3C321AC5EB}" type="parTrans" cxnId="{FFE9A4BF-FC2D-4F1D-8AFC-959A621F8D27}">
+      <dgm:prSet/>
+      <dgm:spPr/>
+      <dgm:t>
+        <a:bodyPr/>
+        <a:lstStyle/>
+        <a:p>
+          <a:endParaRPr lang="en-US"/>
+        </a:p>
+      </dgm:t>
+    </dgm:pt>
+    <dgm:pt modelId="{1D682896-5769-42BA-B627-7B7D0BC6FF5E}" type="sibTrans" cxnId="{FFE9A4BF-FC2D-4F1D-8AFC-959A621F8D27}">
+      <dgm:prSet/>
+      <dgm:spPr/>
+      <dgm:t>
+        <a:bodyPr/>
+        <a:lstStyle/>
+        <a:p>
+          <a:endParaRPr lang="en-US"/>
+        </a:p>
+      </dgm:t>
+    </dgm:pt>
+    <dgm:pt modelId="{AB292A45-0B2C-4ED5-A14D-2C47F611C165}" type="pres">
+      <dgm:prSet presAssocID="{9238A432-D316-4259-9404-97811FB8B772}" presName="rootNode" presStyleCnt="0">
+        <dgm:presLayoutVars>
+          <dgm:chMax/>
+          <dgm:chPref/>
+          <dgm:dir/>
+          <dgm:animLvl val="lvl"/>
+        </dgm:presLayoutVars>
+      </dgm:prSet>
+      <dgm:spPr/>
+    </dgm:pt>
+    <dgm:pt modelId="{5E5475C7-0F9A-4487-9E3D-654E6DA08A63}" type="pres">
+      <dgm:prSet presAssocID="{26488D48-E400-46B4-A52A-F6DCBA9AD163}" presName="composite" presStyleCnt="0"/>
+      <dgm:spPr/>
+    </dgm:pt>
+    <dgm:pt modelId="{F14DE368-9142-43B6-A226-EFDD5977F029}" type="pres">
+      <dgm:prSet presAssocID="{26488D48-E400-46B4-A52A-F6DCBA9AD163}" presName="ParentText" presStyleLbl="node1" presStyleIdx="0" presStyleCnt="3">
+        <dgm:presLayoutVars>
+          <dgm:chMax val="1"/>
+          <dgm:chPref val="1"/>
+          <dgm:bulletEnabled val="1"/>
+        </dgm:presLayoutVars>
+      </dgm:prSet>
+      <dgm:spPr/>
+    </dgm:pt>
+    <dgm:pt modelId="{B03A565F-19B9-4342-A909-A476F80E5332}" type="pres">
+      <dgm:prSet presAssocID="{26488D48-E400-46B4-A52A-F6DCBA9AD163}" presName="Image" presStyleLbl="bgImgPlace1" presStyleIdx="0" presStyleCnt="3"/>
+      <dgm:spPr>
+        <a:blipFill>
+          <a:blip xmlns:r="http://schemas.openxmlformats.org/officeDocument/2006/relationships" r:embed="rId1">
+            <a:extLst>
+              <a:ext uri="{28A0092B-C50C-407E-A947-70E740481C1C}">
+                <a14:useLocalDpi xmlns:a14="http://schemas.microsoft.com/office/drawing/2010/main" val="0"/>
+              </a:ext>
+            </a:extLst>
+          </a:blip>
+          <a:srcRect/>
+          <a:stretch>
+            <a:fillRect l="-8000" r="-8000"/>
+          </a:stretch>
+        </a:blipFill>
+      </dgm:spPr>
+    </dgm:pt>
+    <dgm:pt modelId="{33328A7E-AB63-4BB5-A0D3-FEEAF9337C4A}" type="pres">
+      <dgm:prSet presAssocID="{26488D48-E400-46B4-A52A-F6DCBA9AD163}" presName="ChildText" presStyleLbl="fgAcc1" presStyleIdx="0" presStyleCnt="3">
+        <dgm:presLayoutVars>
+          <dgm:chMax val="0"/>
+          <dgm:chPref val="0"/>
+          <dgm:bulletEnabled val="1"/>
+        </dgm:presLayoutVars>
+      </dgm:prSet>
+      <dgm:spPr/>
+    </dgm:pt>
+    <dgm:pt modelId="{0B198B98-9F5F-4989-9605-82FAB477D314}" type="pres">
+      <dgm:prSet presAssocID="{593FA406-DA18-485A-9473-A659E51ED34E}" presName="sibTrans" presStyleCnt="0"/>
+      <dgm:spPr/>
+    </dgm:pt>
+    <dgm:pt modelId="{BE11F658-2CBC-4B46-BC05-EAD970E9EA1E}" type="pres">
+      <dgm:prSet presAssocID="{EEAA79A1-C557-4019-A52B-C568039ADA40}" presName="composite" presStyleCnt="0"/>
+      <dgm:spPr/>
+    </dgm:pt>
+    <dgm:pt modelId="{8CF644E7-1027-4817-A62D-B72AE76DF9A3}" type="pres">
+      <dgm:prSet presAssocID="{EEAA79A1-C557-4019-A52B-C568039ADA40}" presName="ParentText" presStyleLbl="node1" presStyleIdx="1" presStyleCnt="3">
+        <dgm:presLayoutVars>
+          <dgm:chMax val="1"/>
+          <dgm:chPref val="1"/>
+          <dgm:bulletEnabled val="1"/>
+        </dgm:presLayoutVars>
+      </dgm:prSet>
+      <dgm:spPr/>
+    </dgm:pt>
+    <dgm:pt modelId="{695AE8D8-C61A-416E-943D-BDE23508C847}" type="pres">
+      <dgm:prSet presAssocID="{EEAA79A1-C557-4019-A52B-C568039ADA40}" presName="Image" presStyleLbl="bgImgPlace1" presStyleIdx="1" presStyleCnt="3"/>
+      <dgm:spPr/>
+    </dgm:pt>
+    <dgm:pt modelId="{D59EA828-B0FA-48F3-8556-6437AA86985B}" type="pres">
+      <dgm:prSet presAssocID="{EEAA79A1-C557-4019-A52B-C568039ADA40}" presName="ChildText" presStyleLbl="fgAcc1" presStyleIdx="1" presStyleCnt="3">
+        <dgm:presLayoutVars>
+          <dgm:chMax val="0"/>
+          <dgm:chPref val="0"/>
+          <dgm:bulletEnabled val="1"/>
+        </dgm:presLayoutVars>
+      </dgm:prSet>
+      <dgm:spPr/>
+    </dgm:pt>
+    <dgm:pt modelId="{E8675BA7-B389-4522-9FF3-B472D8A1E986}" type="pres">
+      <dgm:prSet presAssocID="{3649BD38-7EE5-4C7F-B42C-D1F7A707EFD0}" presName="sibTrans" presStyleCnt="0"/>
+      <dgm:spPr/>
+    </dgm:pt>
+    <dgm:pt modelId="{1151A21D-5CBB-4685-801A-64896484EC7C}" type="pres">
+      <dgm:prSet presAssocID="{56E3C8EE-F467-4838-B6F6-B6DE06B40A7B}" presName="composite" presStyleCnt="0"/>
+      <dgm:spPr/>
+    </dgm:pt>
+    <dgm:pt modelId="{2BE9A8A4-9482-435B-A6E9-45290D48C381}" type="pres">
+      <dgm:prSet presAssocID="{56E3C8EE-F467-4838-B6F6-B6DE06B40A7B}" presName="ParentText" presStyleLbl="node1" presStyleIdx="2" presStyleCnt="3">
+        <dgm:presLayoutVars>
+          <dgm:chMax val="1"/>
+          <dgm:chPref val="1"/>
+          <dgm:bulletEnabled val="1"/>
+        </dgm:presLayoutVars>
+      </dgm:prSet>
+      <dgm:spPr/>
+    </dgm:pt>
+    <dgm:pt modelId="{32DA5B18-EA18-485B-A5AF-4F17AAB435C3}" type="pres">
+      <dgm:prSet presAssocID="{56E3C8EE-F467-4838-B6F6-B6DE06B40A7B}" presName="Image" presStyleLbl="bgImgPlace1" presStyleIdx="2" presStyleCnt="3"/>
+      <dgm:spPr/>
+    </dgm:pt>
+    <dgm:pt modelId="{69A51237-040D-48B0-B1E8-82A653B654B0}" type="pres">
+      <dgm:prSet presAssocID="{56E3C8EE-F467-4838-B6F6-B6DE06B40A7B}" presName="ChildText" presStyleLbl="fgAcc1" presStyleIdx="2" presStyleCnt="3">
+        <dgm:presLayoutVars>
+          <dgm:chMax val="0"/>
+          <dgm:chPref val="0"/>
+          <dgm:bulletEnabled val="1"/>
+        </dgm:presLayoutVars>
+      </dgm:prSet>
+      <dgm:spPr/>
+    </dgm:pt>
+  </dgm:ptLst>
+  <dgm:cxnLst>
+    <dgm:cxn modelId="{4B39BC27-0C19-4B03-8074-D4B63CDFCE89}" type="presOf" srcId="{56E3C8EE-F467-4838-B6F6-B6DE06B40A7B}" destId="{2BE9A8A4-9482-435B-A6E9-45290D48C381}" srcOrd="0" destOrd="0" presId="urn:microsoft.com/office/officeart/2008/layout/TitledPictureBlocks"/>
+    <dgm:cxn modelId="{01C8392A-60D2-4B0A-955E-E7A83354AAEB}" type="presOf" srcId="{EEAA79A1-C557-4019-A52B-C568039ADA40}" destId="{8CF644E7-1027-4817-A62D-B72AE76DF9A3}" srcOrd="0" destOrd="0" presId="urn:microsoft.com/office/officeart/2008/layout/TitledPictureBlocks"/>
+    <dgm:cxn modelId="{2138B43A-E59B-4FE6-A620-467B7C3C519D}" srcId="{9238A432-D316-4259-9404-97811FB8B772}" destId="{26488D48-E400-46B4-A52A-F6DCBA9AD163}" srcOrd="0" destOrd="0" parTransId="{394C7C14-C86A-44FC-A8FD-24EA319D92BF}" sibTransId="{593FA406-DA18-485A-9473-A659E51ED34E}"/>
+    <dgm:cxn modelId="{41E50546-D63C-4DD3-B360-6F6054557043}" srcId="{9238A432-D316-4259-9404-97811FB8B772}" destId="{56E3C8EE-F467-4838-B6F6-B6DE06B40A7B}" srcOrd="2" destOrd="0" parTransId="{8FABA83A-5FA9-455B-BD96-7519DC04913B}" sibTransId="{34F8485F-0148-4F87-AD1E-C4DE20D7C036}"/>
+    <dgm:cxn modelId="{A5034D47-D959-4EB6-AA41-A8782749A07F}" type="presOf" srcId="{9238A432-D316-4259-9404-97811FB8B772}" destId="{AB292A45-0B2C-4ED5-A14D-2C47F611C165}" srcOrd="0" destOrd="0" presId="urn:microsoft.com/office/officeart/2008/layout/TitledPictureBlocks"/>
+    <dgm:cxn modelId="{D816A969-5579-40FF-B233-8F56907E5FAC}" type="presOf" srcId="{26488D48-E400-46B4-A52A-F6DCBA9AD163}" destId="{F14DE368-9142-43B6-A226-EFDD5977F029}" srcOrd="0" destOrd="0" presId="urn:microsoft.com/office/officeart/2008/layout/TitledPictureBlocks"/>
+    <dgm:cxn modelId="{47705157-7BDD-4B1E-AB69-D4CF8D1CEB37}" type="presOf" srcId="{87481000-8D0E-4924-8E78-6E3050E853DC}" destId="{D59EA828-B0FA-48F3-8556-6437AA86985B}" srcOrd="0" destOrd="0" presId="urn:microsoft.com/office/officeart/2008/layout/TitledPictureBlocks"/>
+    <dgm:cxn modelId="{80BBC988-E6BF-4EC6-B1B8-F6899943D38C}" type="presOf" srcId="{5C55C708-718C-446C-8581-7641E6071CEE}" destId="{33328A7E-AB63-4BB5-A0D3-FEEAF9337C4A}" srcOrd="0" destOrd="0" presId="urn:microsoft.com/office/officeart/2008/layout/TitledPictureBlocks"/>
+    <dgm:cxn modelId="{F8AEE5BA-9038-42E1-AF73-F0137524ABBF}" srcId="{EEAA79A1-C557-4019-A52B-C568039ADA40}" destId="{87481000-8D0E-4924-8E78-6E3050E853DC}" srcOrd="0" destOrd="0" parTransId="{C5F7B83C-A66E-441B-823B-EAFCCD634B7C}" sibTransId="{718CD242-A29B-4B4B-9E0D-81F41A5F4C86}"/>
+    <dgm:cxn modelId="{FFE9A4BF-FC2D-4F1D-8AFC-959A621F8D27}" srcId="{56E3C8EE-F467-4838-B6F6-B6DE06B40A7B}" destId="{BA748DE6-C6AB-454E-BA4E-9B469D917E12}" srcOrd="0" destOrd="0" parTransId="{16015F4F-D51E-47E7-9493-8A3C321AC5EB}" sibTransId="{1D682896-5769-42BA-B627-7B7D0BC6FF5E}"/>
+    <dgm:cxn modelId="{71897FC7-1767-460C-B59A-9BD8ADE96026}" srcId="{9238A432-D316-4259-9404-97811FB8B772}" destId="{EEAA79A1-C557-4019-A52B-C568039ADA40}" srcOrd="1" destOrd="0" parTransId="{9648A008-7538-4787-B045-089E57CAE537}" sibTransId="{3649BD38-7EE5-4C7F-B42C-D1F7A707EFD0}"/>
+    <dgm:cxn modelId="{041BE8F9-F6F7-49A8-BB8C-EBCCDF164240}" srcId="{26488D48-E400-46B4-A52A-F6DCBA9AD163}" destId="{5C55C708-718C-446C-8581-7641E6071CEE}" srcOrd="0" destOrd="0" parTransId="{C8EA6CBE-6F69-44BB-83C4-286E0E123AF3}" sibTransId="{BC0F8553-5E90-4B7B-9778-DAB87A6918F6}"/>
+    <dgm:cxn modelId="{D45421FE-0F54-4799-82CB-EE2E9E926D7C}" type="presOf" srcId="{BA748DE6-C6AB-454E-BA4E-9B469D917E12}" destId="{69A51237-040D-48B0-B1E8-82A653B654B0}" srcOrd="0" destOrd="0" presId="urn:microsoft.com/office/officeart/2008/layout/TitledPictureBlocks"/>
+    <dgm:cxn modelId="{39C30557-25BA-48B7-AF69-36D3F8425870}" type="presParOf" srcId="{AB292A45-0B2C-4ED5-A14D-2C47F611C165}" destId="{5E5475C7-0F9A-4487-9E3D-654E6DA08A63}" srcOrd="0" destOrd="0" presId="urn:microsoft.com/office/officeart/2008/layout/TitledPictureBlocks"/>
+    <dgm:cxn modelId="{74E4263F-DF07-4585-B070-B1E78FAEE770}" type="presParOf" srcId="{5E5475C7-0F9A-4487-9E3D-654E6DA08A63}" destId="{F14DE368-9142-43B6-A226-EFDD5977F029}" srcOrd="0" destOrd="0" presId="urn:microsoft.com/office/officeart/2008/layout/TitledPictureBlocks"/>
+    <dgm:cxn modelId="{8D22A7F1-72A6-4CAE-BCC8-2928D7FCE418}" type="presParOf" srcId="{5E5475C7-0F9A-4487-9E3D-654E6DA08A63}" destId="{B03A565F-19B9-4342-A909-A476F80E5332}" srcOrd="1" destOrd="0" presId="urn:microsoft.com/office/officeart/2008/layout/TitledPictureBlocks"/>
+    <dgm:cxn modelId="{7F2907CC-3FFB-42A3-9F4E-77DA5473C6AA}" type="presParOf" srcId="{5E5475C7-0F9A-4487-9E3D-654E6DA08A63}" destId="{33328A7E-AB63-4BB5-A0D3-FEEAF9337C4A}" srcOrd="2" destOrd="0" presId="urn:microsoft.com/office/officeart/2008/layout/TitledPictureBlocks"/>
+    <dgm:cxn modelId="{8764B765-91EA-4BA2-9540-B6A318E6D2C3}" type="presParOf" srcId="{AB292A45-0B2C-4ED5-A14D-2C47F611C165}" destId="{0B198B98-9F5F-4989-9605-82FAB477D314}" srcOrd="1" destOrd="0" presId="urn:microsoft.com/office/officeart/2008/layout/TitledPictureBlocks"/>
+    <dgm:cxn modelId="{9AA6912B-8392-4461-83DC-F13FEEB06711}" type="presParOf" srcId="{AB292A45-0B2C-4ED5-A14D-2C47F611C165}" destId="{BE11F658-2CBC-4B46-BC05-EAD970E9EA1E}" srcOrd="2" destOrd="0" presId="urn:microsoft.com/office/officeart/2008/layout/TitledPictureBlocks"/>
+    <dgm:cxn modelId="{7E0EA5B1-8107-476A-B64B-3124CDB2BC17}" type="presParOf" srcId="{BE11F658-2CBC-4B46-BC05-EAD970E9EA1E}" destId="{8CF644E7-1027-4817-A62D-B72AE76DF9A3}" srcOrd="0" destOrd="0" presId="urn:microsoft.com/office/officeart/2008/layout/TitledPictureBlocks"/>
+    <dgm:cxn modelId="{9B068B74-A6BF-4A7F-B2BA-9F1E5337A1A5}" type="presParOf" srcId="{BE11F658-2CBC-4B46-BC05-EAD970E9EA1E}" destId="{695AE8D8-C61A-416E-943D-BDE23508C847}" srcOrd="1" destOrd="0" presId="urn:microsoft.com/office/officeart/2008/layout/TitledPictureBlocks"/>
+    <dgm:cxn modelId="{2FF25453-613D-4AF1-B74F-02F7EC77392D}" type="presParOf" srcId="{BE11F658-2CBC-4B46-BC05-EAD970E9EA1E}" destId="{D59EA828-B0FA-48F3-8556-6437AA86985B}" srcOrd="2" destOrd="0" presId="urn:microsoft.com/office/officeart/2008/layout/TitledPictureBlocks"/>
+    <dgm:cxn modelId="{969438F8-5010-4CF1-97E0-277DFBC5DBE5}" type="presParOf" srcId="{AB292A45-0B2C-4ED5-A14D-2C47F611C165}" destId="{E8675BA7-B389-4522-9FF3-B472D8A1E986}" srcOrd="3" destOrd="0" presId="urn:microsoft.com/office/officeart/2008/layout/TitledPictureBlocks"/>
+    <dgm:cxn modelId="{DFC7CCBC-675A-40A2-82BB-69F1B314E918}" type="presParOf" srcId="{AB292A45-0B2C-4ED5-A14D-2C47F611C165}" destId="{1151A21D-5CBB-4685-801A-64896484EC7C}" srcOrd="4" destOrd="0" presId="urn:microsoft.com/office/officeart/2008/layout/TitledPictureBlocks"/>
+    <dgm:cxn modelId="{236CC365-95D7-4508-AC6D-74BEA084EFB8}" type="presParOf" srcId="{1151A21D-5CBB-4685-801A-64896484EC7C}" destId="{2BE9A8A4-9482-435B-A6E9-45290D48C381}" srcOrd="0" destOrd="0" presId="urn:microsoft.com/office/officeart/2008/layout/TitledPictureBlocks"/>
+    <dgm:cxn modelId="{552713D7-BC68-4D98-9285-8A60C47FFA2D}" type="presParOf" srcId="{1151A21D-5CBB-4685-801A-64896484EC7C}" destId="{32DA5B18-EA18-485B-A5AF-4F17AAB435C3}" srcOrd="1" destOrd="0" presId="urn:microsoft.com/office/officeart/2008/layout/TitledPictureBlocks"/>
+    <dgm:cxn modelId="{EB296CBD-EC0D-4811-B4BB-404D6FC2B6B0}" type="presParOf" srcId="{1151A21D-5CBB-4685-801A-64896484EC7C}" destId="{69A51237-040D-48B0-B1E8-82A653B654B0}" srcOrd="2" destOrd="0" presId="urn:microsoft.com/office/officeart/2008/layout/TitledPictureBlocks"/>
+  </dgm:cxnLst>
+  <dgm:bg/>
+  <dgm:whole/>
+  <dgm:extLst>
+    <a:ext uri="http://schemas.microsoft.com/office/drawing/2008/diagram">
+      <dsp:dataModelExt xmlns:dsp="http://schemas.microsoft.com/office/drawing/2008/diagram" relId="rId6" minVer="http://schemas.openxmlformats.org/drawingml/2006/diagram"/>
+    </a:ext>
+  </dgm:extLst>
+</dgm:dataModel>
+</file>
+
+<file path=ppt/diagrams/data3.xml><?xml version="1.0" encoding="utf-8"?>
+<dgm:dataModel xmlns:dgm="http://schemas.openxmlformats.org/drawingml/2006/diagram" xmlns:a="http://schemas.openxmlformats.org/drawingml/2006/main">
+  <dgm:ptLst>
+    <dgm:pt modelId="{FCD07809-D618-41BC-985A-E3E5C51F281F}" type="doc">
+      <dgm:prSet loTypeId="urn:microsoft.com/office/officeart/2011/layout/TabList" loCatId="officeonline" qsTypeId="urn:microsoft.com/office/officeart/2005/8/quickstyle/simple1" qsCatId="simple" csTypeId="urn:microsoft.com/office/officeart/2005/8/colors/accent1_2" csCatId="accent1" phldr="1"/>
+      <dgm:spPr/>
+      <dgm:t>
+        <a:bodyPr/>
+        <a:lstStyle/>
+        <a:p>
+          <a:endParaRPr lang="en-US"/>
+        </a:p>
+      </dgm:t>
+    </dgm:pt>
+    <dgm:pt modelId="{870729E9-A677-4A42-9AFF-C997B9E0711B}">
+      <dgm:prSet phldrT="[Text]"/>
+      <dgm:spPr/>
+      <dgm:t>
+        <a:bodyPr/>
+        <a:lstStyle/>
+        <a:p>
+          <a:r>
+            <a:rPr lang="en-US" dirty="0"/>
+            <a:t>DNN</a:t>
+          </a:r>
+        </a:p>
+      </dgm:t>
+    </dgm:pt>
+    <dgm:pt modelId="{1078D2B7-9EFE-4379-BF69-3325765562E6}" type="parTrans" cxnId="{3832ADB6-AF74-44DF-B60C-912FA8E522AD}">
+      <dgm:prSet/>
+      <dgm:spPr/>
+      <dgm:t>
+        <a:bodyPr/>
+        <a:lstStyle/>
+        <a:p>
+          <a:endParaRPr lang="en-US"/>
+        </a:p>
+      </dgm:t>
+    </dgm:pt>
+    <dgm:pt modelId="{629E44A7-2597-4840-AC86-48AA66ECCB4F}" type="sibTrans" cxnId="{3832ADB6-AF74-44DF-B60C-912FA8E522AD}">
+      <dgm:prSet/>
+      <dgm:spPr/>
+      <dgm:t>
+        <a:bodyPr/>
+        <a:lstStyle/>
+        <a:p>
+          <a:endParaRPr lang="en-US"/>
+        </a:p>
+      </dgm:t>
+    </dgm:pt>
+    <dgm:pt modelId="{95FBC0EF-3A95-469C-B0A7-95FC6BF46D8F}">
+      <dgm:prSet phldrT="[Text]"/>
+      <dgm:spPr/>
+      <dgm:t>
+        <a:bodyPr/>
+        <a:lstStyle/>
+        <a:p>
+          <a:r>
+            <a:rPr lang="en-US" dirty="0"/>
+            <a:t>Using the library </a:t>
+          </a:r>
+          <a:r>
+            <a:rPr lang="en-US" dirty="0" err="1"/>
+            <a:t>Keras</a:t>
+          </a:r>
+          <a:r>
+            <a:rPr lang="en-US" dirty="0"/>
+            <a:t> DNNs are trained using data pulled from the database </a:t>
+          </a:r>
+        </a:p>
+      </dgm:t>
+    </dgm:pt>
+    <dgm:pt modelId="{1F91B948-2B3A-4BBC-98DB-6414D60585C0}" type="parTrans" cxnId="{BACCD125-F4C6-47B8-AAC1-6BB5AADA92B7}">
+      <dgm:prSet/>
+      <dgm:spPr/>
+      <dgm:t>
+        <a:bodyPr/>
+        <a:lstStyle/>
+        <a:p>
+          <a:endParaRPr lang="en-US"/>
+        </a:p>
+      </dgm:t>
+    </dgm:pt>
+    <dgm:pt modelId="{929061FF-CDD1-4DFC-B6E9-DEC8522EFB17}" type="sibTrans" cxnId="{BACCD125-F4C6-47B8-AAC1-6BB5AADA92B7}">
+      <dgm:prSet/>
+      <dgm:spPr/>
+      <dgm:t>
+        <a:bodyPr/>
+        <a:lstStyle/>
+        <a:p>
+          <a:endParaRPr lang="en-US"/>
+        </a:p>
+      </dgm:t>
+    </dgm:pt>
+    <dgm:pt modelId="{3131B084-8300-4254-80E8-8A5B4AFDF80C}">
+      <dgm:prSet phldrT="[Text]"/>
+      <dgm:spPr/>
+      <dgm:t>
+        <a:bodyPr/>
+        <a:lstStyle/>
+        <a:p>
+          <a:r>
+            <a:rPr lang="en-US" dirty="0"/>
+            <a:t>Data Backend</a:t>
+          </a:r>
+        </a:p>
+      </dgm:t>
+    </dgm:pt>
+    <dgm:pt modelId="{64A5D137-B9E4-4C0E-9858-7EEA234CCBF0}" type="parTrans" cxnId="{5A32B912-5249-4F78-896F-F87C796B331A}">
+      <dgm:prSet/>
+      <dgm:spPr/>
+      <dgm:t>
+        <a:bodyPr/>
+        <a:lstStyle/>
+        <a:p>
+          <a:endParaRPr lang="en-US"/>
+        </a:p>
+      </dgm:t>
+    </dgm:pt>
+    <dgm:pt modelId="{D3D933FB-FA37-4C40-9E55-C7D3D80E5DE3}" type="sibTrans" cxnId="{5A32B912-5249-4F78-896F-F87C796B331A}">
+      <dgm:prSet/>
+      <dgm:spPr/>
+      <dgm:t>
+        <a:bodyPr/>
+        <a:lstStyle/>
+        <a:p>
+          <a:endParaRPr lang="en-US"/>
+        </a:p>
+      </dgm:t>
+    </dgm:pt>
+    <dgm:pt modelId="{CD0E965D-4B6E-4645-BC9C-E56F9B94DAE3}">
+      <dgm:prSet phldrT="[Text]"/>
+      <dgm:spPr/>
+      <dgm:t>
+        <a:bodyPr/>
+        <a:lstStyle/>
+        <a:p>
+          <a:r>
+            <a:rPr lang="en-US" dirty="0"/>
+            <a:t>UI</a:t>
+          </a:r>
+        </a:p>
+      </dgm:t>
+    </dgm:pt>
+    <dgm:pt modelId="{19CF9D7B-0298-4DF5-98E0-A2A25A936B7B}" type="parTrans" cxnId="{ED8CB038-DC60-44EB-9314-1C5C5FA835E8}">
+      <dgm:prSet/>
+      <dgm:spPr/>
+      <dgm:t>
+        <a:bodyPr/>
+        <a:lstStyle/>
+        <a:p>
+          <a:endParaRPr lang="en-US"/>
+        </a:p>
+      </dgm:t>
+    </dgm:pt>
+    <dgm:pt modelId="{E954032F-05BA-45C8-92A9-169499CDA94C}" type="sibTrans" cxnId="{ED8CB038-DC60-44EB-9314-1C5C5FA835E8}">
+      <dgm:prSet/>
+      <dgm:spPr/>
+      <dgm:t>
+        <a:bodyPr/>
+        <a:lstStyle/>
+        <a:p>
+          <a:endParaRPr lang="en-US"/>
+        </a:p>
+      </dgm:t>
+    </dgm:pt>
+    <dgm:pt modelId="{7AE7095B-A5F5-4E76-A0CD-0B84012807D5}">
+      <dgm:prSet phldrT="[Text]"/>
+      <dgm:spPr/>
+      <dgm:t>
+        <a:bodyPr/>
+        <a:lstStyle/>
+        <a:p>
+          <a:r>
+            <a:rPr lang="en-US" dirty="0" err="1"/>
+            <a:t>Keras</a:t>
+          </a:r>
+          <a:endParaRPr lang="en-US" dirty="0"/>
+        </a:p>
+      </dgm:t>
+    </dgm:pt>
+    <dgm:pt modelId="{7F73DC1C-AA67-46B2-BD7C-0ACF9DB25A00}" type="parTrans" cxnId="{ABDD3563-F93B-4795-A279-FCC65164F3EC}">
+      <dgm:prSet/>
+      <dgm:spPr/>
+      <dgm:t>
+        <a:bodyPr/>
+        <a:lstStyle/>
+        <a:p>
+          <a:endParaRPr lang="en-US"/>
+        </a:p>
+      </dgm:t>
+    </dgm:pt>
+    <dgm:pt modelId="{3C22C757-3DBF-4D4E-95A4-F97B0DBB44A8}" type="sibTrans" cxnId="{ABDD3563-F93B-4795-A279-FCC65164F3EC}">
+      <dgm:prSet/>
+      <dgm:spPr/>
+      <dgm:t>
+        <a:bodyPr/>
+        <a:lstStyle/>
+        <a:p>
+          <a:endParaRPr lang="en-US"/>
+        </a:p>
+      </dgm:t>
+    </dgm:pt>
+    <dgm:pt modelId="{BFD4F453-D24E-46D0-9B7A-8D4B5ABFDF65}">
+      <dgm:prSet phldrT="[Text]"/>
+      <dgm:spPr/>
+      <dgm:t>
+        <a:bodyPr/>
+        <a:lstStyle/>
+        <a:p>
+          <a:r>
+            <a:rPr lang="en-US" dirty="0"/>
+            <a:t>Based off of the </a:t>
+          </a:r>
+          <a:r>
+            <a:rPr lang="en-US" dirty="0" err="1"/>
+            <a:t>tkinter</a:t>
+          </a:r>
+          <a:r>
+            <a:rPr lang="en-US" dirty="0"/>
+            <a:t> UI system with several addons</a:t>
+          </a:r>
+        </a:p>
+      </dgm:t>
+    </dgm:pt>
+    <dgm:pt modelId="{ACDEE2F3-A233-4B34-8A61-B31802F207C4}" type="parTrans" cxnId="{83536834-5757-4222-87D9-CFE4554F5520}">
+      <dgm:prSet/>
+      <dgm:spPr/>
+      <dgm:t>
+        <a:bodyPr/>
+        <a:lstStyle/>
+        <a:p>
+          <a:endParaRPr lang="en-US"/>
+        </a:p>
+      </dgm:t>
+    </dgm:pt>
+    <dgm:pt modelId="{39500EAE-4399-4194-959D-E7B113B6E190}" type="sibTrans" cxnId="{83536834-5757-4222-87D9-CFE4554F5520}">
+      <dgm:prSet/>
+      <dgm:spPr/>
+      <dgm:t>
+        <a:bodyPr/>
+        <a:lstStyle/>
+        <a:p>
+          <a:endParaRPr lang="en-US"/>
+        </a:p>
+      </dgm:t>
+    </dgm:pt>
+    <dgm:pt modelId="{B01B9BB0-D6EC-4476-ABB9-F46E0D457204}">
+      <dgm:prSet phldrT="[Text]"/>
+      <dgm:spPr/>
+      <dgm:t>
+        <a:bodyPr/>
+        <a:lstStyle/>
+        <a:p>
+          <a:r>
+            <a:rPr lang="en-US" dirty="0" err="1"/>
+            <a:t>MatPlotLib</a:t>
+          </a:r>
+          <a:endParaRPr lang="en-US" dirty="0"/>
+        </a:p>
+      </dgm:t>
+    </dgm:pt>
+    <dgm:pt modelId="{D417C59A-BA4C-44CD-AFD7-9CC3AE7A788F}" type="parTrans" cxnId="{1C15C12A-1A96-465F-BF90-1FF855B24F96}">
+      <dgm:prSet/>
+      <dgm:spPr/>
+      <dgm:t>
+        <a:bodyPr/>
+        <a:lstStyle/>
+        <a:p>
+          <a:endParaRPr lang="en-US"/>
+        </a:p>
+      </dgm:t>
+    </dgm:pt>
+    <dgm:pt modelId="{0B112CCB-1552-426A-ADF6-13A74E94F504}" type="sibTrans" cxnId="{1C15C12A-1A96-465F-BF90-1FF855B24F96}">
+      <dgm:prSet/>
+      <dgm:spPr/>
+      <dgm:t>
+        <a:bodyPr/>
+        <a:lstStyle/>
+        <a:p>
+          <a:endParaRPr lang="en-US"/>
+        </a:p>
+      </dgm:t>
+    </dgm:pt>
+    <dgm:pt modelId="{991A8717-92DA-489F-BD88-1F9B4515F210}">
+      <dgm:prSet phldrT="[Text]"/>
+      <dgm:spPr/>
+      <dgm:t>
+        <a:bodyPr/>
+        <a:lstStyle/>
+        <a:p>
+          <a:r>
+            <a:rPr lang="en-US" dirty="0"/>
+            <a:t>Allows for many other types of graphs for future development ideas</a:t>
+          </a:r>
+        </a:p>
+      </dgm:t>
+    </dgm:pt>
+    <dgm:pt modelId="{EB9EF984-A7D9-49A4-AD8F-2D4E4EBCC80A}" type="parTrans" cxnId="{8C8F5896-0ED9-42FE-889A-3AAD91868C7E}">
+      <dgm:prSet/>
+      <dgm:spPr/>
+      <dgm:t>
+        <a:bodyPr/>
+        <a:lstStyle/>
+        <a:p>
+          <a:endParaRPr lang="en-US"/>
+        </a:p>
+      </dgm:t>
+    </dgm:pt>
+    <dgm:pt modelId="{61954B90-566C-44F9-85A4-DFB88539DD71}" type="sibTrans" cxnId="{8C8F5896-0ED9-42FE-889A-3AAD91868C7E}">
+      <dgm:prSet/>
+      <dgm:spPr/>
+      <dgm:t>
+        <a:bodyPr/>
+        <a:lstStyle/>
+        <a:p>
+          <a:endParaRPr lang="en-US"/>
+        </a:p>
+      </dgm:t>
+    </dgm:pt>
+    <dgm:pt modelId="{732B6412-D9E8-43BE-BBF1-D4902792A55C}">
+      <dgm:prSet phldrT="[Text]"/>
+      <dgm:spPr/>
+      <dgm:t>
+        <a:bodyPr/>
+        <a:lstStyle/>
+        <a:p>
+          <a:r>
+            <a:rPr lang="en-US" dirty="0"/>
+            <a:t>Integrates with Pandas and </a:t>
+          </a:r>
+          <a:r>
+            <a:rPr lang="en-US" dirty="0" err="1"/>
+            <a:t>Numpy</a:t>
+          </a:r>
+          <a:r>
+            <a:rPr lang="en-US" dirty="0"/>
+            <a:t> seamlessly</a:t>
+          </a:r>
+        </a:p>
+      </dgm:t>
+    </dgm:pt>
+    <dgm:pt modelId="{7D2F79F0-8023-43EA-A9C4-D4AA0CB72FEA}" type="parTrans" cxnId="{AEEBC5DF-E4D9-4506-A66E-EDC5A5D5FA54}">
+      <dgm:prSet/>
+      <dgm:spPr/>
+      <dgm:t>
+        <a:bodyPr/>
+        <a:lstStyle/>
+        <a:p>
+          <a:endParaRPr lang="en-US"/>
+        </a:p>
+      </dgm:t>
+    </dgm:pt>
+    <dgm:pt modelId="{4A378C7D-7008-4442-B2D9-0ACF40BB8960}" type="sibTrans" cxnId="{AEEBC5DF-E4D9-4506-A66E-EDC5A5D5FA54}">
+      <dgm:prSet/>
+      <dgm:spPr/>
+      <dgm:t>
+        <a:bodyPr/>
+        <a:lstStyle/>
+        <a:p>
+          <a:endParaRPr lang="en-US"/>
+        </a:p>
+      </dgm:t>
+    </dgm:pt>
+    <dgm:pt modelId="{FA50D2C6-731F-4274-B630-E5A82330DB89}">
+      <dgm:prSet phldrT="[Text]"/>
+      <dgm:spPr/>
+      <dgm:t>
+        <a:bodyPr/>
+        <a:lstStyle/>
+        <a:p>
+          <a:r>
+            <a:rPr lang="en-US" dirty="0"/>
+            <a:t>The program requires stock data to be pulled from a source and managed</a:t>
+          </a:r>
+        </a:p>
+      </dgm:t>
+    </dgm:pt>
+    <dgm:pt modelId="{0BF7FD86-4448-43A7-81A5-1870E548246F}" type="parTrans" cxnId="{67F79016-D598-4BAD-8776-DBDE24DA9FAC}">
+      <dgm:prSet/>
+      <dgm:spPr/>
+      <dgm:t>
+        <a:bodyPr/>
+        <a:lstStyle/>
+        <a:p>
+          <a:endParaRPr lang="en-US"/>
+        </a:p>
+      </dgm:t>
+    </dgm:pt>
+    <dgm:pt modelId="{D412C46F-74B1-41B4-AB31-AD1524C8F8FA}" type="sibTrans" cxnId="{67F79016-D598-4BAD-8776-DBDE24DA9FAC}">
+      <dgm:prSet/>
+      <dgm:spPr/>
+      <dgm:t>
+        <a:bodyPr/>
+        <a:lstStyle/>
+        <a:p>
+          <a:endParaRPr lang="en-US"/>
+        </a:p>
+      </dgm:t>
+    </dgm:pt>
+    <dgm:pt modelId="{F0809F4B-C690-47AE-9574-41299CFD4500}">
+      <dgm:prSet phldrT="[Text]"/>
+      <dgm:spPr/>
+      <dgm:t>
+        <a:bodyPr/>
+        <a:lstStyle/>
+        <a:p>
+          <a:r>
+            <a:rPr lang="en-US" dirty="0"/>
+            <a:t>Data was pulled from Yahoo Finance (free and open to the public)</a:t>
+          </a:r>
+        </a:p>
+      </dgm:t>
+    </dgm:pt>
+    <dgm:pt modelId="{239A7E67-3457-49CD-848F-91D95091E9DE}" type="parTrans" cxnId="{8BB46EF1-8C0A-4FA0-8B61-070B12ABA0B3}">
+      <dgm:prSet/>
+      <dgm:spPr/>
+      <dgm:t>
+        <a:bodyPr/>
+        <a:lstStyle/>
+        <a:p>
+          <a:endParaRPr lang="en-US"/>
+        </a:p>
+      </dgm:t>
+    </dgm:pt>
+    <dgm:pt modelId="{A56571A2-66CD-412A-A32B-356EE7A2A9EB}" type="sibTrans" cxnId="{8BB46EF1-8C0A-4FA0-8B61-070B12ABA0B3}">
+      <dgm:prSet/>
+      <dgm:spPr/>
+      <dgm:t>
+        <a:bodyPr/>
+        <a:lstStyle/>
+        <a:p>
+          <a:endParaRPr lang="en-US"/>
+        </a:p>
+      </dgm:t>
+    </dgm:pt>
+    <dgm:pt modelId="{79377902-807A-49F7-9946-D118DCC98C98}">
+      <dgm:prSet phldrT="[Text]"/>
+      <dgm:spPr/>
+      <dgm:t>
+        <a:bodyPr/>
+        <a:lstStyle/>
+        <a:p>
+          <a:r>
+            <a:rPr lang="en-US" dirty="0"/>
+            <a:t>Pandas</a:t>
+          </a:r>
+        </a:p>
+      </dgm:t>
+    </dgm:pt>
+    <dgm:pt modelId="{41030F3F-0DAF-4619-80E0-0ED8DE21F670}" type="parTrans" cxnId="{B04E65B2-D544-4518-81D8-119CBC06D95E}">
+      <dgm:prSet/>
+      <dgm:spPr/>
+      <dgm:t>
+        <a:bodyPr/>
+        <a:lstStyle/>
+        <a:p>
+          <a:endParaRPr lang="en-US"/>
+        </a:p>
+      </dgm:t>
+    </dgm:pt>
+    <dgm:pt modelId="{43E1ABED-FE20-451B-A23C-BF0CB4874953}" type="sibTrans" cxnId="{B04E65B2-D544-4518-81D8-119CBC06D95E}">
+      <dgm:prSet/>
+      <dgm:spPr/>
+      <dgm:t>
+        <a:bodyPr/>
+        <a:lstStyle/>
+        <a:p>
+          <a:endParaRPr lang="en-US"/>
+        </a:p>
+      </dgm:t>
+    </dgm:pt>
+    <dgm:pt modelId="{6A690DC7-CEEE-4CDA-B833-0E0E8EAAD355}">
+      <dgm:prSet phldrT="[Text]"/>
+      <dgm:spPr/>
+      <dgm:t>
+        <a:bodyPr/>
+        <a:lstStyle/>
+        <a:p>
+          <a:r>
+            <a:rPr lang="en-US" dirty="0" err="1"/>
+            <a:t>Tkinter</a:t>
+          </a:r>
+          <a:endParaRPr lang="en-US" dirty="0"/>
+        </a:p>
+      </dgm:t>
+    </dgm:pt>
+    <dgm:pt modelId="{C82F8828-D9E2-4894-A1DE-3D085E2D7725}" type="parTrans" cxnId="{318AA5A6-C2D1-4C48-8D75-BF8FAAD4B36F}">
+      <dgm:prSet/>
+      <dgm:spPr/>
+      <dgm:t>
+        <a:bodyPr/>
+        <a:lstStyle/>
+        <a:p>
+          <a:endParaRPr lang="en-US"/>
+        </a:p>
+      </dgm:t>
+    </dgm:pt>
+    <dgm:pt modelId="{A5C8DBD5-352E-495A-84C4-2A55595D3A91}" type="sibTrans" cxnId="{318AA5A6-C2D1-4C48-8D75-BF8FAAD4B36F}">
+      <dgm:prSet/>
+      <dgm:spPr/>
+      <dgm:t>
+        <a:bodyPr/>
+        <a:lstStyle/>
+        <a:p>
+          <a:endParaRPr lang="en-US"/>
+        </a:p>
+      </dgm:t>
+    </dgm:pt>
+    <dgm:pt modelId="{11A60CB6-C2CE-4D76-B6BA-1CBC62E77B8B}">
+      <dgm:prSet phldrT="[Text]"/>
+      <dgm:spPr/>
+      <dgm:t>
+        <a:bodyPr/>
+        <a:lstStyle/>
+        <a:p>
+          <a:r>
+            <a:rPr lang="en-US" dirty="0"/>
+            <a:t>A UI framework system which allows for quick development of UIs with consistent theming and cross-OS support</a:t>
+          </a:r>
+        </a:p>
+      </dgm:t>
+    </dgm:pt>
+    <dgm:pt modelId="{E758EDCD-33D5-4AD8-81CC-7588E7FBAB15}" type="parTrans" cxnId="{FD43D24D-CA75-465C-B434-FBE29BFB8E9A}">
+      <dgm:prSet/>
+      <dgm:spPr/>
+      <dgm:t>
+        <a:bodyPr/>
+        <a:lstStyle/>
+        <a:p>
+          <a:endParaRPr lang="en-US"/>
+        </a:p>
+      </dgm:t>
+    </dgm:pt>
+    <dgm:pt modelId="{62124C8A-9BCF-49CE-88E8-60A17FB785B3}" type="sibTrans" cxnId="{FD43D24D-CA75-465C-B434-FBE29BFB8E9A}">
+      <dgm:prSet/>
+      <dgm:spPr/>
+      <dgm:t>
+        <a:bodyPr/>
+        <a:lstStyle/>
+        <a:p>
+          <a:endParaRPr lang="en-US"/>
+        </a:p>
+      </dgm:t>
+    </dgm:pt>
+    <dgm:pt modelId="{B2C3CE44-CF6B-41FC-8CFD-D5D9A2590707}">
+      <dgm:prSet phldrT="[Text]"/>
+      <dgm:spPr/>
+      <dgm:t>
+        <a:bodyPr/>
+        <a:lstStyle/>
+        <a:p>
+          <a:r>
+            <a:rPr lang="en-US" dirty="0"/>
+            <a:t>Integrates with many other tools such as </a:t>
+          </a:r>
+          <a:r>
+            <a:rPr lang="en-US" dirty="0" err="1"/>
+            <a:t>MatPlotLib</a:t>
+          </a:r>
+          <a:endParaRPr lang="en-US" dirty="0"/>
+        </a:p>
+      </dgm:t>
+    </dgm:pt>
+    <dgm:pt modelId="{493EAA37-491C-4C5A-A8A1-01F2985F4380}" type="parTrans" cxnId="{87ADEEFC-E4D4-4852-9935-9FBDEC4A7A53}">
+      <dgm:prSet/>
+      <dgm:spPr/>
+      <dgm:t>
+        <a:bodyPr/>
+        <a:lstStyle/>
+        <a:p>
+          <a:endParaRPr lang="en-US"/>
+        </a:p>
+      </dgm:t>
+    </dgm:pt>
+    <dgm:pt modelId="{6834F2FA-494B-4CB5-8473-FBFF07C195D3}" type="sibTrans" cxnId="{87ADEEFC-E4D4-4852-9935-9FBDEC4A7A53}">
+      <dgm:prSet/>
+      <dgm:spPr/>
+      <dgm:t>
+        <a:bodyPr/>
+        <a:lstStyle/>
+        <a:p>
+          <a:endParaRPr lang="en-US"/>
+        </a:p>
+      </dgm:t>
+    </dgm:pt>
+    <dgm:pt modelId="{E5BBF645-F752-472A-9AA2-768A842D6B15}">
+      <dgm:prSet phldrT="[Text]"/>
+      <dgm:spPr/>
+      <dgm:t>
+        <a:bodyPr/>
+        <a:lstStyle/>
+        <a:p>
+          <a:endParaRPr lang="en-US" dirty="0"/>
+        </a:p>
+      </dgm:t>
+    </dgm:pt>
+    <dgm:pt modelId="{44CBF59C-646E-40E5-9095-48AA908F6893}" type="parTrans" cxnId="{E564A834-CAED-4CF9-8859-0626DE71B816}">
+      <dgm:prSet/>
+      <dgm:spPr/>
+      <dgm:t>
+        <a:bodyPr/>
+        <a:lstStyle/>
+        <a:p>
+          <a:endParaRPr lang="en-US"/>
+        </a:p>
+      </dgm:t>
+    </dgm:pt>
+    <dgm:pt modelId="{7F873B13-992B-4219-B02A-8675F5E7645E}" type="sibTrans" cxnId="{E564A834-CAED-4CF9-8859-0626DE71B816}">
+      <dgm:prSet/>
+      <dgm:spPr/>
+      <dgm:t>
+        <a:bodyPr/>
+        <a:lstStyle/>
+        <a:p>
+          <a:endParaRPr lang="en-US"/>
+        </a:p>
+      </dgm:t>
+    </dgm:pt>
+    <dgm:pt modelId="{8D5BA9A6-7F4B-4FAD-A3E4-68CD9E4D89C7}">
+      <dgm:prSet phldrT="[Text]"/>
+      <dgm:spPr/>
+      <dgm:t>
+        <a:bodyPr/>
+        <a:lstStyle/>
+        <a:p>
+          <a:r>
+            <a:rPr lang="en-US" dirty="0"/>
+            <a:t>A data manipulation  tool which comes with the extremely flexible </a:t>
+          </a:r>
+          <a:r>
+            <a:rPr lang="en-US" dirty="0" err="1"/>
+            <a:t>dataframe</a:t>
+          </a:r>
+          <a:r>
+            <a:rPr lang="en-US" dirty="0"/>
+            <a:t> type</a:t>
+          </a:r>
+        </a:p>
+      </dgm:t>
+    </dgm:pt>
+    <dgm:pt modelId="{767797A1-19E1-470A-BDDA-BB6736065D3B}" type="parTrans" cxnId="{49ECF529-F499-4EF3-BC27-5C15BE7EE59B}">
+      <dgm:prSet/>
+      <dgm:spPr/>
+      <dgm:t>
+        <a:bodyPr/>
+        <a:lstStyle/>
+        <a:p>
+          <a:endParaRPr lang="en-US"/>
+        </a:p>
+      </dgm:t>
+    </dgm:pt>
+    <dgm:pt modelId="{29123AD4-A420-4E1B-90E4-C330A3F0493B}" type="sibTrans" cxnId="{49ECF529-F499-4EF3-BC27-5C15BE7EE59B}">
+      <dgm:prSet/>
+      <dgm:spPr/>
+      <dgm:t>
+        <a:bodyPr/>
+        <a:lstStyle/>
+        <a:p>
+          <a:endParaRPr lang="en-US"/>
+        </a:p>
+      </dgm:t>
+    </dgm:pt>
+    <dgm:pt modelId="{9AC290B2-2994-4861-964C-2A4AD1AD6DA6}">
+      <dgm:prSet phldrT="[Text]"/>
+      <dgm:spPr/>
+      <dgm:t>
+        <a:bodyPr/>
+        <a:lstStyle/>
+        <a:p>
+          <a:r>
+            <a:rPr lang="en-US" dirty="0"/>
+            <a:t>Panda’s </a:t>
+          </a:r>
+          <a:r>
+            <a:rPr lang="en-US" dirty="0" err="1"/>
+            <a:t>dataframes</a:t>
+          </a:r>
+          <a:r>
+            <a:rPr lang="en-US" dirty="0"/>
+            <a:t> supported all datatypes and rapid file creation/reading</a:t>
+          </a:r>
+        </a:p>
+      </dgm:t>
+    </dgm:pt>
+    <dgm:pt modelId="{CC0600FE-BAC3-4774-9DF6-387CDC2A71EE}" type="parTrans" cxnId="{BCC9BB26-3094-4051-BB16-7416C5FFB85E}">
+      <dgm:prSet/>
+      <dgm:spPr/>
+      <dgm:t>
+        <a:bodyPr/>
+        <a:lstStyle/>
+        <a:p>
+          <a:endParaRPr lang="en-US"/>
+        </a:p>
+      </dgm:t>
+    </dgm:pt>
+    <dgm:pt modelId="{43F7F614-E3EB-428D-8E97-750133218397}" type="sibTrans" cxnId="{BCC9BB26-3094-4051-BB16-7416C5FFB85E}">
+      <dgm:prSet/>
+      <dgm:spPr/>
+      <dgm:t>
+        <a:bodyPr/>
+        <a:lstStyle/>
+        <a:p>
+          <a:endParaRPr lang="en-US"/>
+        </a:p>
+      </dgm:t>
+    </dgm:pt>
+    <dgm:pt modelId="{D7AA6F7B-4CAC-44F2-B276-21A8EB59497B}">
+      <dgm:prSet phldrT="[Text]"/>
+      <dgm:spPr/>
+      <dgm:t>
+        <a:bodyPr/>
+        <a:lstStyle/>
+        <a:p>
+          <a:endParaRPr lang="en-US" dirty="0"/>
+        </a:p>
+      </dgm:t>
+    </dgm:pt>
+    <dgm:pt modelId="{0A51031B-D9AE-4E84-94D8-BD179812DA72}" type="parTrans" cxnId="{B3480C49-8525-47C7-8B8F-AB68042EA591}">
+      <dgm:prSet/>
+      <dgm:spPr/>
+      <dgm:t>
+        <a:bodyPr/>
+        <a:lstStyle/>
+        <a:p>
+          <a:endParaRPr lang="en-US"/>
+        </a:p>
+      </dgm:t>
+    </dgm:pt>
+    <dgm:pt modelId="{DF929BD5-D4BA-46E6-873C-168391C88C52}" type="sibTrans" cxnId="{B3480C49-8525-47C7-8B8F-AB68042EA591}">
+      <dgm:prSet/>
+      <dgm:spPr/>
+      <dgm:t>
+        <a:bodyPr/>
+        <a:lstStyle/>
+        <a:p>
+          <a:endParaRPr lang="en-US"/>
+        </a:p>
+      </dgm:t>
+    </dgm:pt>
+    <dgm:pt modelId="{52B87E7C-9D24-4B4A-BEB4-DE271C184E6E}" type="pres">
+      <dgm:prSet presAssocID="{FCD07809-D618-41BC-985A-E3E5C51F281F}" presName="Name0" presStyleCnt="0">
+        <dgm:presLayoutVars>
+          <dgm:chMax/>
+          <dgm:chPref val="3"/>
+          <dgm:dir/>
+          <dgm:animOne val="branch"/>
+          <dgm:animLvl val="lvl"/>
+        </dgm:presLayoutVars>
+      </dgm:prSet>
+      <dgm:spPr/>
+    </dgm:pt>
+    <dgm:pt modelId="{5DABD6A9-88B8-46A6-B77B-D97A0DA2DBE8}" type="pres">
+      <dgm:prSet presAssocID="{870729E9-A677-4A42-9AFF-C997B9E0711B}" presName="composite" presStyleCnt="0"/>
+      <dgm:spPr/>
+    </dgm:pt>
+    <dgm:pt modelId="{E5A2FA0C-6831-42B7-B1B9-7B55A5F108CD}" type="pres">
+      <dgm:prSet presAssocID="{870729E9-A677-4A42-9AFF-C997B9E0711B}" presName="FirstChild" presStyleLbl="revTx" presStyleIdx="0" presStyleCnt="6">
+        <dgm:presLayoutVars>
+          <dgm:chMax val="0"/>
+          <dgm:chPref val="0"/>
+          <dgm:bulletEnabled val="1"/>
+        </dgm:presLayoutVars>
+      </dgm:prSet>
+      <dgm:spPr/>
+    </dgm:pt>
+    <dgm:pt modelId="{EF790F6E-B6F5-47CB-B9AE-AF5533EC1222}" type="pres">
+      <dgm:prSet presAssocID="{870729E9-A677-4A42-9AFF-C997B9E0711B}" presName="Parent" presStyleLbl="alignNode1" presStyleIdx="0" presStyleCnt="3">
+        <dgm:presLayoutVars>
+          <dgm:chMax val="3"/>
+          <dgm:chPref val="3"/>
+          <dgm:bulletEnabled val="1"/>
+        </dgm:presLayoutVars>
+      </dgm:prSet>
+      <dgm:spPr/>
+    </dgm:pt>
+    <dgm:pt modelId="{27976924-E2E8-4866-AA84-6A8B9CEC6D66}" type="pres">
+      <dgm:prSet presAssocID="{870729E9-A677-4A42-9AFF-C997B9E0711B}" presName="Accent" presStyleLbl="parChTrans1D1" presStyleIdx="0" presStyleCnt="3"/>
+      <dgm:spPr/>
+    </dgm:pt>
+    <dgm:pt modelId="{90686D98-99F9-4A9F-B7EE-533BF1284C65}" type="pres">
+      <dgm:prSet presAssocID="{870729E9-A677-4A42-9AFF-C997B9E0711B}" presName="Child" presStyleLbl="revTx" presStyleIdx="1" presStyleCnt="6">
+        <dgm:presLayoutVars>
+          <dgm:chMax val="0"/>
+          <dgm:chPref val="0"/>
+          <dgm:bulletEnabled val="1"/>
+        </dgm:presLayoutVars>
+      </dgm:prSet>
+      <dgm:spPr/>
+    </dgm:pt>
+    <dgm:pt modelId="{E7C2E9BC-9F4E-4F3C-9022-2C258767890C}" type="pres">
+      <dgm:prSet presAssocID="{629E44A7-2597-4840-AC86-48AA66ECCB4F}" presName="sibTrans" presStyleCnt="0"/>
+      <dgm:spPr/>
+    </dgm:pt>
+    <dgm:pt modelId="{817F6F32-3C6A-451F-8269-FB1AD5D7013C}" type="pres">
+      <dgm:prSet presAssocID="{3131B084-8300-4254-80E8-8A5B4AFDF80C}" presName="composite" presStyleCnt="0"/>
+      <dgm:spPr/>
+    </dgm:pt>
+    <dgm:pt modelId="{0061A237-10AC-4CFE-B0A3-D71238728053}" type="pres">
+      <dgm:prSet presAssocID="{3131B084-8300-4254-80E8-8A5B4AFDF80C}" presName="FirstChild" presStyleLbl="revTx" presStyleIdx="2" presStyleCnt="6">
+        <dgm:presLayoutVars>
+          <dgm:chMax val="0"/>
+          <dgm:chPref val="0"/>
+          <dgm:bulletEnabled val="1"/>
+        </dgm:presLayoutVars>
+      </dgm:prSet>
+      <dgm:spPr/>
+    </dgm:pt>
+    <dgm:pt modelId="{19758F49-5CE9-4566-B98C-4B8FAE0848D8}" type="pres">
+      <dgm:prSet presAssocID="{3131B084-8300-4254-80E8-8A5B4AFDF80C}" presName="Parent" presStyleLbl="alignNode1" presStyleIdx="1" presStyleCnt="3">
+        <dgm:presLayoutVars>
+          <dgm:chMax val="3"/>
+          <dgm:chPref val="3"/>
+          <dgm:bulletEnabled val="1"/>
+        </dgm:presLayoutVars>
+      </dgm:prSet>
+      <dgm:spPr/>
+    </dgm:pt>
+    <dgm:pt modelId="{E3E1F174-EF52-4CA9-937C-A36C5D1D2056}" type="pres">
+      <dgm:prSet presAssocID="{3131B084-8300-4254-80E8-8A5B4AFDF80C}" presName="Accent" presStyleLbl="parChTrans1D1" presStyleIdx="1" presStyleCnt="3"/>
+      <dgm:spPr/>
+    </dgm:pt>
+    <dgm:pt modelId="{40B5902B-4605-48C6-82DF-7D0401FD59B7}" type="pres">
+      <dgm:prSet presAssocID="{3131B084-8300-4254-80E8-8A5B4AFDF80C}" presName="Child" presStyleLbl="revTx" presStyleIdx="3" presStyleCnt="6">
+        <dgm:presLayoutVars>
+          <dgm:chMax val="0"/>
+          <dgm:chPref val="0"/>
+          <dgm:bulletEnabled val="1"/>
+        </dgm:presLayoutVars>
+      </dgm:prSet>
+      <dgm:spPr/>
+    </dgm:pt>
+    <dgm:pt modelId="{3C620CFF-DBBE-48B3-A49D-1FCAFA16862C}" type="pres">
+      <dgm:prSet presAssocID="{D3D933FB-FA37-4C40-9E55-C7D3D80E5DE3}" presName="sibTrans" presStyleCnt="0"/>
+      <dgm:spPr/>
+    </dgm:pt>
+    <dgm:pt modelId="{BEE3CB40-CD41-4109-925E-F345121717D9}" type="pres">
+      <dgm:prSet presAssocID="{CD0E965D-4B6E-4645-BC9C-E56F9B94DAE3}" presName="composite" presStyleCnt="0"/>
+      <dgm:spPr/>
+    </dgm:pt>
+    <dgm:pt modelId="{C35DB58D-BC33-45F4-89F8-78B54475A88D}" type="pres">
+      <dgm:prSet presAssocID="{CD0E965D-4B6E-4645-BC9C-E56F9B94DAE3}" presName="FirstChild" presStyleLbl="revTx" presStyleIdx="4" presStyleCnt="6">
+        <dgm:presLayoutVars>
+          <dgm:chMax val="0"/>
+          <dgm:chPref val="0"/>
+          <dgm:bulletEnabled val="1"/>
+        </dgm:presLayoutVars>
+      </dgm:prSet>
+      <dgm:spPr/>
+    </dgm:pt>
+    <dgm:pt modelId="{A985AD0C-AF2E-4584-BC01-4F9C20AE81DF}" type="pres">
+      <dgm:prSet presAssocID="{CD0E965D-4B6E-4645-BC9C-E56F9B94DAE3}" presName="Parent" presStyleLbl="alignNode1" presStyleIdx="2" presStyleCnt="3">
+        <dgm:presLayoutVars>
+          <dgm:chMax val="3"/>
+          <dgm:chPref val="3"/>
+          <dgm:bulletEnabled val="1"/>
+        </dgm:presLayoutVars>
+      </dgm:prSet>
+      <dgm:spPr/>
+    </dgm:pt>
+    <dgm:pt modelId="{8B6364F7-78A9-48A9-9A1C-47C0B881EE5E}" type="pres">
+      <dgm:prSet presAssocID="{CD0E965D-4B6E-4645-BC9C-E56F9B94DAE3}" presName="Accent" presStyleLbl="parChTrans1D1" presStyleIdx="2" presStyleCnt="3"/>
+      <dgm:spPr/>
+    </dgm:pt>
+    <dgm:pt modelId="{2ED54C4C-C596-4673-9F23-5A60E5E52C42}" type="pres">
+      <dgm:prSet presAssocID="{CD0E965D-4B6E-4645-BC9C-E56F9B94DAE3}" presName="Child" presStyleLbl="revTx" presStyleIdx="5" presStyleCnt="6">
+        <dgm:presLayoutVars>
+          <dgm:chMax val="0"/>
+          <dgm:chPref val="0"/>
+          <dgm:bulletEnabled val="1"/>
+        </dgm:presLayoutVars>
+      </dgm:prSet>
+      <dgm:spPr/>
+    </dgm:pt>
+  </dgm:ptLst>
+  <dgm:cxnLst>
+    <dgm:cxn modelId="{5864AE01-B407-4C3D-8D4C-F71918D0025F}" type="presOf" srcId="{870729E9-A677-4A42-9AFF-C997B9E0711B}" destId="{EF790F6E-B6F5-47CB-B9AE-AF5533EC1222}" srcOrd="0" destOrd="0" presId="urn:microsoft.com/office/officeart/2011/layout/TabList"/>
+    <dgm:cxn modelId="{F359CD0D-5D59-4A40-B03F-566F16EC3D48}" type="presOf" srcId="{BFD4F453-D24E-46D0-9B7A-8D4B5ABFDF65}" destId="{C35DB58D-BC33-45F4-89F8-78B54475A88D}" srcOrd="0" destOrd="0" presId="urn:microsoft.com/office/officeart/2011/layout/TabList"/>
+    <dgm:cxn modelId="{EC712B0E-677A-4E91-BA2C-342E2DF8EBCA}" type="presOf" srcId="{6A690DC7-CEEE-4CDA-B833-0E0E8EAAD355}" destId="{2ED54C4C-C596-4673-9F23-5A60E5E52C42}" srcOrd="0" destOrd="0" presId="urn:microsoft.com/office/officeart/2011/layout/TabList"/>
+    <dgm:cxn modelId="{33C9880F-C425-4BB9-A2D9-38829C826284}" type="presOf" srcId="{FCD07809-D618-41BC-985A-E3E5C51F281F}" destId="{52B87E7C-9D24-4B4A-BEB4-DE271C184E6E}" srcOrd="0" destOrd="0" presId="urn:microsoft.com/office/officeart/2011/layout/TabList"/>
+    <dgm:cxn modelId="{5A32B912-5249-4F78-896F-F87C796B331A}" srcId="{FCD07809-D618-41BC-985A-E3E5C51F281F}" destId="{3131B084-8300-4254-80E8-8A5B4AFDF80C}" srcOrd="1" destOrd="0" parTransId="{64A5D137-B9E4-4C0E-9858-7EEA234CCBF0}" sibTransId="{D3D933FB-FA37-4C40-9E55-C7D3D80E5DE3}"/>
+    <dgm:cxn modelId="{82C20A13-E6C5-44FD-9FAC-2E7016A67603}" type="presOf" srcId="{FA50D2C6-731F-4274-B630-E5A82330DB89}" destId="{0061A237-10AC-4CFE-B0A3-D71238728053}" srcOrd="0" destOrd="0" presId="urn:microsoft.com/office/officeart/2011/layout/TabList"/>
+    <dgm:cxn modelId="{67F79016-D598-4BAD-8776-DBDE24DA9FAC}" srcId="{3131B084-8300-4254-80E8-8A5B4AFDF80C}" destId="{FA50D2C6-731F-4274-B630-E5A82330DB89}" srcOrd="0" destOrd="0" parTransId="{0BF7FD86-4448-43A7-81A5-1870E548246F}" sibTransId="{D412C46F-74B1-41B4-AB31-AD1524C8F8FA}"/>
+    <dgm:cxn modelId="{BACCD125-F4C6-47B8-AAC1-6BB5AADA92B7}" srcId="{870729E9-A677-4A42-9AFF-C997B9E0711B}" destId="{95FBC0EF-3A95-469C-B0A7-95FC6BF46D8F}" srcOrd="0" destOrd="0" parTransId="{1F91B948-2B3A-4BBC-98DB-6414D60585C0}" sibTransId="{929061FF-CDD1-4DFC-B6E9-DEC8522EFB17}"/>
+    <dgm:cxn modelId="{BCC9BB26-3094-4051-BB16-7416C5FFB85E}" srcId="{79377902-807A-49F7-9946-D118DCC98C98}" destId="{9AC290B2-2994-4861-964C-2A4AD1AD6DA6}" srcOrd="1" destOrd="0" parTransId="{CC0600FE-BAC3-4774-9DF6-387CDC2A71EE}" sibTransId="{43F7F614-E3EB-428D-8E97-750133218397}"/>
+    <dgm:cxn modelId="{18B4FB28-E041-40A0-A6DF-16317547E328}" type="presOf" srcId="{732B6412-D9E8-43BE-BBF1-D4902792A55C}" destId="{2ED54C4C-C596-4673-9F23-5A60E5E52C42}" srcOrd="0" destOrd="5" presId="urn:microsoft.com/office/officeart/2011/layout/TabList"/>
+    <dgm:cxn modelId="{49ECF529-F499-4EF3-BC27-5C15BE7EE59B}" srcId="{79377902-807A-49F7-9946-D118DCC98C98}" destId="{8D5BA9A6-7F4B-4FAD-A3E4-68CD9E4D89C7}" srcOrd="0" destOrd="0" parTransId="{767797A1-19E1-470A-BDDA-BB6736065D3B}" sibTransId="{29123AD4-A420-4E1B-90E4-C330A3F0493B}"/>
+    <dgm:cxn modelId="{1C15C12A-1A96-465F-BF90-1FF855B24F96}" srcId="{CD0E965D-4B6E-4645-BC9C-E56F9B94DAE3}" destId="{B01B9BB0-D6EC-4476-ABB9-F46E0D457204}" srcOrd="2" destOrd="0" parTransId="{D417C59A-BA4C-44CD-AFD7-9CC3AE7A788F}" sibTransId="{0B112CCB-1552-426A-ADF6-13A74E94F504}"/>
+    <dgm:cxn modelId="{83536834-5757-4222-87D9-CFE4554F5520}" srcId="{CD0E965D-4B6E-4645-BC9C-E56F9B94DAE3}" destId="{BFD4F453-D24E-46D0-9B7A-8D4B5ABFDF65}" srcOrd="0" destOrd="0" parTransId="{ACDEE2F3-A233-4B34-8A61-B31802F207C4}" sibTransId="{39500EAE-4399-4194-959D-E7B113B6E190}"/>
+    <dgm:cxn modelId="{86FA8034-09F2-48A7-8B82-D3857B653C57}" type="presOf" srcId="{B2C3CE44-CF6B-41FC-8CFD-D5D9A2590707}" destId="{2ED54C4C-C596-4673-9F23-5A60E5E52C42}" srcOrd="0" destOrd="2" presId="urn:microsoft.com/office/officeart/2011/layout/TabList"/>
+    <dgm:cxn modelId="{E564A834-CAED-4CF9-8859-0626DE71B816}" srcId="{7AE7095B-A5F5-4E76-A0CD-0B84012807D5}" destId="{E5BBF645-F752-472A-9AA2-768A842D6B15}" srcOrd="0" destOrd="0" parTransId="{44CBF59C-646E-40E5-9095-48AA908F6893}" sibTransId="{7F873B13-992B-4219-B02A-8675F5E7645E}"/>
+    <dgm:cxn modelId="{ED8CB038-DC60-44EB-9314-1C5C5FA835E8}" srcId="{FCD07809-D618-41BC-985A-E3E5C51F281F}" destId="{CD0E965D-4B6E-4645-BC9C-E56F9B94DAE3}" srcOrd="2" destOrd="0" parTransId="{19CF9D7B-0298-4DF5-98E0-A2A25A936B7B}" sibTransId="{E954032F-05BA-45C8-92A9-169499CDA94C}"/>
+    <dgm:cxn modelId="{F0B32660-8268-4093-A523-B593E5486209}" type="presOf" srcId="{8D5BA9A6-7F4B-4FAD-A3E4-68CD9E4D89C7}" destId="{40B5902B-4605-48C6-82DF-7D0401FD59B7}" srcOrd="0" destOrd="2" presId="urn:microsoft.com/office/officeart/2011/layout/TabList"/>
+    <dgm:cxn modelId="{DE545D60-A749-49FF-96E0-24475543D3E0}" type="presOf" srcId="{3131B084-8300-4254-80E8-8A5B4AFDF80C}" destId="{19758F49-5CE9-4566-B98C-4B8FAE0848D8}" srcOrd="0" destOrd="0" presId="urn:microsoft.com/office/officeart/2011/layout/TabList"/>
+    <dgm:cxn modelId="{ABDD3563-F93B-4795-A279-FCC65164F3EC}" srcId="{870729E9-A677-4A42-9AFF-C997B9E0711B}" destId="{7AE7095B-A5F5-4E76-A0CD-0B84012807D5}" srcOrd="1" destOrd="0" parTransId="{7F73DC1C-AA67-46B2-BD7C-0ACF9DB25A00}" sibTransId="{3C22C757-3DBF-4D4E-95A4-F97B0DBB44A8}"/>
+    <dgm:cxn modelId="{CD51D145-4535-45DC-A870-89155817395C}" type="presOf" srcId="{F0809F4B-C690-47AE-9574-41299CFD4500}" destId="{40B5902B-4605-48C6-82DF-7D0401FD59B7}" srcOrd="0" destOrd="0" presId="urn:microsoft.com/office/officeart/2011/layout/TabList"/>
+    <dgm:cxn modelId="{B3480C49-8525-47C7-8B8F-AB68042EA591}" srcId="{79377902-807A-49F7-9946-D118DCC98C98}" destId="{D7AA6F7B-4CAC-44F2-B276-21A8EB59497B}" srcOrd="2" destOrd="0" parTransId="{0A51031B-D9AE-4E84-94D8-BD179812DA72}" sibTransId="{DF929BD5-D4BA-46E6-873C-168391C88C52}"/>
+    <dgm:cxn modelId="{FD43D24D-CA75-465C-B434-FBE29BFB8E9A}" srcId="{6A690DC7-CEEE-4CDA-B833-0E0E8EAAD355}" destId="{11A60CB6-C2CE-4D76-B6BA-1CBC62E77B8B}" srcOrd="0" destOrd="0" parTransId="{E758EDCD-33D5-4AD8-81CC-7588E7FBAB15}" sibTransId="{62124C8A-9BCF-49CE-88E8-60A17FB785B3}"/>
+    <dgm:cxn modelId="{0EF7DF6E-40C0-4315-A85D-1BF0FF7AF414}" type="presOf" srcId="{7AE7095B-A5F5-4E76-A0CD-0B84012807D5}" destId="{90686D98-99F9-4A9F-B7EE-533BF1284C65}" srcOrd="0" destOrd="0" presId="urn:microsoft.com/office/officeart/2011/layout/TabList"/>
+    <dgm:cxn modelId="{11DA8571-E077-48DB-9B80-801164851B23}" type="presOf" srcId="{95FBC0EF-3A95-469C-B0A7-95FC6BF46D8F}" destId="{E5A2FA0C-6831-42B7-B1B9-7B55A5F108CD}" srcOrd="0" destOrd="0" presId="urn:microsoft.com/office/officeart/2011/layout/TabList"/>
+    <dgm:cxn modelId="{5F3EFE79-F8F8-4157-8ACA-D81DCFFC5314}" type="presOf" srcId="{B01B9BB0-D6EC-4476-ABB9-F46E0D457204}" destId="{2ED54C4C-C596-4673-9F23-5A60E5E52C42}" srcOrd="0" destOrd="3" presId="urn:microsoft.com/office/officeart/2011/layout/TabList"/>
+    <dgm:cxn modelId="{BC962E83-214A-4DBB-8E01-47593143FC02}" type="presOf" srcId="{79377902-807A-49F7-9946-D118DCC98C98}" destId="{40B5902B-4605-48C6-82DF-7D0401FD59B7}" srcOrd="0" destOrd="1" presId="urn:microsoft.com/office/officeart/2011/layout/TabList"/>
+    <dgm:cxn modelId="{2C38BF8E-4CDD-419F-8171-44D6A0531D31}" type="presOf" srcId="{11A60CB6-C2CE-4D76-B6BA-1CBC62E77B8B}" destId="{2ED54C4C-C596-4673-9F23-5A60E5E52C42}" srcOrd="0" destOrd="1" presId="urn:microsoft.com/office/officeart/2011/layout/TabList"/>
+    <dgm:cxn modelId="{8C8F5896-0ED9-42FE-889A-3AAD91868C7E}" srcId="{B01B9BB0-D6EC-4476-ABB9-F46E0D457204}" destId="{991A8717-92DA-489F-BD88-1F9B4515F210}" srcOrd="0" destOrd="0" parTransId="{EB9EF984-A7D9-49A4-AD8F-2D4E4EBCC80A}" sibTransId="{61954B90-566C-44F9-85A4-DFB88539DD71}"/>
+    <dgm:cxn modelId="{318AA5A6-C2D1-4C48-8D75-BF8FAAD4B36F}" srcId="{CD0E965D-4B6E-4645-BC9C-E56F9B94DAE3}" destId="{6A690DC7-CEEE-4CDA-B833-0E0E8EAAD355}" srcOrd="1" destOrd="0" parTransId="{C82F8828-D9E2-4894-A1DE-3D085E2D7725}" sibTransId="{A5C8DBD5-352E-495A-84C4-2A55595D3A91}"/>
+    <dgm:cxn modelId="{F320A9B1-EF55-4F0B-B987-012236DE2F26}" type="presOf" srcId="{991A8717-92DA-489F-BD88-1F9B4515F210}" destId="{2ED54C4C-C596-4673-9F23-5A60E5E52C42}" srcOrd="0" destOrd="4" presId="urn:microsoft.com/office/officeart/2011/layout/TabList"/>
+    <dgm:cxn modelId="{B04E65B2-D544-4518-81D8-119CBC06D95E}" srcId="{3131B084-8300-4254-80E8-8A5B4AFDF80C}" destId="{79377902-807A-49F7-9946-D118DCC98C98}" srcOrd="2" destOrd="0" parTransId="{41030F3F-0DAF-4619-80E0-0ED8DE21F670}" sibTransId="{43E1ABED-FE20-451B-A23C-BF0CB4874953}"/>
+    <dgm:cxn modelId="{3832ADB6-AF74-44DF-B60C-912FA8E522AD}" srcId="{FCD07809-D618-41BC-985A-E3E5C51F281F}" destId="{870729E9-A677-4A42-9AFF-C997B9E0711B}" srcOrd="0" destOrd="0" parTransId="{1078D2B7-9EFE-4379-BF69-3325765562E6}" sibTransId="{629E44A7-2597-4840-AC86-48AA66ECCB4F}"/>
+    <dgm:cxn modelId="{881C68D0-05F8-4A78-A036-32C5DE591A5B}" type="presOf" srcId="{9AC290B2-2994-4861-964C-2A4AD1AD6DA6}" destId="{40B5902B-4605-48C6-82DF-7D0401FD59B7}" srcOrd="0" destOrd="3" presId="urn:microsoft.com/office/officeart/2011/layout/TabList"/>
+    <dgm:cxn modelId="{C796E1DC-BA08-41AE-81DE-5426DBE32171}" type="presOf" srcId="{CD0E965D-4B6E-4645-BC9C-E56F9B94DAE3}" destId="{A985AD0C-AF2E-4584-BC01-4F9C20AE81DF}" srcOrd="0" destOrd="0" presId="urn:microsoft.com/office/officeart/2011/layout/TabList"/>
+    <dgm:cxn modelId="{AEEBC5DF-E4D9-4506-A66E-EDC5A5D5FA54}" srcId="{B01B9BB0-D6EC-4476-ABB9-F46E0D457204}" destId="{732B6412-D9E8-43BE-BBF1-D4902792A55C}" srcOrd="1" destOrd="0" parTransId="{7D2F79F0-8023-43EA-A9C4-D4AA0CB72FEA}" sibTransId="{4A378C7D-7008-4442-B2D9-0ACF40BB8960}"/>
+    <dgm:cxn modelId="{8BB46EF1-8C0A-4FA0-8B61-070B12ABA0B3}" srcId="{3131B084-8300-4254-80E8-8A5B4AFDF80C}" destId="{F0809F4B-C690-47AE-9574-41299CFD4500}" srcOrd="1" destOrd="0" parTransId="{239A7E67-3457-49CD-848F-91D95091E9DE}" sibTransId="{A56571A2-66CD-412A-A32B-356EE7A2A9EB}"/>
+    <dgm:cxn modelId="{3F0CE2F4-0585-4108-BE6F-2ED8E44A88DD}" type="presOf" srcId="{E5BBF645-F752-472A-9AA2-768A842D6B15}" destId="{90686D98-99F9-4A9F-B7EE-533BF1284C65}" srcOrd="0" destOrd="1" presId="urn:microsoft.com/office/officeart/2011/layout/TabList"/>
+    <dgm:cxn modelId="{8CC2B2FB-8192-4EC2-B74F-21F98442F987}" type="presOf" srcId="{D7AA6F7B-4CAC-44F2-B276-21A8EB59497B}" destId="{40B5902B-4605-48C6-82DF-7D0401FD59B7}" srcOrd="0" destOrd="4" presId="urn:microsoft.com/office/officeart/2011/layout/TabList"/>
+    <dgm:cxn modelId="{87ADEEFC-E4D4-4852-9935-9FBDEC4A7A53}" srcId="{6A690DC7-CEEE-4CDA-B833-0E0E8EAAD355}" destId="{B2C3CE44-CF6B-41FC-8CFD-D5D9A2590707}" srcOrd="1" destOrd="0" parTransId="{493EAA37-491C-4C5A-A8A1-01F2985F4380}" sibTransId="{6834F2FA-494B-4CB5-8473-FBFF07C195D3}"/>
+    <dgm:cxn modelId="{7A296670-9411-4277-9054-C3ACA5B7639D}" type="presParOf" srcId="{52B87E7C-9D24-4B4A-BEB4-DE271C184E6E}" destId="{5DABD6A9-88B8-46A6-B77B-D97A0DA2DBE8}" srcOrd="0" destOrd="0" presId="urn:microsoft.com/office/officeart/2011/layout/TabList"/>
+    <dgm:cxn modelId="{59ADB501-CB3C-402E-B208-2E6B29B57231}" type="presParOf" srcId="{5DABD6A9-88B8-46A6-B77B-D97A0DA2DBE8}" destId="{E5A2FA0C-6831-42B7-B1B9-7B55A5F108CD}" srcOrd="0" destOrd="0" presId="urn:microsoft.com/office/officeart/2011/layout/TabList"/>
+    <dgm:cxn modelId="{CC49E876-6A6B-42D1-81C7-C8D69C532FBA}" type="presParOf" srcId="{5DABD6A9-88B8-46A6-B77B-D97A0DA2DBE8}" destId="{EF790F6E-B6F5-47CB-B9AE-AF5533EC1222}" srcOrd="1" destOrd="0" presId="urn:microsoft.com/office/officeart/2011/layout/TabList"/>
+    <dgm:cxn modelId="{10D8514F-D8AA-4686-82CC-31D73BAE3F6F}" type="presParOf" srcId="{5DABD6A9-88B8-46A6-B77B-D97A0DA2DBE8}" destId="{27976924-E2E8-4866-AA84-6A8B9CEC6D66}" srcOrd="2" destOrd="0" presId="urn:microsoft.com/office/officeart/2011/layout/TabList"/>
+    <dgm:cxn modelId="{3DB3E88F-8D83-498D-B588-260C728BC04A}" type="presParOf" srcId="{52B87E7C-9D24-4B4A-BEB4-DE271C184E6E}" destId="{90686D98-99F9-4A9F-B7EE-533BF1284C65}" srcOrd="1" destOrd="0" presId="urn:microsoft.com/office/officeart/2011/layout/TabList"/>
+    <dgm:cxn modelId="{C8454352-FE8A-48D2-A7D9-82147FC1EE98}" type="presParOf" srcId="{52B87E7C-9D24-4B4A-BEB4-DE271C184E6E}" destId="{E7C2E9BC-9F4E-4F3C-9022-2C258767890C}" srcOrd="2" destOrd="0" presId="urn:microsoft.com/office/officeart/2011/layout/TabList"/>
+    <dgm:cxn modelId="{E099522D-0B5F-4824-B431-0FF5EF055F6A}" type="presParOf" srcId="{52B87E7C-9D24-4B4A-BEB4-DE271C184E6E}" destId="{817F6F32-3C6A-451F-8269-FB1AD5D7013C}" srcOrd="3" destOrd="0" presId="urn:microsoft.com/office/officeart/2011/layout/TabList"/>
+    <dgm:cxn modelId="{AAB41341-3487-402E-A45B-F905F3F7DD5A}" type="presParOf" srcId="{817F6F32-3C6A-451F-8269-FB1AD5D7013C}" destId="{0061A237-10AC-4CFE-B0A3-D71238728053}" srcOrd="0" destOrd="0" presId="urn:microsoft.com/office/officeart/2011/layout/TabList"/>
+    <dgm:cxn modelId="{768EFD28-4FE3-4BBF-AE2C-D6F13EA9FB99}" type="presParOf" srcId="{817F6F32-3C6A-451F-8269-FB1AD5D7013C}" destId="{19758F49-5CE9-4566-B98C-4B8FAE0848D8}" srcOrd="1" destOrd="0" presId="urn:microsoft.com/office/officeart/2011/layout/TabList"/>
+    <dgm:cxn modelId="{CAC8D743-7057-4DBF-9952-C866BA8F646D}" type="presParOf" srcId="{817F6F32-3C6A-451F-8269-FB1AD5D7013C}" destId="{E3E1F174-EF52-4CA9-937C-A36C5D1D2056}" srcOrd="2" destOrd="0" presId="urn:microsoft.com/office/officeart/2011/layout/TabList"/>
+    <dgm:cxn modelId="{8C5970F0-53EE-41FF-AD6A-01997ACF96BA}" type="presParOf" srcId="{52B87E7C-9D24-4B4A-BEB4-DE271C184E6E}" destId="{40B5902B-4605-48C6-82DF-7D0401FD59B7}" srcOrd="4" destOrd="0" presId="urn:microsoft.com/office/officeart/2011/layout/TabList"/>
+    <dgm:cxn modelId="{06FB3B26-AF62-4F04-80B3-A320BC6C5FC6}" type="presParOf" srcId="{52B87E7C-9D24-4B4A-BEB4-DE271C184E6E}" destId="{3C620CFF-DBBE-48B3-A49D-1FCAFA16862C}" srcOrd="5" destOrd="0" presId="urn:microsoft.com/office/officeart/2011/layout/TabList"/>
+    <dgm:cxn modelId="{17EB9FC0-A624-4087-9DBC-D2D1FCECBAEE}" type="presParOf" srcId="{52B87E7C-9D24-4B4A-BEB4-DE271C184E6E}" destId="{BEE3CB40-CD41-4109-925E-F345121717D9}" srcOrd="6" destOrd="0" presId="urn:microsoft.com/office/officeart/2011/layout/TabList"/>
+    <dgm:cxn modelId="{F6F52E48-C3D1-43F9-B922-4DB88B6F42B8}" type="presParOf" srcId="{BEE3CB40-CD41-4109-925E-F345121717D9}" destId="{C35DB58D-BC33-45F4-89F8-78B54475A88D}" srcOrd="0" destOrd="0" presId="urn:microsoft.com/office/officeart/2011/layout/TabList"/>
+    <dgm:cxn modelId="{EEAE1B8A-C185-448C-9321-E85A58DE8F6D}" type="presParOf" srcId="{BEE3CB40-CD41-4109-925E-F345121717D9}" destId="{A985AD0C-AF2E-4584-BC01-4F9C20AE81DF}" srcOrd="1" destOrd="0" presId="urn:microsoft.com/office/officeart/2011/layout/TabList"/>
+    <dgm:cxn modelId="{40E87222-F0DD-4A6D-BB1B-6834AF99BD3A}" type="presParOf" srcId="{BEE3CB40-CD41-4109-925E-F345121717D9}" destId="{8B6364F7-78A9-48A9-9A1C-47C0B881EE5E}" srcOrd="2" destOrd="0" presId="urn:microsoft.com/office/officeart/2011/layout/TabList"/>
+    <dgm:cxn modelId="{9687B369-4211-414A-AA88-9F4A27FDBBA6}" type="presParOf" srcId="{52B87E7C-9D24-4B4A-BEB4-DE271C184E6E}" destId="{2ED54C4C-C596-4673-9F23-5A60E5E52C42}" srcOrd="7" destOrd="0" presId="urn:microsoft.com/office/officeart/2011/layout/TabList"/>
   </dgm:cxnLst>
   <dgm:bg/>
   <dgm:whole/>
@@ -1842,6 +4671,1591 @@
 </dsp:drawing>
 </file>
 
+<file path=ppt/diagrams/drawing2.xml><?xml version="1.0" encoding="utf-8"?>
+<dsp:drawing xmlns:dgm="http://schemas.openxmlformats.org/drawingml/2006/diagram" xmlns:dsp="http://schemas.microsoft.com/office/drawing/2008/diagram" xmlns:a="http://schemas.openxmlformats.org/drawingml/2006/main">
+  <dsp:spTree>
+    <dsp:nvGrpSpPr>
+      <dsp:cNvPr id="0" name=""/>
+      <dsp:cNvGrpSpPr/>
+    </dsp:nvGrpSpPr>
+    <dsp:grpSpPr/>
+    <dsp:sp modelId="{B03A565F-19B9-4342-A909-A476F80E5332}">
+      <dsp:nvSpPr>
+        <dsp:cNvPr id="0" name=""/>
+        <dsp:cNvSpPr/>
+      </dsp:nvSpPr>
+      <dsp:spPr>
+        <a:xfrm>
+          <a:off x="528696" y="428484"/>
+          <a:ext cx="2494516" cy="2113588"/>
+        </a:xfrm>
+        <a:prstGeom prst="rect">
+          <a:avLst/>
+        </a:prstGeom>
+        <a:blipFill>
+          <a:blip xmlns:r="http://schemas.openxmlformats.org/officeDocument/2006/relationships" r:embed="rId1">
+            <a:extLst>
+              <a:ext uri="{28A0092B-C50C-407E-A947-70E740481C1C}">
+                <a14:useLocalDpi xmlns:a14="http://schemas.microsoft.com/office/drawing/2010/main" val="0"/>
+              </a:ext>
+            </a:extLst>
+          </a:blip>
+          <a:srcRect/>
+          <a:stretch>
+            <a:fillRect l="-8000" r="-8000"/>
+          </a:stretch>
+        </a:blipFill>
+        <a:ln w="12700" cap="flat" cmpd="sng" algn="ctr">
+          <a:solidFill>
+            <a:schemeClr val="dk2">
+              <a:shade val="80000"/>
+              <a:hueOff val="0"/>
+              <a:satOff val="0"/>
+              <a:lumOff val="0"/>
+              <a:alphaOff val="0"/>
+            </a:schemeClr>
+          </a:solidFill>
+          <a:prstDash val="solid"/>
+        </a:ln>
+        <a:effectLst/>
+      </dsp:spPr>
+      <dsp:style>
+        <a:lnRef idx="2">
+          <a:scrgbClr r="0" g="0" b="0"/>
+        </a:lnRef>
+        <a:fillRef idx="1">
+          <a:scrgbClr r="0" g="0" b="0"/>
+        </a:fillRef>
+        <a:effectRef idx="0">
+          <a:scrgbClr r="0" g="0" b="0"/>
+        </a:effectRef>
+        <a:fontRef idx="minor"/>
+      </dsp:style>
+    </dsp:sp>
+    <dsp:sp modelId="{33328A7E-AB63-4BB5-A0D3-FEEAF9337C4A}">
+      <dsp:nvSpPr>
+        <dsp:cNvPr id="0" name=""/>
+        <dsp:cNvSpPr/>
+      </dsp:nvSpPr>
+      <dsp:spPr>
+        <a:xfrm>
+          <a:off x="2691033" y="724256"/>
+          <a:ext cx="1182863" cy="1231127"/>
+        </a:xfrm>
+        <a:prstGeom prst="roundRect">
+          <a:avLst>
+            <a:gd name="adj" fmla="val 10000"/>
+          </a:avLst>
+        </a:prstGeom>
+        <a:solidFill>
+          <a:schemeClr val="lt2">
+            <a:alpha val="90000"/>
+            <a:hueOff val="0"/>
+            <a:satOff val="0"/>
+            <a:lumOff val="0"/>
+            <a:alphaOff val="0"/>
+          </a:schemeClr>
+        </a:solidFill>
+        <a:ln w="12700" cap="flat" cmpd="sng" algn="ctr">
+          <a:solidFill>
+            <a:schemeClr val="dk2">
+              <a:hueOff val="0"/>
+              <a:satOff val="0"/>
+              <a:lumOff val="0"/>
+              <a:alphaOff val="0"/>
+            </a:schemeClr>
+          </a:solidFill>
+          <a:prstDash val="solid"/>
+        </a:ln>
+        <a:effectLst/>
+      </dsp:spPr>
+      <dsp:style>
+        <a:lnRef idx="2">
+          <a:scrgbClr r="0" g="0" b="0"/>
+        </a:lnRef>
+        <a:fillRef idx="1">
+          <a:scrgbClr r="0" g="0" b="0"/>
+        </a:fillRef>
+        <a:effectRef idx="0">
+          <a:scrgbClr r="0" g="0" b="0"/>
+        </a:effectRef>
+        <a:fontRef idx="minor"/>
+      </dsp:style>
+      <dsp:txBody>
+        <a:bodyPr spcFirstLastPara="0" vert="horz" wrap="square" lIns="49530" tIns="49530" rIns="49530" bIns="49530" numCol="1" spcCol="1270" anchor="ctr" anchorCtr="0">
+          <a:noAutofit/>
+        </a:bodyPr>
+        <a:lstStyle/>
+        <a:p>
+          <a:pPr marL="0" lvl="0" indent="0" algn="l" defTabSz="577850">
+            <a:lnSpc>
+              <a:spcPct val="90000"/>
+            </a:lnSpc>
+            <a:spcBef>
+              <a:spcPct val="0"/>
+            </a:spcBef>
+            <a:spcAft>
+              <a:spcPct val="35000"/>
+            </a:spcAft>
+            <a:buNone/>
+          </a:pPr>
+          <a:r>
+            <a:rPr lang="en-US" sz="1300" kern="1200" dirty="0"/>
+            <a:t>See the trends alongside the predictions</a:t>
+          </a:r>
+        </a:p>
+      </dsp:txBody>
+      <dsp:txXfrm>
+        <a:off x="2725678" y="758901"/>
+        <a:ext cx="1113573" cy="1161837"/>
+      </dsp:txXfrm>
+    </dsp:sp>
+    <dsp:sp modelId="{F14DE368-9142-43B6-A226-EFDD5977F029}">
+      <dsp:nvSpPr>
+        <dsp:cNvPr id="0" name=""/>
+        <dsp:cNvSpPr/>
+      </dsp:nvSpPr>
+      <dsp:spPr>
+        <a:xfrm>
+          <a:off x="528696" y="25469"/>
+          <a:ext cx="2494516" cy="363951"/>
+        </a:xfrm>
+        <a:prstGeom prst="rect">
+          <a:avLst/>
+        </a:prstGeom>
+        <a:solidFill>
+          <a:schemeClr val="dk2">
+            <a:hueOff val="0"/>
+            <a:satOff val="0"/>
+            <a:lumOff val="0"/>
+            <a:alphaOff val="0"/>
+          </a:schemeClr>
+        </a:solidFill>
+        <a:ln w="12700" cap="flat" cmpd="sng" algn="ctr">
+          <a:solidFill>
+            <a:schemeClr val="lt2">
+              <a:hueOff val="0"/>
+              <a:satOff val="0"/>
+              <a:lumOff val="0"/>
+              <a:alphaOff val="0"/>
+            </a:schemeClr>
+          </a:solidFill>
+          <a:prstDash val="solid"/>
+        </a:ln>
+        <a:effectLst/>
+      </dsp:spPr>
+      <dsp:style>
+        <a:lnRef idx="2">
+          <a:scrgbClr r="0" g="0" b="0"/>
+        </a:lnRef>
+        <a:fillRef idx="1">
+          <a:scrgbClr r="0" g="0" b="0"/>
+        </a:fillRef>
+        <a:effectRef idx="0">
+          <a:scrgbClr r="0" g="0" b="0"/>
+        </a:effectRef>
+        <a:fontRef idx="minor">
+          <a:schemeClr val="lt1"/>
+        </a:fontRef>
+      </dsp:style>
+      <dsp:txBody>
+        <a:bodyPr spcFirstLastPara="0" vert="horz" wrap="square" lIns="64770" tIns="64770" rIns="64770" bIns="64770" numCol="1" spcCol="1270" anchor="ctr" anchorCtr="0">
+          <a:noAutofit/>
+        </a:bodyPr>
+        <a:lstStyle/>
+        <a:p>
+          <a:pPr marL="0" lvl="0" indent="0" algn="ctr" defTabSz="755650">
+            <a:lnSpc>
+              <a:spcPct val="90000"/>
+            </a:lnSpc>
+            <a:spcBef>
+              <a:spcPct val="0"/>
+            </a:spcBef>
+            <a:spcAft>
+              <a:spcPct val="35000"/>
+            </a:spcAft>
+            <a:buNone/>
+          </a:pPr>
+          <a:r>
+            <a:rPr lang="en-US" sz="1700" kern="1200" dirty="0"/>
+            <a:t>Stock Histories</a:t>
+          </a:r>
+        </a:p>
+      </dsp:txBody>
+      <dsp:txXfrm>
+        <a:off x="528696" y="25469"/>
+        <a:ext cx="2494516" cy="363951"/>
+      </dsp:txXfrm>
+    </dsp:sp>
+    <dsp:sp modelId="{695AE8D8-C61A-416E-943D-BDE23508C847}">
+      <dsp:nvSpPr>
+        <dsp:cNvPr id="0" name=""/>
+        <dsp:cNvSpPr/>
+      </dsp:nvSpPr>
+      <dsp:spPr>
+        <a:xfrm>
+          <a:off x="4254103" y="428484"/>
+          <a:ext cx="2494516" cy="2113588"/>
+        </a:xfrm>
+        <a:prstGeom prst="rect">
+          <a:avLst/>
+        </a:prstGeom>
+        <a:solidFill>
+          <a:schemeClr val="dk2">
+            <a:tint val="50000"/>
+            <a:hueOff val="0"/>
+            <a:satOff val="0"/>
+            <a:lumOff val="0"/>
+            <a:alphaOff val="0"/>
+          </a:schemeClr>
+        </a:solidFill>
+        <a:ln w="12700" cap="flat" cmpd="sng" algn="ctr">
+          <a:solidFill>
+            <a:schemeClr val="dk2">
+              <a:shade val="80000"/>
+              <a:hueOff val="0"/>
+              <a:satOff val="0"/>
+              <a:lumOff val="0"/>
+              <a:alphaOff val="0"/>
+            </a:schemeClr>
+          </a:solidFill>
+          <a:prstDash val="solid"/>
+        </a:ln>
+        <a:effectLst/>
+      </dsp:spPr>
+      <dsp:style>
+        <a:lnRef idx="2">
+          <a:scrgbClr r="0" g="0" b="0"/>
+        </a:lnRef>
+        <a:fillRef idx="1">
+          <a:scrgbClr r="0" g="0" b="0"/>
+        </a:fillRef>
+        <a:effectRef idx="0">
+          <a:scrgbClr r="0" g="0" b="0"/>
+        </a:effectRef>
+        <a:fontRef idx="minor"/>
+      </dsp:style>
+    </dsp:sp>
+    <dsp:sp modelId="{D59EA828-B0FA-48F3-8556-6437AA86985B}">
+      <dsp:nvSpPr>
+        <dsp:cNvPr id="0" name=""/>
+        <dsp:cNvSpPr/>
+      </dsp:nvSpPr>
+      <dsp:spPr>
+        <a:xfrm>
+          <a:off x="6416440" y="724256"/>
+          <a:ext cx="1182863" cy="1231127"/>
+        </a:xfrm>
+        <a:prstGeom prst="roundRect">
+          <a:avLst>
+            <a:gd name="adj" fmla="val 10000"/>
+          </a:avLst>
+        </a:prstGeom>
+        <a:solidFill>
+          <a:schemeClr val="lt2">
+            <a:alpha val="90000"/>
+            <a:hueOff val="0"/>
+            <a:satOff val="0"/>
+            <a:lumOff val="0"/>
+            <a:alphaOff val="0"/>
+          </a:schemeClr>
+        </a:solidFill>
+        <a:ln w="12700" cap="flat" cmpd="sng" algn="ctr">
+          <a:solidFill>
+            <a:schemeClr val="dk2">
+              <a:hueOff val="0"/>
+              <a:satOff val="0"/>
+              <a:lumOff val="0"/>
+              <a:alphaOff val="0"/>
+            </a:schemeClr>
+          </a:solidFill>
+          <a:prstDash val="solid"/>
+        </a:ln>
+        <a:effectLst/>
+      </dsp:spPr>
+      <dsp:style>
+        <a:lnRef idx="2">
+          <a:scrgbClr r="0" g="0" b="0"/>
+        </a:lnRef>
+        <a:fillRef idx="1">
+          <a:scrgbClr r="0" g="0" b="0"/>
+        </a:fillRef>
+        <a:effectRef idx="0">
+          <a:scrgbClr r="0" g="0" b="0"/>
+        </a:effectRef>
+        <a:fontRef idx="minor"/>
+      </dsp:style>
+      <dsp:txBody>
+        <a:bodyPr spcFirstLastPara="0" vert="horz" wrap="square" lIns="49530" tIns="49530" rIns="49530" bIns="49530" numCol="1" spcCol="1270" anchor="ctr" anchorCtr="0">
+          <a:noAutofit/>
+        </a:bodyPr>
+        <a:lstStyle/>
+        <a:p>
+          <a:pPr marL="0" lvl="0" indent="0" algn="l" defTabSz="577850">
+            <a:lnSpc>
+              <a:spcPct val="90000"/>
+            </a:lnSpc>
+            <a:spcBef>
+              <a:spcPct val="0"/>
+            </a:spcBef>
+            <a:spcAft>
+              <a:spcPct val="35000"/>
+            </a:spcAft>
+            <a:buNone/>
+          </a:pPr>
+          <a:r>
+            <a:rPr lang="en-US" sz="1300" kern="1200" dirty="0"/>
+            <a:t>Choose a set of stocks and a model to predict them </a:t>
+          </a:r>
+        </a:p>
+      </dsp:txBody>
+      <dsp:txXfrm>
+        <a:off x="6451085" y="758901"/>
+        <a:ext cx="1113573" cy="1161837"/>
+      </dsp:txXfrm>
+    </dsp:sp>
+    <dsp:sp modelId="{8CF644E7-1027-4817-A62D-B72AE76DF9A3}">
+      <dsp:nvSpPr>
+        <dsp:cNvPr id="0" name=""/>
+        <dsp:cNvSpPr/>
+      </dsp:nvSpPr>
+      <dsp:spPr>
+        <a:xfrm>
+          <a:off x="4254103" y="25469"/>
+          <a:ext cx="2494516" cy="363951"/>
+        </a:xfrm>
+        <a:prstGeom prst="rect">
+          <a:avLst/>
+        </a:prstGeom>
+        <a:solidFill>
+          <a:schemeClr val="dk2">
+            <a:hueOff val="0"/>
+            <a:satOff val="0"/>
+            <a:lumOff val="0"/>
+            <a:alphaOff val="0"/>
+          </a:schemeClr>
+        </a:solidFill>
+        <a:ln w="12700" cap="flat" cmpd="sng" algn="ctr">
+          <a:solidFill>
+            <a:schemeClr val="lt2">
+              <a:hueOff val="0"/>
+              <a:satOff val="0"/>
+              <a:lumOff val="0"/>
+              <a:alphaOff val="0"/>
+            </a:schemeClr>
+          </a:solidFill>
+          <a:prstDash val="solid"/>
+        </a:ln>
+        <a:effectLst/>
+      </dsp:spPr>
+      <dsp:style>
+        <a:lnRef idx="2">
+          <a:scrgbClr r="0" g="0" b="0"/>
+        </a:lnRef>
+        <a:fillRef idx="1">
+          <a:scrgbClr r="0" g="0" b="0"/>
+        </a:fillRef>
+        <a:effectRef idx="0">
+          <a:scrgbClr r="0" g="0" b="0"/>
+        </a:effectRef>
+        <a:fontRef idx="minor">
+          <a:schemeClr val="lt1"/>
+        </a:fontRef>
+      </dsp:style>
+      <dsp:txBody>
+        <a:bodyPr spcFirstLastPara="0" vert="horz" wrap="square" lIns="64770" tIns="64770" rIns="64770" bIns="64770" numCol="1" spcCol="1270" anchor="ctr" anchorCtr="0">
+          <a:noAutofit/>
+        </a:bodyPr>
+        <a:lstStyle/>
+        <a:p>
+          <a:pPr marL="0" lvl="0" indent="0" algn="ctr" defTabSz="755650">
+            <a:lnSpc>
+              <a:spcPct val="90000"/>
+            </a:lnSpc>
+            <a:spcBef>
+              <a:spcPct val="0"/>
+            </a:spcBef>
+            <a:spcAft>
+              <a:spcPct val="35000"/>
+            </a:spcAft>
+            <a:buNone/>
+          </a:pPr>
+          <a:r>
+            <a:rPr lang="en-US" sz="1700" kern="1200" dirty="0"/>
+            <a:t>Prediction Sets</a:t>
+          </a:r>
+        </a:p>
+      </dsp:txBody>
+      <dsp:txXfrm>
+        <a:off x="4254103" y="25469"/>
+        <a:ext cx="2494516" cy="363951"/>
+      </dsp:txXfrm>
+    </dsp:sp>
+    <dsp:sp modelId="{32DA5B18-EA18-485B-A5AF-4F17AAB435C3}">
+      <dsp:nvSpPr>
+        <dsp:cNvPr id="0" name=""/>
+        <dsp:cNvSpPr/>
+      </dsp:nvSpPr>
+      <dsp:spPr>
+        <a:xfrm>
+          <a:off x="2391399" y="3279609"/>
+          <a:ext cx="2494516" cy="2113588"/>
+        </a:xfrm>
+        <a:prstGeom prst="rect">
+          <a:avLst/>
+        </a:prstGeom>
+        <a:solidFill>
+          <a:schemeClr val="dk2">
+            <a:tint val="50000"/>
+            <a:hueOff val="0"/>
+            <a:satOff val="0"/>
+            <a:lumOff val="0"/>
+            <a:alphaOff val="0"/>
+          </a:schemeClr>
+        </a:solidFill>
+        <a:ln w="12700" cap="flat" cmpd="sng" algn="ctr">
+          <a:solidFill>
+            <a:schemeClr val="dk2">
+              <a:shade val="80000"/>
+              <a:hueOff val="0"/>
+              <a:satOff val="0"/>
+              <a:lumOff val="0"/>
+              <a:alphaOff val="0"/>
+            </a:schemeClr>
+          </a:solidFill>
+          <a:prstDash val="solid"/>
+        </a:ln>
+        <a:effectLst/>
+      </dsp:spPr>
+      <dsp:style>
+        <a:lnRef idx="2">
+          <a:scrgbClr r="0" g="0" b="0"/>
+        </a:lnRef>
+        <a:fillRef idx="1">
+          <a:scrgbClr r="0" g="0" b="0"/>
+        </a:fillRef>
+        <a:effectRef idx="0">
+          <a:scrgbClr r="0" g="0" b="0"/>
+        </a:effectRef>
+        <a:fontRef idx="minor"/>
+      </dsp:style>
+    </dsp:sp>
+    <dsp:sp modelId="{69A51237-040D-48B0-B1E8-82A653B654B0}">
+      <dsp:nvSpPr>
+        <dsp:cNvPr id="0" name=""/>
+        <dsp:cNvSpPr/>
+      </dsp:nvSpPr>
+      <dsp:spPr>
+        <a:xfrm>
+          <a:off x="4553737" y="3575380"/>
+          <a:ext cx="1182863" cy="1231127"/>
+        </a:xfrm>
+        <a:prstGeom prst="roundRect">
+          <a:avLst>
+            <a:gd name="adj" fmla="val 10000"/>
+          </a:avLst>
+        </a:prstGeom>
+        <a:solidFill>
+          <a:schemeClr val="lt2">
+            <a:alpha val="90000"/>
+            <a:hueOff val="0"/>
+            <a:satOff val="0"/>
+            <a:lumOff val="0"/>
+            <a:alphaOff val="0"/>
+          </a:schemeClr>
+        </a:solidFill>
+        <a:ln w="12700" cap="flat" cmpd="sng" algn="ctr">
+          <a:solidFill>
+            <a:schemeClr val="dk2">
+              <a:hueOff val="0"/>
+              <a:satOff val="0"/>
+              <a:lumOff val="0"/>
+              <a:alphaOff val="0"/>
+            </a:schemeClr>
+          </a:solidFill>
+          <a:prstDash val="solid"/>
+        </a:ln>
+        <a:effectLst/>
+      </dsp:spPr>
+      <dsp:style>
+        <a:lnRef idx="2">
+          <a:scrgbClr r="0" g="0" b="0"/>
+        </a:lnRef>
+        <a:fillRef idx="1">
+          <a:scrgbClr r="0" g="0" b="0"/>
+        </a:fillRef>
+        <a:effectRef idx="0">
+          <a:scrgbClr r="0" g="0" b="0"/>
+        </a:effectRef>
+        <a:fontRef idx="minor"/>
+      </dsp:style>
+      <dsp:txBody>
+        <a:bodyPr spcFirstLastPara="0" vert="horz" wrap="square" lIns="49530" tIns="49530" rIns="49530" bIns="49530" numCol="1" spcCol="1270" anchor="ctr" anchorCtr="0">
+          <a:noAutofit/>
+        </a:bodyPr>
+        <a:lstStyle/>
+        <a:p>
+          <a:pPr marL="0" lvl="0" indent="0" algn="l" defTabSz="577850">
+            <a:lnSpc>
+              <a:spcPct val="90000"/>
+            </a:lnSpc>
+            <a:spcBef>
+              <a:spcPct val="0"/>
+            </a:spcBef>
+            <a:spcAft>
+              <a:spcPct val="35000"/>
+            </a:spcAft>
+            <a:buNone/>
+          </a:pPr>
+          <a:r>
+            <a:rPr lang="en-US" sz="1300" kern="1200" dirty="0"/>
+            <a:t>Create DNNs to fine-tune the predictions made</a:t>
+          </a:r>
+        </a:p>
+      </dsp:txBody>
+      <dsp:txXfrm>
+        <a:off x="4588382" y="3610025"/>
+        <a:ext cx="1113573" cy="1161837"/>
+      </dsp:txXfrm>
+    </dsp:sp>
+    <dsp:sp modelId="{2BE9A8A4-9482-435B-A6E9-45290D48C381}">
+      <dsp:nvSpPr>
+        <dsp:cNvPr id="0" name=""/>
+        <dsp:cNvSpPr/>
+      </dsp:nvSpPr>
+      <dsp:spPr>
+        <a:xfrm>
+          <a:off x="2391399" y="2876593"/>
+          <a:ext cx="2494516" cy="363951"/>
+        </a:xfrm>
+        <a:prstGeom prst="rect">
+          <a:avLst/>
+        </a:prstGeom>
+        <a:solidFill>
+          <a:schemeClr val="dk2">
+            <a:hueOff val="0"/>
+            <a:satOff val="0"/>
+            <a:lumOff val="0"/>
+            <a:alphaOff val="0"/>
+          </a:schemeClr>
+        </a:solidFill>
+        <a:ln w="12700" cap="flat" cmpd="sng" algn="ctr">
+          <a:solidFill>
+            <a:schemeClr val="lt2">
+              <a:hueOff val="0"/>
+              <a:satOff val="0"/>
+              <a:lumOff val="0"/>
+              <a:alphaOff val="0"/>
+            </a:schemeClr>
+          </a:solidFill>
+          <a:prstDash val="solid"/>
+        </a:ln>
+        <a:effectLst/>
+      </dsp:spPr>
+      <dsp:style>
+        <a:lnRef idx="2">
+          <a:scrgbClr r="0" g="0" b="0"/>
+        </a:lnRef>
+        <a:fillRef idx="1">
+          <a:scrgbClr r="0" g="0" b="0"/>
+        </a:fillRef>
+        <a:effectRef idx="0">
+          <a:scrgbClr r="0" g="0" b="0"/>
+        </a:effectRef>
+        <a:fontRef idx="minor">
+          <a:schemeClr val="lt1"/>
+        </a:fontRef>
+      </dsp:style>
+      <dsp:txBody>
+        <a:bodyPr spcFirstLastPara="0" vert="horz" wrap="square" lIns="64770" tIns="64770" rIns="64770" bIns="64770" numCol="1" spcCol="1270" anchor="ctr" anchorCtr="0">
+          <a:noAutofit/>
+        </a:bodyPr>
+        <a:lstStyle/>
+        <a:p>
+          <a:pPr marL="0" lvl="0" indent="0" algn="ctr" defTabSz="755650">
+            <a:lnSpc>
+              <a:spcPct val="90000"/>
+            </a:lnSpc>
+            <a:spcBef>
+              <a:spcPct val="0"/>
+            </a:spcBef>
+            <a:spcAft>
+              <a:spcPct val="35000"/>
+            </a:spcAft>
+            <a:buNone/>
+          </a:pPr>
+          <a:r>
+            <a:rPr lang="en-US" sz="1700" kern="1200" dirty="0"/>
+            <a:t>Multiple DNN Models</a:t>
+          </a:r>
+        </a:p>
+      </dsp:txBody>
+      <dsp:txXfrm>
+        <a:off x="2391399" y="2876593"/>
+        <a:ext cx="2494516" cy="363951"/>
+      </dsp:txXfrm>
+    </dsp:sp>
+  </dsp:spTree>
+</dsp:drawing>
+</file>
+
+<file path=ppt/diagrams/drawing3.xml><?xml version="1.0" encoding="utf-8"?>
+<dsp:drawing xmlns:dgm="http://schemas.openxmlformats.org/drawingml/2006/diagram" xmlns:dsp="http://schemas.microsoft.com/office/drawing/2008/diagram" xmlns:a="http://schemas.openxmlformats.org/drawingml/2006/main">
+  <dsp:spTree>
+    <dsp:nvGrpSpPr>
+      <dsp:cNvPr id="0" name=""/>
+      <dsp:cNvGrpSpPr/>
+    </dsp:nvGrpSpPr>
+    <dsp:grpSpPr/>
+    <dsp:sp modelId="{8B6364F7-78A9-48A9-9A1C-47C0B881EE5E}">
+      <dsp:nvSpPr>
+        <dsp:cNvPr id="0" name=""/>
+        <dsp:cNvSpPr/>
+      </dsp:nvSpPr>
+      <dsp:spPr>
+        <a:xfrm>
+          <a:off x="0" y="2786344"/>
+          <a:ext cx="9093200" cy="0"/>
+        </a:xfrm>
+        <a:prstGeom prst="line">
+          <a:avLst/>
+        </a:prstGeom>
+        <a:noFill/>
+        <a:ln w="12700" cap="flat" cmpd="sng" algn="ctr">
+          <a:solidFill>
+            <a:schemeClr val="accent1">
+              <a:shade val="60000"/>
+              <a:hueOff val="0"/>
+              <a:satOff val="0"/>
+              <a:lumOff val="0"/>
+              <a:alphaOff val="0"/>
+            </a:schemeClr>
+          </a:solidFill>
+          <a:prstDash val="solid"/>
+        </a:ln>
+        <a:effectLst/>
+      </dsp:spPr>
+      <dsp:style>
+        <a:lnRef idx="2">
+          <a:scrgbClr r="0" g="0" b="0"/>
+        </a:lnRef>
+        <a:fillRef idx="0">
+          <a:scrgbClr r="0" g="0" b="0"/>
+        </a:fillRef>
+        <a:effectRef idx="0">
+          <a:scrgbClr r="0" g="0" b="0"/>
+        </a:effectRef>
+        <a:fontRef idx="minor"/>
+      </dsp:style>
+    </dsp:sp>
+    <dsp:sp modelId="{E3E1F174-EF52-4CA9-937C-A36C5D1D2056}">
+      <dsp:nvSpPr>
+        <dsp:cNvPr id="0" name=""/>
+        <dsp:cNvSpPr/>
+      </dsp:nvSpPr>
+      <dsp:spPr>
+        <a:xfrm>
+          <a:off x="0" y="1589565"/>
+          <a:ext cx="9093200" cy="0"/>
+        </a:xfrm>
+        <a:prstGeom prst="line">
+          <a:avLst/>
+        </a:prstGeom>
+        <a:noFill/>
+        <a:ln w="12700" cap="flat" cmpd="sng" algn="ctr">
+          <a:solidFill>
+            <a:schemeClr val="accent1">
+              <a:shade val="60000"/>
+              <a:hueOff val="0"/>
+              <a:satOff val="0"/>
+              <a:lumOff val="0"/>
+              <a:alphaOff val="0"/>
+            </a:schemeClr>
+          </a:solidFill>
+          <a:prstDash val="solid"/>
+        </a:ln>
+        <a:effectLst/>
+      </dsp:spPr>
+      <dsp:style>
+        <a:lnRef idx="2">
+          <a:scrgbClr r="0" g="0" b="0"/>
+        </a:lnRef>
+        <a:fillRef idx="0">
+          <a:scrgbClr r="0" g="0" b="0"/>
+        </a:fillRef>
+        <a:effectRef idx="0">
+          <a:scrgbClr r="0" g="0" b="0"/>
+        </a:effectRef>
+        <a:fontRef idx="minor"/>
+      </dsp:style>
+    </dsp:sp>
+    <dsp:sp modelId="{27976924-E2E8-4866-AA84-6A8B9CEC6D66}">
+      <dsp:nvSpPr>
+        <dsp:cNvPr id="0" name=""/>
+        <dsp:cNvSpPr/>
+      </dsp:nvSpPr>
+      <dsp:spPr>
+        <a:xfrm>
+          <a:off x="0" y="392785"/>
+          <a:ext cx="9093200" cy="0"/>
+        </a:xfrm>
+        <a:prstGeom prst="line">
+          <a:avLst/>
+        </a:prstGeom>
+        <a:noFill/>
+        <a:ln w="12700" cap="flat" cmpd="sng" algn="ctr">
+          <a:solidFill>
+            <a:schemeClr val="accent1">
+              <a:shade val="60000"/>
+              <a:hueOff val="0"/>
+              <a:satOff val="0"/>
+              <a:lumOff val="0"/>
+              <a:alphaOff val="0"/>
+            </a:schemeClr>
+          </a:solidFill>
+          <a:prstDash val="solid"/>
+        </a:ln>
+        <a:effectLst/>
+      </dsp:spPr>
+      <dsp:style>
+        <a:lnRef idx="2">
+          <a:scrgbClr r="0" g="0" b="0"/>
+        </a:lnRef>
+        <a:fillRef idx="0">
+          <a:scrgbClr r="0" g="0" b="0"/>
+        </a:fillRef>
+        <a:effectRef idx="0">
+          <a:scrgbClr r="0" g="0" b="0"/>
+        </a:effectRef>
+        <a:fontRef idx="minor"/>
+      </dsp:style>
+    </dsp:sp>
+    <dsp:sp modelId="{E5A2FA0C-6831-42B7-B1B9-7B55A5F108CD}">
+      <dsp:nvSpPr>
+        <dsp:cNvPr id="0" name=""/>
+        <dsp:cNvSpPr/>
+      </dsp:nvSpPr>
+      <dsp:spPr>
+        <a:xfrm>
+          <a:off x="2364232" y="437"/>
+          <a:ext cx="6728968" cy="392348"/>
+        </a:xfrm>
+        <a:prstGeom prst="rect">
+          <a:avLst/>
+        </a:prstGeom>
+        <a:noFill/>
+        <a:ln>
+          <a:noFill/>
+        </a:ln>
+        <a:effectLst/>
+      </dsp:spPr>
+      <dsp:style>
+        <a:lnRef idx="0">
+          <a:scrgbClr r="0" g="0" b="0"/>
+        </a:lnRef>
+        <a:fillRef idx="0">
+          <a:scrgbClr r="0" g="0" b="0"/>
+        </a:fillRef>
+        <a:effectRef idx="0">
+          <a:scrgbClr r="0" g="0" b="0"/>
+        </a:effectRef>
+        <a:fontRef idx="minor"/>
+      </dsp:style>
+      <dsp:txBody>
+        <a:bodyPr spcFirstLastPara="0" vert="horz" wrap="square" lIns="26670" tIns="26670" rIns="26670" bIns="26670" numCol="1" spcCol="1270" anchor="b" anchorCtr="0">
+          <a:noAutofit/>
+        </a:bodyPr>
+        <a:lstStyle/>
+        <a:p>
+          <a:pPr marL="0" lvl="0" indent="0" algn="l" defTabSz="622300">
+            <a:lnSpc>
+              <a:spcPct val="90000"/>
+            </a:lnSpc>
+            <a:spcBef>
+              <a:spcPct val="0"/>
+            </a:spcBef>
+            <a:spcAft>
+              <a:spcPct val="35000"/>
+            </a:spcAft>
+            <a:buNone/>
+          </a:pPr>
+          <a:r>
+            <a:rPr lang="en-US" sz="1400" kern="1200" dirty="0"/>
+            <a:t>Using the library </a:t>
+          </a:r>
+          <a:r>
+            <a:rPr lang="en-US" sz="1400" kern="1200" dirty="0" err="1"/>
+            <a:t>Keras</a:t>
+          </a:r>
+          <a:r>
+            <a:rPr lang="en-US" sz="1400" kern="1200" dirty="0"/>
+            <a:t> DNNs are trained using data pulled from the database </a:t>
+          </a:r>
+        </a:p>
+      </dsp:txBody>
+      <dsp:txXfrm>
+        <a:off x="2364232" y="437"/>
+        <a:ext cx="6728968" cy="392348"/>
+      </dsp:txXfrm>
+    </dsp:sp>
+    <dsp:sp modelId="{EF790F6E-B6F5-47CB-B9AE-AF5533EC1222}">
+      <dsp:nvSpPr>
+        <dsp:cNvPr id="0" name=""/>
+        <dsp:cNvSpPr/>
+      </dsp:nvSpPr>
+      <dsp:spPr>
+        <a:xfrm>
+          <a:off x="0" y="437"/>
+          <a:ext cx="2364232" cy="392348"/>
+        </a:xfrm>
+        <a:prstGeom prst="round2SameRect">
+          <a:avLst>
+            <a:gd name="adj1" fmla="val 16670"/>
+            <a:gd name="adj2" fmla="val 0"/>
+          </a:avLst>
+        </a:prstGeom>
+        <a:solidFill>
+          <a:schemeClr val="accent1">
+            <a:hueOff val="0"/>
+            <a:satOff val="0"/>
+            <a:lumOff val="0"/>
+            <a:alphaOff val="0"/>
+          </a:schemeClr>
+        </a:solidFill>
+        <a:ln w="12700" cap="flat" cmpd="sng" algn="ctr">
+          <a:solidFill>
+            <a:schemeClr val="accent1">
+              <a:hueOff val="0"/>
+              <a:satOff val="0"/>
+              <a:lumOff val="0"/>
+              <a:alphaOff val="0"/>
+            </a:schemeClr>
+          </a:solidFill>
+          <a:prstDash val="solid"/>
+        </a:ln>
+        <a:effectLst/>
+      </dsp:spPr>
+      <dsp:style>
+        <a:lnRef idx="2">
+          <a:scrgbClr r="0" g="0" b="0"/>
+        </a:lnRef>
+        <a:fillRef idx="1">
+          <a:scrgbClr r="0" g="0" b="0"/>
+        </a:fillRef>
+        <a:effectRef idx="0">
+          <a:scrgbClr r="0" g="0" b="0"/>
+        </a:effectRef>
+        <a:fontRef idx="minor">
+          <a:schemeClr val="lt1"/>
+        </a:fontRef>
+      </dsp:style>
+      <dsp:txBody>
+        <a:bodyPr spcFirstLastPara="0" vert="horz" wrap="square" lIns="40005" tIns="40005" rIns="40005" bIns="40005" numCol="1" spcCol="1270" anchor="ctr" anchorCtr="0">
+          <a:noAutofit/>
+        </a:bodyPr>
+        <a:lstStyle/>
+        <a:p>
+          <a:pPr marL="0" lvl="0" indent="0" algn="ctr" defTabSz="933450">
+            <a:lnSpc>
+              <a:spcPct val="90000"/>
+            </a:lnSpc>
+            <a:spcBef>
+              <a:spcPct val="0"/>
+            </a:spcBef>
+            <a:spcAft>
+              <a:spcPct val="35000"/>
+            </a:spcAft>
+            <a:buNone/>
+          </a:pPr>
+          <a:r>
+            <a:rPr lang="en-US" sz="2100" kern="1200" dirty="0"/>
+            <a:t>DNN</a:t>
+          </a:r>
+        </a:p>
+      </dsp:txBody>
+      <dsp:txXfrm>
+        <a:off x="19156" y="19593"/>
+        <a:ext cx="2325920" cy="373192"/>
+      </dsp:txXfrm>
+    </dsp:sp>
+    <dsp:sp modelId="{90686D98-99F9-4A9F-B7EE-533BF1284C65}">
+      <dsp:nvSpPr>
+        <dsp:cNvPr id="0" name=""/>
+        <dsp:cNvSpPr/>
+      </dsp:nvSpPr>
+      <dsp:spPr>
+        <a:xfrm>
+          <a:off x="0" y="392785"/>
+          <a:ext cx="9093200" cy="784813"/>
+        </a:xfrm>
+        <a:prstGeom prst="rect">
+          <a:avLst/>
+        </a:prstGeom>
+        <a:noFill/>
+        <a:ln>
+          <a:noFill/>
+        </a:ln>
+        <a:effectLst/>
+      </dsp:spPr>
+      <dsp:style>
+        <a:lnRef idx="0">
+          <a:scrgbClr r="0" g="0" b="0"/>
+        </a:lnRef>
+        <a:fillRef idx="0">
+          <a:scrgbClr r="0" g="0" b="0"/>
+        </a:fillRef>
+        <a:effectRef idx="0">
+          <a:scrgbClr r="0" g="0" b="0"/>
+        </a:effectRef>
+        <a:fontRef idx="minor"/>
+      </dsp:style>
+      <dsp:txBody>
+        <a:bodyPr spcFirstLastPara="0" vert="horz" wrap="square" lIns="19050" tIns="19050" rIns="19050" bIns="19050" numCol="1" spcCol="1270" anchor="t" anchorCtr="0">
+          <a:noAutofit/>
+        </a:bodyPr>
+        <a:lstStyle/>
+        <a:p>
+          <a:pPr marL="57150" lvl="1" indent="-57150" algn="l" defTabSz="355600">
+            <a:lnSpc>
+              <a:spcPct val="90000"/>
+            </a:lnSpc>
+            <a:spcBef>
+              <a:spcPct val="0"/>
+            </a:spcBef>
+            <a:spcAft>
+              <a:spcPct val="15000"/>
+            </a:spcAft>
+            <a:buChar char="•"/>
+          </a:pPr>
+          <a:r>
+            <a:rPr lang="en-US" sz="800" kern="1200" dirty="0" err="1"/>
+            <a:t>Keras</a:t>
+          </a:r>
+          <a:endParaRPr lang="en-US" sz="800" kern="1200" dirty="0"/>
+        </a:p>
+        <a:p>
+          <a:pPr marL="114300" lvl="2" indent="-57150" algn="l" defTabSz="355600">
+            <a:lnSpc>
+              <a:spcPct val="90000"/>
+            </a:lnSpc>
+            <a:spcBef>
+              <a:spcPct val="0"/>
+            </a:spcBef>
+            <a:spcAft>
+              <a:spcPct val="15000"/>
+            </a:spcAft>
+            <a:buChar char="•"/>
+          </a:pPr>
+          <a:endParaRPr lang="en-US" sz="800" kern="1200" dirty="0"/>
+        </a:p>
+      </dsp:txBody>
+      <dsp:txXfrm>
+        <a:off x="0" y="392785"/>
+        <a:ext cx="9093200" cy="784813"/>
+      </dsp:txXfrm>
+    </dsp:sp>
+    <dsp:sp modelId="{0061A237-10AC-4CFE-B0A3-D71238728053}">
+      <dsp:nvSpPr>
+        <dsp:cNvPr id="0" name=""/>
+        <dsp:cNvSpPr/>
+      </dsp:nvSpPr>
+      <dsp:spPr>
+        <a:xfrm>
+          <a:off x="2364232" y="1197217"/>
+          <a:ext cx="6728968" cy="392348"/>
+        </a:xfrm>
+        <a:prstGeom prst="rect">
+          <a:avLst/>
+        </a:prstGeom>
+        <a:noFill/>
+        <a:ln>
+          <a:noFill/>
+        </a:ln>
+        <a:effectLst/>
+      </dsp:spPr>
+      <dsp:style>
+        <a:lnRef idx="0">
+          <a:scrgbClr r="0" g="0" b="0"/>
+        </a:lnRef>
+        <a:fillRef idx="0">
+          <a:scrgbClr r="0" g="0" b="0"/>
+        </a:fillRef>
+        <a:effectRef idx="0">
+          <a:scrgbClr r="0" g="0" b="0"/>
+        </a:effectRef>
+        <a:fontRef idx="minor"/>
+      </dsp:style>
+      <dsp:txBody>
+        <a:bodyPr spcFirstLastPara="0" vert="horz" wrap="square" lIns="26670" tIns="26670" rIns="26670" bIns="26670" numCol="1" spcCol="1270" anchor="b" anchorCtr="0">
+          <a:noAutofit/>
+        </a:bodyPr>
+        <a:lstStyle/>
+        <a:p>
+          <a:pPr marL="0" lvl="0" indent="0" algn="l" defTabSz="622300">
+            <a:lnSpc>
+              <a:spcPct val="90000"/>
+            </a:lnSpc>
+            <a:spcBef>
+              <a:spcPct val="0"/>
+            </a:spcBef>
+            <a:spcAft>
+              <a:spcPct val="35000"/>
+            </a:spcAft>
+            <a:buNone/>
+          </a:pPr>
+          <a:r>
+            <a:rPr lang="en-US" sz="1400" kern="1200" dirty="0"/>
+            <a:t>The program requires stock data to be pulled from a source and managed</a:t>
+          </a:r>
+        </a:p>
+      </dsp:txBody>
+      <dsp:txXfrm>
+        <a:off x="2364232" y="1197217"/>
+        <a:ext cx="6728968" cy="392348"/>
+      </dsp:txXfrm>
+    </dsp:sp>
+    <dsp:sp modelId="{19758F49-5CE9-4566-B98C-4B8FAE0848D8}">
+      <dsp:nvSpPr>
+        <dsp:cNvPr id="0" name=""/>
+        <dsp:cNvSpPr/>
+      </dsp:nvSpPr>
+      <dsp:spPr>
+        <a:xfrm>
+          <a:off x="0" y="1197217"/>
+          <a:ext cx="2364232" cy="392348"/>
+        </a:xfrm>
+        <a:prstGeom prst="round2SameRect">
+          <a:avLst>
+            <a:gd name="adj1" fmla="val 16670"/>
+            <a:gd name="adj2" fmla="val 0"/>
+          </a:avLst>
+        </a:prstGeom>
+        <a:solidFill>
+          <a:schemeClr val="accent1">
+            <a:hueOff val="0"/>
+            <a:satOff val="0"/>
+            <a:lumOff val="0"/>
+            <a:alphaOff val="0"/>
+          </a:schemeClr>
+        </a:solidFill>
+        <a:ln w="12700" cap="flat" cmpd="sng" algn="ctr">
+          <a:solidFill>
+            <a:schemeClr val="accent1">
+              <a:hueOff val="0"/>
+              <a:satOff val="0"/>
+              <a:lumOff val="0"/>
+              <a:alphaOff val="0"/>
+            </a:schemeClr>
+          </a:solidFill>
+          <a:prstDash val="solid"/>
+        </a:ln>
+        <a:effectLst/>
+      </dsp:spPr>
+      <dsp:style>
+        <a:lnRef idx="2">
+          <a:scrgbClr r="0" g="0" b="0"/>
+        </a:lnRef>
+        <a:fillRef idx="1">
+          <a:scrgbClr r="0" g="0" b="0"/>
+        </a:fillRef>
+        <a:effectRef idx="0">
+          <a:scrgbClr r="0" g="0" b="0"/>
+        </a:effectRef>
+        <a:fontRef idx="minor">
+          <a:schemeClr val="lt1"/>
+        </a:fontRef>
+      </dsp:style>
+      <dsp:txBody>
+        <a:bodyPr spcFirstLastPara="0" vert="horz" wrap="square" lIns="40005" tIns="40005" rIns="40005" bIns="40005" numCol="1" spcCol="1270" anchor="ctr" anchorCtr="0">
+          <a:noAutofit/>
+        </a:bodyPr>
+        <a:lstStyle/>
+        <a:p>
+          <a:pPr marL="0" lvl="0" indent="0" algn="ctr" defTabSz="933450">
+            <a:lnSpc>
+              <a:spcPct val="90000"/>
+            </a:lnSpc>
+            <a:spcBef>
+              <a:spcPct val="0"/>
+            </a:spcBef>
+            <a:spcAft>
+              <a:spcPct val="35000"/>
+            </a:spcAft>
+            <a:buNone/>
+          </a:pPr>
+          <a:r>
+            <a:rPr lang="en-US" sz="2100" kern="1200" dirty="0"/>
+            <a:t>Data Backend</a:t>
+          </a:r>
+        </a:p>
+      </dsp:txBody>
+      <dsp:txXfrm>
+        <a:off x="19156" y="1216373"/>
+        <a:ext cx="2325920" cy="373192"/>
+      </dsp:txXfrm>
+    </dsp:sp>
+    <dsp:sp modelId="{40B5902B-4605-48C6-82DF-7D0401FD59B7}">
+      <dsp:nvSpPr>
+        <dsp:cNvPr id="0" name=""/>
+        <dsp:cNvSpPr/>
+      </dsp:nvSpPr>
+      <dsp:spPr>
+        <a:xfrm>
+          <a:off x="0" y="1589565"/>
+          <a:ext cx="9093200" cy="784813"/>
+        </a:xfrm>
+        <a:prstGeom prst="rect">
+          <a:avLst/>
+        </a:prstGeom>
+        <a:noFill/>
+        <a:ln>
+          <a:noFill/>
+        </a:ln>
+        <a:effectLst/>
+      </dsp:spPr>
+      <dsp:style>
+        <a:lnRef idx="0">
+          <a:scrgbClr r="0" g="0" b="0"/>
+        </a:lnRef>
+        <a:fillRef idx="0">
+          <a:scrgbClr r="0" g="0" b="0"/>
+        </a:fillRef>
+        <a:effectRef idx="0">
+          <a:scrgbClr r="0" g="0" b="0"/>
+        </a:effectRef>
+        <a:fontRef idx="minor"/>
+      </dsp:style>
+      <dsp:txBody>
+        <a:bodyPr spcFirstLastPara="0" vert="horz" wrap="square" lIns="19050" tIns="19050" rIns="19050" bIns="19050" numCol="1" spcCol="1270" anchor="t" anchorCtr="0">
+          <a:noAutofit/>
+        </a:bodyPr>
+        <a:lstStyle/>
+        <a:p>
+          <a:pPr marL="57150" lvl="1" indent="-57150" algn="l" defTabSz="355600">
+            <a:lnSpc>
+              <a:spcPct val="90000"/>
+            </a:lnSpc>
+            <a:spcBef>
+              <a:spcPct val="0"/>
+            </a:spcBef>
+            <a:spcAft>
+              <a:spcPct val="15000"/>
+            </a:spcAft>
+            <a:buChar char="•"/>
+          </a:pPr>
+          <a:r>
+            <a:rPr lang="en-US" sz="800" kern="1200" dirty="0"/>
+            <a:t>Data was pulled from Yahoo Finance (free and open to the public)</a:t>
+          </a:r>
+        </a:p>
+        <a:p>
+          <a:pPr marL="57150" lvl="1" indent="-57150" algn="l" defTabSz="355600">
+            <a:lnSpc>
+              <a:spcPct val="90000"/>
+            </a:lnSpc>
+            <a:spcBef>
+              <a:spcPct val="0"/>
+            </a:spcBef>
+            <a:spcAft>
+              <a:spcPct val="15000"/>
+            </a:spcAft>
+            <a:buChar char="•"/>
+          </a:pPr>
+          <a:r>
+            <a:rPr lang="en-US" sz="800" kern="1200" dirty="0"/>
+            <a:t>Pandas</a:t>
+          </a:r>
+        </a:p>
+        <a:p>
+          <a:pPr marL="114300" lvl="2" indent="-57150" algn="l" defTabSz="355600">
+            <a:lnSpc>
+              <a:spcPct val="90000"/>
+            </a:lnSpc>
+            <a:spcBef>
+              <a:spcPct val="0"/>
+            </a:spcBef>
+            <a:spcAft>
+              <a:spcPct val="15000"/>
+            </a:spcAft>
+            <a:buChar char="•"/>
+          </a:pPr>
+          <a:r>
+            <a:rPr lang="en-US" sz="800" kern="1200" dirty="0"/>
+            <a:t>A data manipulation  tool which comes with the extremely flexible </a:t>
+          </a:r>
+          <a:r>
+            <a:rPr lang="en-US" sz="800" kern="1200" dirty="0" err="1"/>
+            <a:t>dataframe</a:t>
+          </a:r>
+          <a:r>
+            <a:rPr lang="en-US" sz="800" kern="1200" dirty="0"/>
+            <a:t> type</a:t>
+          </a:r>
+        </a:p>
+        <a:p>
+          <a:pPr marL="114300" lvl="2" indent="-57150" algn="l" defTabSz="355600">
+            <a:lnSpc>
+              <a:spcPct val="90000"/>
+            </a:lnSpc>
+            <a:spcBef>
+              <a:spcPct val="0"/>
+            </a:spcBef>
+            <a:spcAft>
+              <a:spcPct val="15000"/>
+            </a:spcAft>
+            <a:buChar char="•"/>
+          </a:pPr>
+          <a:r>
+            <a:rPr lang="en-US" sz="800" kern="1200" dirty="0"/>
+            <a:t>Panda’s </a:t>
+          </a:r>
+          <a:r>
+            <a:rPr lang="en-US" sz="800" kern="1200" dirty="0" err="1"/>
+            <a:t>dataframes</a:t>
+          </a:r>
+          <a:r>
+            <a:rPr lang="en-US" sz="800" kern="1200" dirty="0"/>
+            <a:t> supported all datatypes and rapid file creation/reading</a:t>
+          </a:r>
+        </a:p>
+        <a:p>
+          <a:pPr marL="114300" lvl="2" indent="-57150" algn="l" defTabSz="355600">
+            <a:lnSpc>
+              <a:spcPct val="90000"/>
+            </a:lnSpc>
+            <a:spcBef>
+              <a:spcPct val="0"/>
+            </a:spcBef>
+            <a:spcAft>
+              <a:spcPct val="15000"/>
+            </a:spcAft>
+            <a:buChar char="•"/>
+          </a:pPr>
+          <a:endParaRPr lang="en-US" sz="800" kern="1200" dirty="0"/>
+        </a:p>
+      </dsp:txBody>
+      <dsp:txXfrm>
+        <a:off x="0" y="1589565"/>
+        <a:ext cx="9093200" cy="784813"/>
+      </dsp:txXfrm>
+    </dsp:sp>
+    <dsp:sp modelId="{C35DB58D-BC33-45F4-89F8-78B54475A88D}">
+      <dsp:nvSpPr>
+        <dsp:cNvPr id="0" name=""/>
+        <dsp:cNvSpPr/>
+      </dsp:nvSpPr>
+      <dsp:spPr>
+        <a:xfrm>
+          <a:off x="2364232" y="2393996"/>
+          <a:ext cx="6728968" cy="392348"/>
+        </a:xfrm>
+        <a:prstGeom prst="rect">
+          <a:avLst/>
+        </a:prstGeom>
+        <a:noFill/>
+        <a:ln>
+          <a:noFill/>
+        </a:ln>
+        <a:effectLst/>
+      </dsp:spPr>
+      <dsp:style>
+        <a:lnRef idx="0">
+          <a:scrgbClr r="0" g="0" b="0"/>
+        </a:lnRef>
+        <a:fillRef idx="0">
+          <a:scrgbClr r="0" g="0" b="0"/>
+        </a:fillRef>
+        <a:effectRef idx="0">
+          <a:scrgbClr r="0" g="0" b="0"/>
+        </a:effectRef>
+        <a:fontRef idx="minor"/>
+      </dsp:style>
+      <dsp:txBody>
+        <a:bodyPr spcFirstLastPara="0" vert="horz" wrap="square" lIns="26670" tIns="26670" rIns="26670" bIns="26670" numCol="1" spcCol="1270" anchor="b" anchorCtr="0">
+          <a:noAutofit/>
+        </a:bodyPr>
+        <a:lstStyle/>
+        <a:p>
+          <a:pPr marL="0" lvl="0" indent="0" algn="l" defTabSz="622300">
+            <a:lnSpc>
+              <a:spcPct val="90000"/>
+            </a:lnSpc>
+            <a:spcBef>
+              <a:spcPct val="0"/>
+            </a:spcBef>
+            <a:spcAft>
+              <a:spcPct val="35000"/>
+            </a:spcAft>
+            <a:buNone/>
+          </a:pPr>
+          <a:r>
+            <a:rPr lang="en-US" sz="1400" kern="1200" dirty="0"/>
+            <a:t>Based off of the </a:t>
+          </a:r>
+          <a:r>
+            <a:rPr lang="en-US" sz="1400" kern="1200" dirty="0" err="1"/>
+            <a:t>tkinter</a:t>
+          </a:r>
+          <a:r>
+            <a:rPr lang="en-US" sz="1400" kern="1200" dirty="0"/>
+            <a:t> UI system with several addons</a:t>
+          </a:r>
+        </a:p>
+      </dsp:txBody>
+      <dsp:txXfrm>
+        <a:off x="2364232" y="2393996"/>
+        <a:ext cx="6728968" cy="392348"/>
+      </dsp:txXfrm>
+    </dsp:sp>
+    <dsp:sp modelId="{A985AD0C-AF2E-4584-BC01-4F9C20AE81DF}">
+      <dsp:nvSpPr>
+        <dsp:cNvPr id="0" name=""/>
+        <dsp:cNvSpPr/>
+      </dsp:nvSpPr>
+      <dsp:spPr>
+        <a:xfrm>
+          <a:off x="0" y="2393996"/>
+          <a:ext cx="2364232" cy="392348"/>
+        </a:xfrm>
+        <a:prstGeom prst="round2SameRect">
+          <a:avLst>
+            <a:gd name="adj1" fmla="val 16670"/>
+            <a:gd name="adj2" fmla="val 0"/>
+          </a:avLst>
+        </a:prstGeom>
+        <a:solidFill>
+          <a:schemeClr val="accent1">
+            <a:hueOff val="0"/>
+            <a:satOff val="0"/>
+            <a:lumOff val="0"/>
+            <a:alphaOff val="0"/>
+          </a:schemeClr>
+        </a:solidFill>
+        <a:ln w="12700" cap="flat" cmpd="sng" algn="ctr">
+          <a:solidFill>
+            <a:schemeClr val="accent1">
+              <a:hueOff val="0"/>
+              <a:satOff val="0"/>
+              <a:lumOff val="0"/>
+              <a:alphaOff val="0"/>
+            </a:schemeClr>
+          </a:solidFill>
+          <a:prstDash val="solid"/>
+        </a:ln>
+        <a:effectLst/>
+      </dsp:spPr>
+      <dsp:style>
+        <a:lnRef idx="2">
+          <a:scrgbClr r="0" g="0" b="0"/>
+        </a:lnRef>
+        <a:fillRef idx="1">
+          <a:scrgbClr r="0" g="0" b="0"/>
+        </a:fillRef>
+        <a:effectRef idx="0">
+          <a:scrgbClr r="0" g="0" b="0"/>
+        </a:effectRef>
+        <a:fontRef idx="minor">
+          <a:schemeClr val="lt1"/>
+        </a:fontRef>
+      </dsp:style>
+      <dsp:txBody>
+        <a:bodyPr spcFirstLastPara="0" vert="horz" wrap="square" lIns="40005" tIns="40005" rIns="40005" bIns="40005" numCol="1" spcCol="1270" anchor="ctr" anchorCtr="0">
+          <a:noAutofit/>
+        </a:bodyPr>
+        <a:lstStyle/>
+        <a:p>
+          <a:pPr marL="0" lvl="0" indent="0" algn="ctr" defTabSz="933450">
+            <a:lnSpc>
+              <a:spcPct val="90000"/>
+            </a:lnSpc>
+            <a:spcBef>
+              <a:spcPct val="0"/>
+            </a:spcBef>
+            <a:spcAft>
+              <a:spcPct val="35000"/>
+            </a:spcAft>
+            <a:buNone/>
+          </a:pPr>
+          <a:r>
+            <a:rPr lang="en-US" sz="2100" kern="1200" dirty="0"/>
+            <a:t>UI</a:t>
+          </a:r>
+        </a:p>
+      </dsp:txBody>
+      <dsp:txXfrm>
+        <a:off x="19156" y="2413152"/>
+        <a:ext cx="2325920" cy="373192"/>
+      </dsp:txXfrm>
+    </dsp:sp>
+    <dsp:sp modelId="{2ED54C4C-C596-4673-9F23-5A60E5E52C42}">
+      <dsp:nvSpPr>
+        <dsp:cNvPr id="0" name=""/>
+        <dsp:cNvSpPr/>
+      </dsp:nvSpPr>
+      <dsp:spPr>
+        <a:xfrm>
+          <a:off x="0" y="2786344"/>
+          <a:ext cx="9093200" cy="784813"/>
+        </a:xfrm>
+        <a:prstGeom prst="rect">
+          <a:avLst/>
+        </a:prstGeom>
+        <a:noFill/>
+        <a:ln>
+          <a:noFill/>
+        </a:ln>
+        <a:effectLst/>
+      </dsp:spPr>
+      <dsp:style>
+        <a:lnRef idx="0">
+          <a:scrgbClr r="0" g="0" b="0"/>
+        </a:lnRef>
+        <a:fillRef idx="0">
+          <a:scrgbClr r="0" g="0" b="0"/>
+        </a:fillRef>
+        <a:effectRef idx="0">
+          <a:scrgbClr r="0" g="0" b="0"/>
+        </a:effectRef>
+        <a:fontRef idx="minor"/>
+      </dsp:style>
+      <dsp:txBody>
+        <a:bodyPr spcFirstLastPara="0" vert="horz" wrap="square" lIns="19050" tIns="19050" rIns="19050" bIns="19050" numCol="1" spcCol="1270" anchor="t" anchorCtr="0">
+          <a:noAutofit/>
+        </a:bodyPr>
+        <a:lstStyle/>
+        <a:p>
+          <a:pPr marL="57150" lvl="1" indent="-57150" algn="l" defTabSz="355600">
+            <a:lnSpc>
+              <a:spcPct val="90000"/>
+            </a:lnSpc>
+            <a:spcBef>
+              <a:spcPct val="0"/>
+            </a:spcBef>
+            <a:spcAft>
+              <a:spcPct val="15000"/>
+            </a:spcAft>
+            <a:buChar char="•"/>
+          </a:pPr>
+          <a:r>
+            <a:rPr lang="en-US" sz="800" kern="1200" dirty="0" err="1"/>
+            <a:t>Tkinter</a:t>
+          </a:r>
+          <a:endParaRPr lang="en-US" sz="800" kern="1200" dirty="0"/>
+        </a:p>
+        <a:p>
+          <a:pPr marL="114300" lvl="2" indent="-57150" algn="l" defTabSz="355600">
+            <a:lnSpc>
+              <a:spcPct val="90000"/>
+            </a:lnSpc>
+            <a:spcBef>
+              <a:spcPct val="0"/>
+            </a:spcBef>
+            <a:spcAft>
+              <a:spcPct val="15000"/>
+            </a:spcAft>
+            <a:buChar char="•"/>
+          </a:pPr>
+          <a:r>
+            <a:rPr lang="en-US" sz="800" kern="1200" dirty="0"/>
+            <a:t>A UI framework system which allows for quick development of UIs with consistent theming and cross-OS support</a:t>
+          </a:r>
+        </a:p>
+        <a:p>
+          <a:pPr marL="114300" lvl="2" indent="-57150" algn="l" defTabSz="355600">
+            <a:lnSpc>
+              <a:spcPct val="90000"/>
+            </a:lnSpc>
+            <a:spcBef>
+              <a:spcPct val="0"/>
+            </a:spcBef>
+            <a:spcAft>
+              <a:spcPct val="15000"/>
+            </a:spcAft>
+            <a:buChar char="•"/>
+          </a:pPr>
+          <a:r>
+            <a:rPr lang="en-US" sz="800" kern="1200" dirty="0"/>
+            <a:t>Integrates with many other tools such as </a:t>
+          </a:r>
+          <a:r>
+            <a:rPr lang="en-US" sz="800" kern="1200" dirty="0" err="1"/>
+            <a:t>MatPlotLib</a:t>
+          </a:r>
+          <a:endParaRPr lang="en-US" sz="800" kern="1200" dirty="0"/>
+        </a:p>
+        <a:p>
+          <a:pPr marL="57150" lvl="1" indent="-57150" algn="l" defTabSz="355600">
+            <a:lnSpc>
+              <a:spcPct val="90000"/>
+            </a:lnSpc>
+            <a:spcBef>
+              <a:spcPct val="0"/>
+            </a:spcBef>
+            <a:spcAft>
+              <a:spcPct val="15000"/>
+            </a:spcAft>
+            <a:buChar char="•"/>
+          </a:pPr>
+          <a:r>
+            <a:rPr lang="en-US" sz="800" kern="1200" dirty="0" err="1"/>
+            <a:t>MatPlotLib</a:t>
+          </a:r>
+          <a:endParaRPr lang="en-US" sz="800" kern="1200" dirty="0"/>
+        </a:p>
+        <a:p>
+          <a:pPr marL="114300" lvl="2" indent="-57150" algn="l" defTabSz="355600">
+            <a:lnSpc>
+              <a:spcPct val="90000"/>
+            </a:lnSpc>
+            <a:spcBef>
+              <a:spcPct val="0"/>
+            </a:spcBef>
+            <a:spcAft>
+              <a:spcPct val="15000"/>
+            </a:spcAft>
+            <a:buChar char="•"/>
+          </a:pPr>
+          <a:r>
+            <a:rPr lang="en-US" sz="800" kern="1200" dirty="0"/>
+            <a:t>Allows for many other types of graphs for future development ideas</a:t>
+          </a:r>
+        </a:p>
+        <a:p>
+          <a:pPr marL="114300" lvl="2" indent="-57150" algn="l" defTabSz="355600">
+            <a:lnSpc>
+              <a:spcPct val="90000"/>
+            </a:lnSpc>
+            <a:spcBef>
+              <a:spcPct val="0"/>
+            </a:spcBef>
+            <a:spcAft>
+              <a:spcPct val="15000"/>
+            </a:spcAft>
+            <a:buChar char="•"/>
+          </a:pPr>
+          <a:r>
+            <a:rPr lang="en-US" sz="800" kern="1200" dirty="0"/>
+            <a:t>Integrates with Pandas and </a:t>
+          </a:r>
+          <a:r>
+            <a:rPr lang="en-US" sz="800" kern="1200" dirty="0" err="1"/>
+            <a:t>Numpy</a:t>
+          </a:r>
+          <a:r>
+            <a:rPr lang="en-US" sz="800" kern="1200" dirty="0"/>
+            <a:t> seamlessly</a:t>
+          </a:r>
+        </a:p>
+      </dsp:txBody>
+      <dsp:txXfrm>
+        <a:off x="0" y="2786344"/>
+        <a:ext cx="9093200" cy="784813"/>
+      </dsp:txXfrm>
+    </dsp:sp>
+  </dsp:spTree>
+</dsp:drawing>
+</file>
+
 <file path=ppt/diagrams/layout1.xml><?xml version="1.0" encoding="utf-8"?>
 <dgm:layoutDef xmlns:dgm="http://schemas.openxmlformats.org/drawingml/2006/diagram" xmlns:a="http://schemas.openxmlformats.org/drawingml/2006/main" uniqueId="urn:microsoft.com/office/officeart/2018/5/layout/IconCircleLabelList">
   <dgm:title val="Icon Circle Label List"/>
@@ -2057,7 +6471,2662 @@
 </dgm:layoutDef>
 </file>
 
+<file path=ppt/diagrams/layout2.xml><?xml version="1.0" encoding="utf-8"?>
+<dgm:layoutDef xmlns:dgm="http://schemas.openxmlformats.org/drawingml/2006/diagram" xmlns:a="http://schemas.openxmlformats.org/drawingml/2006/main" uniqueId="urn:microsoft.com/office/officeart/2008/layout/TitledPictureBlocks">
+  <dgm:title val=""/>
+  <dgm:desc val=""/>
+  <dgm:catLst>
+    <dgm:cat type="picture" pri="10000"/>
+    <dgm:cat type="pictureconvert" pri="10000"/>
+  </dgm:catLst>
+  <dgm:sampData>
+    <dgm:dataModel>
+      <dgm:ptLst>
+        <dgm:pt modelId="0" type="doc"/>
+        <dgm:pt modelId="10">
+          <dgm:prSet phldr="1"/>
+        </dgm:pt>
+        <dgm:pt modelId="11">
+          <dgm:prSet phldr="1"/>
+        </dgm:pt>
+        <dgm:pt modelId="20">
+          <dgm:prSet phldr="1"/>
+        </dgm:pt>
+        <dgm:pt modelId="21">
+          <dgm:prSet phldr="1"/>
+        </dgm:pt>
+        <dgm:pt modelId="30">
+          <dgm:prSet phldr="1"/>
+        </dgm:pt>
+        <dgm:pt modelId="31">
+          <dgm:prSet phldr="1"/>
+        </dgm:pt>
+      </dgm:ptLst>
+      <dgm:cxnLst>
+        <dgm:cxn modelId="60" srcId="0" destId="10" srcOrd="0" destOrd="0"/>
+        <dgm:cxn modelId="12" srcId="10" destId="11" srcOrd="0" destOrd="0"/>
+        <dgm:cxn modelId="70" srcId="0" destId="20" srcOrd="1" destOrd="0"/>
+        <dgm:cxn modelId="22" srcId="20" destId="21" srcOrd="0" destOrd="0"/>
+        <dgm:cxn modelId="80" srcId="0" destId="30" srcOrd="2" destOrd="0"/>
+        <dgm:cxn modelId="32" srcId="30" destId="31" srcOrd="0" destOrd="0"/>
+      </dgm:cxnLst>
+      <dgm:bg/>
+      <dgm:whole/>
+    </dgm:dataModel>
+  </dgm:sampData>
+  <dgm:styleData>
+    <dgm:dataModel>
+      <dgm:ptLst>
+        <dgm:pt modelId="0" type="doc"/>
+        <dgm:pt modelId="10">
+          <dgm:prSet phldr="1"/>
+        </dgm:pt>
+        <dgm:pt modelId="11">
+          <dgm:prSet phldr="1"/>
+        </dgm:pt>
+        <dgm:pt modelId="20">
+          <dgm:prSet phldr="1"/>
+        </dgm:pt>
+        <dgm:pt modelId="21">
+          <dgm:prSet phldr="1"/>
+        </dgm:pt>
+      </dgm:ptLst>
+      <dgm:cxnLst>
+        <dgm:cxn modelId="60" srcId="0" destId="10" srcOrd="0" destOrd="0"/>
+        <dgm:cxn modelId="12" srcId="10" destId="11" srcOrd="0" destOrd="0"/>
+        <dgm:cxn modelId="70" srcId="0" destId="20" srcOrd="1" destOrd="0"/>
+        <dgm:cxn modelId="22" srcId="20" destId="21" srcOrd="0" destOrd="0"/>
+      </dgm:cxnLst>
+      <dgm:bg/>
+      <dgm:whole/>
+    </dgm:dataModel>
+  </dgm:styleData>
+  <dgm:clrData>
+    <dgm:dataModel>
+      <dgm:ptLst>
+        <dgm:pt modelId="0" type="doc"/>
+        <dgm:pt modelId="10">
+          <dgm:prSet phldr="1"/>
+        </dgm:pt>
+        <dgm:pt modelId="11">
+          <dgm:prSet phldr="1"/>
+        </dgm:pt>
+        <dgm:pt modelId="20">
+          <dgm:prSet phldr="1"/>
+        </dgm:pt>
+        <dgm:pt modelId="21">
+          <dgm:prSet phldr="1"/>
+        </dgm:pt>
+        <dgm:pt modelId="30">
+          <dgm:prSet phldr="1"/>
+        </dgm:pt>
+        <dgm:pt modelId="31">
+          <dgm:prSet phldr="1"/>
+        </dgm:pt>
+        <dgm:pt modelId="40">
+          <dgm:prSet phldr="1"/>
+        </dgm:pt>
+        <dgm:pt modelId="41">
+          <dgm:prSet phldr="1"/>
+        </dgm:pt>
+      </dgm:ptLst>
+      <dgm:cxnLst>
+        <dgm:cxn modelId="60" srcId="0" destId="10" srcOrd="0" destOrd="0"/>
+        <dgm:cxn modelId="12" srcId="10" destId="11" srcOrd="0" destOrd="0"/>
+        <dgm:cxn modelId="70" srcId="0" destId="20" srcOrd="1" destOrd="0"/>
+        <dgm:cxn modelId="22" srcId="20" destId="21" srcOrd="0" destOrd="0"/>
+        <dgm:cxn modelId="80" srcId="0" destId="30" srcOrd="2" destOrd="0"/>
+        <dgm:cxn modelId="32" srcId="30" destId="31" srcOrd="0" destOrd="0"/>
+        <dgm:cxn modelId="90" srcId="0" destId="40" srcOrd="3" destOrd="0"/>
+        <dgm:cxn modelId="42" srcId="40" destId="41" srcOrd="0" destOrd="0"/>
+      </dgm:cxnLst>
+      <dgm:bg/>
+      <dgm:whole/>
+    </dgm:dataModel>
+  </dgm:clrData>
+  <dgm:layoutNode name="rootNode">
+    <dgm:varLst>
+      <dgm:chMax/>
+      <dgm:chPref/>
+      <dgm:dir/>
+      <dgm:animLvl val="lvl"/>
+    </dgm:varLst>
+    <dgm:choose name="Name0">
+      <dgm:if name="Name1" func="var" arg="dir" op="equ" val="norm">
+        <dgm:alg type="snake">
+          <dgm:param type="off" val="ctr"/>
+          <dgm:param type="grDir" val="tL"/>
+        </dgm:alg>
+      </dgm:if>
+      <dgm:else name="Name2">
+        <dgm:alg type="snake">
+          <dgm:param type="off" val="ctr"/>
+          <dgm:param type="grDir" val="tR"/>
+        </dgm:alg>
+      </dgm:else>
+    </dgm:choose>
+    <dgm:shape xmlns:r="http://schemas.openxmlformats.org/officeDocument/2006/relationships" r:blip="">
+      <dgm:adjLst/>
+    </dgm:shape>
+    <dgm:constrLst>
+      <dgm:constr type="primFontSz" for="des" forName="ParentText" op="equ"/>
+      <dgm:constr type="primFontSz" for="des" forName="ChildText" op="equ"/>
+      <dgm:constr type="w" for="ch" forName="composite" refType="w"/>
+      <dgm:constr type="h" for="ch" forName="composite" refType="h"/>
+      <dgm:constr type="sp" refType="w" refFor="ch" refForName="composite" op="equ" fact="0.1"/>
+      <dgm:constr type="w" for="ch" forName="sibTrans" refType="w" refFor="ch" refForName="composite" op="equ" fact="0.1"/>
+      <dgm:constr type="h" for="ch" forName="sibTrans" refType="w" refFor="ch" refForName="sibTrans" op="equ"/>
+    </dgm:constrLst>
+    <dgm:forEach name="nodesForEach" axis="ch" ptType="node">
+      <dgm:layoutNode name="composite">
+        <dgm:alg type="composite">
+          <dgm:param type="ar" val="1.3787"/>
+        </dgm:alg>
+        <dgm:shape xmlns:r="http://schemas.openxmlformats.org/officeDocument/2006/relationships" r:blip="">
+          <dgm:adjLst/>
+        </dgm:shape>
+        <dgm:choose name="Name3">
+          <dgm:if name="Name4" func="var" arg="dir" op="equ" val="norm">
+            <dgm:constrLst>
+              <dgm:constr type="l" for="ch" forName="ParentText" refType="w" fact="0"/>
+              <dgm:constr type="t" for="ch" forName="ParentText" refType="h" fact="0"/>
+              <dgm:constr type="w" for="ch" forName="ParentText" refType="w" fact="0.7457"/>
+              <dgm:constr type="h" for="ch" forName="ParentText" refType="h" fact="0.15"/>
+              <dgm:constr type="l" for="ch" forName="Image" refType="w" fact="0"/>
+              <dgm:constr type="t" for="ch" forName="Image" refType="h" fact="0.1661"/>
+              <dgm:constr type="w" for="ch" forName="Image" refType="w" fact="0.7457"/>
+              <dgm:constr type="h" for="ch" forName="Image" refType="h" fact="0.8711"/>
+              <dgm:constr type="l" for="ch" forName="ChildText" refType="w" fact="0.6464"/>
+              <dgm:constr type="t" for="ch" forName="ChildText" refType="h" fact="0.288"/>
+              <dgm:constr type="w" for="ch" forName="ChildText" refType="w" fact="0.3536"/>
+              <dgm:constr type="h" for="ch" forName="ChildText" refType="h" fact="0.5074"/>
+            </dgm:constrLst>
+          </dgm:if>
+          <dgm:else name="Name5">
+            <dgm:constrLst>
+              <dgm:constr type="l" for="ch" forName="ParentText" refType="w" fact="0.26"/>
+              <dgm:constr type="t" for="ch" forName="ParentText" refType="h" fact="0"/>
+              <dgm:constr type="w" for="ch" forName="ParentText" refType="w" fact="0.7457"/>
+              <dgm:constr type="h" for="ch" forName="ParentText" refType="h" fact="0.15"/>
+              <dgm:constr type="l" for="ch" forName="Image" refType="w" fact="0.26"/>
+              <dgm:constr type="t" for="ch" forName="Image" refType="h" fact="0.1661"/>
+              <dgm:constr type="w" for="ch" forName="Image" refType="w" fact="0.7446"/>
+              <dgm:constr type="h" for="ch" forName="Image" refType="h" fact="0.8711"/>
+              <dgm:constr type="l" for="ch" forName="ChildText" refType="w" fact="0"/>
+              <dgm:constr type="t" for="ch" forName="ChildText" refType="h" fact="0.288"/>
+              <dgm:constr type="w" for="ch" forName="ChildText" refType="w" fact="0.3536"/>
+              <dgm:constr type="h" for="ch" forName="ChildText" refType="h" fact="0.5074"/>
+            </dgm:constrLst>
+          </dgm:else>
+        </dgm:choose>
+        <dgm:layoutNode name="ParentText" styleLbl="node1">
+          <dgm:varLst>
+            <dgm:chMax val="1"/>
+            <dgm:chPref val="1"/>
+            <dgm:bulletEnabled val="1"/>
+          </dgm:varLst>
+          <dgm:alg type="tx"/>
+          <dgm:shape xmlns:r="http://schemas.openxmlformats.org/officeDocument/2006/relationships" type="rect" r:blip="" zOrderOff="10">
+            <dgm:adjLst/>
+          </dgm:shape>
+          <dgm:presOf axis="self" ptType="node"/>
+          <dgm:constrLst>
+            <dgm:constr type="lMarg" refType="primFontSz" fact="0.3"/>
+            <dgm:constr type="rMarg" refType="primFontSz" fact="0.3"/>
+            <dgm:constr type="tMarg" refType="primFontSz" fact="0.3"/>
+            <dgm:constr type="bMarg" refType="primFontSz" fact="0.3"/>
+          </dgm:constrLst>
+          <dgm:ruleLst>
+            <dgm:rule type="primFontSz" val="5" fact="NaN" max="NaN"/>
+          </dgm:ruleLst>
+        </dgm:layoutNode>
+        <dgm:layoutNode name="Image" styleLbl="bgImgPlace1">
+          <dgm:alg type="sp"/>
+          <dgm:shape xmlns:r="http://schemas.openxmlformats.org/officeDocument/2006/relationships" type="rect" r:blip="" blipPhldr="1">
+            <dgm:adjLst/>
+          </dgm:shape>
+          <dgm:presOf/>
+        </dgm:layoutNode>
+        <dgm:layoutNode name="ChildText" styleLbl="fgAcc1">
+          <dgm:varLst>
+            <dgm:chMax val="0"/>
+            <dgm:chPref val="0"/>
+            <dgm:bulletEnabled val="1"/>
+          </dgm:varLst>
+          <dgm:choose name="Name6">
+            <dgm:if name="Name7" axis="des" ptType="node" func="cnt" op="equ" val="1">
+              <dgm:alg type="tx">
+                <dgm:param type="stBulletLvl" val="2"/>
+                <dgm:param type="txAnchorVertCh" val="mid"/>
+                <dgm:param type="parTxLTRAlign" val="l"/>
+              </dgm:alg>
+            </dgm:if>
+            <dgm:else name="Name8">
+              <dgm:alg type="tx">
+                <dgm:param type="stBulletLvl" val="1"/>
+                <dgm:param type="txAnchorVertCh" val="mid"/>
+              </dgm:alg>
+            </dgm:else>
+          </dgm:choose>
+          <dgm:choose name="Name9">
+            <dgm:if name="Name10" axis="ch" ptType="node" func="cnt" op="gte" val="1">
+              <dgm:shape xmlns:r="http://schemas.openxmlformats.org/officeDocument/2006/relationships" type="roundRect" r:blip="">
+                <dgm:adjLst>
+                  <dgm:adj idx="1" val="0.1"/>
+                </dgm:adjLst>
+              </dgm:shape>
+              <dgm:presOf axis="des" ptType="node"/>
+            </dgm:if>
+            <dgm:else name="Name11">
+              <dgm:shape xmlns:r="http://schemas.openxmlformats.org/officeDocument/2006/relationships" type="roundRect" r:blip="" hideGeom="1">
+                <dgm:adjLst>
+                  <dgm:adj idx="1" val="0.1"/>
+                </dgm:adjLst>
+              </dgm:shape>
+              <dgm:presOf/>
+            </dgm:else>
+          </dgm:choose>
+          <dgm:constrLst>
+            <dgm:constr type="lMarg" refType="primFontSz" fact="0.3"/>
+            <dgm:constr type="rMarg" refType="primFontSz" fact="0.3"/>
+            <dgm:constr type="tMarg" refType="primFontSz" fact="0.3"/>
+            <dgm:constr type="bMarg" refType="primFontSz" fact="0.3"/>
+          </dgm:constrLst>
+          <dgm:ruleLst>
+            <dgm:rule type="primFontSz" val="5" fact="NaN" max="NaN"/>
+          </dgm:ruleLst>
+        </dgm:layoutNode>
+      </dgm:layoutNode>
+      <dgm:forEach name="sibTransForEach" axis="followSib" ptType="sibTrans" cnt="1">
+        <dgm:layoutNode name="sibTrans">
+          <dgm:alg type="sp"/>
+          <dgm:shape xmlns:r="http://schemas.openxmlformats.org/officeDocument/2006/relationships" r:blip="">
+            <dgm:adjLst/>
+          </dgm:shape>
+        </dgm:layoutNode>
+      </dgm:forEach>
+    </dgm:forEach>
+  </dgm:layoutNode>
+</dgm:layoutDef>
+</file>
+
+<file path=ppt/diagrams/layout3.xml><?xml version="1.0" encoding="utf-8"?>
+<dgm:layoutDef xmlns:dgm="http://schemas.openxmlformats.org/drawingml/2006/diagram" xmlns:a="http://schemas.openxmlformats.org/drawingml/2006/main" uniqueId="urn:microsoft.com/office/officeart/2011/layout/TabList">
+  <dgm:title val="Tab List"/>
+  <dgm:desc val="Use to show non-sequential or grouped blocks of information. Works well for lists with a small amount of Level 1 text. The first Level 2 displays next to the Level 1 text  and the remaining Level 2 text appears beneath the Level 1 text."/>
+  <dgm:catLst>
+    <dgm:cat type="list" pri="4500"/>
+    <dgm:cat type="officeonline" pri="11000"/>
+  </dgm:catLst>
+  <dgm:sampData>
+    <dgm:dataModel>
+      <dgm:ptLst>
+        <dgm:pt modelId="0" type="doc"/>
+        <dgm:pt modelId="10">
+          <dgm:prSet phldr="1"/>
+        </dgm:pt>
+        <dgm:pt modelId="11">
+          <dgm:prSet phldr="1"/>
+        </dgm:pt>
+        <dgm:pt modelId="12">
+          <dgm:prSet phldr="1"/>
+        </dgm:pt>
+        <dgm:pt modelId="20">
+          <dgm:prSet phldr="1"/>
+        </dgm:pt>
+        <dgm:pt modelId="21">
+          <dgm:prSet phldr="1"/>
+        </dgm:pt>
+        <dgm:pt modelId="22">
+          <dgm:prSet phldr="1"/>
+        </dgm:pt>
+        <dgm:pt modelId="30">
+          <dgm:prSet phldr="1"/>
+        </dgm:pt>
+        <dgm:pt modelId="31">
+          <dgm:prSet phldr="1"/>
+        </dgm:pt>
+        <dgm:pt modelId="32">
+          <dgm:prSet phldr="1"/>
+        </dgm:pt>
+      </dgm:ptLst>
+      <dgm:cxnLst>
+        <dgm:cxn modelId="40" srcId="0" destId="10" srcOrd="0" destOrd="0"/>
+        <dgm:cxn modelId="41" srcId="10" destId="11" srcOrd="0" destOrd="0"/>
+        <dgm:cxn modelId="42" srcId="10" destId="12" srcOrd="0" destOrd="0"/>
+        <dgm:cxn modelId="50" srcId="0" destId="20" srcOrd="1" destOrd="0"/>
+        <dgm:cxn modelId="51" srcId="20" destId="21" srcOrd="1" destOrd="0"/>
+        <dgm:cxn modelId="52" srcId="20" destId="22" srcOrd="1" destOrd="0"/>
+        <dgm:cxn modelId="60" srcId="0" destId="30" srcOrd="2" destOrd="0"/>
+        <dgm:cxn modelId="61" srcId="30" destId="31" srcOrd="2" destOrd="0"/>
+        <dgm:cxn modelId="62" srcId="30" destId="32" srcOrd="2" destOrd="0"/>
+      </dgm:cxnLst>
+      <dgm:bg/>
+      <dgm:whole/>
+    </dgm:dataModel>
+  </dgm:sampData>
+  <dgm:styleData>
+    <dgm:dataModel>
+      <dgm:ptLst>
+        <dgm:pt modelId="0" type="doc"/>
+        <dgm:pt modelId="10">
+          <dgm:prSet phldr="1"/>
+        </dgm:pt>
+        <dgm:pt modelId="20">
+          <dgm:prSet phldr="1"/>
+        </dgm:pt>
+      </dgm:ptLst>
+      <dgm:cxnLst>
+        <dgm:cxn modelId="30" srcId="0" destId="10" srcOrd="0" destOrd="0"/>
+        <dgm:cxn modelId="40" srcId="0" destId="20" srcOrd="1" destOrd="0"/>
+      </dgm:cxnLst>
+      <dgm:bg/>
+      <dgm:whole/>
+    </dgm:dataModel>
+  </dgm:styleData>
+  <dgm:clrData>
+    <dgm:dataModel>
+      <dgm:ptLst>
+        <dgm:pt modelId="0" type="doc"/>
+        <dgm:pt modelId="10">
+          <dgm:prSet phldr="1"/>
+        </dgm:pt>
+        <dgm:pt modelId="20">
+          <dgm:prSet phldr="1"/>
+        </dgm:pt>
+        <dgm:pt modelId="30">
+          <dgm:prSet phldr="1"/>
+        </dgm:pt>
+        <dgm:pt modelId="40">
+          <dgm:prSet phldr="1"/>
+        </dgm:pt>
+      </dgm:ptLst>
+      <dgm:cxnLst>
+        <dgm:cxn modelId="50" srcId="0" destId="10" srcOrd="0" destOrd="0"/>
+        <dgm:cxn modelId="60" srcId="0" destId="20" srcOrd="1" destOrd="0"/>
+        <dgm:cxn modelId="70" srcId="0" destId="30" srcOrd="2" destOrd="0"/>
+        <dgm:cxn modelId="80" srcId="0" destId="40" srcOrd="3" destOrd="0"/>
+      </dgm:cxnLst>
+      <dgm:bg/>
+      <dgm:whole/>
+    </dgm:dataModel>
+  </dgm:clrData>
+  <dgm:layoutNode name="Name0">
+    <dgm:varLst>
+      <dgm:chMax/>
+      <dgm:chPref val="3"/>
+      <dgm:dir/>
+      <dgm:animOne val="branch"/>
+      <dgm:animLvl val="lvl"/>
+    </dgm:varLst>
+    <dgm:alg type="lin">
+      <dgm:param type="linDir" val="fromT"/>
+    </dgm:alg>
+    <dgm:shape xmlns:r="http://schemas.openxmlformats.org/officeDocument/2006/relationships" r:blip="">
+      <dgm:adjLst/>
+    </dgm:shape>
+    <dgm:constrLst>
+      <dgm:constr type="w" for="ch" forName="Child" refType="w"/>
+      <dgm:constr type="h" for="ch" forName="Child" refType="h" fact="0.6667"/>
+      <dgm:constr type="primFontSz" for="des" forName="Parent" op="equ" val="65"/>
+      <dgm:constr type="primFontSz" for="des" forName="Child" op="equ" val="65"/>
+      <dgm:constr type="primFontSz" for="des" forName="FirstChild" op="equ" val="65"/>
+      <dgm:constr type="primFontSz" for="des" forName="Child" refType="primFontSz" refFor="des" refForName="Parent" op="lte"/>
+      <dgm:constr type="primFontSz" for="des" forName="FirstChild" refType="primFontSz" refFor="des" refForName="Parent" op="lte"/>
+      <dgm:constr type="primFontSz" for="des" forName="Child" refType="primFontSz" refFor="des" refForName="FirstChild" op="lte"/>
+      <dgm:constr type="w" for="ch" forName="composite" refType="w"/>
+      <dgm:constr type="h" for="ch" forName="composite" refType="h" fact="0.3333"/>
+      <dgm:constr type="sp" refType="h" refFor="ch" refForName="composite" op="equ" fact="0.05"/>
+      <dgm:constr type="h" for="ch" forName="sibTrans" refType="h" refFor="ch" refForName="composite" op="equ" fact="0.05"/>
+      <dgm:constr type="w" for="ch" forName="sibTrans" refType="h" refFor="ch" refForName="sibTrans" op="equ"/>
+    </dgm:constrLst>
+    <dgm:forEach name="nodesForEach" axis="ch" ptType="node">
+      <dgm:layoutNode name="composite">
+        <dgm:alg type="composite"/>
+        <dgm:shape xmlns:r="http://schemas.openxmlformats.org/officeDocument/2006/relationships" r:blip="">
+          <dgm:adjLst/>
+        </dgm:shape>
+        <dgm:choose name="Name1">
+          <dgm:if name="Name2" func="var" arg="dir" op="equ" val="norm">
+            <dgm:constrLst>
+              <dgm:constr type="l" for="ch" forName="Accent" refType="w" fact="0"/>
+              <dgm:constr type="b" for="ch" forName="Accent" refType="h"/>
+              <dgm:constr type="w" for="ch" forName="Accent" refType="w"/>
+              <dgm:constr type="h" for="ch" forName="Accent" refType="h" fact="0"/>
+              <dgm:constr type="l" for="ch" forName="FirstChild" refType="w" fact="0.26"/>
+              <dgm:constr type="t" for="ch" forName="FirstChild" refType="h" fact="0"/>
+              <dgm:constr type="w" for="ch" forName="FirstChild" refType="w" fact="0.74"/>
+              <dgm:constr type="h" for="ch" forName="FirstChild" refType="h"/>
+              <dgm:constr type="l" for="ch" forName="Parent" refType="w" fact="0"/>
+              <dgm:constr type="t" for="ch" forName="Parent" refType="h" fact="0"/>
+              <dgm:constr type="w" for="ch" forName="Parent" refType="w" fact="0.26"/>
+              <dgm:constr type="h" for="ch" forName="Parent" refType="h"/>
+            </dgm:constrLst>
+          </dgm:if>
+          <dgm:else name="Name3">
+            <dgm:constrLst>
+              <dgm:constr type="l" for="ch" forName="Accent" refType="w" fact="0"/>
+              <dgm:constr type="b" for="ch" forName="Accent" refType="h"/>
+              <dgm:constr type="w" for="ch" forName="Accent" refType="w"/>
+              <dgm:constr type="h" for="ch" forName="Accent" refType="h" fact="0"/>
+              <dgm:constr type="r" for="ch" forName="FirstChild" refType="w" fact="0.74"/>
+              <dgm:constr type="t" for="ch" forName="FirstChild" refType="h" fact="0"/>
+              <dgm:constr type="w" for="ch" forName="FirstChild" refType="w" fact="0.74"/>
+              <dgm:constr type="h" for="ch" forName="FirstChild" refType="h"/>
+              <dgm:constr type="r" for="ch" forName="Parent" refType="w"/>
+              <dgm:constr type="t" for="ch" forName="Parent" refType="h" fact="0"/>
+              <dgm:constr type="w" for="ch" forName="Parent" refType="w" fact="0.26"/>
+              <dgm:constr type="h" for="ch" forName="Parent" refType="h"/>
+            </dgm:constrLst>
+          </dgm:else>
+        </dgm:choose>
+        <dgm:layoutNode name="FirstChild" styleLbl="revTx">
+          <dgm:varLst>
+            <dgm:chMax val="0"/>
+            <dgm:chPref val="0"/>
+            <dgm:bulletEnabled val="1"/>
+          </dgm:varLst>
+          <dgm:choose name="Name4">
+            <dgm:if name="Name5" func="var" arg="dir" op="equ" val="norm">
+              <dgm:alg type="tx">
+                <dgm:param type="parTxLTRAlign" val="l"/>
+                <dgm:param type="txAnchorVert" val="b"/>
+                <dgm:param type="txAnchorVertCh" val="b"/>
+                <dgm:param type="parTxRTLAlign" val="l"/>
+              </dgm:alg>
+            </dgm:if>
+            <dgm:else name="Name6">
+              <dgm:alg type="tx">
+                <dgm:param type="parTxLTRAlign" val="r"/>
+                <dgm:param type="shpTxLTRAlignCh" val="r"/>
+                <dgm:param type="txAnchorVert" val="b"/>
+                <dgm:param type="txAnchorVertCh" val="b"/>
+                <dgm:param type="parTxRTLAlign" val="r"/>
+              </dgm:alg>
+            </dgm:else>
+          </dgm:choose>
+          <dgm:shape xmlns:r="http://schemas.openxmlformats.org/officeDocument/2006/relationships" type="rect" r:blip="">
+            <dgm:adjLst/>
+          </dgm:shape>
+          <dgm:choose name="Name7">
+            <dgm:if name="Name8" axis="ch" ptType="node" func="cnt" op="gte" val="1">
+              <dgm:presOf axis="ch desOrSelf" ptType="node node" st="1 1" cnt="1 0"/>
+            </dgm:if>
+            <dgm:else name="Name9">
+              <dgm:presOf/>
+            </dgm:else>
+          </dgm:choose>
+          <dgm:constrLst>
+            <dgm:constr type="lMarg" refType="primFontSz" fact="0.15"/>
+            <dgm:constr type="rMarg" refType="primFontSz" fact="0.15"/>
+            <dgm:constr type="tMarg" refType="primFontSz" fact="0.15"/>
+            <dgm:constr type="bMarg" refType="primFontSz" fact="0.15"/>
+          </dgm:constrLst>
+          <dgm:ruleLst>
+            <dgm:rule type="primFontSz" val="5" fact="NaN" max="NaN"/>
+          </dgm:ruleLst>
+        </dgm:layoutNode>
+        <dgm:layoutNode name="Parent" styleLbl="alignNode1">
+          <dgm:varLst>
+            <dgm:chMax val="3"/>
+            <dgm:chPref val="3"/>
+            <dgm:bulletEnabled val="1"/>
+          </dgm:varLst>
+          <dgm:alg type="tx">
+            <dgm:param type="shpTxLTRAlignCh" val="ctr"/>
+            <dgm:param type="txAnchorVertCh" val="mid"/>
+          </dgm:alg>
+          <dgm:shape xmlns:r="http://schemas.openxmlformats.org/officeDocument/2006/relationships" type="round2SameRect" r:blip="">
+            <dgm:adjLst>
+              <dgm:adj idx="1" val="0.1667"/>
+              <dgm:adj idx="2" val="0"/>
+            </dgm:adjLst>
+          </dgm:shape>
+          <dgm:presOf axis="self" ptType="node"/>
+          <dgm:constrLst>
+            <dgm:constr type="lMarg" refType="primFontSz" fact="0.15"/>
+            <dgm:constr type="rMarg" refType="primFontSz" fact="0.15"/>
+            <dgm:constr type="tMarg" refType="primFontSz" fact="0.15"/>
+            <dgm:constr type="bMarg" refType="primFontSz" fact="0.15"/>
+          </dgm:constrLst>
+          <dgm:ruleLst>
+            <dgm:rule type="primFontSz" val="5" fact="NaN" max="NaN"/>
+          </dgm:ruleLst>
+        </dgm:layoutNode>
+        <dgm:layoutNode name="Accent" styleLbl="parChTrans1D1">
+          <dgm:alg type="sp"/>
+          <dgm:shape xmlns:r="http://schemas.openxmlformats.org/officeDocument/2006/relationships" type="line" r:blip="" zOrderOff="-99999">
+            <dgm:adjLst/>
+          </dgm:shape>
+          <dgm:presOf/>
+        </dgm:layoutNode>
+      </dgm:layoutNode>
+      <dgm:choose name="Name10">
+        <dgm:if name="Name11" axis="ch" ptType="node" st="2" cnt="1" func="cnt" op="gte" val="1">
+          <dgm:layoutNode name="Child" styleLbl="revTx">
+            <dgm:varLst>
+              <dgm:chMax val="0"/>
+              <dgm:chPref val="0"/>
+              <dgm:bulletEnabled val="1"/>
+            </dgm:varLst>
+            <dgm:choose name="Name12">
+              <dgm:if name="Name13" func="var" arg="dir" op="equ" val="norm">
+                <dgm:alg type="tx">
+                  <dgm:param type="stBulletLvl" val="1"/>
+                  <dgm:param type="parTxLTRAlign" val="l"/>
+                  <dgm:param type="parTxRTLAlign" val="l"/>
+                  <dgm:param type="txAnchorVert" val="t"/>
+                </dgm:alg>
+              </dgm:if>
+              <dgm:else name="Name14">
+                <dgm:alg type="tx">
+                  <dgm:param type="stBulletLvl" val="1"/>
+                  <dgm:param type="parTxLTRAlign" val="r"/>
+                  <dgm:param type="shpTxLTRAlignCh" val="r"/>
+                  <dgm:param type="txAnchorVert" val="t"/>
+                  <dgm:param type="parTxRTLAlign" val="r"/>
+                </dgm:alg>
+              </dgm:else>
+            </dgm:choose>
+            <dgm:shape xmlns:r="http://schemas.openxmlformats.org/officeDocument/2006/relationships" type="rect" r:blip="">
+              <dgm:adjLst/>
+            </dgm:shape>
+            <dgm:presOf axis="ch desOrSelf" ptType="node node" st="2 1" cnt="0 0"/>
+            <dgm:constrLst>
+              <dgm:constr type="lMarg" refType="primFontSz" fact="0.15"/>
+              <dgm:constr type="rMarg" refType="primFontSz" fact="0.15"/>
+              <dgm:constr type="tMarg" refType="primFontSz" fact="0.15"/>
+              <dgm:constr type="bMarg" refType="primFontSz" fact="0.15"/>
+            </dgm:constrLst>
+            <dgm:ruleLst>
+              <dgm:rule type="primFontSz" val="5" fact="NaN" max="NaN"/>
+            </dgm:ruleLst>
+          </dgm:layoutNode>
+        </dgm:if>
+        <dgm:else name="Name15"/>
+      </dgm:choose>
+      <dgm:forEach name="sibTransForEach" axis="followSib" ptType="sibTrans" cnt="1">
+        <dgm:layoutNode name="sibTrans">
+          <dgm:alg type="sp"/>
+          <dgm:shape xmlns:r="http://schemas.openxmlformats.org/officeDocument/2006/relationships" r:blip="">
+            <dgm:adjLst/>
+          </dgm:shape>
+        </dgm:layoutNode>
+      </dgm:forEach>
+    </dgm:forEach>
+  </dgm:layoutNode>
+</dgm:layoutDef>
+</file>
+
 <file path=ppt/diagrams/quickStyle1.xml><?xml version="1.0" encoding="utf-8"?>
+<dgm:styleDef xmlns:dgm="http://schemas.openxmlformats.org/drawingml/2006/diagram" xmlns:a="http://schemas.openxmlformats.org/drawingml/2006/main" uniqueId="urn:microsoft.com/office/officeart/2005/8/quickstyle/simple1">
+  <dgm:title val=""/>
+  <dgm:desc val=""/>
+  <dgm:catLst>
+    <dgm:cat type="simple" pri="10100"/>
+  </dgm:catLst>
+  <dgm:scene3d>
+    <a:camera prst="orthographicFront"/>
+    <a:lightRig rig="threePt" dir="t"/>
+  </dgm:scene3d>
+  <dgm:styleLbl name="node0">
+    <dgm:scene3d>
+      <a:camera prst="orthographicFront"/>
+      <a:lightRig rig="threePt" dir="t"/>
+    </dgm:scene3d>
+    <dgm:sp3d/>
+    <dgm:txPr/>
+    <dgm:style>
+      <a:lnRef idx="2">
+        <a:scrgbClr r="0" g="0" b="0"/>
+      </a:lnRef>
+      <a:fillRef idx="1">
+        <a:scrgbClr r="0" g="0" b="0"/>
+      </a:fillRef>
+      <a:effectRef idx="0">
+        <a:scrgbClr r="0" g="0" b="0"/>
+      </a:effectRef>
+      <a:fontRef idx="minor">
+        <a:schemeClr val="lt1"/>
+      </a:fontRef>
+    </dgm:style>
+  </dgm:styleLbl>
+  <dgm:styleLbl name="lnNode1">
+    <dgm:scene3d>
+      <a:camera prst="orthographicFront"/>
+      <a:lightRig rig="threePt" dir="t"/>
+    </dgm:scene3d>
+    <dgm:sp3d/>
+    <dgm:txPr/>
+    <dgm:style>
+      <a:lnRef idx="2">
+        <a:scrgbClr r="0" g="0" b="0"/>
+      </a:lnRef>
+      <a:fillRef idx="1">
+        <a:scrgbClr r="0" g="0" b="0"/>
+      </a:fillRef>
+      <a:effectRef idx="0">
+        <a:scrgbClr r="0" g="0" b="0"/>
+      </a:effectRef>
+      <a:fontRef idx="minor">
+        <a:schemeClr val="lt1"/>
+      </a:fontRef>
+    </dgm:style>
+  </dgm:styleLbl>
+  <dgm:styleLbl name="vennNode1">
+    <dgm:scene3d>
+      <a:camera prst="orthographicFront"/>
+      <a:lightRig rig="threePt" dir="t"/>
+    </dgm:scene3d>
+    <dgm:sp3d/>
+    <dgm:txPr/>
+    <dgm:style>
+      <a:lnRef idx="2">
+        <a:scrgbClr r="0" g="0" b="0"/>
+      </a:lnRef>
+      <a:fillRef idx="1">
+        <a:scrgbClr r="0" g="0" b="0"/>
+      </a:fillRef>
+      <a:effectRef idx="0">
+        <a:scrgbClr r="0" g="0" b="0"/>
+      </a:effectRef>
+      <a:fontRef idx="minor">
+        <a:schemeClr val="tx1"/>
+      </a:fontRef>
+    </dgm:style>
+  </dgm:styleLbl>
+  <dgm:styleLbl name="alignNode1">
+    <dgm:scene3d>
+      <a:camera prst="orthographicFront"/>
+      <a:lightRig rig="threePt" dir="t"/>
+    </dgm:scene3d>
+    <dgm:sp3d/>
+    <dgm:txPr/>
+    <dgm:style>
+      <a:lnRef idx="2">
+        <a:scrgbClr r="0" g="0" b="0"/>
+      </a:lnRef>
+      <a:fillRef idx="1">
+        <a:scrgbClr r="0" g="0" b="0"/>
+      </a:fillRef>
+      <a:effectRef idx="0">
+        <a:scrgbClr r="0" g="0" b="0"/>
+      </a:effectRef>
+      <a:fontRef idx="minor">
+        <a:schemeClr val="lt1"/>
+      </a:fontRef>
+    </dgm:style>
+  </dgm:styleLbl>
+  <dgm:styleLbl name="node1">
+    <dgm:scene3d>
+      <a:camera prst="orthographicFront"/>
+      <a:lightRig rig="threePt" dir="t"/>
+    </dgm:scene3d>
+    <dgm:sp3d/>
+    <dgm:txPr/>
+    <dgm:style>
+      <a:lnRef idx="2">
+        <a:scrgbClr r="0" g="0" b="0"/>
+      </a:lnRef>
+      <a:fillRef idx="1">
+        <a:scrgbClr r="0" g="0" b="0"/>
+      </a:fillRef>
+      <a:effectRef idx="0">
+        <a:scrgbClr r="0" g="0" b="0"/>
+      </a:effectRef>
+      <a:fontRef idx="minor">
+        <a:schemeClr val="lt1"/>
+      </a:fontRef>
+    </dgm:style>
+  </dgm:styleLbl>
+  <dgm:styleLbl name="node2">
+    <dgm:scene3d>
+      <a:camera prst="orthographicFront"/>
+      <a:lightRig rig="threePt" dir="t"/>
+    </dgm:scene3d>
+    <dgm:sp3d/>
+    <dgm:txPr/>
+    <dgm:style>
+      <a:lnRef idx="2">
+        <a:scrgbClr r="0" g="0" b="0"/>
+      </a:lnRef>
+      <a:fillRef idx="1">
+        <a:scrgbClr r="0" g="0" b="0"/>
+      </a:fillRef>
+      <a:effectRef idx="0">
+        <a:scrgbClr r="0" g="0" b="0"/>
+      </a:effectRef>
+      <a:fontRef idx="minor">
+        <a:schemeClr val="lt1"/>
+      </a:fontRef>
+    </dgm:style>
+  </dgm:styleLbl>
+  <dgm:styleLbl name="node3">
+    <dgm:scene3d>
+      <a:camera prst="orthographicFront"/>
+      <a:lightRig rig="threePt" dir="t"/>
+    </dgm:scene3d>
+    <dgm:sp3d/>
+    <dgm:txPr/>
+    <dgm:style>
+      <a:lnRef idx="2">
+        <a:scrgbClr r="0" g="0" b="0"/>
+      </a:lnRef>
+      <a:fillRef idx="1">
+        <a:scrgbClr r="0" g="0" b="0"/>
+      </a:fillRef>
+      <a:effectRef idx="0">
+        <a:scrgbClr r="0" g="0" b="0"/>
+      </a:effectRef>
+      <a:fontRef idx="minor">
+        <a:schemeClr val="lt1"/>
+      </a:fontRef>
+    </dgm:style>
+  </dgm:styleLbl>
+  <dgm:styleLbl name="node4">
+    <dgm:scene3d>
+      <a:camera prst="orthographicFront"/>
+      <a:lightRig rig="threePt" dir="t"/>
+    </dgm:scene3d>
+    <dgm:sp3d/>
+    <dgm:txPr/>
+    <dgm:style>
+      <a:lnRef idx="2">
+        <a:scrgbClr r="0" g="0" b="0"/>
+      </a:lnRef>
+      <a:fillRef idx="1">
+        <a:scrgbClr r="0" g="0" b="0"/>
+      </a:fillRef>
+      <a:effectRef idx="0">
+        <a:scrgbClr r="0" g="0" b="0"/>
+      </a:effectRef>
+      <a:fontRef idx="minor">
+        <a:schemeClr val="lt1"/>
+      </a:fontRef>
+    </dgm:style>
+  </dgm:styleLbl>
+  <dgm:styleLbl name="fgImgPlace1">
+    <dgm:scene3d>
+      <a:camera prst="orthographicFront"/>
+      <a:lightRig rig="threePt" dir="t"/>
+    </dgm:scene3d>
+    <dgm:sp3d/>
+    <dgm:txPr/>
+    <dgm:style>
+      <a:lnRef idx="2">
+        <a:scrgbClr r="0" g="0" b="0"/>
+      </a:lnRef>
+      <a:fillRef idx="1">
+        <a:scrgbClr r="0" g="0" b="0"/>
+      </a:fillRef>
+      <a:effectRef idx="0">
+        <a:scrgbClr r="0" g="0" b="0"/>
+      </a:effectRef>
+      <a:fontRef idx="minor"/>
+    </dgm:style>
+  </dgm:styleLbl>
+  <dgm:styleLbl name="alignImgPlace1">
+    <dgm:scene3d>
+      <a:camera prst="orthographicFront"/>
+      <a:lightRig rig="threePt" dir="t"/>
+    </dgm:scene3d>
+    <dgm:sp3d/>
+    <dgm:txPr/>
+    <dgm:style>
+      <a:lnRef idx="2">
+        <a:scrgbClr r="0" g="0" b="0"/>
+      </a:lnRef>
+      <a:fillRef idx="1">
+        <a:scrgbClr r="0" g="0" b="0"/>
+      </a:fillRef>
+      <a:effectRef idx="0">
+        <a:scrgbClr r="0" g="0" b="0"/>
+      </a:effectRef>
+      <a:fontRef idx="minor"/>
+    </dgm:style>
+  </dgm:styleLbl>
+  <dgm:styleLbl name="bgImgPlace1">
+    <dgm:scene3d>
+      <a:camera prst="orthographicFront"/>
+      <a:lightRig rig="threePt" dir="t"/>
+    </dgm:scene3d>
+    <dgm:sp3d/>
+    <dgm:txPr/>
+    <dgm:style>
+      <a:lnRef idx="2">
+        <a:scrgbClr r="0" g="0" b="0"/>
+      </a:lnRef>
+      <a:fillRef idx="1">
+        <a:scrgbClr r="0" g="0" b="0"/>
+      </a:fillRef>
+      <a:effectRef idx="0">
+        <a:scrgbClr r="0" g="0" b="0"/>
+      </a:effectRef>
+      <a:fontRef idx="minor"/>
+    </dgm:style>
+  </dgm:styleLbl>
+  <dgm:styleLbl name="sibTrans2D1">
+    <dgm:scene3d>
+      <a:camera prst="orthographicFront"/>
+      <a:lightRig rig="threePt" dir="t"/>
+    </dgm:scene3d>
+    <dgm:sp3d/>
+    <dgm:txPr/>
+    <dgm:style>
+      <a:lnRef idx="0">
+        <a:scrgbClr r="0" g="0" b="0"/>
+      </a:lnRef>
+      <a:fillRef idx="1">
+        <a:scrgbClr r="0" g="0" b="0"/>
+      </a:fillRef>
+      <a:effectRef idx="0">
+        <a:scrgbClr r="0" g="0" b="0"/>
+      </a:effectRef>
+      <a:fontRef idx="minor">
+        <a:schemeClr val="lt1"/>
+      </a:fontRef>
+    </dgm:style>
+  </dgm:styleLbl>
+  <dgm:styleLbl name="fgSibTrans2D1">
+    <dgm:scene3d>
+      <a:camera prst="orthographicFront"/>
+      <a:lightRig rig="threePt" dir="t"/>
+    </dgm:scene3d>
+    <dgm:sp3d/>
+    <dgm:txPr/>
+    <dgm:style>
+      <a:lnRef idx="0">
+        <a:scrgbClr r="0" g="0" b="0"/>
+      </a:lnRef>
+      <a:fillRef idx="1">
+        <a:scrgbClr r="0" g="0" b="0"/>
+      </a:fillRef>
+      <a:effectRef idx="0">
+        <a:scrgbClr r="0" g="0" b="0"/>
+      </a:effectRef>
+      <a:fontRef idx="minor">
+        <a:schemeClr val="lt1"/>
+      </a:fontRef>
+    </dgm:style>
+  </dgm:styleLbl>
+  <dgm:styleLbl name="bgSibTrans2D1">
+    <dgm:scene3d>
+      <a:camera prst="orthographicFront"/>
+      <a:lightRig rig="threePt" dir="t"/>
+    </dgm:scene3d>
+    <dgm:sp3d/>
+    <dgm:txPr/>
+    <dgm:style>
+      <a:lnRef idx="0">
+        <a:scrgbClr r="0" g="0" b="0"/>
+      </a:lnRef>
+      <a:fillRef idx="1">
+        <a:scrgbClr r="0" g="0" b="0"/>
+      </a:fillRef>
+      <a:effectRef idx="0">
+        <a:scrgbClr r="0" g="0" b="0"/>
+      </a:effectRef>
+      <a:fontRef idx="minor">
+        <a:schemeClr val="lt1"/>
+      </a:fontRef>
+    </dgm:style>
+  </dgm:styleLbl>
+  <dgm:styleLbl name="sibTrans1D1">
+    <dgm:scene3d>
+      <a:camera prst="orthographicFront"/>
+      <a:lightRig rig="threePt" dir="t"/>
+    </dgm:scene3d>
+    <dgm:sp3d/>
+    <dgm:txPr/>
+    <dgm:style>
+      <a:lnRef idx="1">
+        <a:scrgbClr r="0" g="0" b="0"/>
+      </a:lnRef>
+      <a:fillRef idx="0">
+        <a:scrgbClr r="0" g="0" b="0"/>
+      </a:fillRef>
+      <a:effectRef idx="0">
+        <a:scrgbClr r="0" g="0" b="0"/>
+      </a:effectRef>
+      <a:fontRef idx="minor"/>
+    </dgm:style>
+  </dgm:styleLbl>
+  <dgm:styleLbl name="callout">
+    <dgm:scene3d>
+      <a:camera prst="orthographicFront"/>
+      <a:lightRig rig="threePt" dir="t"/>
+    </dgm:scene3d>
+    <dgm:sp3d/>
+    <dgm:txPr/>
+    <dgm:style>
+      <a:lnRef idx="2">
+        <a:scrgbClr r="0" g="0" b="0"/>
+      </a:lnRef>
+      <a:fillRef idx="1">
+        <a:scrgbClr r="0" g="0" b="0"/>
+      </a:fillRef>
+      <a:effectRef idx="0">
+        <a:scrgbClr r="0" g="0" b="0"/>
+      </a:effectRef>
+      <a:fontRef idx="minor"/>
+    </dgm:style>
+  </dgm:styleLbl>
+  <dgm:styleLbl name="asst0">
+    <dgm:scene3d>
+      <a:camera prst="orthographicFront"/>
+      <a:lightRig rig="threePt" dir="t"/>
+    </dgm:scene3d>
+    <dgm:sp3d/>
+    <dgm:txPr/>
+    <dgm:style>
+      <a:lnRef idx="2">
+        <a:scrgbClr r="0" g="0" b="0"/>
+      </a:lnRef>
+      <a:fillRef idx="1">
+        <a:scrgbClr r="0" g="0" b="0"/>
+      </a:fillRef>
+      <a:effectRef idx="0">
+        <a:scrgbClr r="0" g="0" b="0"/>
+      </a:effectRef>
+      <a:fontRef idx="minor">
+        <a:schemeClr val="lt1"/>
+      </a:fontRef>
+    </dgm:style>
+  </dgm:styleLbl>
+  <dgm:styleLbl name="asst1">
+    <dgm:scene3d>
+      <a:camera prst="orthographicFront"/>
+      <a:lightRig rig="threePt" dir="t"/>
+    </dgm:scene3d>
+    <dgm:sp3d/>
+    <dgm:txPr/>
+    <dgm:style>
+      <a:lnRef idx="2">
+        <a:scrgbClr r="0" g="0" b="0"/>
+      </a:lnRef>
+      <a:fillRef idx="1">
+        <a:scrgbClr r="0" g="0" b="0"/>
+      </a:fillRef>
+      <a:effectRef idx="0">
+        <a:scrgbClr r="0" g="0" b="0"/>
+      </a:effectRef>
+      <a:fontRef idx="minor">
+        <a:schemeClr val="lt1"/>
+      </a:fontRef>
+    </dgm:style>
+  </dgm:styleLbl>
+  <dgm:styleLbl name="asst2">
+    <dgm:scene3d>
+      <a:camera prst="orthographicFront"/>
+      <a:lightRig rig="threePt" dir="t"/>
+    </dgm:scene3d>
+    <dgm:sp3d/>
+    <dgm:txPr/>
+    <dgm:style>
+      <a:lnRef idx="2">
+        <a:scrgbClr r="0" g="0" b="0"/>
+      </a:lnRef>
+      <a:fillRef idx="1">
+        <a:scrgbClr r="0" g="0" b="0"/>
+      </a:fillRef>
+      <a:effectRef idx="0">
+        <a:scrgbClr r="0" g="0" b="0"/>
+      </a:effectRef>
+      <a:fontRef idx="minor">
+        <a:schemeClr val="lt1"/>
+      </a:fontRef>
+    </dgm:style>
+  </dgm:styleLbl>
+  <dgm:styleLbl name="asst3">
+    <dgm:scene3d>
+      <a:camera prst="orthographicFront"/>
+      <a:lightRig rig="threePt" dir="t"/>
+    </dgm:scene3d>
+    <dgm:sp3d/>
+    <dgm:txPr/>
+    <dgm:style>
+      <a:lnRef idx="2">
+        <a:scrgbClr r="0" g="0" b="0"/>
+      </a:lnRef>
+      <a:fillRef idx="1">
+        <a:scrgbClr r="0" g="0" b="0"/>
+      </a:fillRef>
+      <a:effectRef idx="0">
+        <a:scrgbClr r="0" g="0" b="0"/>
+      </a:effectRef>
+      <a:fontRef idx="minor">
+        <a:schemeClr val="lt1"/>
+      </a:fontRef>
+    </dgm:style>
+  </dgm:styleLbl>
+  <dgm:styleLbl name="asst4">
+    <dgm:scene3d>
+      <a:camera prst="orthographicFront"/>
+      <a:lightRig rig="threePt" dir="t"/>
+    </dgm:scene3d>
+    <dgm:sp3d/>
+    <dgm:txPr/>
+    <dgm:style>
+      <a:lnRef idx="2">
+        <a:scrgbClr r="0" g="0" b="0"/>
+      </a:lnRef>
+      <a:fillRef idx="1">
+        <a:scrgbClr r="0" g="0" b="0"/>
+      </a:fillRef>
+      <a:effectRef idx="0">
+        <a:scrgbClr r="0" g="0" b="0"/>
+      </a:effectRef>
+      <a:fontRef idx="minor">
+        <a:schemeClr val="lt1"/>
+      </a:fontRef>
+    </dgm:style>
+  </dgm:styleLbl>
+  <dgm:styleLbl name="parChTrans2D1">
+    <dgm:scene3d>
+      <a:camera prst="orthographicFront"/>
+      <a:lightRig rig="threePt" dir="t"/>
+    </dgm:scene3d>
+    <dgm:sp3d/>
+    <dgm:txPr/>
+    <dgm:style>
+      <a:lnRef idx="2">
+        <a:scrgbClr r="0" g="0" b="0"/>
+      </a:lnRef>
+      <a:fillRef idx="1">
+        <a:scrgbClr r="0" g="0" b="0"/>
+      </a:fillRef>
+      <a:effectRef idx="0">
+        <a:scrgbClr r="0" g="0" b="0"/>
+      </a:effectRef>
+      <a:fontRef idx="minor">
+        <a:schemeClr val="lt1"/>
+      </a:fontRef>
+    </dgm:style>
+  </dgm:styleLbl>
+  <dgm:styleLbl name="parChTrans2D2">
+    <dgm:scene3d>
+      <a:camera prst="orthographicFront"/>
+      <a:lightRig rig="threePt" dir="t"/>
+    </dgm:scene3d>
+    <dgm:sp3d/>
+    <dgm:txPr/>
+    <dgm:style>
+      <a:lnRef idx="2">
+        <a:scrgbClr r="0" g="0" b="0"/>
+      </a:lnRef>
+      <a:fillRef idx="1">
+        <a:scrgbClr r="0" g="0" b="0"/>
+      </a:fillRef>
+      <a:effectRef idx="0">
+        <a:scrgbClr r="0" g="0" b="0"/>
+      </a:effectRef>
+      <a:fontRef idx="minor">
+        <a:schemeClr val="lt1"/>
+      </a:fontRef>
+    </dgm:style>
+  </dgm:styleLbl>
+  <dgm:styleLbl name="parChTrans2D3">
+    <dgm:scene3d>
+      <a:camera prst="orthographicFront"/>
+      <a:lightRig rig="threePt" dir="t"/>
+    </dgm:scene3d>
+    <dgm:sp3d/>
+    <dgm:txPr/>
+    <dgm:style>
+      <a:lnRef idx="2">
+        <a:scrgbClr r="0" g="0" b="0"/>
+      </a:lnRef>
+      <a:fillRef idx="1">
+        <a:scrgbClr r="0" g="0" b="0"/>
+      </a:fillRef>
+      <a:effectRef idx="0">
+        <a:scrgbClr r="0" g="0" b="0"/>
+      </a:effectRef>
+      <a:fontRef idx="minor">
+        <a:schemeClr val="lt1"/>
+      </a:fontRef>
+    </dgm:style>
+  </dgm:styleLbl>
+  <dgm:styleLbl name="parChTrans2D4">
+    <dgm:scene3d>
+      <a:camera prst="orthographicFront"/>
+      <a:lightRig rig="threePt" dir="t"/>
+    </dgm:scene3d>
+    <dgm:sp3d/>
+    <dgm:txPr/>
+    <dgm:style>
+      <a:lnRef idx="2">
+        <a:scrgbClr r="0" g="0" b="0"/>
+      </a:lnRef>
+      <a:fillRef idx="1">
+        <a:scrgbClr r="0" g="0" b="0"/>
+      </a:fillRef>
+      <a:effectRef idx="0">
+        <a:scrgbClr r="0" g="0" b="0"/>
+      </a:effectRef>
+      <a:fontRef idx="minor">
+        <a:schemeClr val="lt1"/>
+      </a:fontRef>
+    </dgm:style>
+  </dgm:styleLbl>
+  <dgm:styleLbl name="parChTrans1D1">
+    <dgm:scene3d>
+      <a:camera prst="orthographicFront"/>
+      <a:lightRig rig="threePt" dir="t"/>
+    </dgm:scene3d>
+    <dgm:sp3d/>
+    <dgm:txPr/>
+    <dgm:style>
+      <a:lnRef idx="2">
+        <a:scrgbClr r="0" g="0" b="0"/>
+      </a:lnRef>
+      <a:fillRef idx="0">
+        <a:scrgbClr r="0" g="0" b="0"/>
+      </a:fillRef>
+      <a:effectRef idx="0">
+        <a:scrgbClr r="0" g="0" b="0"/>
+      </a:effectRef>
+      <a:fontRef idx="minor"/>
+    </dgm:style>
+  </dgm:styleLbl>
+  <dgm:styleLbl name="parChTrans1D2">
+    <dgm:scene3d>
+      <a:camera prst="orthographicFront"/>
+      <a:lightRig rig="threePt" dir="t"/>
+    </dgm:scene3d>
+    <dgm:sp3d/>
+    <dgm:txPr/>
+    <dgm:style>
+      <a:lnRef idx="2">
+        <a:scrgbClr r="0" g="0" b="0"/>
+      </a:lnRef>
+      <a:fillRef idx="0">
+        <a:scrgbClr r="0" g="0" b="0"/>
+      </a:fillRef>
+      <a:effectRef idx="0">
+        <a:scrgbClr r="0" g="0" b="0"/>
+      </a:effectRef>
+      <a:fontRef idx="minor"/>
+    </dgm:style>
+  </dgm:styleLbl>
+  <dgm:styleLbl name="parChTrans1D3">
+    <dgm:scene3d>
+      <a:camera prst="orthographicFront"/>
+      <a:lightRig rig="threePt" dir="t"/>
+    </dgm:scene3d>
+    <dgm:sp3d/>
+    <dgm:txPr/>
+    <dgm:style>
+      <a:lnRef idx="2">
+        <a:scrgbClr r="0" g="0" b="0"/>
+      </a:lnRef>
+      <a:fillRef idx="0">
+        <a:scrgbClr r="0" g="0" b="0"/>
+      </a:fillRef>
+      <a:effectRef idx="0">
+        <a:scrgbClr r="0" g="0" b="0"/>
+      </a:effectRef>
+      <a:fontRef idx="minor"/>
+    </dgm:style>
+  </dgm:styleLbl>
+  <dgm:styleLbl name="parChTrans1D4">
+    <dgm:scene3d>
+      <a:camera prst="orthographicFront"/>
+      <a:lightRig rig="threePt" dir="t"/>
+    </dgm:scene3d>
+    <dgm:sp3d/>
+    <dgm:txPr/>
+    <dgm:style>
+      <a:lnRef idx="2">
+        <a:scrgbClr r="0" g="0" b="0"/>
+      </a:lnRef>
+      <a:fillRef idx="0">
+        <a:scrgbClr r="0" g="0" b="0"/>
+      </a:fillRef>
+      <a:effectRef idx="0">
+        <a:scrgbClr r="0" g="0" b="0"/>
+      </a:effectRef>
+      <a:fontRef idx="minor"/>
+    </dgm:style>
+  </dgm:styleLbl>
+  <dgm:styleLbl name="fgAcc1">
+    <dgm:scene3d>
+      <a:camera prst="orthographicFront"/>
+      <a:lightRig rig="threePt" dir="t"/>
+    </dgm:scene3d>
+    <dgm:sp3d/>
+    <dgm:txPr/>
+    <dgm:style>
+      <a:lnRef idx="2">
+        <a:scrgbClr r="0" g="0" b="0"/>
+      </a:lnRef>
+      <a:fillRef idx="1">
+        <a:scrgbClr r="0" g="0" b="0"/>
+      </a:fillRef>
+      <a:effectRef idx="0">
+        <a:scrgbClr r="0" g="0" b="0"/>
+      </a:effectRef>
+      <a:fontRef idx="minor"/>
+    </dgm:style>
+  </dgm:styleLbl>
+  <dgm:styleLbl name="conFgAcc1">
+    <dgm:scene3d>
+      <a:camera prst="orthographicFront"/>
+      <a:lightRig rig="threePt" dir="t"/>
+    </dgm:scene3d>
+    <dgm:sp3d/>
+    <dgm:txPr/>
+    <dgm:style>
+      <a:lnRef idx="2">
+        <a:scrgbClr r="0" g="0" b="0"/>
+      </a:lnRef>
+      <a:fillRef idx="1">
+        <a:scrgbClr r="0" g="0" b="0"/>
+      </a:fillRef>
+      <a:effectRef idx="0">
+        <a:scrgbClr r="0" g="0" b="0"/>
+      </a:effectRef>
+      <a:fontRef idx="minor"/>
+    </dgm:style>
+  </dgm:styleLbl>
+  <dgm:styleLbl name="alignAcc1">
+    <dgm:scene3d>
+      <a:camera prst="orthographicFront"/>
+      <a:lightRig rig="threePt" dir="t"/>
+    </dgm:scene3d>
+    <dgm:sp3d/>
+    <dgm:txPr/>
+    <dgm:style>
+      <a:lnRef idx="2">
+        <a:scrgbClr r="0" g="0" b="0"/>
+      </a:lnRef>
+      <a:fillRef idx="1">
+        <a:scrgbClr r="0" g="0" b="0"/>
+      </a:fillRef>
+      <a:effectRef idx="0">
+        <a:scrgbClr r="0" g="0" b="0"/>
+      </a:effectRef>
+      <a:fontRef idx="minor"/>
+    </dgm:style>
+  </dgm:styleLbl>
+  <dgm:styleLbl name="trAlignAcc1">
+    <dgm:scene3d>
+      <a:camera prst="orthographicFront"/>
+      <a:lightRig rig="threePt" dir="t"/>
+    </dgm:scene3d>
+    <dgm:sp3d/>
+    <dgm:txPr/>
+    <dgm:style>
+      <a:lnRef idx="1">
+        <a:scrgbClr r="0" g="0" b="0"/>
+      </a:lnRef>
+      <a:fillRef idx="1">
+        <a:scrgbClr r="0" g="0" b="0"/>
+      </a:fillRef>
+      <a:effectRef idx="0">
+        <a:scrgbClr r="0" g="0" b="0"/>
+      </a:effectRef>
+      <a:fontRef idx="minor"/>
+    </dgm:style>
+  </dgm:styleLbl>
+  <dgm:styleLbl name="bgAcc1">
+    <dgm:scene3d>
+      <a:camera prst="orthographicFront"/>
+      <a:lightRig rig="threePt" dir="t"/>
+    </dgm:scene3d>
+    <dgm:sp3d/>
+    <dgm:txPr/>
+    <dgm:style>
+      <a:lnRef idx="2">
+        <a:scrgbClr r="0" g="0" b="0"/>
+      </a:lnRef>
+      <a:fillRef idx="1">
+        <a:scrgbClr r="0" g="0" b="0"/>
+      </a:fillRef>
+      <a:effectRef idx="0">
+        <a:scrgbClr r="0" g="0" b="0"/>
+      </a:effectRef>
+      <a:fontRef idx="minor"/>
+    </dgm:style>
+  </dgm:styleLbl>
+  <dgm:styleLbl name="solidFgAcc1">
+    <dgm:scene3d>
+      <a:camera prst="orthographicFront"/>
+      <a:lightRig rig="threePt" dir="t"/>
+    </dgm:scene3d>
+    <dgm:sp3d/>
+    <dgm:txPr/>
+    <dgm:style>
+      <a:lnRef idx="2">
+        <a:scrgbClr r="0" g="0" b="0"/>
+      </a:lnRef>
+      <a:fillRef idx="1">
+        <a:scrgbClr r="0" g="0" b="0"/>
+      </a:fillRef>
+      <a:effectRef idx="0">
+        <a:scrgbClr r="0" g="0" b="0"/>
+      </a:effectRef>
+      <a:fontRef idx="minor"/>
+    </dgm:style>
+  </dgm:styleLbl>
+  <dgm:styleLbl name="solidAlignAcc1">
+    <dgm:scene3d>
+      <a:camera prst="orthographicFront"/>
+      <a:lightRig rig="threePt" dir="t"/>
+    </dgm:scene3d>
+    <dgm:sp3d/>
+    <dgm:txPr/>
+    <dgm:style>
+      <a:lnRef idx="2">
+        <a:scrgbClr r="0" g="0" b="0"/>
+      </a:lnRef>
+      <a:fillRef idx="1">
+        <a:scrgbClr r="0" g="0" b="0"/>
+      </a:fillRef>
+      <a:effectRef idx="0">
+        <a:scrgbClr r="0" g="0" b="0"/>
+      </a:effectRef>
+      <a:fontRef idx="minor"/>
+    </dgm:style>
+  </dgm:styleLbl>
+  <dgm:styleLbl name="solidBgAcc1">
+    <dgm:scene3d>
+      <a:camera prst="orthographicFront"/>
+      <a:lightRig rig="threePt" dir="t"/>
+    </dgm:scene3d>
+    <dgm:sp3d/>
+    <dgm:txPr/>
+    <dgm:style>
+      <a:lnRef idx="2">
+        <a:scrgbClr r="0" g="0" b="0"/>
+      </a:lnRef>
+      <a:fillRef idx="1">
+        <a:scrgbClr r="0" g="0" b="0"/>
+      </a:fillRef>
+      <a:effectRef idx="0">
+        <a:scrgbClr r="0" g="0" b="0"/>
+      </a:effectRef>
+      <a:fontRef idx="minor"/>
+    </dgm:style>
+  </dgm:styleLbl>
+  <dgm:styleLbl name="fgAccFollowNode1">
+    <dgm:scene3d>
+      <a:camera prst="orthographicFront"/>
+      <a:lightRig rig="threePt" dir="t"/>
+    </dgm:scene3d>
+    <dgm:sp3d/>
+    <dgm:txPr/>
+    <dgm:style>
+      <a:lnRef idx="2">
+        <a:scrgbClr r="0" g="0" b="0"/>
+      </a:lnRef>
+      <a:fillRef idx="1">
+        <a:scrgbClr r="0" g="0" b="0"/>
+      </a:fillRef>
+      <a:effectRef idx="0">
+        <a:scrgbClr r="0" g="0" b="0"/>
+      </a:effectRef>
+      <a:fontRef idx="minor"/>
+    </dgm:style>
+  </dgm:styleLbl>
+  <dgm:styleLbl name="alignAccFollowNode1">
+    <dgm:scene3d>
+      <a:camera prst="orthographicFront"/>
+      <a:lightRig rig="threePt" dir="t"/>
+    </dgm:scene3d>
+    <dgm:sp3d/>
+    <dgm:txPr/>
+    <dgm:style>
+      <a:lnRef idx="2">
+        <a:scrgbClr r="0" g="0" b="0"/>
+      </a:lnRef>
+      <a:fillRef idx="1">
+        <a:scrgbClr r="0" g="0" b="0"/>
+      </a:fillRef>
+      <a:effectRef idx="0">
+        <a:scrgbClr r="0" g="0" b="0"/>
+      </a:effectRef>
+      <a:fontRef idx="minor"/>
+    </dgm:style>
+  </dgm:styleLbl>
+  <dgm:styleLbl name="bgAccFollowNode1">
+    <dgm:scene3d>
+      <a:camera prst="orthographicFront"/>
+      <a:lightRig rig="threePt" dir="t"/>
+    </dgm:scene3d>
+    <dgm:sp3d/>
+    <dgm:txPr/>
+    <dgm:style>
+      <a:lnRef idx="2">
+        <a:scrgbClr r="0" g="0" b="0"/>
+      </a:lnRef>
+      <a:fillRef idx="1">
+        <a:scrgbClr r="0" g="0" b="0"/>
+      </a:fillRef>
+      <a:effectRef idx="0">
+        <a:scrgbClr r="0" g="0" b="0"/>
+      </a:effectRef>
+      <a:fontRef idx="minor"/>
+    </dgm:style>
+  </dgm:styleLbl>
+  <dgm:styleLbl name="fgAcc0">
+    <dgm:scene3d>
+      <a:camera prst="orthographicFront"/>
+      <a:lightRig rig="threePt" dir="t"/>
+    </dgm:scene3d>
+    <dgm:sp3d/>
+    <dgm:txPr/>
+    <dgm:style>
+      <a:lnRef idx="2">
+        <a:scrgbClr r="0" g="0" b="0"/>
+      </a:lnRef>
+      <a:fillRef idx="1">
+        <a:scrgbClr r="0" g="0" b="0"/>
+      </a:fillRef>
+      <a:effectRef idx="0">
+        <a:scrgbClr r="0" g="0" b="0"/>
+      </a:effectRef>
+      <a:fontRef idx="minor"/>
+    </dgm:style>
+  </dgm:styleLbl>
+  <dgm:styleLbl name="fgAcc2">
+    <dgm:scene3d>
+      <a:camera prst="orthographicFront"/>
+      <a:lightRig rig="threePt" dir="t"/>
+    </dgm:scene3d>
+    <dgm:sp3d/>
+    <dgm:txPr/>
+    <dgm:style>
+      <a:lnRef idx="2">
+        <a:scrgbClr r="0" g="0" b="0"/>
+      </a:lnRef>
+      <a:fillRef idx="1">
+        <a:scrgbClr r="0" g="0" b="0"/>
+      </a:fillRef>
+      <a:effectRef idx="0">
+        <a:scrgbClr r="0" g="0" b="0"/>
+      </a:effectRef>
+      <a:fontRef idx="minor"/>
+    </dgm:style>
+  </dgm:styleLbl>
+  <dgm:styleLbl name="fgAcc3">
+    <dgm:scene3d>
+      <a:camera prst="orthographicFront"/>
+      <a:lightRig rig="threePt" dir="t"/>
+    </dgm:scene3d>
+    <dgm:sp3d/>
+    <dgm:txPr/>
+    <dgm:style>
+      <a:lnRef idx="2">
+        <a:scrgbClr r="0" g="0" b="0"/>
+      </a:lnRef>
+      <a:fillRef idx="1">
+        <a:scrgbClr r="0" g="0" b="0"/>
+      </a:fillRef>
+      <a:effectRef idx="0">
+        <a:scrgbClr r="0" g="0" b="0"/>
+      </a:effectRef>
+      <a:fontRef idx="minor"/>
+    </dgm:style>
+  </dgm:styleLbl>
+  <dgm:styleLbl name="fgAcc4">
+    <dgm:scene3d>
+      <a:camera prst="orthographicFront"/>
+      <a:lightRig rig="threePt" dir="t"/>
+    </dgm:scene3d>
+    <dgm:sp3d/>
+    <dgm:txPr/>
+    <dgm:style>
+      <a:lnRef idx="2">
+        <a:scrgbClr r="0" g="0" b="0"/>
+      </a:lnRef>
+      <a:fillRef idx="1">
+        <a:scrgbClr r="0" g="0" b="0"/>
+      </a:fillRef>
+      <a:effectRef idx="0">
+        <a:scrgbClr r="0" g="0" b="0"/>
+      </a:effectRef>
+      <a:fontRef idx="minor"/>
+    </dgm:style>
+  </dgm:styleLbl>
+  <dgm:styleLbl name="bgShp">
+    <dgm:scene3d>
+      <a:camera prst="orthographicFront"/>
+      <a:lightRig rig="threePt" dir="t"/>
+    </dgm:scene3d>
+    <dgm:sp3d/>
+    <dgm:txPr/>
+    <dgm:style>
+      <a:lnRef idx="0">
+        <a:scrgbClr r="0" g="0" b="0"/>
+      </a:lnRef>
+      <a:fillRef idx="1">
+        <a:scrgbClr r="0" g="0" b="0"/>
+      </a:fillRef>
+      <a:effectRef idx="0">
+        <a:scrgbClr r="0" g="0" b="0"/>
+      </a:effectRef>
+      <a:fontRef idx="minor"/>
+    </dgm:style>
+  </dgm:styleLbl>
+  <dgm:styleLbl name="dkBgShp">
+    <dgm:scene3d>
+      <a:camera prst="orthographicFront"/>
+      <a:lightRig rig="threePt" dir="t"/>
+    </dgm:scene3d>
+    <dgm:sp3d/>
+    <dgm:txPr/>
+    <dgm:style>
+      <a:lnRef idx="0">
+        <a:scrgbClr r="0" g="0" b="0"/>
+      </a:lnRef>
+      <a:fillRef idx="1">
+        <a:scrgbClr r="0" g="0" b="0"/>
+      </a:fillRef>
+      <a:effectRef idx="0">
+        <a:scrgbClr r="0" g="0" b="0"/>
+      </a:effectRef>
+      <a:fontRef idx="minor"/>
+    </dgm:style>
+  </dgm:styleLbl>
+  <dgm:styleLbl name="trBgShp">
+    <dgm:scene3d>
+      <a:camera prst="orthographicFront"/>
+      <a:lightRig rig="threePt" dir="t"/>
+    </dgm:scene3d>
+    <dgm:sp3d/>
+    <dgm:txPr/>
+    <dgm:style>
+      <a:lnRef idx="0">
+        <a:scrgbClr r="0" g="0" b="0"/>
+      </a:lnRef>
+      <a:fillRef idx="1">
+        <a:scrgbClr r="0" g="0" b="0"/>
+      </a:fillRef>
+      <a:effectRef idx="0">
+        <a:scrgbClr r="0" g="0" b="0"/>
+      </a:effectRef>
+      <a:fontRef idx="minor"/>
+    </dgm:style>
+  </dgm:styleLbl>
+  <dgm:styleLbl name="fgShp">
+    <dgm:scene3d>
+      <a:camera prst="orthographicFront"/>
+      <a:lightRig rig="threePt" dir="t"/>
+    </dgm:scene3d>
+    <dgm:sp3d/>
+    <dgm:txPr/>
+    <dgm:style>
+      <a:lnRef idx="2">
+        <a:scrgbClr r="0" g="0" b="0"/>
+      </a:lnRef>
+      <a:fillRef idx="1">
+        <a:scrgbClr r="0" g="0" b="0"/>
+      </a:fillRef>
+      <a:effectRef idx="0">
+        <a:scrgbClr r="0" g="0" b="0"/>
+      </a:effectRef>
+      <a:fontRef idx="minor"/>
+    </dgm:style>
+  </dgm:styleLbl>
+  <dgm:styleLbl name="revTx">
+    <dgm:scene3d>
+      <a:camera prst="orthographicFront"/>
+      <a:lightRig rig="threePt" dir="t"/>
+    </dgm:scene3d>
+    <dgm:sp3d/>
+    <dgm:txPr/>
+    <dgm:style>
+      <a:lnRef idx="0">
+        <a:scrgbClr r="0" g="0" b="0"/>
+      </a:lnRef>
+      <a:fillRef idx="0">
+        <a:scrgbClr r="0" g="0" b="0"/>
+      </a:fillRef>
+      <a:effectRef idx="0">
+        <a:scrgbClr r="0" g="0" b="0"/>
+      </a:effectRef>
+      <a:fontRef idx="minor"/>
+    </dgm:style>
+  </dgm:styleLbl>
+</dgm:styleDef>
+</file>
+
+<file path=ppt/diagrams/quickStyle2.xml><?xml version="1.0" encoding="utf-8"?>
+<dgm:styleDef xmlns:dgm="http://schemas.openxmlformats.org/drawingml/2006/diagram" xmlns:a="http://schemas.openxmlformats.org/drawingml/2006/main" uniqueId="urn:microsoft.com/office/officeart/2005/8/quickstyle/simple1">
+  <dgm:title val=""/>
+  <dgm:desc val=""/>
+  <dgm:catLst>
+    <dgm:cat type="simple" pri="10100"/>
+  </dgm:catLst>
+  <dgm:scene3d>
+    <a:camera prst="orthographicFront"/>
+    <a:lightRig rig="threePt" dir="t"/>
+  </dgm:scene3d>
+  <dgm:styleLbl name="node0">
+    <dgm:scene3d>
+      <a:camera prst="orthographicFront"/>
+      <a:lightRig rig="threePt" dir="t"/>
+    </dgm:scene3d>
+    <dgm:sp3d/>
+    <dgm:txPr/>
+    <dgm:style>
+      <a:lnRef idx="2">
+        <a:scrgbClr r="0" g="0" b="0"/>
+      </a:lnRef>
+      <a:fillRef idx="1">
+        <a:scrgbClr r="0" g="0" b="0"/>
+      </a:fillRef>
+      <a:effectRef idx="0">
+        <a:scrgbClr r="0" g="0" b="0"/>
+      </a:effectRef>
+      <a:fontRef idx="minor">
+        <a:schemeClr val="lt1"/>
+      </a:fontRef>
+    </dgm:style>
+  </dgm:styleLbl>
+  <dgm:styleLbl name="lnNode1">
+    <dgm:scene3d>
+      <a:camera prst="orthographicFront"/>
+      <a:lightRig rig="threePt" dir="t"/>
+    </dgm:scene3d>
+    <dgm:sp3d/>
+    <dgm:txPr/>
+    <dgm:style>
+      <a:lnRef idx="2">
+        <a:scrgbClr r="0" g="0" b="0"/>
+      </a:lnRef>
+      <a:fillRef idx="1">
+        <a:scrgbClr r="0" g="0" b="0"/>
+      </a:fillRef>
+      <a:effectRef idx="0">
+        <a:scrgbClr r="0" g="0" b="0"/>
+      </a:effectRef>
+      <a:fontRef idx="minor">
+        <a:schemeClr val="lt1"/>
+      </a:fontRef>
+    </dgm:style>
+  </dgm:styleLbl>
+  <dgm:styleLbl name="vennNode1">
+    <dgm:scene3d>
+      <a:camera prst="orthographicFront"/>
+      <a:lightRig rig="threePt" dir="t"/>
+    </dgm:scene3d>
+    <dgm:sp3d/>
+    <dgm:txPr/>
+    <dgm:style>
+      <a:lnRef idx="2">
+        <a:scrgbClr r="0" g="0" b="0"/>
+      </a:lnRef>
+      <a:fillRef idx="1">
+        <a:scrgbClr r="0" g="0" b="0"/>
+      </a:fillRef>
+      <a:effectRef idx="0">
+        <a:scrgbClr r="0" g="0" b="0"/>
+      </a:effectRef>
+      <a:fontRef idx="minor">
+        <a:schemeClr val="tx1"/>
+      </a:fontRef>
+    </dgm:style>
+  </dgm:styleLbl>
+  <dgm:styleLbl name="alignNode1">
+    <dgm:scene3d>
+      <a:camera prst="orthographicFront"/>
+      <a:lightRig rig="threePt" dir="t"/>
+    </dgm:scene3d>
+    <dgm:sp3d/>
+    <dgm:txPr/>
+    <dgm:style>
+      <a:lnRef idx="2">
+        <a:scrgbClr r="0" g="0" b="0"/>
+      </a:lnRef>
+      <a:fillRef idx="1">
+        <a:scrgbClr r="0" g="0" b="0"/>
+      </a:fillRef>
+      <a:effectRef idx="0">
+        <a:scrgbClr r="0" g="0" b="0"/>
+      </a:effectRef>
+      <a:fontRef idx="minor">
+        <a:schemeClr val="lt1"/>
+      </a:fontRef>
+    </dgm:style>
+  </dgm:styleLbl>
+  <dgm:styleLbl name="node1">
+    <dgm:scene3d>
+      <a:camera prst="orthographicFront"/>
+      <a:lightRig rig="threePt" dir="t"/>
+    </dgm:scene3d>
+    <dgm:sp3d/>
+    <dgm:txPr/>
+    <dgm:style>
+      <a:lnRef idx="2">
+        <a:scrgbClr r="0" g="0" b="0"/>
+      </a:lnRef>
+      <a:fillRef idx="1">
+        <a:scrgbClr r="0" g="0" b="0"/>
+      </a:fillRef>
+      <a:effectRef idx="0">
+        <a:scrgbClr r="0" g="0" b="0"/>
+      </a:effectRef>
+      <a:fontRef idx="minor">
+        <a:schemeClr val="lt1"/>
+      </a:fontRef>
+    </dgm:style>
+  </dgm:styleLbl>
+  <dgm:styleLbl name="node2">
+    <dgm:scene3d>
+      <a:camera prst="orthographicFront"/>
+      <a:lightRig rig="threePt" dir="t"/>
+    </dgm:scene3d>
+    <dgm:sp3d/>
+    <dgm:txPr/>
+    <dgm:style>
+      <a:lnRef idx="2">
+        <a:scrgbClr r="0" g="0" b="0"/>
+      </a:lnRef>
+      <a:fillRef idx="1">
+        <a:scrgbClr r="0" g="0" b="0"/>
+      </a:fillRef>
+      <a:effectRef idx="0">
+        <a:scrgbClr r="0" g="0" b="0"/>
+      </a:effectRef>
+      <a:fontRef idx="minor">
+        <a:schemeClr val="lt1"/>
+      </a:fontRef>
+    </dgm:style>
+  </dgm:styleLbl>
+  <dgm:styleLbl name="node3">
+    <dgm:scene3d>
+      <a:camera prst="orthographicFront"/>
+      <a:lightRig rig="threePt" dir="t"/>
+    </dgm:scene3d>
+    <dgm:sp3d/>
+    <dgm:txPr/>
+    <dgm:style>
+      <a:lnRef idx="2">
+        <a:scrgbClr r="0" g="0" b="0"/>
+      </a:lnRef>
+      <a:fillRef idx="1">
+        <a:scrgbClr r="0" g="0" b="0"/>
+      </a:fillRef>
+      <a:effectRef idx="0">
+        <a:scrgbClr r="0" g="0" b="0"/>
+      </a:effectRef>
+      <a:fontRef idx="minor">
+        <a:schemeClr val="lt1"/>
+      </a:fontRef>
+    </dgm:style>
+  </dgm:styleLbl>
+  <dgm:styleLbl name="node4">
+    <dgm:scene3d>
+      <a:camera prst="orthographicFront"/>
+      <a:lightRig rig="threePt" dir="t"/>
+    </dgm:scene3d>
+    <dgm:sp3d/>
+    <dgm:txPr/>
+    <dgm:style>
+      <a:lnRef idx="2">
+        <a:scrgbClr r="0" g="0" b="0"/>
+      </a:lnRef>
+      <a:fillRef idx="1">
+        <a:scrgbClr r="0" g="0" b="0"/>
+      </a:fillRef>
+      <a:effectRef idx="0">
+        <a:scrgbClr r="0" g="0" b="0"/>
+      </a:effectRef>
+      <a:fontRef idx="minor">
+        <a:schemeClr val="lt1"/>
+      </a:fontRef>
+    </dgm:style>
+  </dgm:styleLbl>
+  <dgm:styleLbl name="fgImgPlace1">
+    <dgm:scene3d>
+      <a:camera prst="orthographicFront"/>
+      <a:lightRig rig="threePt" dir="t"/>
+    </dgm:scene3d>
+    <dgm:sp3d/>
+    <dgm:txPr/>
+    <dgm:style>
+      <a:lnRef idx="2">
+        <a:scrgbClr r="0" g="0" b="0"/>
+      </a:lnRef>
+      <a:fillRef idx="1">
+        <a:scrgbClr r="0" g="0" b="0"/>
+      </a:fillRef>
+      <a:effectRef idx="0">
+        <a:scrgbClr r="0" g="0" b="0"/>
+      </a:effectRef>
+      <a:fontRef idx="minor"/>
+    </dgm:style>
+  </dgm:styleLbl>
+  <dgm:styleLbl name="alignImgPlace1">
+    <dgm:scene3d>
+      <a:camera prst="orthographicFront"/>
+      <a:lightRig rig="threePt" dir="t"/>
+    </dgm:scene3d>
+    <dgm:sp3d/>
+    <dgm:txPr/>
+    <dgm:style>
+      <a:lnRef idx="2">
+        <a:scrgbClr r="0" g="0" b="0"/>
+      </a:lnRef>
+      <a:fillRef idx="1">
+        <a:scrgbClr r="0" g="0" b="0"/>
+      </a:fillRef>
+      <a:effectRef idx="0">
+        <a:scrgbClr r="0" g="0" b="0"/>
+      </a:effectRef>
+      <a:fontRef idx="minor"/>
+    </dgm:style>
+  </dgm:styleLbl>
+  <dgm:styleLbl name="bgImgPlace1">
+    <dgm:scene3d>
+      <a:camera prst="orthographicFront"/>
+      <a:lightRig rig="threePt" dir="t"/>
+    </dgm:scene3d>
+    <dgm:sp3d/>
+    <dgm:txPr/>
+    <dgm:style>
+      <a:lnRef idx="2">
+        <a:scrgbClr r="0" g="0" b="0"/>
+      </a:lnRef>
+      <a:fillRef idx="1">
+        <a:scrgbClr r="0" g="0" b="0"/>
+      </a:fillRef>
+      <a:effectRef idx="0">
+        <a:scrgbClr r="0" g="0" b="0"/>
+      </a:effectRef>
+      <a:fontRef idx="minor"/>
+    </dgm:style>
+  </dgm:styleLbl>
+  <dgm:styleLbl name="sibTrans2D1">
+    <dgm:scene3d>
+      <a:camera prst="orthographicFront"/>
+      <a:lightRig rig="threePt" dir="t"/>
+    </dgm:scene3d>
+    <dgm:sp3d/>
+    <dgm:txPr/>
+    <dgm:style>
+      <a:lnRef idx="0">
+        <a:scrgbClr r="0" g="0" b="0"/>
+      </a:lnRef>
+      <a:fillRef idx="1">
+        <a:scrgbClr r="0" g="0" b="0"/>
+      </a:fillRef>
+      <a:effectRef idx="0">
+        <a:scrgbClr r="0" g="0" b="0"/>
+      </a:effectRef>
+      <a:fontRef idx="minor">
+        <a:schemeClr val="lt1"/>
+      </a:fontRef>
+    </dgm:style>
+  </dgm:styleLbl>
+  <dgm:styleLbl name="fgSibTrans2D1">
+    <dgm:scene3d>
+      <a:camera prst="orthographicFront"/>
+      <a:lightRig rig="threePt" dir="t"/>
+    </dgm:scene3d>
+    <dgm:sp3d/>
+    <dgm:txPr/>
+    <dgm:style>
+      <a:lnRef idx="0">
+        <a:scrgbClr r="0" g="0" b="0"/>
+      </a:lnRef>
+      <a:fillRef idx="1">
+        <a:scrgbClr r="0" g="0" b="0"/>
+      </a:fillRef>
+      <a:effectRef idx="0">
+        <a:scrgbClr r="0" g="0" b="0"/>
+      </a:effectRef>
+      <a:fontRef idx="minor">
+        <a:schemeClr val="lt1"/>
+      </a:fontRef>
+    </dgm:style>
+  </dgm:styleLbl>
+  <dgm:styleLbl name="bgSibTrans2D1">
+    <dgm:scene3d>
+      <a:camera prst="orthographicFront"/>
+      <a:lightRig rig="threePt" dir="t"/>
+    </dgm:scene3d>
+    <dgm:sp3d/>
+    <dgm:txPr/>
+    <dgm:style>
+      <a:lnRef idx="0">
+        <a:scrgbClr r="0" g="0" b="0"/>
+      </a:lnRef>
+      <a:fillRef idx="1">
+        <a:scrgbClr r="0" g="0" b="0"/>
+      </a:fillRef>
+      <a:effectRef idx="0">
+        <a:scrgbClr r="0" g="0" b="0"/>
+      </a:effectRef>
+      <a:fontRef idx="minor">
+        <a:schemeClr val="lt1"/>
+      </a:fontRef>
+    </dgm:style>
+  </dgm:styleLbl>
+  <dgm:styleLbl name="sibTrans1D1">
+    <dgm:scene3d>
+      <a:camera prst="orthographicFront"/>
+      <a:lightRig rig="threePt" dir="t"/>
+    </dgm:scene3d>
+    <dgm:sp3d/>
+    <dgm:txPr/>
+    <dgm:style>
+      <a:lnRef idx="1">
+        <a:scrgbClr r="0" g="0" b="0"/>
+      </a:lnRef>
+      <a:fillRef idx="0">
+        <a:scrgbClr r="0" g="0" b="0"/>
+      </a:fillRef>
+      <a:effectRef idx="0">
+        <a:scrgbClr r="0" g="0" b="0"/>
+      </a:effectRef>
+      <a:fontRef idx="minor"/>
+    </dgm:style>
+  </dgm:styleLbl>
+  <dgm:styleLbl name="callout">
+    <dgm:scene3d>
+      <a:camera prst="orthographicFront"/>
+      <a:lightRig rig="threePt" dir="t"/>
+    </dgm:scene3d>
+    <dgm:sp3d/>
+    <dgm:txPr/>
+    <dgm:style>
+      <a:lnRef idx="2">
+        <a:scrgbClr r="0" g="0" b="0"/>
+      </a:lnRef>
+      <a:fillRef idx="1">
+        <a:scrgbClr r="0" g="0" b="0"/>
+      </a:fillRef>
+      <a:effectRef idx="0">
+        <a:scrgbClr r="0" g="0" b="0"/>
+      </a:effectRef>
+      <a:fontRef idx="minor"/>
+    </dgm:style>
+  </dgm:styleLbl>
+  <dgm:styleLbl name="asst0">
+    <dgm:scene3d>
+      <a:camera prst="orthographicFront"/>
+      <a:lightRig rig="threePt" dir="t"/>
+    </dgm:scene3d>
+    <dgm:sp3d/>
+    <dgm:txPr/>
+    <dgm:style>
+      <a:lnRef idx="2">
+        <a:scrgbClr r="0" g="0" b="0"/>
+      </a:lnRef>
+      <a:fillRef idx="1">
+        <a:scrgbClr r="0" g="0" b="0"/>
+      </a:fillRef>
+      <a:effectRef idx="0">
+        <a:scrgbClr r="0" g="0" b="0"/>
+      </a:effectRef>
+      <a:fontRef idx="minor">
+        <a:schemeClr val="lt1"/>
+      </a:fontRef>
+    </dgm:style>
+  </dgm:styleLbl>
+  <dgm:styleLbl name="asst1">
+    <dgm:scene3d>
+      <a:camera prst="orthographicFront"/>
+      <a:lightRig rig="threePt" dir="t"/>
+    </dgm:scene3d>
+    <dgm:sp3d/>
+    <dgm:txPr/>
+    <dgm:style>
+      <a:lnRef idx="2">
+        <a:scrgbClr r="0" g="0" b="0"/>
+      </a:lnRef>
+      <a:fillRef idx="1">
+        <a:scrgbClr r="0" g="0" b="0"/>
+      </a:fillRef>
+      <a:effectRef idx="0">
+        <a:scrgbClr r="0" g="0" b="0"/>
+      </a:effectRef>
+      <a:fontRef idx="minor">
+        <a:schemeClr val="lt1"/>
+      </a:fontRef>
+    </dgm:style>
+  </dgm:styleLbl>
+  <dgm:styleLbl name="asst2">
+    <dgm:scene3d>
+      <a:camera prst="orthographicFront"/>
+      <a:lightRig rig="threePt" dir="t"/>
+    </dgm:scene3d>
+    <dgm:sp3d/>
+    <dgm:txPr/>
+    <dgm:style>
+      <a:lnRef idx="2">
+        <a:scrgbClr r="0" g="0" b="0"/>
+      </a:lnRef>
+      <a:fillRef idx="1">
+        <a:scrgbClr r="0" g="0" b="0"/>
+      </a:fillRef>
+      <a:effectRef idx="0">
+        <a:scrgbClr r="0" g="0" b="0"/>
+      </a:effectRef>
+      <a:fontRef idx="minor">
+        <a:schemeClr val="lt1"/>
+      </a:fontRef>
+    </dgm:style>
+  </dgm:styleLbl>
+  <dgm:styleLbl name="asst3">
+    <dgm:scene3d>
+      <a:camera prst="orthographicFront"/>
+      <a:lightRig rig="threePt" dir="t"/>
+    </dgm:scene3d>
+    <dgm:sp3d/>
+    <dgm:txPr/>
+    <dgm:style>
+      <a:lnRef idx="2">
+        <a:scrgbClr r="0" g="0" b="0"/>
+      </a:lnRef>
+      <a:fillRef idx="1">
+        <a:scrgbClr r="0" g="0" b="0"/>
+      </a:fillRef>
+      <a:effectRef idx="0">
+        <a:scrgbClr r="0" g="0" b="0"/>
+      </a:effectRef>
+      <a:fontRef idx="minor">
+        <a:schemeClr val="lt1"/>
+      </a:fontRef>
+    </dgm:style>
+  </dgm:styleLbl>
+  <dgm:styleLbl name="asst4">
+    <dgm:scene3d>
+      <a:camera prst="orthographicFront"/>
+      <a:lightRig rig="threePt" dir="t"/>
+    </dgm:scene3d>
+    <dgm:sp3d/>
+    <dgm:txPr/>
+    <dgm:style>
+      <a:lnRef idx="2">
+        <a:scrgbClr r="0" g="0" b="0"/>
+      </a:lnRef>
+      <a:fillRef idx="1">
+        <a:scrgbClr r="0" g="0" b="0"/>
+      </a:fillRef>
+      <a:effectRef idx="0">
+        <a:scrgbClr r="0" g="0" b="0"/>
+      </a:effectRef>
+      <a:fontRef idx="minor">
+        <a:schemeClr val="lt1"/>
+      </a:fontRef>
+    </dgm:style>
+  </dgm:styleLbl>
+  <dgm:styleLbl name="parChTrans2D1">
+    <dgm:scene3d>
+      <a:camera prst="orthographicFront"/>
+      <a:lightRig rig="threePt" dir="t"/>
+    </dgm:scene3d>
+    <dgm:sp3d/>
+    <dgm:txPr/>
+    <dgm:style>
+      <a:lnRef idx="2">
+        <a:scrgbClr r="0" g="0" b="0"/>
+      </a:lnRef>
+      <a:fillRef idx="1">
+        <a:scrgbClr r="0" g="0" b="0"/>
+      </a:fillRef>
+      <a:effectRef idx="0">
+        <a:scrgbClr r="0" g="0" b="0"/>
+      </a:effectRef>
+      <a:fontRef idx="minor">
+        <a:schemeClr val="lt1"/>
+      </a:fontRef>
+    </dgm:style>
+  </dgm:styleLbl>
+  <dgm:styleLbl name="parChTrans2D2">
+    <dgm:scene3d>
+      <a:camera prst="orthographicFront"/>
+      <a:lightRig rig="threePt" dir="t"/>
+    </dgm:scene3d>
+    <dgm:sp3d/>
+    <dgm:txPr/>
+    <dgm:style>
+      <a:lnRef idx="2">
+        <a:scrgbClr r="0" g="0" b="0"/>
+      </a:lnRef>
+      <a:fillRef idx="1">
+        <a:scrgbClr r="0" g="0" b="0"/>
+      </a:fillRef>
+      <a:effectRef idx="0">
+        <a:scrgbClr r="0" g="0" b="0"/>
+      </a:effectRef>
+      <a:fontRef idx="minor">
+        <a:schemeClr val="lt1"/>
+      </a:fontRef>
+    </dgm:style>
+  </dgm:styleLbl>
+  <dgm:styleLbl name="parChTrans2D3">
+    <dgm:scene3d>
+      <a:camera prst="orthographicFront"/>
+      <a:lightRig rig="threePt" dir="t"/>
+    </dgm:scene3d>
+    <dgm:sp3d/>
+    <dgm:txPr/>
+    <dgm:style>
+      <a:lnRef idx="2">
+        <a:scrgbClr r="0" g="0" b="0"/>
+      </a:lnRef>
+      <a:fillRef idx="1">
+        <a:scrgbClr r="0" g="0" b="0"/>
+      </a:fillRef>
+      <a:effectRef idx="0">
+        <a:scrgbClr r="0" g="0" b="0"/>
+      </a:effectRef>
+      <a:fontRef idx="minor">
+        <a:schemeClr val="lt1"/>
+      </a:fontRef>
+    </dgm:style>
+  </dgm:styleLbl>
+  <dgm:styleLbl name="parChTrans2D4">
+    <dgm:scene3d>
+      <a:camera prst="orthographicFront"/>
+      <a:lightRig rig="threePt" dir="t"/>
+    </dgm:scene3d>
+    <dgm:sp3d/>
+    <dgm:txPr/>
+    <dgm:style>
+      <a:lnRef idx="2">
+        <a:scrgbClr r="0" g="0" b="0"/>
+      </a:lnRef>
+      <a:fillRef idx="1">
+        <a:scrgbClr r="0" g="0" b="0"/>
+      </a:fillRef>
+      <a:effectRef idx="0">
+        <a:scrgbClr r="0" g="0" b="0"/>
+      </a:effectRef>
+      <a:fontRef idx="minor">
+        <a:schemeClr val="lt1"/>
+      </a:fontRef>
+    </dgm:style>
+  </dgm:styleLbl>
+  <dgm:styleLbl name="parChTrans1D1">
+    <dgm:scene3d>
+      <a:camera prst="orthographicFront"/>
+      <a:lightRig rig="threePt" dir="t"/>
+    </dgm:scene3d>
+    <dgm:sp3d/>
+    <dgm:txPr/>
+    <dgm:style>
+      <a:lnRef idx="2">
+        <a:scrgbClr r="0" g="0" b="0"/>
+      </a:lnRef>
+      <a:fillRef idx="0">
+        <a:scrgbClr r="0" g="0" b="0"/>
+      </a:fillRef>
+      <a:effectRef idx="0">
+        <a:scrgbClr r="0" g="0" b="0"/>
+      </a:effectRef>
+      <a:fontRef idx="minor"/>
+    </dgm:style>
+  </dgm:styleLbl>
+  <dgm:styleLbl name="parChTrans1D2">
+    <dgm:scene3d>
+      <a:camera prst="orthographicFront"/>
+      <a:lightRig rig="threePt" dir="t"/>
+    </dgm:scene3d>
+    <dgm:sp3d/>
+    <dgm:txPr/>
+    <dgm:style>
+      <a:lnRef idx="2">
+        <a:scrgbClr r="0" g="0" b="0"/>
+      </a:lnRef>
+      <a:fillRef idx="0">
+        <a:scrgbClr r="0" g="0" b="0"/>
+      </a:fillRef>
+      <a:effectRef idx="0">
+        <a:scrgbClr r="0" g="0" b="0"/>
+      </a:effectRef>
+      <a:fontRef idx="minor"/>
+    </dgm:style>
+  </dgm:styleLbl>
+  <dgm:styleLbl name="parChTrans1D3">
+    <dgm:scene3d>
+      <a:camera prst="orthographicFront"/>
+      <a:lightRig rig="threePt" dir="t"/>
+    </dgm:scene3d>
+    <dgm:sp3d/>
+    <dgm:txPr/>
+    <dgm:style>
+      <a:lnRef idx="2">
+        <a:scrgbClr r="0" g="0" b="0"/>
+      </a:lnRef>
+      <a:fillRef idx="0">
+        <a:scrgbClr r="0" g="0" b="0"/>
+      </a:fillRef>
+      <a:effectRef idx="0">
+        <a:scrgbClr r="0" g="0" b="0"/>
+      </a:effectRef>
+      <a:fontRef idx="minor"/>
+    </dgm:style>
+  </dgm:styleLbl>
+  <dgm:styleLbl name="parChTrans1D4">
+    <dgm:scene3d>
+      <a:camera prst="orthographicFront"/>
+      <a:lightRig rig="threePt" dir="t"/>
+    </dgm:scene3d>
+    <dgm:sp3d/>
+    <dgm:txPr/>
+    <dgm:style>
+      <a:lnRef idx="2">
+        <a:scrgbClr r="0" g="0" b="0"/>
+      </a:lnRef>
+      <a:fillRef idx="0">
+        <a:scrgbClr r="0" g="0" b="0"/>
+      </a:fillRef>
+      <a:effectRef idx="0">
+        <a:scrgbClr r="0" g="0" b="0"/>
+      </a:effectRef>
+      <a:fontRef idx="minor"/>
+    </dgm:style>
+  </dgm:styleLbl>
+  <dgm:styleLbl name="fgAcc1">
+    <dgm:scene3d>
+      <a:camera prst="orthographicFront"/>
+      <a:lightRig rig="threePt" dir="t"/>
+    </dgm:scene3d>
+    <dgm:sp3d/>
+    <dgm:txPr/>
+    <dgm:style>
+      <a:lnRef idx="2">
+        <a:scrgbClr r="0" g="0" b="0"/>
+      </a:lnRef>
+      <a:fillRef idx="1">
+        <a:scrgbClr r="0" g="0" b="0"/>
+      </a:fillRef>
+      <a:effectRef idx="0">
+        <a:scrgbClr r="0" g="0" b="0"/>
+      </a:effectRef>
+      <a:fontRef idx="minor"/>
+    </dgm:style>
+  </dgm:styleLbl>
+  <dgm:styleLbl name="conFgAcc1">
+    <dgm:scene3d>
+      <a:camera prst="orthographicFront"/>
+      <a:lightRig rig="threePt" dir="t"/>
+    </dgm:scene3d>
+    <dgm:sp3d/>
+    <dgm:txPr/>
+    <dgm:style>
+      <a:lnRef idx="2">
+        <a:scrgbClr r="0" g="0" b="0"/>
+      </a:lnRef>
+      <a:fillRef idx="1">
+        <a:scrgbClr r="0" g="0" b="0"/>
+      </a:fillRef>
+      <a:effectRef idx="0">
+        <a:scrgbClr r="0" g="0" b="0"/>
+      </a:effectRef>
+      <a:fontRef idx="minor"/>
+    </dgm:style>
+  </dgm:styleLbl>
+  <dgm:styleLbl name="alignAcc1">
+    <dgm:scene3d>
+      <a:camera prst="orthographicFront"/>
+      <a:lightRig rig="threePt" dir="t"/>
+    </dgm:scene3d>
+    <dgm:sp3d/>
+    <dgm:txPr/>
+    <dgm:style>
+      <a:lnRef idx="2">
+        <a:scrgbClr r="0" g="0" b="0"/>
+      </a:lnRef>
+      <a:fillRef idx="1">
+        <a:scrgbClr r="0" g="0" b="0"/>
+      </a:fillRef>
+      <a:effectRef idx="0">
+        <a:scrgbClr r="0" g="0" b="0"/>
+      </a:effectRef>
+      <a:fontRef idx="minor"/>
+    </dgm:style>
+  </dgm:styleLbl>
+  <dgm:styleLbl name="trAlignAcc1">
+    <dgm:scene3d>
+      <a:camera prst="orthographicFront"/>
+      <a:lightRig rig="threePt" dir="t"/>
+    </dgm:scene3d>
+    <dgm:sp3d/>
+    <dgm:txPr/>
+    <dgm:style>
+      <a:lnRef idx="1">
+        <a:scrgbClr r="0" g="0" b="0"/>
+      </a:lnRef>
+      <a:fillRef idx="1">
+        <a:scrgbClr r="0" g="0" b="0"/>
+      </a:fillRef>
+      <a:effectRef idx="0">
+        <a:scrgbClr r="0" g="0" b="0"/>
+      </a:effectRef>
+      <a:fontRef idx="minor"/>
+    </dgm:style>
+  </dgm:styleLbl>
+  <dgm:styleLbl name="bgAcc1">
+    <dgm:scene3d>
+      <a:camera prst="orthographicFront"/>
+      <a:lightRig rig="threePt" dir="t"/>
+    </dgm:scene3d>
+    <dgm:sp3d/>
+    <dgm:txPr/>
+    <dgm:style>
+      <a:lnRef idx="2">
+        <a:scrgbClr r="0" g="0" b="0"/>
+      </a:lnRef>
+      <a:fillRef idx="1">
+        <a:scrgbClr r="0" g="0" b="0"/>
+      </a:fillRef>
+      <a:effectRef idx="0">
+        <a:scrgbClr r="0" g="0" b="0"/>
+      </a:effectRef>
+      <a:fontRef idx="minor"/>
+    </dgm:style>
+  </dgm:styleLbl>
+  <dgm:styleLbl name="solidFgAcc1">
+    <dgm:scene3d>
+      <a:camera prst="orthographicFront"/>
+      <a:lightRig rig="threePt" dir="t"/>
+    </dgm:scene3d>
+    <dgm:sp3d/>
+    <dgm:txPr/>
+    <dgm:style>
+      <a:lnRef idx="2">
+        <a:scrgbClr r="0" g="0" b="0"/>
+      </a:lnRef>
+      <a:fillRef idx="1">
+        <a:scrgbClr r="0" g="0" b="0"/>
+      </a:fillRef>
+      <a:effectRef idx="0">
+        <a:scrgbClr r="0" g="0" b="0"/>
+      </a:effectRef>
+      <a:fontRef idx="minor"/>
+    </dgm:style>
+  </dgm:styleLbl>
+  <dgm:styleLbl name="solidAlignAcc1">
+    <dgm:scene3d>
+      <a:camera prst="orthographicFront"/>
+      <a:lightRig rig="threePt" dir="t"/>
+    </dgm:scene3d>
+    <dgm:sp3d/>
+    <dgm:txPr/>
+    <dgm:style>
+      <a:lnRef idx="2">
+        <a:scrgbClr r="0" g="0" b="0"/>
+      </a:lnRef>
+      <a:fillRef idx="1">
+        <a:scrgbClr r="0" g="0" b="0"/>
+      </a:fillRef>
+      <a:effectRef idx="0">
+        <a:scrgbClr r="0" g="0" b="0"/>
+      </a:effectRef>
+      <a:fontRef idx="minor"/>
+    </dgm:style>
+  </dgm:styleLbl>
+  <dgm:styleLbl name="solidBgAcc1">
+    <dgm:scene3d>
+      <a:camera prst="orthographicFront"/>
+      <a:lightRig rig="threePt" dir="t"/>
+    </dgm:scene3d>
+    <dgm:sp3d/>
+    <dgm:txPr/>
+    <dgm:style>
+      <a:lnRef idx="2">
+        <a:scrgbClr r="0" g="0" b="0"/>
+      </a:lnRef>
+      <a:fillRef idx="1">
+        <a:scrgbClr r="0" g="0" b="0"/>
+      </a:fillRef>
+      <a:effectRef idx="0">
+        <a:scrgbClr r="0" g="0" b="0"/>
+      </a:effectRef>
+      <a:fontRef idx="minor"/>
+    </dgm:style>
+  </dgm:styleLbl>
+  <dgm:styleLbl name="fgAccFollowNode1">
+    <dgm:scene3d>
+      <a:camera prst="orthographicFront"/>
+      <a:lightRig rig="threePt" dir="t"/>
+    </dgm:scene3d>
+    <dgm:sp3d/>
+    <dgm:txPr/>
+    <dgm:style>
+      <a:lnRef idx="2">
+        <a:scrgbClr r="0" g="0" b="0"/>
+      </a:lnRef>
+      <a:fillRef idx="1">
+        <a:scrgbClr r="0" g="0" b="0"/>
+      </a:fillRef>
+      <a:effectRef idx="0">
+        <a:scrgbClr r="0" g="0" b="0"/>
+      </a:effectRef>
+      <a:fontRef idx="minor"/>
+    </dgm:style>
+  </dgm:styleLbl>
+  <dgm:styleLbl name="alignAccFollowNode1">
+    <dgm:scene3d>
+      <a:camera prst="orthographicFront"/>
+      <a:lightRig rig="threePt" dir="t"/>
+    </dgm:scene3d>
+    <dgm:sp3d/>
+    <dgm:txPr/>
+    <dgm:style>
+      <a:lnRef idx="2">
+        <a:scrgbClr r="0" g="0" b="0"/>
+      </a:lnRef>
+      <a:fillRef idx="1">
+        <a:scrgbClr r="0" g="0" b="0"/>
+      </a:fillRef>
+      <a:effectRef idx="0">
+        <a:scrgbClr r="0" g="0" b="0"/>
+      </a:effectRef>
+      <a:fontRef idx="minor"/>
+    </dgm:style>
+  </dgm:styleLbl>
+  <dgm:styleLbl name="bgAccFollowNode1">
+    <dgm:scene3d>
+      <a:camera prst="orthographicFront"/>
+      <a:lightRig rig="threePt" dir="t"/>
+    </dgm:scene3d>
+    <dgm:sp3d/>
+    <dgm:txPr/>
+    <dgm:style>
+      <a:lnRef idx="2">
+        <a:scrgbClr r="0" g="0" b="0"/>
+      </a:lnRef>
+      <a:fillRef idx="1">
+        <a:scrgbClr r="0" g="0" b="0"/>
+      </a:fillRef>
+      <a:effectRef idx="0">
+        <a:scrgbClr r="0" g="0" b="0"/>
+      </a:effectRef>
+      <a:fontRef idx="minor"/>
+    </dgm:style>
+  </dgm:styleLbl>
+  <dgm:styleLbl name="fgAcc0">
+    <dgm:scene3d>
+      <a:camera prst="orthographicFront"/>
+      <a:lightRig rig="threePt" dir="t"/>
+    </dgm:scene3d>
+    <dgm:sp3d/>
+    <dgm:txPr/>
+    <dgm:style>
+      <a:lnRef idx="2">
+        <a:scrgbClr r="0" g="0" b="0"/>
+      </a:lnRef>
+      <a:fillRef idx="1">
+        <a:scrgbClr r="0" g="0" b="0"/>
+      </a:fillRef>
+      <a:effectRef idx="0">
+        <a:scrgbClr r="0" g="0" b="0"/>
+      </a:effectRef>
+      <a:fontRef idx="minor"/>
+    </dgm:style>
+  </dgm:styleLbl>
+  <dgm:styleLbl name="fgAcc2">
+    <dgm:scene3d>
+      <a:camera prst="orthographicFront"/>
+      <a:lightRig rig="threePt" dir="t"/>
+    </dgm:scene3d>
+    <dgm:sp3d/>
+    <dgm:txPr/>
+    <dgm:style>
+      <a:lnRef idx="2">
+        <a:scrgbClr r="0" g="0" b="0"/>
+      </a:lnRef>
+      <a:fillRef idx="1">
+        <a:scrgbClr r="0" g="0" b="0"/>
+      </a:fillRef>
+      <a:effectRef idx="0">
+        <a:scrgbClr r="0" g="0" b="0"/>
+      </a:effectRef>
+      <a:fontRef idx="minor"/>
+    </dgm:style>
+  </dgm:styleLbl>
+  <dgm:styleLbl name="fgAcc3">
+    <dgm:scene3d>
+      <a:camera prst="orthographicFront"/>
+      <a:lightRig rig="threePt" dir="t"/>
+    </dgm:scene3d>
+    <dgm:sp3d/>
+    <dgm:txPr/>
+    <dgm:style>
+      <a:lnRef idx="2">
+        <a:scrgbClr r="0" g="0" b="0"/>
+      </a:lnRef>
+      <a:fillRef idx="1">
+        <a:scrgbClr r="0" g="0" b="0"/>
+      </a:fillRef>
+      <a:effectRef idx="0">
+        <a:scrgbClr r="0" g="0" b="0"/>
+      </a:effectRef>
+      <a:fontRef idx="minor"/>
+    </dgm:style>
+  </dgm:styleLbl>
+  <dgm:styleLbl name="fgAcc4">
+    <dgm:scene3d>
+      <a:camera prst="orthographicFront"/>
+      <a:lightRig rig="threePt" dir="t"/>
+    </dgm:scene3d>
+    <dgm:sp3d/>
+    <dgm:txPr/>
+    <dgm:style>
+      <a:lnRef idx="2">
+        <a:scrgbClr r="0" g="0" b="0"/>
+      </a:lnRef>
+      <a:fillRef idx="1">
+        <a:scrgbClr r="0" g="0" b="0"/>
+      </a:fillRef>
+      <a:effectRef idx="0">
+        <a:scrgbClr r="0" g="0" b="0"/>
+      </a:effectRef>
+      <a:fontRef idx="minor"/>
+    </dgm:style>
+  </dgm:styleLbl>
+  <dgm:styleLbl name="bgShp">
+    <dgm:scene3d>
+      <a:camera prst="orthographicFront"/>
+      <a:lightRig rig="threePt" dir="t"/>
+    </dgm:scene3d>
+    <dgm:sp3d/>
+    <dgm:txPr/>
+    <dgm:style>
+      <a:lnRef idx="0">
+        <a:scrgbClr r="0" g="0" b="0"/>
+      </a:lnRef>
+      <a:fillRef idx="1">
+        <a:scrgbClr r="0" g="0" b="0"/>
+      </a:fillRef>
+      <a:effectRef idx="0">
+        <a:scrgbClr r="0" g="0" b="0"/>
+      </a:effectRef>
+      <a:fontRef idx="minor"/>
+    </dgm:style>
+  </dgm:styleLbl>
+  <dgm:styleLbl name="dkBgShp">
+    <dgm:scene3d>
+      <a:camera prst="orthographicFront"/>
+      <a:lightRig rig="threePt" dir="t"/>
+    </dgm:scene3d>
+    <dgm:sp3d/>
+    <dgm:txPr/>
+    <dgm:style>
+      <a:lnRef idx="0">
+        <a:scrgbClr r="0" g="0" b="0"/>
+      </a:lnRef>
+      <a:fillRef idx="1">
+        <a:scrgbClr r="0" g="0" b="0"/>
+      </a:fillRef>
+      <a:effectRef idx="0">
+        <a:scrgbClr r="0" g="0" b="0"/>
+      </a:effectRef>
+      <a:fontRef idx="minor"/>
+    </dgm:style>
+  </dgm:styleLbl>
+  <dgm:styleLbl name="trBgShp">
+    <dgm:scene3d>
+      <a:camera prst="orthographicFront"/>
+      <a:lightRig rig="threePt" dir="t"/>
+    </dgm:scene3d>
+    <dgm:sp3d/>
+    <dgm:txPr/>
+    <dgm:style>
+      <a:lnRef idx="0">
+        <a:scrgbClr r="0" g="0" b="0"/>
+      </a:lnRef>
+      <a:fillRef idx="1">
+        <a:scrgbClr r="0" g="0" b="0"/>
+      </a:fillRef>
+      <a:effectRef idx="0">
+        <a:scrgbClr r="0" g="0" b="0"/>
+      </a:effectRef>
+      <a:fontRef idx="minor"/>
+    </dgm:style>
+  </dgm:styleLbl>
+  <dgm:styleLbl name="fgShp">
+    <dgm:scene3d>
+      <a:camera prst="orthographicFront"/>
+      <a:lightRig rig="threePt" dir="t"/>
+    </dgm:scene3d>
+    <dgm:sp3d/>
+    <dgm:txPr/>
+    <dgm:style>
+      <a:lnRef idx="2">
+        <a:scrgbClr r="0" g="0" b="0"/>
+      </a:lnRef>
+      <a:fillRef idx="1">
+        <a:scrgbClr r="0" g="0" b="0"/>
+      </a:fillRef>
+      <a:effectRef idx="0">
+        <a:scrgbClr r="0" g="0" b="0"/>
+      </a:effectRef>
+      <a:fontRef idx="minor"/>
+    </dgm:style>
+  </dgm:styleLbl>
+  <dgm:styleLbl name="revTx">
+    <dgm:scene3d>
+      <a:camera prst="orthographicFront"/>
+      <a:lightRig rig="threePt" dir="t"/>
+    </dgm:scene3d>
+    <dgm:sp3d/>
+    <dgm:txPr/>
+    <dgm:style>
+      <a:lnRef idx="0">
+        <a:scrgbClr r="0" g="0" b="0"/>
+      </a:lnRef>
+      <a:fillRef idx="0">
+        <a:scrgbClr r="0" g="0" b="0"/>
+      </a:fillRef>
+      <a:effectRef idx="0">
+        <a:scrgbClr r="0" g="0" b="0"/>
+      </a:effectRef>
+      <a:fontRef idx="minor"/>
+    </dgm:style>
+  </dgm:styleLbl>
+</dgm:styleDef>
+</file>
+
+<file path=ppt/diagrams/quickStyle3.xml><?xml version="1.0" encoding="utf-8"?>
 <dgm:styleDef xmlns:dgm="http://schemas.openxmlformats.org/drawingml/2006/diagram" xmlns:a="http://schemas.openxmlformats.org/drawingml/2006/main" uniqueId="urn:microsoft.com/office/officeart/2005/8/quickstyle/simple1">
   <dgm:title val=""/>
   <dgm:desc val=""/>
@@ -7590,31 +14659,6 @@
           <a:chExt cx="0" cy="0"/>
         </a:xfrm>
       </p:grpSpPr>
-      <p:pic>
-        <p:nvPicPr>
-          <p:cNvPr id="7" name="Picture Placeholder 6">
-            <a:extLst>
-              <a:ext uri="{FF2B5EF4-FFF2-40B4-BE49-F238E27FC236}">
-                <a16:creationId xmlns:a16="http://schemas.microsoft.com/office/drawing/2014/main" id="{9B070BB3-F4F3-4E06-B79D-7BBC121FF9DE}"/>
-              </a:ext>
-            </a:extLst>
-          </p:cNvPr>
-          <p:cNvPicPr>
-            <a:picLocks noGrp="1" noChangeAspect="1"/>
-          </p:cNvPicPr>
-          <p:nvPr>
-            <p:ph type="pic" idx="1"/>
-          </p:nvPr>
-        </p:nvPicPr>
-        <p:blipFill>
-          <a:blip r:embed="rId2"/>
-          <a:srcRect l="5968" r="5968"/>
-          <a:stretch>
-            <a:fillRect/>
-          </a:stretch>
-        </p:blipFill>
-        <p:spPr/>
-      </p:pic>
       <p:sp>
         <p:nvSpPr>
           <p:cNvPr id="3" name="Title 2">
@@ -7661,7 +14705,9 @@
         </p:nvSpPr>
         <p:spPr/>
         <p:txBody>
-          <a:bodyPr/>
+          <a:bodyPr>
+            <a:normAutofit fontScale="92500" lnSpcReduction="10000"/>
+          </a:bodyPr>
           <a:lstStyle/>
           <a:p>
             <a:pPr marL="285750" indent="-285750">
@@ -7671,6 +14717,24 @@
             <a:r>
               <a:rPr lang="en-US" dirty="0"/>
               <a:t>Stock History Charts</a:t>
+            </a:r>
+          </a:p>
+          <a:p>
+            <a:pPr marL="742950" lvl="1" indent="-285750">
+              <a:buFont typeface="Arial" panose="020B0604020202020204" pitchFamily="34" charset="0"/>
+              <a:buChar char="•"/>
+            </a:pPr>
+            <a:r>
+              <a:rPr lang="en-US" dirty="0"/>
+              <a:t>Visualizing data is important to making decisions; </a:t>
+            </a:r>
+            <a:r>
+              <a:rPr lang="en-US" dirty="0" err="1"/>
+              <a:t>Zoltar</a:t>
+            </a:r>
+            <a:r>
+              <a:rPr lang="en-US" dirty="0"/>
+              <a:t> displays them alongside the DNN results.</a:t>
             </a:r>
           </a:p>
           <a:p>
@@ -7684,6 +14748,16 @@
             </a:r>
           </a:p>
           <a:p>
+            <a:pPr marL="742950" lvl="1" indent="-285750">
+              <a:buFont typeface="Arial" panose="020B0604020202020204" pitchFamily="34" charset="0"/>
+              <a:buChar char="•"/>
+            </a:pPr>
+            <a:r>
+              <a:rPr lang="en-US" dirty="0"/>
+              <a:t>Entire markets are too much to handle at once; breakdown stocks into Prediction Groups and select a corresponding Model.</a:t>
+            </a:r>
+          </a:p>
+          <a:p>
             <a:pPr marL="285750" indent="-285750">
               <a:buFont typeface="Arial" panose="020B0604020202020204" pitchFamily="34" charset="0"/>
               <a:buChar char="•"/>
@@ -7691,6 +14765,16 @@
             <a:r>
               <a:rPr lang="en-US" dirty="0"/>
               <a:t>Train and Select from Multiple DNN Models</a:t>
+            </a:r>
+          </a:p>
+          <a:p>
+            <a:pPr marL="742950" lvl="1" indent="-285750">
+              <a:buFont typeface="Arial" panose="020B0604020202020204" pitchFamily="34" charset="0"/>
+              <a:buChar char="•"/>
+            </a:pPr>
+            <a:r>
+              <a:rPr lang="en-US" dirty="0"/>
+              <a:t>Customization is key; creating and storing DNNs allows for complete control over the app as well as introducing traders to the underlying technology.</a:t>
             </a:r>
           </a:p>
           <a:p>
@@ -7702,10 +14786,207 @@
           </a:p>
         </p:txBody>
       </p:sp>
+      <p:sp>
+        <p:nvSpPr>
+          <p:cNvPr id="8" name="Rectangle 7">
+            <a:extLst>
+              <a:ext uri="{FF2B5EF4-FFF2-40B4-BE49-F238E27FC236}">
+                <a16:creationId xmlns:a16="http://schemas.microsoft.com/office/drawing/2014/main" id="{3CE10AFF-990E-45BC-B294-2CF295030955}"/>
+              </a:ext>
+            </a:extLst>
+          </p:cNvPr>
+          <p:cNvSpPr/>
+          <p:nvPr/>
+        </p:nvSpPr>
+        <p:spPr>
+          <a:xfrm>
+            <a:off x="160422" y="256674"/>
+            <a:ext cx="7708232" cy="6376737"/>
+          </a:xfrm>
+          <a:prstGeom prst="rect">
+            <a:avLst/>
+          </a:prstGeom>
+        </p:spPr>
+        <p:style>
+          <a:lnRef idx="2">
+            <a:schemeClr val="accent1">
+              <a:shade val="50000"/>
+            </a:schemeClr>
+          </a:lnRef>
+          <a:fillRef idx="1">
+            <a:schemeClr val="accent1"/>
+          </a:fillRef>
+          <a:effectRef idx="0">
+            <a:schemeClr val="accent1"/>
+          </a:effectRef>
+          <a:fontRef idx="minor">
+            <a:schemeClr val="lt1"/>
+          </a:fontRef>
+        </p:style>
+        <p:txBody>
+          <a:bodyPr rtlCol="0" anchor="ctr"/>
+          <a:lstStyle/>
+          <a:p>
+            <a:pPr algn="ctr"/>
+            <a:endParaRPr lang="en-US"/>
+          </a:p>
+        </p:txBody>
+      </p:sp>
+      <p:graphicFrame>
+        <p:nvGraphicFramePr>
+          <p:cNvPr id="6" name="Diagram 5">
+            <a:extLst>
+              <a:ext uri="{FF2B5EF4-FFF2-40B4-BE49-F238E27FC236}">
+                <a16:creationId xmlns:a16="http://schemas.microsoft.com/office/drawing/2014/main" id="{BA728F9E-283F-4FB3-A712-69B1F0E3C6F7}"/>
+              </a:ext>
+            </a:extLst>
+          </p:cNvPr>
+          <p:cNvGraphicFramePr/>
+          <p:nvPr>
+            <p:extLst>
+              <p:ext uri="{D42A27DB-BD31-4B8C-83A1-F6EECF244321}">
+                <p14:modId xmlns:p14="http://schemas.microsoft.com/office/powerpoint/2010/main" val="1764475584"/>
+              </p:ext>
+            </p:extLst>
+          </p:nvPr>
+        </p:nvGraphicFramePr>
+        <p:xfrm>
+          <a:off x="73025" y="603504"/>
+          <a:ext cx="8128000" cy="5418667"/>
+        </p:xfrm>
+        <a:graphic>
+          <a:graphicData uri="http://schemas.openxmlformats.org/drawingml/2006/diagram">
+            <dgm:relIds xmlns:dgm="http://schemas.openxmlformats.org/drawingml/2006/diagram" xmlns:r="http://schemas.openxmlformats.org/officeDocument/2006/relationships" r:dm="rId2" r:lo="rId3" r:qs="rId4" r:cs="rId5"/>
+          </a:graphicData>
+        </a:graphic>
+      </p:graphicFrame>
     </p:spTree>
     <p:extLst>
       <p:ext uri="{BB962C8B-B14F-4D97-AF65-F5344CB8AC3E}">
         <p14:creationId xmlns:p14="http://schemas.microsoft.com/office/powerpoint/2010/main" val="948287035"/>
+      </p:ext>
+    </p:extLst>
+  </p:cSld>
+  <p:clrMapOvr>
+    <a:masterClrMapping/>
+  </p:clrMapOvr>
+</p:sld>
+</file>
+
+<file path=ppt/slides/slide5.xml><?xml version="1.0" encoding="utf-8"?>
+<p:sld xmlns:a="http://schemas.openxmlformats.org/drawingml/2006/main" xmlns:r="http://schemas.openxmlformats.org/officeDocument/2006/relationships" xmlns:p="http://schemas.openxmlformats.org/presentationml/2006/main">
+  <p:cSld>
+    <p:spTree>
+      <p:nvGrpSpPr>
+        <p:cNvPr id="1" name=""/>
+        <p:cNvGrpSpPr/>
+        <p:nvPr/>
+      </p:nvGrpSpPr>
+      <p:grpSpPr>
+        <a:xfrm>
+          <a:off x="0" y="0"/>
+          <a:ext cx="0" cy="0"/>
+          <a:chOff x="0" y="0"/>
+          <a:chExt cx="0" cy="0"/>
+        </a:xfrm>
+      </p:grpSpPr>
+      <p:sp>
+        <p:nvSpPr>
+          <p:cNvPr id="2" name="Title 1">
+            <a:extLst>
+              <a:ext uri="{FF2B5EF4-FFF2-40B4-BE49-F238E27FC236}">
+                <a16:creationId xmlns:a16="http://schemas.microsoft.com/office/drawing/2014/main" id="{3D64323D-6817-4813-B475-E6CE6EC063C2}"/>
+              </a:ext>
+            </a:extLst>
+          </p:cNvPr>
+          <p:cNvSpPr>
+            <a:spLocks noGrp="1"/>
+          </p:cNvSpPr>
+          <p:nvPr>
+            <p:ph type="title"/>
+          </p:nvPr>
+        </p:nvSpPr>
+        <p:spPr/>
+        <p:txBody>
+          <a:bodyPr/>
+          <a:lstStyle/>
+          <a:p>
+            <a:r>
+              <a:rPr lang="en-US" dirty="0"/>
+              <a:t>Underlying Technologies</a:t>
+            </a:r>
+          </a:p>
+        </p:txBody>
+      </p:sp>
+      <p:sp>
+        <p:nvSpPr>
+          <p:cNvPr id="3" name="Content Placeholder 2">
+            <a:extLst>
+              <a:ext uri="{FF2B5EF4-FFF2-40B4-BE49-F238E27FC236}">
+                <a16:creationId xmlns:a16="http://schemas.microsoft.com/office/drawing/2014/main" id="{2DE0E0F7-83B3-40EE-904E-1D657D697A0B}"/>
+              </a:ext>
+            </a:extLst>
+          </p:cNvPr>
+          <p:cNvSpPr>
+            <a:spLocks noGrp="1"/>
+          </p:cNvSpPr>
+          <p:nvPr>
+            <p:ph idx="1"/>
+          </p:nvPr>
+        </p:nvSpPr>
+        <p:spPr/>
+        <p:txBody>
+          <a:bodyPr/>
+          <a:lstStyle/>
+          <a:p>
+            <a:pPr marL="0" indent="0">
+              <a:buNone/>
+            </a:pPr>
+            <a:r>
+              <a:rPr lang="en-US" dirty="0"/>
+              <a:t>The App is primarily split between 3 sections</a:t>
+            </a:r>
+          </a:p>
+          <a:p>
+            <a:pPr marL="0" indent="0">
+              <a:buNone/>
+            </a:pPr>
+            <a:endParaRPr lang="en-US" dirty="0"/>
+          </a:p>
+        </p:txBody>
+      </p:sp>
+      <p:graphicFrame>
+        <p:nvGraphicFramePr>
+          <p:cNvPr id="4" name="Diagram 3">
+            <a:extLst>
+              <a:ext uri="{FF2B5EF4-FFF2-40B4-BE49-F238E27FC236}">
+                <a16:creationId xmlns:a16="http://schemas.microsoft.com/office/drawing/2014/main" id="{AA93D8D0-1E31-44B0-BF79-1F202CC4B67E}"/>
+              </a:ext>
+            </a:extLst>
+          </p:cNvPr>
+          <p:cNvGraphicFramePr/>
+          <p:nvPr>
+            <p:extLst>
+              <p:ext uri="{D42A27DB-BD31-4B8C-83A1-F6EECF244321}">
+                <p14:modId xmlns:p14="http://schemas.microsoft.com/office/powerpoint/2010/main" val="2461469198"/>
+              </p:ext>
+            </p:extLst>
+          </p:nvPr>
+        </p:nvGraphicFramePr>
+        <p:xfrm>
+          <a:off x="1066801" y="2566737"/>
+          <a:ext cx="9093200" cy="3571596"/>
+        </p:xfrm>
+        <a:graphic>
+          <a:graphicData uri="http://schemas.openxmlformats.org/drawingml/2006/diagram">
+            <dgm:relIds xmlns:dgm="http://schemas.openxmlformats.org/drawingml/2006/diagram" xmlns:r="http://schemas.openxmlformats.org/officeDocument/2006/relationships" r:dm="rId2" r:lo="rId3" r:qs="rId4" r:cs="rId5"/>
+          </a:graphicData>
+        </a:graphic>
+      </p:graphicFrame>
+    </p:spTree>
+    <p:extLst>
+      <p:ext uri="{BB962C8B-B14F-4D97-AF65-F5344CB8AC3E}">
+        <p14:creationId xmlns:p14="http://schemas.microsoft.com/office/powerpoint/2010/main" val="1789423529"/>
       </p:ext>
     </p:extLst>
   </p:cSld>
@@ -7992,24 +15273,6 @@
 </file>
 
 <file path=customXml/item1.xml><?xml version="1.0" encoding="utf-8"?>
-<p:properties xmlns:p="http://schemas.microsoft.com/office/2006/metadata/properties" xmlns:xsi="http://www.w3.org/2001/XMLSchema-instance" xmlns:pc="http://schemas.microsoft.com/office/infopath/2007/PartnerControls">
-  <documentManagement>
-    <Status xmlns="71af3243-3dd4-4a8d-8c0d-dd76da1f02a5">Not started</Status>
-    <MediaServiceKeyPoints xmlns="71af3243-3dd4-4a8d-8c0d-dd76da1f02a5" xsi:nil="true"/>
-  </documentManagement>
-</p:properties>
-</file>
-
-<file path=customXml/item2.xml><?xml version="1.0" encoding="utf-8"?>
-<?mso-contentType ?>
-<FormTemplates xmlns="http://schemas.microsoft.com/sharepoint/v3/contenttype/forms">
-  <Display>DocumentLibraryForm</Display>
-  <Edit>DocumentLibraryForm</Edit>
-  <New>DocumentLibraryForm</New>
-</FormTemplates>
-</file>
-
-<file path=customXml/item3.xml><?xml version="1.0" encoding="utf-8"?>
 <ct:contentTypeSchema xmlns:ct="http://schemas.microsoft.com/office/2006/metadata/contentType" xmlns:ma="http://schemas.microsoft.com/office/2006/metadata/properties/metaAttributes" ct:_="" ma:_="" ma:contentTypeName="Document" ma:contentTypeID="0x01010079F111ED35F8CC479449609E8A0923A6" ma:contentTypeVersion="12" ma:contentTypeDescription="Create a new document." ma:contentTypeScope="" ma:versionID="a410dd7f93c95333ffa1b60ed6adedd1">
   <xsd:schema xmlns:xsd="http://www.w3.org/2001/XMLSchema" xmlns:xs="http://www.w3.org/2001/XMLSchema" xmlns:p="http://schemas.microsoft.com/office/2006/metadata/properties" xmlns:ns2="71af3243-3dd4-4a8d-8c0d-dd76da1f02a5" xmlns:ns3="16c05727-aa75-4e4a-9b5f-8a80a1165891" targetNamespace="http://schemas.microsoft.com/office/2006/metadata/properties" ma:root="true" ma:fieldsID="a936d9baba76aa3866493feff160faab" ns2:_="" ns3:_="">
     <xsd:import namespace="71af3243-3dd4-4a8d-8c0d-dd76da1f02a5"/>
@@ -8230,25 +15493,25 @@
 </ct:contentTypeSchema>
 </file>
 
-<file path=customXml/itemProps1.xml><?xml version="1.0" encoding="utf-8"?>
-<ds:datastoreItem xmlns:ds="http://schemas.openxmlformats.org/officeDocument/2006/customXml" ds:itemID="{137651BA-F45C-4845-9AB3-E0A65B39F5E1}">
-  <ds:schemaRefs>
-    <ds:schemaRef ds:uri="http://schemas.microsoft.com/office/2006/metadata/properties"/>
-    <ds:schemaRef ds:uri="http://schemas.microsoft.com/office/infopath/2007/PartnerControls"/>
-    <ds:schemaRef ds:uri="71af3243-3dd4-4a8d-8c0d-dd76da1f02a5"/>
-  </ds:schemaRefs>
-</ds:datastoreItem>
+<file path=customXml/item2.xml><?xml version="1.0" encoding="utf-8"?>
+<?mso-contentType ?>
+<FormTemplates xmlns="http://schemas.microsoft.com/sharepoint/v3/contenttype/forms">
+  <Display>DocumentLibraryForm</Display>
+  <Edit>DocumentLibraryForm</Edit>
+  <New>DocumentLibraryForm</New>
+</FormTemplates>
 </file>
 
-<file path=customXml/itemProps2.xml><?xml version="1.0" encoding="utf-8"?>
-<ds:datastoreItem xmlns:ds="http://schemas.openxmlformats.org/officeDocument/2006/customXml" ds:itemID="{CDB58277-F8DF-46FF-84EC-EF41B835E69F}">
-  <ds:schemaRefs>
-    <ds:schemaRef ds:uri="http://schemas.microsoft.com/sharepoint/v3/contenttype/forms"/>
-  </ds:schemaRefs>
-</ds:datastoreItem>
+<file path=customXml/item3.xml><?xml version="1.0" encoding="utf-8"?>
+<p:properties xmlns:p="http://schemas.microsoft.com/office/2006/metadata/properties" xmlns:xsi="http://www.w3.org/2001/XMLSchema-instance" xmlns:pc="http://schemas.microsoft.com/office/infopath/2007/PartnerControls">
+  <documentManagement>
+    <Status xmlns="71af3243-3dd4-4a8d-8c0d-dd76da1f02a5">Not started</Status>
+    <MediaServiceKeyPoints xmlns="71af3243-3dd4-4a8d-8c0d-dd76da1f02a5" xsi:nil="true"/>
+  </documentManagement>
+</p:properties>
 </file>
 
-<file path=customXml/itemProps3.xml><?xml version="1.0" encoding="utf-8"?>
+<file path=customXml/itemProps1.xml><?xml version="1.0" encoding="utf-8"?>
 <ds:datastoreItem xmlns:ds="http://schemas.openxmlformats.org/officeDocument/2006/customXml" ds:itemID="{2D276E62-80A3-44DD-9BCC-97ED2B99B57F}">
   <ds:schemaRefs>
     <ds:schemaRef ds:uri="http://schemas.microsoft.com/office/2006/metadata/contentType"/>
@@ -8265,4 +15528,22 @@
     <ds:schemaRef ds:uri="http://schemas.microsoft.com/internal/obd"/>
   </ds:schemaRefs>
 </ds:datastoreItem>
+</file>
+
+<file path=customXml/itemProps2.xml><?xml version="1.0" encoding="utf-8"?>
+<ds:datastoreItem xmlns:ds="http://schemas.openxmlformats.org/officeDocument/2006/customXml" ds:itemID="{CDB58277-F8DF-46FF-84EC-EF41B835E69F}">
+  <ds:schemaRefs>
+    <ds:schemaRef ds:uri="http://schemas.microsoft.com/sharepoint/v3/contenttype/forms"/>
+  </ds:schemaRefs>
+</ds:datastoreItem>
+</file>
+
+<file path=customXml/itemProps3.xml><?xml version="1.0" encoding="utf-8"?>
+<ds:datastoreItem xmlns:ds="http://schemas.openxmlformats.org/officeDocument/2006/customXml" ds:itemID="{137651BA-F45C-4845-9AB3-E0A65B39F5E1}">
+  <ds:schemaRefs>
+    <ds:schemaRef ds:uri="http://schemas.microsoft.com/office/2006/metadata/properties"/>
+    <ds:schemaRef ds:uri="http://schemas.microsoft.com/office/infopath/2007/PartnerControls"/>
+    <ds:schemaRef ds:uri="71af3243-3dd4-4a8d-8c0d-dd76da1f02a5"/>
+  </ds:schemaRefs>
+</ds:datastoreItem>
 </file>
--- a/Presentation/Zoltar Stock App.pptx
+++ b/Presentation/Zoltar Stock App.pptx
@@ -15273,6 +15273,24 @@
 </file>
 
 <file path=customXml/item1.xml><?xml version="1.0" encoding="utf-8"?>
+<p:properties xmlns:p="http://schemas.microsoft.com/office/2006/metadata/properties" xmlns:xsi="http://www.w3.org/2001/XMLSchema-instance" xmlns:pc="http://schemas.microsoft.com/office/infopath/2007/PartnerControls">
+  <documentManagement>
+    <Status xmlns="71af3243-3dd4-4a8d-8c0d-dd76da1f02a5">Not started</Status>
+    <MediaServiceKeyPoints xmlns="71af3243-3dd4-4a8d-8c0d-dd76da1f02a5" xsi:nil="true"/>
+  </documentManagement>
+</p:properties>
+</file>
+
+<file path=customXml/item2.xml><?xml version="1.0" encoding="utf-8"?>
+<?mso-contentType ?>
+<FormTemplates xmlns="http://schemas.microsoft.com/sharepoint/v3/contenttype/forms">
+  <Display>DocumentLibraryForm</Display>
+  <Edit>DocumentLibraryForm</Edit>
+  <New>DocumentLibraryForm</New>
+</FormTemplates>
+</file>
+
+<file path=customXml/item3.xml><?xml version="1.0" encoding="utf-8"?>
 <ct:contentTypeSchema xmlns:ct="http://schemas.microsoft.com/office/2006/metadata/contentType" xmlns:ma="http://schemas.microsoft.com/office/2006/metadata/properties/metaAttributes" ct:_="" ma:_="" ma:contentTypeName="Document" ma:contentTypeID="0x01010079F111ED35F8CC479449609E8A0923A6" ma:contentTypeVersion="12" ma:contentTypeDescription="Create a new document." ma:contentTypeScope="" ma:versionID="a410dd7f93c95333ffa1b60ed6adedd1">
   <xsd:schema xmlns:xsd="http://www.w3.org/2001/XMLSchema" xmlns:xs="http://www.w3.org/2001/XMLSchema" xmlns:p="http://schemas.microsoft.com/office/2006/metadata/properties" xmlns:ns2="71af3243-3dd4-4a8d-8c0d-dd76da1f02a5" xmlns:ns3="16c05727-aa75-4e4a-9b5f-8a80a1165891" targetNamespace="http://schemas.microsoft.com/office/2006/metadata/properties" ma:root="true" ma:fieldsID="a936d9baba76aa3866493feff160faab" ns2:_="" ns3:_="">
     <xsd:import namespace="71af3243-3dd4-4a8d-8c0d-dd76da1f02a5"/>
@@ -15493,25 +15511,25 @@
 </ct:contentTypeSchema>
 </file>
 
-<file path=customXml/item2.xml><?xml version="1.0" encoding="utf-8"?>
-<?mso-contentType ?>
-<FormTemplates xmlns="http://schemas.microsoft.com/sharepoint/v3/contenttype/forms">
-  <Display>DocumentLibraryForm</Display>
-  <Edit>DocumentLibraryForm</Edit>
-  <New>DocumentLibraryForm</New>
-</FormTemplates>
+<file path=customXml/itemProps1.xml><?xml version="1.0" encoding="utf-8"?>
+<ds:datastoreItem xmlns:ds="http://schemas.openxmlformats.org/officeDocument/2006/customXml" ds:itemID="{137651BA-F45C-4845-9AB3-E0A65B39F5E1}">
+  <ds:schemaRefs>
+    <ds:schemaRef ds:uri="http://schemas.microsoft.com/office/2006/metadata/properties"/>
+    <ds:schemaRef ds:uri="http://schemas.microsoft.com/office/infopath/2007/PartnerControls"/>
+    <ds:schemaRef ds:uri="71af3243-3dd4-4a8d-8c0d-dd76da1f02a5"/>
+  </ds:schemaRefs>
+</ds:datastoreItem>
 </file>
 
-<file path=customXml/item3.xml><?xml version="1.0" encoding="utf-8"?>
-<p:properties xmlns:p="http://schemas.microsoft.com/office/2006/metadata/properties" xmlns:xsi="http://www.w3.org/2001/XMLSchema-instance" xmlns:pc="http://schemas.microsoft.com/office/infopath/2007/PartnerControls">
-  <documentManagement>
-    <Status xmlns="71af3243-3dd4-4a8d-8c0d-dd76da1f02a5">Not started</Status>
-    <MediaServiceKeyPoints xmlns="71af3243-3dd4-4a8d-8c0d-dd76da1f02a5" xsi:nil="true"/>
-  </documentManagement>
-</p:properties>
+<file path=customXml/itemProps2.xml><?xml version="1.0" encoding="utf-8"?>
+<ds:datastoreItem xmlns:ds="http://schemas.openxmlformats.org/officeDocument/2006/customXml" ds:itemID="{CDB58277-F8DF-46FF-84EC-EF41B835E69F}">
+  <ds:schemaRefs>
+    <ds:schemaRef ds:uri="http://schemas.microsoft.com/sharepoint/v3/contenttype/forms"/>
+  </ds:schemaRefs>
+</ds:datastoreItem>
 </file>
 
-<file path=customXml/itemProps1.xml><?xml version="1.0" encoding="utf-8"?>
+<file path=customXml/itemProps3.xml><?xml version="1.0" encoding="utf-8"?>
 <ds:datastoreItem xmlns:ds="http://schemas.openxmlformats.org/officeDocument/2006/customXml" ds:itemID="{2D276E62-80A3-44DD-9BCC-97ED2B99B57F}">
   <ds:schemaRefs>
     <ds:schemaRef ds:uri="http://schemas.microsoft.com/office/2006/metadata/contentType"/>
@@ -15528,22 +15546,4 @@
     <ds:schemaRef ds:uri="http://schemas.microsoft.com/internal/obd"/>
   </ds:schemaRefs>
 </ds:datastoreItem>
-</file>
-
-<file path=customXml/itemProps2.xml><?xml version="1.0" encoding="utf-8"?>
-<ds:datastoreItem xmlns:ds="http://schemas.openxmlformats.org/officeDocument/2006/customXml" ds:itemID="{CDB58277-F8DF-46FF-84EC-EF41B835E69F}">
-  <ds:schemaRefs>
-    <ds:schemaRef ds:uri="http://schemas.microsoft.com/sharepoint/v3/contenttype/forms"/>
-  </ds:schemaRefs>
-</ds:datastoreItem>
-</file>
-
-<file path=customXml/itemProps3.xml><?xml version="1.0" encoding="utf-8"?>
-<ds:datastoreItem xmlns:ds="http://schemas.openxmlformats.org/officeDocument/2006/customXml" ds:itemID="{137651BA-F45C-4845-9AB3-E0A65B39F5E1}">
-  <ds:schemaRefs>
-    <ds:schemaRef ds:uri="http://schemas.microsoft.com/office/2006/metadata/properties"/>
-    <ds:schemaRef ds:uri="http://schemas.microsoft.com/office/infopath/2007/PartnerControls"/>
-    <ds:schemaRef ds:uri="71af3243-3dd4-4a8d-8c0d-dd76da1f02a5"/>
-  </ds:schemaRefs>
-</ds:datastoreItem>
 </file>
--- a/Presentation/Zoltar Stock App.pptx
+++ b/Presentation/Zoltar Stock App.pptx
@@ -7,9 +7,12 @@
   <p:sldIdLst>
     <p:sldId id="257" r:id="rId5"/>
     <p:sldId id="261" r:id="rId6"/>
-    <p:sldId id="263" r:id="rId7"/>
-    <p:sldId id="264" r:id="rId8"/>
-    <p:sldId id="265" r:id="rId9"/>
+    <p:sldId id="266" r:id="rId7"/>
+    <p:sldId id="263" r:id="rId8"/>
+    <p:sldId id="267" r:id="rId9"/>
+    <p:sldId id="264" r:id="rId10"/>
+    <p:sldId id="265" r:id="rId11"/>
+    <p:sldId id="268" r:id="rId12"/>
   </p:sldIdLst>
   <p:sldSz cx="12192000" cy="6858000"/>
   <p:notesSz cx="6858000" cy="9144000"/>
@@ -3182,7 +3185,21 @@
     </dgm:pt>
     <dgm:pt modelId="{695AE8D8-C61A-416E-943D-BDE23508C847}" type="pres">
       <dgm:prSet presAssocID="{EEAA79A1-C557-4019-A52B-C568039ADA40}" presName="Image" presStyleLbl="bgImgPlace1" presStyleIdx="1" presStyleCnt="3"/>
-      <dgm:spPr/>
+      <dgm:spPr>
+        <a:blipFill>
+          <a:blip xmlns:r="http://schemas.openxmlformats.org/officeDocument/2006/relationships" r:embed="rId2">
+            <a:extLst>
+              <a:ext uri="{28A0092B-C50C-407E-A947-70E740481C1C}">
+                <a14:useLocalDpi xmlns:a14="http://schemas.microsoft.com/office/drawing/2010/main" val="0"/>
+              </a:ext>
+            </a:extLst>
+          </a:blip>
+          <a:srcRect/>
+          <a:stretch>
+            <a:fillRect/>
+          </a:stretch>
+        </a:blipFill>
+      </dgm:spPr>
     </dgm:pt>
     <dgm:pt modelId="{D59EA828-B0FA-48F3-8556-6437AA86985B}" type="pres">
       <dgm:prSet presAssocID="{EEAA79A1-C557-4019-A52B-C568039ADA40}" presName="ChildText" presStyleLbl="fgAcc1" presStyleIdx="1" presStyleCnt="3">
@@ -3214,7 +3231,29 @@
     </dgm:pt>
     <dgm:pt modelId="{32DA5B18-EA18-485B-A5AF-4F17AAB435C3}" type="pres">
       <dgm:prSet presAssocID="{56E3C8EE-F467-4838-B6F6-B6DE06B40A7B}" presName="Image" presStyleLbl="bgImgPlace1" presStyleIdx="2" presStyleCnt="3"/>
-      <dgm:spPr/>
+      <dgm:spPr>
+        <a:blipFill>
+          <a:blip xmlns:r="http://schemas.openxmlformats.org/officeDocument/2006/relationships" r:embed="rId3">
+            <a:extLst>
+              <a:ext uri="{28A0092B-C50C-407E-A947-70E740481C1C}">
+                <a14:useLocalDpi xmlns:a14="http://schemas.microsoft.com/office/drawing/2010/main" val="0"/>
+              </a:ext>
+              <a:ext uri="{96DAC541-7B7A-43D3-8B79-37D633B846F1}">
+                <asvg:svgBlip xmlns:asvg="http://schemas.microsoft.com/office/drawing/2016/SVG/main" r:embed="rId4"/>
+              </a:ext>
+            </a:extLst>
+          </a:blip>
+          <a:srcRect/>
+          <a:stretch>
+            <a:fillRect t="-9000" b="-9000"/>
+          </a:stretch>
+        </a:blipFill>
+      </dgm:spPr>
+      <dgm:extLst>
+        <a:ext uri="{E40237B7-FDA0-4F09-8148-C483321AD2D9}">
+          <dgm14:cNvPr xmlns:dgm14="http://schemas.microsoft.com/office/drawing/2010/diagram" id="0" name="" descr="Robot"/>
+        </a:ext>
+      </dgm:extLst>
     </dgm:pt>
     <dgm:pt modelId="{69A51237-040D-48B0-B1E8-82A653B654B0}" type="pres">
       <dgm:prSet presAssocID="{56E3C8EE-F467-4838-B6F6-B6DE06B40A7B}" presName="ChildText" presStyleLbl="fgAcc1" presStyleIdx="2" presStyleCnt="3">
@@ -3422,43 +3461,6 @@
       </dgm:t>
     </dgm:pt>
     <dgm:pt modelId="{E954032F-05BA-45C8-92A9-169499CDA94C}" type="sibTrans" cxnId="{ED8CB038-DC60-44EB-9314-1C5C5FA835E8}">
-      <dgm:prSet/>
-      <dgm:spPr/>
-      <dgm:t>
-        <a:bodyPr/>
-        <a:lstStyle/>
-        <a:p>
-          <a:endParaRPr lang="en-US"/>
-        </a:p>
-      </dgm:t>
-    </dgm:pt>
-    <dgm:pt modelId="{7AE7095B-A5F5-4E76-A0CD-0B84012807D5}">
-      <dgm:prSet phldrT="[Text]"/>
-      <dgm:spPr/>
-      <dgm:t>
-        <a:bodyPr/>
-        <a:lstStyle/>
-        <a:p>
-          <a:r>
-            <a:rPr lang="en-US" dirty="0" err="1"/>
-            <a:t>Keras</a:t>
-          </a:r>
-          <a:endParaRPr lang="en-US" dirty="0"/>
-        </a:p>
-      </dgm:t>
-    </dgm:pt>
-    <dgm:pt modelId="{7F73DC1C-AA67-46B2-BD7C-0ACF9DB25A00}" type="parTrans" cxnId="{ABDD3563-F93B-4795-A279-FCC65164F3EC}">
-      <dgm:prSet/>
-      <dgm:spPr/>
-      <dgm:t>
-        <a:bodyPr/>
-        <a:lstStyle/>
-        <a:p>
-          <a:endParaRPr lang="en-US"/>
-        </a:p>
-      </dgm:t>
-    </dgm:pt>
-    <dgm:pt modelId="{3C22C757-3DBF-4D4E-95A4-F97B0DBB44A8}" type="sibTrans" cxnId="{ABDD3563-F93B-4795-A279-FCC65164F3EC}">
       <dgm:prSet/>
       <dgm:spPr/>
       <dgm:t>
@@ -3852,39 +3854,6 @@
         </a:p>
       </dgm:t>
     </dgm:pt>
-    <dgm:pt modelId="{E5BBF645-F752-472A-9AA2-768A842D6B15}">
-      <dgm:prSet phldrT="[Text]"/>
-      <dgm:spPr/>
-      <dgm:t>
-        <a:bodyPr/>
-        <a:lstStyle/>
-        <a:p>
-          <a:endParaRPr lang="en-US" dirty="0"/>
-        </a:p>
-      </dgm:t>
-    </dgm:pt>
-    <dgm:pt modelId="{44CBF59C-646E-40E5-9095-48AA908F6893}" type="parTrans" cxnId="{E564A834-CAED-4CF9-8859-0626DE71B816}">
-      <dgm:prSet/>
-      <dgm:spPr/>
-      <dgm:t>
-        <a:bodyPr/>
-        <a:lstStyle/>
-        <a:p>
-          <a:endParaRPr lang="en-US"/>
-        </a:p>
-      </dgm:t>
-    </dgm:pt>
-    <dgm:pt modelId="{7F873B13-992B-4219-B02A-8675F5E7645E}" type="sibTrans" cxnId="{E564A834-CAED-4CF9-8859-0626DE71B816}">
-      <dgm:prSet/>
-      <dgm:spPr/>
-      <dgm:t>
-        <a:bodyPr/>
-        <a:lstStyle/>
-        <a:p>
-          <a:endParaRPr lang="en-US"/>
-        </a:p>
-      </dgm:t>
-    </dgm:pt>
     <dgm:pt modelId="{8D5BA9A6-7F4B-4FAD-A3E4-68CD9E4D89C7}">
       <dgm:prSet phldrT="[Text]"/>
       <dgm:spPr/>
@@ -4006,6 +3975,207 @@
         </a:p>
       </dgm:t>
     </dgm:pt>
+    <dgm:pt modelId="{31600017-4225-4C7C-B294-0506920D6A8A}">
+      <dgm:prSet/>
+      <dgm:spPr/>
+      <dgm:t>
+        <a:bodyPr/>
+        <a:lstStyle/>
+        <a:p>
+          <a:pPr>
+            <a:buFont typeface="Arial" panose="020B0604020202020204" pitchFamily="34" charset="0"/>
+            <a:buChar char="•"/>
+          </a:pPr>
+          <a:r>
+            <a:rPr lang="en-US" b="0" i="0" u="none" dirty="0" err="1"/>
+            <a:t>Keras</a:t>
+          </a:r>
+          <a:endParaRPr lang="en-US" b="0" i="0" u="none" dirty="0"/>
+        </a:p>
+      </dgm:t>
+    </dgm:pt>
+    <dgm:pt modelId="{043C5217-DBD1-4809-929F-0E863A284529}" type="parTrans" cxnId="{28F58996-55BE-4C0B-AF2D-B78D8EBC6899}">
+      <dgm:prSet/>
+      <dgm:spPr/>
+      <dgm:t>
+        <a:bodyPr/>
+        <a:lstStyle/>
+        <a:p>
+          <a:endParaRPr lang="en-US"/>
+        </a:p>
+      </dgm:t>
+    </dgm:pt>
+    <dgm:pt modelId="{CDF85EC0-F46E-444A-8953-4B67BEDBA0A6}" type="sibTrans" cxnId="{28F58996-55BE-4C0B-AF2D-B78D8EBC6899}">
+      <dgm:prSet/>
+      <dgm:spPr/>
+      <dgm:t>
+        <a:bodyPr/>
+        <a:lstStyle/>
+        <a:p>
+          <a:endParaRPr lang="en-US"/>
+        </a:p>
+      </dgm:t>
+    </dgm:pt>
+    <dgm:pt modelId="{993A8677-3F50-4E97-84D3-A2059B9161F0}">
+      <dgm:prSet/>
+      <dgm:spPr/>
+      <dgm:t>
+        <a:bodyPr/>
+        <a:lstStyle/>
+        <a:p>
+          <a:pPr>
+            <a:buFont typeface="Arial" panose="020B0604020202020204" pitchFamily="34" charset="0"/>
+            <a:buChar char="•"/>
+          </a:pPr>
+          <a:r>
+            <a:rPr lang="en-US" b="0" i="0" u="none" dirty="0"/>
+            <a:t>A user-friendly framework for creating Neural Networks based off of a variety of underlying frameworks</a:t>
+          </a:r>
+        </a:p>
+      </dgm:t>
+    </dgm:pt>
+    <dgm:pt modelId="{A8451468-F312-48EE-BCB4-675720BBEB3B}" type="parTrans" cxnId="{53C649F1-9843-4B11-835C-0ACB93FB44F8}">
+      <dgm:prSet/>
+      <dgm:spPr/>
+      <dgm:t>
+        <a:bodyPr/>
+        <a:lstStyle/>
+        <a:p>
+          <a:endParaRPr lang="en-US"/>
+        </a:p>
+      </dgm:t>
+    </dgm:pt>
+    <dgm:pt modelId="{2D48AAEA-C9C2-4FC1-8187-E1B136AF7E34}" type="sibTrans" cxnId="{53C649F1-9843-4B11-835C-0ACB93FB44F8}">
+      <dgm:prSet/>
+      <dgm:spPr/>
+      <dgm:t>
+        <a:bodyPr/>
+        <a:lstStyle/>
+        <a:p>
+          <a:endParaRPr lang="en-US"/>
+        </a:p>
+      </dgm:t>
+    </dgm:pt>
+    <dgm:pt modelId="{871D63FE-FEEA-4B41-AF96-115397DA55EA}">
+      <dgm:prSet/>
+      <dgm:spPr/>
+      <dgm:t>
+        <a:bodyPr/>
+        <a:lstStyle/>
+        <a:p>
+          <a:pPr>
+            <a:buFont typeface="Arial" panose="020B0604020202020204" pitchFamily="34" charset="0"/>
+            <a:buChar char="•"/>
+          </a:pPr>
+          <a:r>
+            <a:rPr lang="en-US" b="0" i="0" u="none" dirty="0"/>
+            <a:t>Several built-in layer types for creating many DNN structures</a:t>
+          </a:r>
+        </a:p>
+      </dgm:t>
+    </dgm:pt>
+    <dgm:pt modelId="{B287CEE2-4AD5-4A97-9399-03FFE921CF6A}" type="parTrans" cxnId="{CCB062EF-B5F9-446E-84C6-7007511B379E}">
+      <dgm:prSet/>
+      <dgm:spPr/>
+      <dgm:t>
+        <a:bodyPr/>
+        <a:lstStyle/>
+        <a:p>
+          <a:endParaRPr lang="en-US"/>
+        </a:p>
+      </dgm:t>
+    </dgm:pt>
+    <dgm:pt modelId="{8E03F21E-BC3E-40CD-9553-3F6A1931637D}" type="sibTrans" cxnId="{CCB062EF-B5F9-446E-84C6-7007511B379E}">
+      <dgm:prSet/>
+      <dgm:spPr/>
+      <dgm:t>
+        <a:bodyPr/>
+        <a:lstStyle/>
+        <a:p>
+          <a:endParaRPr lang="en-US"/>
+        </a:p>
+      </dgm:t>
+    </dgm:pt>
+    <dgm:pt modelId="{9F9880D0-A14F-4F15-9A04-FB0D6A9998BC}">
+      <dgm:prSet/>
+      <dgm:spPr/>
+      <dgm:t>
+        <a:bodyPr/>
+        <a:lstStyle/>
+        <a:p>
+          <a:pPr>
+            <a:buFont typeface="Arial" panose="020B0604020202020204" pitchFamily="34" charset="0"/>
+            <a:buChar char="•"/>
+          </a:pPr>
+          <a:r>
+            <a:rPr lang="en-US" b="0" i="0" u="none"/>
+            <a:t>TensorFLow</a:t>
+          </a:r>
+        </a:p>
+      </dgm:t>
+    </dgm:pt>
+    <dgm:pt modelId="{3E2E454A-F960-4B11-9D8A-5359A4F8A5C6}" type="parTrans" cxnId="{A0F6C7F9-DE24-4FA2-BD55-2CFC3D2BC067}">
+      <dgm:prSet/>
+      <dgm:spPr/>
+      <dgm:t>
+        <a:bodyPr/>
+        <a:lstStyle/>
+        <a:p>
+          <a:endParaRPr lang="en-US"/>
+        </a:p>
+      </dgm:t>
+    </dgm:pt>
+    <dgm:pt modelId="{25FB55EE-CB86-435F-A0E3-2631A44BF9CB}" type="sibTrans" cxnId="{A0F6C7F9-DE24-4FA2-BD55-2CFC3D2BC067}">
+      <dgm:prSet/>
+      <dgm:spPr/>
+      <dgm:t>
+        <a:bodyPr/>
+        <a:lstStyle/>
+        <a:p>
+          <a:endParaRPr lang="en-US"/>
+        </a:p>
+      </dgm:t>
+    </dgm:pt>
+    <dgm:pt modelId="{F52370F8-DCFB-4AF3-A810-6EB6B766473E}">
+      <dgm:prSet/>
+      <dgm:spPr/>
+      <dgm:t>
+        <a:bodyPr/>
+        <a:lstStyle/>
+        <a:p>
+          <a:pPr>
+            <a:buFont typeface="Arial" panose="020B0604020202020204" pitchFamily="34" charset="0"/>
+            <a:buChar char="•"/>
+          </a:pPr>
+          <a:r>
+            <a:rPr lang="en-US" b="0" i="0" u="none"/>
+            <a:t>A powerful backend for creating a variety of neural networks, however it is not terribly simple to use which is why Keras was run on top</a:t>
+          </a:r>
+        </a:p>
+      </dgm:t>
+    </dgm:pt>
+    <dgm:pt modelId="{442A47EF-5FFE-4A22-AA63-DB6E559E9922}" type="parTrans" cxnId="{C2F46F9F-C5C7-4E6A-AC32-FDAF007B6CDD}">
+      <dgm:prSet/>
+      <dgm:spPr/>
+      <dgm:t>
+        <a:bodyPr/>
+        <a:lstStyle/>
+        <a:p>
+          <a:endParaRPr lang="en-US"/>
+        </a:p>
+      </dgm:t>
+    </dgm:pt>
+    <dgm:pt modelId="{E28F7A46-9874-4C85-81B9-B39D99CD063D}" type="sibTrans" cxnId="{C2F46F9F-C5C7-4E6A-AC32-FDAF007B6CDD}">
+      <dgm:prSet/>
+      <dgm:spPr/>
+      <dgm:t>
+        <a:bodyPr/>
+        <a:lstStyle/>
+        <a:p>
+          <a:endParaRPr lang="en-US"/>
+        </a:p>
+      </dgm:t>
+    </dgm:pt>
     <dgm:pt modelId="{52B87E7C-9D24-4B4A-BEB4-DE271C184E6E}" type="pres">
       <dgm:prSet presAssocID="{FCD07809-D618-41BC-985A-E3E5C51F281F}" presName="Name0" presStyleCnt="0">
         <dgm:presLayoutVars>
@@ -4046,7 +4216,7 @@
       <dgm:prSet presAssocID="{870729E9-A677-4A42-9AFF-C997B9E0711B}" presName="Accent" presStyleLbl="parChTrans1D1" presStyleIdx="0" presStyleCnt="3"/>
       <dgm:spPr/>
     </dgm:pt>
-    <dgm:pt modelId="{90686D98-99F9-4A9F-B7EE-533BF1284C65}" type="pres">
+    <dgm:pt modelId="{0B28D6EC-DF46-410F-B9A0-2CF1D6439843}" type="pres">
       <dgm:prSet presAssocID="{870729E9-A677-4A42-9AFF-C997B9E0711B}" presName="Child" presStyleLbl="revTx" presStyleIdx="1" presStyleCnt="6">
         <dgm:presLayoutVars>
           <dgm:chMax val="0"/>
@@ -4156,20 +4326,24 @@
     <dgm:cxn modelId="{1C15C12A-1A96-465F-BF90-1FF855B24F96}" srcId="{CD0E965D-4B6E-4645-BC9C-E56F9B94DAE3}" destId="{B01B9BB0-D6EC-4476-ABB9-F46E0D457204}" srcOrd="2" destOrd="0" parTransId="{D417C59A-BA4C-44CD-AFD7-9CC3AE7A788F}" sibTransId="{0B112CCB-1552-426A-ADF6-13A74E94F504}"/>
     <dgm:cxn modelId="{83536834-5757-4222-87D9-CFE4554F5520}" srcId="{CD0E965D-4B6E-4645-BC9C-E56F9B94DAE3}" destId="{BFD4F453-D24E-46D0-9B7A-8D4B5ABFDF65}" srcOrd="0" destOrd="0" parTransId="{ACDEE2F3-A233-4B34-8A61-B31802F207C4}" sibTransId="{39500EAE-4399-4194-959D-E7B113B6E190}"/>
     <dgm:cxn modelId="{86FA8034-09F2-48A7-8B82-D3857B653C57}" type="presOf" srcId="{B2C3CE44-CF6B-41FC-8CFD-D5D9A2590707}" destId="{2ED54C4C-C596-4673-9F23-5A60E5E52C42}" srcOrd="0" destOrd="2" presId="urn:microsoft.com/office/officeart/2011/layout/TabList"/>
-    <dgm:cxn modelId="{E564A834-CAED-4CF9-8859-0626DE71B816}" srcId="{7AE7095B-A5F5-4E76-A0CD-0B84012807D5}" destId="{E5BBF645-F752-472A-9AA2-768A842D6B15}" srcOrd="0" destOrd="0" parTransId="{44CBF59C-646E-40E5-9095-48AA908F6893}" sibTransId="{7F873B13-992B-4219-B02A-8675F5E7645E}"/>
     <dgm:cxn modelId="{ED8CB038-DC60-44EB-9314-1C5C5FA835E8}" srcId="{FCD07809-D618-41BC-985A-E3E5C51F281F}" destId="{CD0E965D-4B6E-4645-BC9C-E56F9B94DAE3}" srcOrd="2" destOrd="0" parTransId="{19CF9D7B-0298-4DF5-98E0-A2A25A936B7B}" sibTransId="{E954032F-05BA-45C8-92A9-169499CDA94C}"/>
     <dgm:cxn modelId="{F0B32660-8268-4093-A523-B593E5486209}" type="presOf" srcId="{8D5BA9A6-7F4B-4FAD-A3E4-68CD9E4D89C7}" destId="{40B5902B-4605-48C6-82DF-7D0401FD59B7}" srcOrd="0" destOrd="2" presId="urn:microsoft.com/office/officeart/2011/layout/TabList"/>
     <dgm:cxn modelId="{DE545D60-A749-49FF-96E0-24475543D3E0}" type="presOf" srcId="{3131B084-8300-4254-80E8-8A5B4AFDF80C}" destId="{19758F49-5CE9-4566-B98C-4B8FAE0848D8}" srcOrd="0" destOrd="0" presId="urn:microsoft.com/office/officeart/2011/layout/TabList"/>
-    <dgm:cxn modelId="{ABDD3563-F93B-4795-A279-FCC65164F3EC}" srcId="{870729E9-A677-4A42-9AFF-C997B9E0711B}" destId="{7AE7095B-A5F5-4E76-A0CD-0B84012807D5}" srcOrd="1" destOrd="0" parTransId="{7F73DC1C-AA67-46B2-BD7C-0ACF9DB25A00}" sibTransId="{3C22C757-3DBF-4D4E-95A4-F97B0DBB44A8}"/>
+    <dgm:cxn modelId="{2628D461-63B7-4E19-B3AB-BB95CD863125}" type="presOf" srcId="{993A8677-3F50-4E97-84D3-A2059B9161F0}" destId="{0B28D6EC-DF46-410F-B9A0-2CF1D6439843}" srcOrd="0" destOrd="1" presId="urn:microsoft.com/office/officeart/2011/layout/TabList"/>
     <dgm:cxn modelId="{CD51D145-4535-45DC-A870-89155817395C}" type="presOf" srcId="{F0809F4B-C690-47AE-9574-41299CFD4500}" destId="{40B5902B-4605-48C6-82DF-7D0401FD59B7}" srcOrd="0" destOrd="0" presId="urn:microsoft.com/office/officeart/2011/layout/TabList"/>
     <dgm:cxn modelId="{B3480C49-8525-47C7-8B8F-AB68042EA591}" srcId="{79377902-807A-49F7-9946-D118DCC98C98}" destId="{D7AA6F7B-4CAC-44F2-B276-21A8EB59497B}" srcOrd="2" destOrd="0" parTransId="{0A51031B-D9AE-4E84-94D8-BD179812DA72}" sibTransId="{DF929BD5-D4BA-46E6-873C-168391C88C52}"/>
+    <dgm:cxn modelId="{10CCA44D-44E9-4A26-AB1E-52C7EAABA234}" type="presOf" srcId="{9F9880D0-A14F-4F15-9A04-FB0D6A9998BC}" destId="{0B28D6EC-DF46-410F-B9A0-2CF1D6439843}" srcOrd="0" destOrd="3" presId="urn:microsoft.com/office/officeart/2011/layout/TabList"/>
     <dgm:cxn modelId="{FD43D24D-CA75-465C-B434-FBE29BFB8E9A}" srcId="{6A690DC7-CEEE-4CDA-B833-0E0E8EAAD355}" destId="{11A60CB6-C2CE-4D76-B6BA-1CBC62E77B8B}" srcOrd="0" destOrd="0" parTransId="{E758EDCD-33D5-4AD8-81CC-7588E7FBAB15}" sibTransId="{62124C8A-9BCF-49CE-88E8-60A17FB785B3}"/>
-    <dgm:cxn modelId="{0EF7DF6E-40C0-4315-A85D-1BF0FF7AF414}" type="presOf" srcId="{7AE7095B-A5F5-4E76-A0CD-0B84012807D5}" destId="{90686D98-99F9-4A9F-B7EE-533BF1284C65}" srcOrd="0" destOrd="0" presId="urn:microsoft.com/office/officeart/2011/layout/TabList"/>
     <dgm:cxn modelId="{11DA8571-E077-48DB-9B80-801164851B23}" type="presOf" srcId="{95FBC0EF-3A95-469C-B0A7-95FC6BF46D8F}" destId="{E5A2FA0C-6831-42B7-B1B9-7B55A5F108CD}" srcOrd="0" destOrd="0" presId="urn:microsoft.com/office/officeart/2011/layout/TabList"/>
+    <dgm:cxn modelId="{635CD179-BCB2-4537-BB6B-87CD189BAB12}" type="presOf" srcId="{871D63FE-FEEA-4B41-AF96-115397DA55EA}" destId="{0B28D6EC-DF46-410F-B9A0-2CF1D6439843}" srcOrd="0" destOrd="2" presId="urn:microsoft.com/office/officeart/2011/layout/TabList"/>
     <dgm:cxn modelId="{5F3EFE79-F8F8-4157-8ACA-D81DCFFC5314}" type="presOf" srcId="{B01B9BB0-D6EC-4476-ABB9-F46E0D457204}" destId="{2ED54C4C-C596-4673-9F23-5A60E5E52C42}" srcOrd="0" destOrd="3" presId="urn:microsoft.com/office/officeart/2011/layout/TabList"/>
+    <dgm:cxn modelId="{B5D2F480-DE0F-4293-A092-ECCB83848C4D}" type="presOf" srcId="{F52370F8-DCFB-4AF3-A810-6EB6B766473E}" destId="{0B28D6EC-DF46-410F-B9A0-2CF1D6439843}" srcOrd="0" destOrd="4" presId="urn:microsoft.com/office/officeart/2011/layout/TabList"/>
     <dgm:cxn modelId="{BC962E83-214A-4DBB-8E01-47593143FC02}" type="presOf" srcId="{79377902-807A-49F7-9946-D118DCC98C98}" destId="{40B5902B-4605-48C6-82DF-7D0401FD59B7}" srcOrd="0" destOrd="1" presId="urn:microsoft.com/office/officeart/2011/layout/TabList"/>
     <dgm:cxn modelId="{2C38BF8E-4CDD-419F-8171-44D6A0531D31}" type="presOf" srcId="{11A60CB6-C2CE-4D76-B6BA-1CBC62E77B8B}" destId="{2ED54C4C-C596-4673-9F23-5A60E5E52C42}" srcOrd="0" destOrd="1" presId="urn:microsoft.com/office/officeart/2011/layout/TabList"/>
     <dgm:cxn modelId="{8C8F5896-0ED9-42FE-889A-3AAD91868C7E}" srcId="{B01B9BB0-D6EC-4476-ABB9-F46E0D457204}" destId="{991A8717-92DA-489F-BD88-1F9B4515F210}" srcOrd="0" destOrd="0" parTransId="{EB9EF984-A7D9-49A4-AD8F-2D4E4EBCC80A}" sibTransId="{61954B90-566C-44F9-85A4-DFB88539DD71}"/>
+    <dgm:cxn modelId="{28F58996-55BE-4C0B-AF2D-B78D8EBC6899}" srcId="{870729E9-A677-4A42-9AFF-C997B9E0711B}" destId="{31600017-4225-4C7C-B294-0506920D6A8A}" srcOrd="1" destOrd="0" parTransId="{043C5217-DBD1-4809-929F-0E863A284529}" sibTransId="{CDF85EC0-F46E-444A-8953-4B67BEDBA0A6}"/>
+    <dgm:cxn modelId="{0F0BB59D-9042-4918-B7AA-36B556E6670E}" type="presOf" srcId="{31600017-4225-4C7C-B294-0506920D6A8A}" destId="{0B28D6EC-DF46-410F-B9A0-2CF1D6439843}" srcOrd="0" destOrd="0" presId="urn:microsoft.com/office/officeart/2011/layout/TabList"/>
+    <dgm:cxn modelId="{C2F46F9F-C5C7-4E6A-AC32-FDAF007B6CDD}" srcId="{9F9880D0-A14F-4F15-9A04-FB0D6A9998BC}" destId="{F52370F8-DCFB-4AF3-A810-6EB6B766473E}" srcOrd="0" destOrd="0" parTransId="{442A47EF-5FFE-4A22-AA63-DB6E559E9922}" sibTransId="{E28F7A46-9874-4C85-81B9-B39D99CD063D}"/>
     <dgm:cxn modelId="{318AA5A6-C2D1-4C48-8D75-BF8FAAD4B36F}" srcId="{CD0E965D-4B6E-4645-BC9C-E56F9B94DAE3}" destId="{6A690DC7-CEEE-4CDA-B833-0E0E8EAAD355}" srcOrd="1" destOrd="0" parTransId="{C82F8828-D9E2-4894-A1DE-3D085E2D7725}" sibTransId="{A5C8DBD5-352E-495A-84C4-2A55595D3A91}"/>
     <dgm:cxn modelId="{F320A9B1-EF55-4F0B-B987-012236DE2F26}" type="presOf" srcId="{991A8717-92DA-489F-BD88-1F9B4515F210}" destId="{2ED54C4C-C596-4673-9F23-5A60E5E52C42}" srcOrd="0" destOrd="4" presId="urn:microsoft.com/office/officeart/2011/layout/TabList"/>
     <dgm:cxn modelId="{B04E65B2-D544-4518-81D8-119CBC06D95E}" srcId="{3131B084-8300-4254-80E8-8A5B4AFDF80C}" destId="{79377902-807A-49F7-9946-D118DCC98C98}" srcOrd="2" destOrd="0" parTransId="{41030F3F-0DAF-4619-80E0-0ED8DE21F670}" sibTransId="{43E1ABED-FE20-451B-A23C-BF0CB4874953}"/>
@@ -4177,15 +4351,17 @@
     <dgm:cxn modelId="{881C68D0-05F8-4A78-A036-32C5DE591A5B}" type="presOf" srcId="{9AC290B2-2994-4861-964C-2A4AD1AD6DA6}" destId="{40B5902B-4605-48C6-82DF-7D0401FD59B7}" srcOrd="0" destOrd="3" presId="urn:microsoft.com/office/officeart/2011/layout/TabList"/>
     <dgm:cxn modelId="{C796E1DC-BA08-41AE-81DE-5426DBE32171}" type="presOf" srcId="{CD0E965D-4B6E-4645-BC9C-E56F9B94DAE3}" destId="{A985AD0C-AF2E-4584-BC01-4F9C20AE81DF}" srcOrd="0" destOrd="0" presId="urn:microsoft.com/office/officeart/2011/layout/TabList"/>
     <dgm:cxn modelId="{AEEBC5DF-E4D9-4506-A66E-EDC5A5D5FA54}" srcId="{B01B9BB0-D6EC-4476-ABB9-F46E0D457204}" destId="{732B6412-D9E8-43BE-BBF1-D4902792A55C}" srcOrd="1" destOrd="0" parTransId="{7D2F79F0-8023-43EA-A9C4-D4AA0CB72FEA}" sibTransId="{4A378C7D-7008-4442-B2D9-0ACF40BB8960}"/>
+    <dgm:cxn modelId="{CCB062EF-B5F9-446E-84C6-7007511B379E}" srcId="{31600017-4225-4C7C-B294-0506920D6A8A}" destId="{871D63FE-FEEA-4B41-AF96-115397DA55EA}" srcOrd="1" destOrd="0" parTransId="{B287CEE2-4AD5-4A97-9399-03FFE921CF6A}" sibTransId="{8E03F21E-BC3E-40CD-9553-3F6A1931637D}"/>
+    <dgm:cxn modelId="{53C649F1-9843-4B11-835C-0ACB93FB44F8}" srcId="{31600017-4225-4C7C-B294-0506920D6A8A}" destId="{993A8677-3F50-4E97-84D3-A2059B9161F0}" srcOrd="0" destOrd="0" parTransId="{A8451468-F312-48EE-BCB4-675720BBEB3B}" sibTransId="{2D48AAEA-C9C2-4FC1-8187-E1B136AF7E34}"/>
     <dgm:cxn modelId="{8BB46EF1-8C0A-4FA0-8B61-070B12ABA0B3}" srcId="{3131B084-8300-4254-80E8-8A5B4AFDF80C}" destId="{F0809F4B-C690-47AE-9574-41299CFD4500}" srcOrd="1" destOrd="0" parTransId="{239A7E67-3457-49CD-848F-91D95091E9DE}" sibTransId="{A56571A2-66CD-412A-A32B-356EE7A2A9EB}"/>
-    <dgm:cxn modelId="{3F0CE2F4-0585-4108-BE6F-2ED8E44A88DD}" type="presOf" srcId="{E5BBF645-F752-472A-9AA2-768A842D6B15}" destId="{90686D98-99F9-4A9F-B7EE-533BF1284C65}" srcOrd="0" destOrd="1" presId="urn:microsoft.com/office/officeart/2011/layout/TabList"/>
+    <dgm:cxn modelId="{A0F6C7F9-DE24-4FA2-BD55-2CFC3D2BC067}" srcId="{870729E9-A677-4A42-9AFF-C997B9E0711B}" destId="{9F9880D0-A14F-4F15-9A04-FB0D6A9998BC}" srcOrd="2" destOrd="0" parTransId="{3E2E454A-F960-4B11-9D8A-5359A4F8A5C6}" sibTransId="{25FB55EE-CB86-435F-A0E3-2631A44BF9CB}"/>
     <dgm:cxn modelId="{8CC2B2FB-8192-4EC2-B74F-21F98442F987}" type="presOf" srcId="{D7AA6F7B-4CAC-44F2-B276-21A8EB59497B}" destId="{40B5902B-4605-48C6-82DF-7D0401FD59B7}" srcOrd="0" destOrd="4" presId="urn:microsoft.com/office/officeart/2011/layout/TabList"/>
     <dgm:cxn modelId="{87ADEEFC-E4D4-4852-9935-9FBDEC4A7A53}" srcId="{6A690DC7-CEEE-4CDA-B833-0E0E8EAAD355}" destId="{B2C3CE44-CF6B-41FC-8CFD-D5D9A2590707}" srcOrd="1" destOrd="0" parTransId="{493EAA37-491C-4C5A-A8A1-01F2985F4380}" sibTransId="{6834F2FA-494B-4CB5-8473-FBFF07C195D3}"/>
     <dgm:cxn modelId="{7A296670-9411-4277-9054-C3ACA5B7639D}" type="presParOf" srcId="{52B87E7C-9D24-4B4A-BEB4-DE271C184E6E}" destId="{5DABD6A9-88B8-46A6-B77B-D97A0DA2DBE8}" srcOrd="0" destOrd="0" presId="urn:microsoft.com/office/officeart/2011/layout/TabList"/>
     <dgm:cxn modelId="{59ADB501-CB3C-402E-B208-2E6B29B57231}" type="presParOf" srcId="{5DABD6A9-88B8-46A6-B77B-D97A0DA2DBE8}" destId="{E5A2FA0C-6831-42B7-B1B9-7B55A5F108CD}" srcOrd="0" destOrd="0" presId="urn:microsoft.com/office/officeart/2011/layout/TabList"/>
     <dgm:cxn modelId="{CC49E876-6A6B-42D1-81C7-C8D69C532FBA}" type="presParOf" srcId="{5DABD6A9-88B8-46A6-B77B-D97A0DA2DBE8}" destId="{EF790F6E-B6F5-47CB-B9AE-AF5533EC1222}" srcOrd="1" destOrd="0" presId="urn:microsoft.com/office/officeart/2011/layout/TabList"/>
     <dgm:cxn modelId="{10D8514F-D8AA-4686-82CC-31D73BAE3F6F}" type="presParOf" srcId="{5DABD6A9-88B8-46A6-B77B-D97A0DA2DBE8}" destId="{27976924-E2E8-4866-AA84-6A8B9CEC6D66}" srcOrd="2" destOrd="0" presId="urn:microsoft.com/office/officeart/2011/layout/TabList"/>
-    <dgm:cxn modelId="{3DB3E88F-8D83-498D-B588-260C728BC04A}" type="presParOf" srcId="{52B87E7C-9D24-4B4A-BEB4-DE271C184E6E}" destId="{90686D98-99F9-4A9F-B7EE-533BF1284C65}" srcOrd="1" destOrd="0" presId="urn:microsoft.com/office/officeart/2011/layout/TabList"/>
+    <dgm:cxn modelId="{DBBFC97E-7523-4C86-AF67-3665D498705F}" type="presParOf" srcId="{52B87E7C-9D24-4B4A-BEB4-DE271C184E6E}" destId="{0B28D6EC-DF46-410F-B9A0-2CF1D6439843}" srcOrd="1" destOrd="0" presId="urn:microsoft.com/office/officeart/2011/layout/TabList"/>
     <dgm:cxn modelId="{C8454352-FE8A-48D2-A7D9-82147FC1EE98}" type="presParOf" srcId="{52B87E7C-9D24-4B4A-BEB4-DE271C184E6E}" destId="{E7C2E9BC-9F4E-4F3C-9022-2C258767890C}" srcOrd="2" destOrd="0" presId="urn:microsoft.com/office/officeart/2011/layout/TabList"/>
     <dgm:cxn modelId="{E099522D-0B5F-4824-B431-0FF5EF055F6A}" type="presParOf" srcId="{52B87E7C-9D24-4B4A-BEB4-DE271C184E6E}" destId="{817F6F32-3C6A-451F-8269-FB1AD5D7013C}" srcOrd="3" destOrd="0" presId="urn:microsoft.com/office/officeart/2011/layout/TabList"/>
     <dgm:cxn modelId="{AAB41341-3487-402E-A45B-F905F3F7DD5A}" type="presParOf" srcId="{817F6F32-3C6A-451F-8269-FB1AD5D7013C}" destId="{0061A237-10AC-4CFE-B0A3-D71238728053}" srcOrd="0" destOrd="0" presId="urn:microsoft.com/office/officeart/2011/layout/TabList"/>
@@ -4900,15 +5076,19 @@
         <a:prstGeom prst="rect">
           <a:avLst/>
         </a:prstGeom>
-        <a:solidFill>
-          <a:schemeClr val="dk2">
-            <a:tint val="50000"/>
-            <a:hueOff val="0"/>
-            <a:satOff val="0"/>
-            <a:lumOff val="0"/>
-            <a:alphaOff val="0"/>
-          </a:schemeClr>
-        </a:solidFill>
+        <a:blipFill>
+          <a:blip xmlns:r="http://schemas.openxmlformats.org/officeDocument/2006/relationships" r:embed="rId2">
+            <a:extLst>
+              <a:ext uri="{28A0092B-C50C-407E-A947-70E740481C1C}">
+                <a14:useLocalDpi xmlns:a14="http://schemas.microsoft.com/office/drawing/2010/main" val="0"/>
+              </a:ext>
+            </a:extLst>
+          </a:blip>
+          <a:srcRect/>
+          <a:stretch>
+            <a:fillRect/>
+          </a:stretch>
+        </a:blipFill>
         <a:ln w="12700" cap="flat" cmpd="sng" algn="ctr">
           <a:solidFill>
             <a:schemeClr val="dk2">
@@ -5104,15 +5284,22 @@
         <a:prstGeom prst="rect">
           <a:avLst/>
         </a:prstGeom>
-        <a:solidFill>
-          <a:schemeClr val="dk2">
-            <a:tint val="50000"/>
-            <a:hueOff val="0"/>
-            <a:satOff val="0"/>
-            <a:lumOff val="0"/>
-            <a:alphaOff val="0"/>
-          </a:schemeClr>
-        </a:solidFill>
+        <a:blipFill>
+          <a:blip xmlns:r="http://schemas.openxmlformats.org/officeDocument/2006/relationships" r:embed="rId3">
+            <a:extLst>
+              <a:ext uri="{28A0092B-C50C-407E-A947-70E740481C1C}">
+                <a14:useLocalDpi xmlns:a14="http://schemas.microsoft.com/office/drawing/2010/main" val="0"/>
+              </a:ext>
+              <a:ext uri="{96DAC541-7B7A-43D3-8B79-37D633B846F1}">
+                <asvg:svgBlip xmlns:asvg="http://schemas.microsoft.com/office/drawing/2016/SVG/main" r:embed="rId4"/>
+              </a:ext>
+            </a:extLst>
+          </a:blip>
+          <a:srcRect/>
+          <a:stretch>
+            <a:fillRect t="-9000" b="-9000"/>
+          </a:stretch>
+        </a:blipFill>
         <a:ln w="12700" cap="flat" cmpd="sng" algn="ctr">
           <a:solidFill>
             <a:schemeClr val="dk2">
@@ -5578,7 +5765,7 @@
         <a:ext cx="2325920" cy="373192"/>
       </dsp:txXfrm>
     </dsp:sp>
-    <dsp:sp modelId="{90686D98-99F9-4A9F-B7EE-533BF1284C65}">
+    <dsp:sp modelId="{0B28D6EC-DF46-410F-B9A0-2CF1D6439843}">
       <dsp:nvSpPr>
         <dsp:cNvPr id="0" name=""/>
         <dsp:cNvSpPr/>
@@ -5625,13 +5812,14 @@
             <a:spcAft>
               <a:spcPct val="15000"/>
             </a:spcAft>
+            <a:buFont typeface="Arial" panose="020B0604020202020204" pitchFamily="34" charset="0"/>
             <a:buChar char="•"/>
           </a:pPr>
           <a:r>
-            <a:rPr lang="en-US" sz="800" kern="1200" dirty="0" err="1"/>
+            <a:rPr lang="en-US" sz="800" b="0" i="0" u="none" kern="1200" dirty="0" err="1"/>
             <a:t>Keras</a:t>
           </a:r>
-          <a:endParaRPr lang="en-US" sz="800" kern="1200" dirty="0"/>
+          <a:endParaRPr lang="en-US" sz="800" b="0" i="0" u="none" kern="1200" dirty="0"/>
         </a:p>
         <a:p>
           <a:pPr marL="114300" lvl="2" indent="-57150" algn="l" defTabSz="355600">
@@ -5644,9 +5832,70 @@
             <a:spcAft>
               <a:spcPct val="15000"/>
             </a:spcAft>
+            <a:buFont typeface="Arial" panose="020B0604020202020204" pitchFamily="34" charset="0"/>
             <a:buChar char="•"/>
           </a:pPr>
-          <a:endParaRPr lang="en-US" sz="800" kern="1200" dirty="0"/>
+          <a:r>
+            <a:rPr lang="en-US" sz="800" b="0" i="0" u="none" kern="1200" dirty="0"/>
+            <a:t>A user-friendly framework for creating Neural Networks based off of a variety of underlying frameworks</a:t>
+          </a:r>
+        </a:p>
+        <a:p>
+          <a:pPr marL="114300" lvl="2" indent="-57150" algn="l" defTabSz="355600">
+            <a:lnSpc>
+              <a:spcPct val="90000"/>
+            </a:lnSpc>
+            <a:spcBef>
+              <a:spcPct val="0"/>
+            </a:spcBef>
+            <a:spcAft>
+              <a:spcPct val="15000"/>
+            </a:spcAft>
+            <a:buFont typeface="Arial" panose="020B0604020202020204" pitchFamily="34" charset="0"/>
+            <a:buChar char="•"/>
+          </a:pPr>
+          <a:r>
+            <a:rPr lang="en-US" sz="800" b="0" i="0" u="none" kern="1200" dirty="0"/>
+            <a:t>Several built-in layer types for creating many DNN structures</a:t>
+          </a:r>
+        </a:p>
+        <a:p>
+          <a:pPr marL="57150" lvl="1" indent="-57150" algn="l" defTabSz="355600">
+            <a:lnSpc>
+              <a:spcPct val="90000"/>
+            </a:lnSpc>
+            <a:spcBef>
+              <a:spcPct val="0"/>
+            </a:spcBef>
+            <a:spcAft>
+              <a:spcPct val="15000"/>
+            </a:spcAft>
+            <a:buFont typeface="Arial" panose="020B0604020202020204" pitchFamily="34" charset="0"/>
+            <a:buChar char="•"/>
+          </a:pPr>
+          <a:r>
+            <a:rPr lang="en-US" sz="800" b="0" i="0" u="none" kern="1200"/>
+            <a:t>TensorFLow</a:t>
+          </a:r>
+        </a:p>
+        <a:p>
+          <a:pPr marL="114300" lvl="2" indent="-57150" algn="l" defTabSz="355600">
+            <a:lnSpc>
+              <a:spcPct val="90000"/>
+            </a:lnSpc>
+            <a:spcBef>
+              <a:spcPct val="0"/>
+            </a:spcBef>
+            <a:spcAft>
+              <a:spcPct val="15000"/>
+            </a:spcAft>
+            <a:buFont typeface="Arial" panose="020B0604020202020204" pitchFamily="34" charset="0"/>
+            <a:buChar char="•"/>
+          </a:pPr>
+          <a:r>
+            <a:rPr lang="en-US" sz="800" b="0" i="0" u="none" kern="1200"/>
+            <a:t>A powerful backend for creating a variety of neural networks, however it is not terribly simple to use which is why Keras was run on top</a:t>
+          </a:r>
         </a:p>
       </dsp:txBody>
       <dsp:txXfrm>
@@ -14472,6 +14721,113 @@
           <p:cNvPr id="2" name="Title 1">
             <a:extLst>
               <a:ext uri="{FF2B5EF4-FFF2-40B4-BE49-F238E27FC236}">
+                <a16:creationId xmlns:a16="http://schemas.microsoft.com/office/drawing/2014/main" id="{686E4A10-BD82-4E95-8DCE-D950D22369F9}"/>
+              </a:ext>
+            </a:extLst>
+          </p:cNvPr>
+          <p:cNvSpPr>
+            <a:spLocks noGrp="1"/>
+          </p:cNvSpPr>
+          <p:nvPr>
+            <p:ph type="title"/>
+          </p:nvPr>
+        </p:nvSpPr>
+        <p:spPr/>
+        <p:txBody>
+          <a:bodyPr/>
+          <a:lstStyle/>
+          <a:p>
+            <a:r>
+              <a:rPr lang="en-US" dirty="0"/>
+              <a:t>Motivation:</a:t>
+            </a:r>
+          </a:p>
+        </p:txBody>
+      </p:sp>
+      <p:sp>
+        <p:nvSpPr>
+          <p:cNvPr id="3" name="Content Placeholder 2">
+            <a:extLst>
+              <a:ext uri="{FF2B5EF4-FFF2-40B4-BE49-F238E27FC236}">
+                <a16:creationId xmlns:a16="http://schemas.microsoft.com/office/drawing/2014/main" id="{73554622-4B4A-4E20-987C-B9E9483380DB}"/>
+              </a:ext>
+            </a:extLst>
+          </p:cNvPr>
+          <p:cNvSpPr>
+            <a:spLocks noGrp="1"/>
+          </p:cNvSpPr>
+          <p:nvPr>
+            <p:ph idx="1"/>
+          </p:nvPr>
+        </p:nvSpPr>
+        <p:spPr/>
+        <p:txBody>
+          <a:bodyPr/>
+          <a:lstStyle/>
+          <a:p>
+            <a:pPr marL="0" indent="0">
+              <a:buNone/>
+            </a:pPr>
+            <a:r>
+              <a:rPr lang="en-US" dirty="0"/>
+              <a:t>The purpose of our system is to utilize deep neural network machine learning to generate price movement predictions on equities like publicly traded stocks. Generally speaking, the stock market is widely understood to move in historically repeatable patterns. Given that deep neural networks are particularly adept at detecting patterns, we felt they were a fantastic fit for this sort of endeavor. </a:t>
+            </a:r>
+          </a:p>
+          <a:p>
+            <a:pPr marL="0" indent="0">
+              <a:buNone/>
+            </a:pPr>
+            <a:r>
+              <a:rPr lang="en-US" dirty="0"/>
+              <a:t>We were inspired by the trail blazing success of the Renaissance Medallion fund which acts as a wonderful proof of concept for our idea. The fund was created in 1988 and since its inception, it has produced an estimated 39% average annual return without fail. The fund operates using only technical pattern analysis and quantitative algorithms, but everything is very privately controlled. Our product seeks to bring the power of pure technical analysis to the retail trader. </a:t>
+            </a:r>
+          </a:p>
+          <a:p>
+            <a:pPr marL="0" indent="0">
+              <a:buNone/>
+            </a:pPr>
+            <a:br>
+              <a:rPr lang="en-US" dirty="0"/>
+            </a:br>
+            <a:endParaRPr lang="en-US" dirty="0"/>
+          </a:p>
+        </p:txBody>
+      </p:sp>
+    </p:spTree>
+    <p:extLst>
+      <p:ext uri="{BB962C8B-B14F-4D97-AF65-F5344CB8AC3E}">
+        <p14:creationId xmlns:p14="http://schemas.microsoft.com/office/powerpoint/2010/main" val="106603093"/>
+      </p:ext>
+    </p:extLst>
+  </p:cSld>
+  <p:clrMapOvr>
+    <a:masterClrMapping/>
+  </p:clrMapOvr>
+</p:sld>
+</file>
+
+<file path=ppt/slides/slide4.xml><?xml version="1.0" encoding="utf-8"?>
+<p:sld xmlns:a="http://schemas.openxmlformats.org/drawingml/2006/main" xmlns:r="http://schemas.openxmlformats.org/officeDocument/2006/relationships" xmlns:p="http://schemas.openxmlformats.org/presentationml/2006/main">
+  <p:cSld>
+    <p:spTree>
+      <p:nvGrpSpPr>
+        <p:cNvPr id="1" name=""/>
+        <p:cNvGrpSpPr/>
+        <p:nvPr/>
+      </p:nvGrpSpPr>
+      <p:grpSpPr>
+        <a:xfrm>
+          <a:off x="0" y="0"/>
+          <a:ext cx="0" cy="0"/>
+          <a:chOff x="0" y="0"/>
+          <a:chExt cx="0" cy="0"/>
+        </a:xfrm>
+      </p:grpSpPr>
+      <p:sp>
+        <p:nvSpPr>
+          <p:cNvPr id="2" name="Title 1">
+            <a:extLst>
+              <a:ext uri="{FF2B5EF4-FFF2-40B4-BE49-F238E27FC236}">
                 <a16:creationId xmlns:a16="http://schemas.microsoft.com/office/drawing/2014/main" id="{8C0E7436-411A-4742-90F3-2C2819754389}"/>
               </a:ext>
             </a:extLst>
@@ -14642,7 +14998,104 @@
 </p:sld>
 </file>
 
-<file path=ppt/slides/slide4.xml><?xml version="1.0" encoding="utf-8"?>
+<file path=ppt/slides/slide5.xml><?xml version="1.0" encoding="utf-8"?>
+<p:sld xmlns:a="http://schemas.openxmlformats.org/drawingml/2006/main" xmlns:r="http://schemas.openxmlformats.org/officeDocument/2006/relationships" xmlns:p="http://schemas.openxmlformats.org/presentationml/2006/main">
+  <p:cSld>
+    <p:spTree>
+      <p:nvGrpSpPr>
+        <p:cNvPr id="1" name=""/>
+        <p:cNvGrpSpPr/>
+        <p:nvPr/>
+      </p:nvGrpSpPr>
+      <p:grpSpPr>
+        <a:xfrm>
+          <a:off x="0" y="0"/>
+          <a:ext cx="0" cy="0"/>
+          <a:chOff x="0" y="0"/>
+          <a:chExt cx="0" cy="0"/>
+        </a:xfrm>
+      </p:grpSpPr>
+      <p:sp>
+        <p:nvSpPr>
+          <p:cNvPr id="2" name="Title 1">
+            <a:extLst>
+              <a:ext uri="{FF2B5EF4-FFF2-40B4-BE49-F238E27FC236}">
+                <a16:creationId xmlns:a16="http://schemas.microsoft.com/office/drawing/2014/main" id="{DE0BEB04-2BE7-4A87-BF46-11CD30234F2C}"/>
+              </a:ext>
+            </a:extLst>
+          </p:cNvPr>
+          <p:cNvSpPr>
+            <a:spLocks noGrp="1"/>
+          </p:cNvSpPr>
+          <p:nvPr>
+            <p:ph type="title"/>
+          </p:nvPr>
+        </p:nvSpPr>
+        <p:spPr/>
+        <p:txBody>
+          <a:bodyPr/>
+          <a:lstStyle/>
+          <a:p>
+            <a:r>
+              <a:rPr lang="en-US" dirty="0"/>
+              <a:t>Why </a:t>
+            </a:r>
+            <a:r>
+              <a:rPr lang="en-US" dirty="0" err="1"/>
+              <a:t>Zoltar</a:t>
+            </a:r>
+            <a:r>
+              <a:rPr lang="en-US" dirty="0"/>
+              <a:t>?</a:t>
+            </a:r>
+          </a:p>
+        </p:txBody>
+      </p:sp>
+      <p:sp>
+        <p:nvSpPr>
+          <p:cNvPr id="3" name="Content Placeholder 2">
+            <a:extLst>
+              <a:ext uri="{FF2B5EF4-FFF2-40B4-BE49-F238E27FC236}">
+                <a16:creationId xmlns:a16="http://schemas.microsoft.com/office/drawing/2014/main" id="{B522EFFA-248F-473A-9F8C-50B56DF1B07B}"/>
+              </a:ext>
+            </a:extLst>
+          </p:cNvPr>
+          <p:cNvSpPr>
+            <a:spLocks noGrp="1"/>
+          </p:cNvSpPr>
+          <p:nvPr>
+            <p:ph idx="1"/>
+          </p:nvPr>
+        </p:nvSpPr>
+        <p:spPr/>
+        <p:txBody>
+          <a:bodyPr/>
+          <a:lstStyle/>
+          <a:p>
+            <a:pPr marL="0" indent="0">
+              <a:buNone/>
+            </a:pPr>
+            <a:r>
+              <a:rPr lang="en-US" dirty="0"/>
+              <a:t>There are an infinite number of trading systems which attempt to arbitrarily predict the future. These systems include the likes of Elliot wave retracement patterns, support and resistance price action systems, Fibonacci retracement levels, trend lines, channels, over bought\over sold relative strength index divergence, and even automated quantitative news forecast analysis. Except for news analysis, all of these methods require the retail trader to so many lines on their chart that it starts to look like spaghetti. Not only that, but given the completely arbitrary nature of many of these systems (like trend lines) the retail trader is better off flipping coins then they are trying to guess what the market is doing next. Our solution is infinitely better than these methods because it takes the labor-intensive pattern identification out of the traders hands and gives them a historic edge in their trading. This enables them to stop being the gambler and in effect become the casino.</a:t>
+            </a:r>
+          </a:p>
+        </p:txBody>
+      </p:sp>
+    </p:spTree>
+    <p:extLst>
+      <p:ext uri="{BB962C8B-B14F-4D97-AF65-F5344CB8AC3E}">
+        <p14:creationId xmlns:p14="http://schemas.microsoft.com/office/powerpoint/2010/main" val="3834155029"/>
+      </p:ext>
+    </p:extLst>
+  </p:cSld>
+  <p:clrMapOvr>
+    <a:masterClrMapping/>
+  </p:clrMapOvr>
+</p:sld>
+</file>
+
+<file path=ppt/slides/slide6.xml><?xml version="1.0" encoding="utf-8"?>
 <p:sld xmlns:a="http://schemas.openxmlformats.org/drawingml/2006/main" xmlns:r="http://schemas.openxmlformats.org/officeDocument/2006/relationships" xmlns:p="http://schemas.openxmlformats.org/presentationml/2006/main">
   <p:cSld>
     <p:spTree>
@@ -14845,7 +15298,7 @@
           <p:nvPr>
             <p:extLst>
               <p:ext uri="{D42A27DB-BD31-4B8C-83A1-F6EECF244321}">
-                <p14:modId xmlns:p14="http://schemas.microsoft.com/office/powerpoint/2010/main" val="1764475584"/>
+                <p14:modId xmlns:p14="http://schemas.microsoft.com/office/powerpoint/2010/main" val="2415635744"/>
               </p:ext>
             </p:extLst>
           </p:nvPr>
@@ -14873,7 +15326,7 @@
 </p:sld>
 </file>
 
-<file path=ppt/slides/slide5.xml><?xml version="1.0" encoding="utf-8"?>
+<file path=ppt/slides/slide7.xml><?xml version="1.0" encoding="utf-8"?>
 <p:sld xmlns:a="http://schemas.openxmlformats.org/drawingml/2006/main" xmlns:r="http://schemas.openxmlformats.org/officeDocument/2006/relationships" xmlns:p="http://schemas.openxmlformats.org/presentationml/2006/main">
   <p:cSld>
     <p:spTree>
@@ -14968,7 +15421,7 @@
           <p:nvPr>
             <p:extLst>
               <p:ext uri="{D42A27DB-BD31-4B8C-83A1-F6EECF244321}">
-                <p14:modId xmlns:p14="http://schemas.microsoft.com/office/powerpoint/2010/main" val="2461469198"/>
+                <p14:modId xmlns:p14="http://schemas.microsoft.com/office/powerpoint/2010/main" val="3359654713"/>
               </p:ext>
             </p:extLst>
           </p:nvPr>
@@ -14987,6 +15440,111 @@
     <p:extLst>
       <p:ext uri="{BB962C8B-B14F-4D97-AF65-F5344CB8AC3E}">
         <p14:creationId xmlns:p14="http://schemas.microsoft.com/office/powerpoint/2010/main" val="1789423529"/>
+      </p:ext>
+    </p:extLst>
+  </p:cSld>
+  <p:clrMapOvr>
+    <a:masterClrMapping/>
+  </p:clrMapOvr>
+</p:sld>
+</file>
+
+<file path=ppt/slides/slide8.xml><?xml version="1.0" encoding="utf-8"?>
+<p:sld xmlns:a="http://schemas.openxmlformats.org/drawingml/2006/main" xmlns:r="http://schemas.openxmlformats.org/officeDocument/2006/relationships" xmlns:p="http://schemas.openxmlformats.org/presentationml/2006/main">
+  <p:cSld>
+    <p:spTree>
+      <p:nvGrpSpPr>
+        <p:cNvPr id="1" name=""/>
+        <p:cNvGrpSpPr/>
+        <p:nvPr/>
+      </p:nvGrpSpPr>
+      <p:grpSpPr>
+        <a:xfrm>
+          <a:off x="0" y="0"/>
+          <a:ext cx="0" cy="0"/>
+          <a:chOff x="0" y="0"/>
+          <a:chExt cx="0" cy="0"/>
+        </a:xfrm>
+      </p:grpSpPr>
+      <p:sp>
+        <p:nvSpPr>
+          <p:cNvPr id="2" name="Title 1">
+            <a:extLst>
+              <a:ext uri="{FF2B5EF4-FFF2-40B4-BE49-F238E27FC236}">
+                <a16:creationId xmlns:a16="http://schemas.microsoft.com/office/drawing/2014/main" id="{AAFAC4BB-6BAC-4CC1-A0C1-6668F961C87B}"/>
+              </a:ext>
+            </a:extLst>
+          </p:cNvPr>
+          <p:cNvSpPr>
+            <a:spLocks noGrp="1"/>
+          </p:cNvSpPr>
+          <p:nvPr>
+            <p:ph type="title"/>
+          </p:nvPr>
+        </p:nvSpPr>
+        <p:spPr/>
+        <p:txBody>
+          <a:bodyPr/>
+          <a:lstStyle/>
+          <a:p>
+            <a:r>
+              <a:rPr lang="en-US" dirty="0"/>
+              <a:t>Future plans:</a:t>
+            </a:r>
+          </a:p>
+        </p:txBody>
+      </p:sp>
+      <p:sp>
+        <p:nvSpPr>
+          <p:cNvPr id="3" name="Content Placeholder 2">
+            <a:extLst>
+              <a:ext uri="{FF2B5EF4-FFF2-40B4-BE49-F238E27FC236}">
+                <a16:creationId xmlns:a16="http://schemas.microsoft.com/office/drawing/2014/main" id="{3D2F5E70-A29C-43D5-8BF1-ED717298AAEE}"/>
+              </a:ext>
+            </a:extLst>
+          </p:cNvPr>
+          <p:cNvSpPr>
+            <a:spLocks noGrp="1"/>
+          </p:cNvSpPr>
+          <p:nvPr>
+            <p:ph idx="1"/>
+          </p:nvPr>
+        </p:nvSpPr>
+        <p:spPr/>
+        <p:txBody>
+          <a:bodyPr/>
+          <a:lstStyle/>
+          <a:p>
+            <a:pPr marL="0" indent="0">
+              <a:buNone/>
+            </a:pPr>
+            <a:r>
+              <a:rPr lang="en-US" dirty="0"/>
+              <a:t>In the future we would love to improve our data accessibility. In the current state of the program we are incapable of giving predictions in more granular segments than 100 days which unfortunately makes the system effectively useless. This problem would be easily solved if we could procure and store minute by minute price movement data as apposed to daily price data. The reason that we didn’t do this in the first place wasn’t a technical limitation, it would be quite easy to train the DNN using 100-minute intervals instead of 100 day intervals. The problem is that procuring the large quantities of minute by minute data is extremely expensive unless you can find a creative way to do it or you can find an affordable service for the data that lets you hook into their database. If we were to continue development on this project, the procurement of this data would be necessary. We were able to find a service later on in development which offers this real-time price data our DNN would need to make appropriate predictions and its name is </a:t>
+            </a:r>
+            <a:r>
+              <a:rPr lang="en-US" dirty="0" err="1"/>
+              <a:t>Quanttopia</a:t>
+            </a:r>
+            <a:r>
+              <a:rPr lang="en-US" dirty="0"/>
+              <a:t>. To utilize this service, we would need to cut the application portion of the project and focus solely on the DNN prediction model within the toolkit platform offered by </a:t>
+            </a:r>
+            <a:r>
+              <a:rPr lang="en-US" dirty="0" err="1"/>
+              <a:t>Quanttopia</a:t>
+            </a:r>
+            <a:r>
+              <a:rPr lang="en-US" dirty="0"/>
+              <a:t>. </a:t>
+            </a:r>
+          </a:p>
+        </p:txBody>
+      </p:sp>
+    </p:spTree>
+    <p:extLst>
+      <p:ext uri="{BB962C8B-B14F-4D97-AF65-F5344CB8AC3E}">
+        <p14:creationId xmlns:p14="http://schemas.microsoft.com/office/powerpoint/2010/main" val="2323226650"/>
       </p:ext>
     </p:extLst>
   </p:cSld>
@@ -15273,24 +15831,6 @@
 </file>
 
 <file path=customXml/item1.xml><?xml version="1.0" encoding="utf-8"?>
-<p:properties xmlns:p="http://schemas.microsoft.com/office/2006/metadata/properties" xmlns:xsi="http://www.w3.org/2001/XMLSchema-instance" xmlns:pc="http://schemas.microsoft.com/office/infopath/2007/PartnerControls">
-  <documentManagement>
-    <Status xmlns="71af3243-3dd4-4a8d-8c0d-dd76da1f02a5">Not started</Status>
-    <MediaServiceKeyPoints xmlns="71af3243-3dd4-4a8d-8c0d-dd76da1f02a5" xsi:nil="true"/>
-  </documentManagement>
-</p:properties>
-</file>
-
-<file path=customXml/item2.xml><?xml version="1.0" encoding="utf-8"?>
-<?mso-contentType ?>
-<FormTemplates xmlns="http://schemas.microsoft.com/sharepoint/v3/contenttype/forms">
-  <Display>DocumentLibraryForm</Display>
-  <Edit>DocumentLibraryForm</Edit>
-  <New>DocumentLibraryForm</New>
-</FormTemplates>
-</file>
-
-<file path=customXml/item3.xml><?xml version="1.0" encoding="utf-8"?>
 <ct:contentTypeSchema xmlns:ct="http://schemas.microsoft.com/office/2006/metadata/contentType" xmlns:ma="http://schemas.microsoft.com/office/2006/metadata/properties/metaAttributes" ct:_="" ma:_="" ma:contentTypeName="Document" ma:contentTypeID="0x01010079F111ED35F8CC479449609E8A0923A6" ma:contentTypeVersion="12" ma:contentTypeDescription="Create a new document." ma:contentTypeScope="" ma:versionID="a410dd7f93c95333ffa1b60ed6adedd1">
   <xsd:schema xmlns:xsd="http://www.w3.org/2001/XMLSchema" xmlns:xs="http://www.w3.org/2001/XMLSchema" xmlns:p="http://schemas.microsoft.com/office/2006/metadata/properties" xmlns:ns2="71af3243-3dd4-4a8d-8c0d-dd76da1f02a5" xmlns:ns3="16c05727-aa75-4e4a-9b5f-8a80a1165891" targetNamespace="http://schemas.microsoft.com/office/2006/metadata/properties" ma:root="true" ma:fieldsID="a936d9baba76aa3866493feff160faab" ns2:_="" ns3:_="">
     <xsd:import namespace="71af3243-3dd4-4a8d-8c0d-dd76da1f02a5"/>
@@ -15511,25 +16051,25 @@
 </ct:contentTypeSchema>
 </file>
 
-<file path=customXml/itemProps1.xml><?xml version="1.0" encoding="utf-8"?>
-<ds:datastoreItem xmlns:ds="http://schemas.openxmlformats.org/officeDocument/2006/customXml" ds:itemID="{137651BA-F45C-4845-9AB3-E0A65B39F5E1}">
-  <ds:schemaRefs>
-    <ds:schemaRef ds:uri="http://schemas.microsoft.com/office/2006/metadata/properties"/>
-    <ds:schemaRef ds:uri="http://schemas.microsoft.com/office/infopath/2007/PartnerControls"/>
-    <ds:schemaRef ds:uri="71af3243-3dd4-4a8d-8c0d-dd76da1f02a5"/>
-  </ds:schemaRefs>
-</ds:datastoreItem>
+<file path=customXml/item2.xml><?xml version="1.0" encoding="utf-8"?>
+<?mso-contentType ?>
+<FormTemplates xmlns="http://schemas.microsoft.com/sharepoint/v3/contenttype/forms">
+  <Display>DocumentLibraryForm</Display>
+  <Edit>DocumentLibraryForm</Edit>
+  <New>DocumentLibraryForm</New>
+</FormTemplates>
 </file>
 
-<file path=customXml/itemProps2.xml><?xml version="1.0" encoding="utf-8"?>
-<ds:datastoreItem xmlns:ds="http://schemas.openxmlformats.org/officeDocument/2006/customXml" ds:itemID="{CDB58277-F8DF-46FF-84EC-EF41B835E69F}">
-  <ds:schemaRefs>
-    <ds:schemaRef ds:uri="http://schemas.microsoft.com/sharepoint/v3/contenttype/forms"/>
-  </ds:schemaRefs>
-</ds:datastoreItem>
+<file path=customXml/item3.xml><?xml version="1.0" encoding="utf-8"?>
+<p:properties xmlns:p="http://schemas.microsoft.com/office/2006/metadata/properties" xmlns:xsi="http://www.w3.org/2001/XMLSchema-instance" xmlns:pc="http://schemas.microsoft.com/office/infopath/2007/PartnerControls">
+  <documentManagement>
+    <Status xmlns="71af3243-3dd4-4a8d-8c0d-dd76da1f02a5">Not started</Status>
+    <MediaServiceKeyPoints xmlns="71af3243-3dd4-4a8d-8c0d-dd76da1f02a5" xsi:nil="true"/>
+  </documentManagement>
+</p:properties>
 </file>
 
-<file path=customXml/itemProps3.xml><?xml version="1.0" encoding="utf-8"?>
+<file path=customXml/itemProps1.xml><?xml version="1.0" encoding="utf-8"?>
 <ds:datastoreItem xmlns:ds="http://schemas.openxmlformats.org/officeDocument/2006/customXml" ds:itemID="{2D276E62-80A3-44DD-9BCC-97ED2B99B57F}">
   <ds:schemaRefs>
     <ds:schemaRef ds:uri="http://schemas.microsoft.com/office/2006/metadata/contentType"/>
@@ -15546,4 +16086,22 @@
     <ds:schemaRef ds:uri="http://schemas.microsoft.com/internal/obd"/>
   </ds:schemaRefs>
 </ds:datastoreItem>
+</file>
+
+<file path=customXml/itemProps2.xml><?xml version="1.0" encoding="utf-8"?>
+<ds:datastoreItem xmlns:ds="http://schemas.openxmlformats.org/officeDocument/2006/customXml" ds:itemID="{CDB58277-F8DF-46FF-84EC-EF41B835E69F}">
+  <ds:schemaRefs>
+    <ds:schemaRef ds:uri="http://schemas.microsoft.com/sharepoint/v3/contenttype/forms"/>
+  </ds:schemaRefs>
+</ds:datastoreItem>
+</file>
+
+<file path=customXml/itemProps3.xml><?xml version="1.0" encoding="utf-8"?>
+<ds:datastoreItem xmlns:ds="http://schemas.openxmlformats.org/officeDocument/2006/customXml" ds:itemID="{137651BA-F45C-4845-9AB3-E0A65B39F5E1}">
+  <ds:schemaRefs>
+    <ds:schemaRef ds:uri="http://schemas.microsoft.com/office/2006/metadata/properties"/>
+    <ds:schemaRef ds:uri="http://schemas.microsoft.com/office/infopath/2007/PartnerControls"/>
+    <ds:schemaRef ds:uri="71af3243-3dd4-4a8d-8c0d-dd76da1f02a5"/>
+  </ds:schemaRefs>
+</ds:datastoreItem>
 </file>